--- a/docs/setting_gpu_for_window.pptx
+++ b/docs/setting_gpu_for_window.pptx
@@ -11,17 +11,18 @@
     <p:sldId id="259" r:id="rId5"/>
     <p:sldId id="260" r:id="rId6"/>
     <p:sldId id="261" r:id="rId7"/>
-    <p:sldId id="262" r:id="rId8"/>
-    <p:sldId id="263" r:id="rId9"/>
-    <p:sldId id="267" r:id="rId10"/>
-    <p:sldId id="264" r:id="rId11"/>
-    <p:sldId id="265" r:id="rId12"/>
-    <p:sldId id="266" r:id="rId13"/>
-    <p:sldId id="268" r:id="rId14"/>
-    <p:sldId id="269" r:id="rId15"/>
-    <p:sldId id="270" r:id="rId16"/>
-    <p:sldId id="271" r:id="rId17"/>
-    <p:sldId id="272" r:id="rId18"/>
+    <p:sldId id="273" r:id="rId8"/>
+    <p:sldId id="262" r:id="rId9"/>
+    <p:sldId id="263" r:id="rId10"/>
+    <p:sldId id="267" r:id="rId11"/>
+    <p:sldId id="264" r:id="rId12"/>
+    <p:sldId id="265" r:id="rId13"/>
+    <p:sldId id="266" r:id="rId14"/>
+    <p:sldId id="268" r:id="rId15"/>
+    <p:sldId id="269" r:id="rId16"/>
+    <p:sldId id="270" r:id="rId17"/>
+    <p:sldId id="271" r:id="rId18"/>
+    <p:sldId id="272" r:id="rId19"/>
   </p:sldIdLst>
   <p:sldSz cx="12192000" cy="6858000"/>
   <p:notesSz cx="6858000" cy="9144000"/>
@@ -120,6 +121,11 @@
       </a:defRPr>
     </a:lvl9pPr>
   </p:defaultTextStyle>
+  <p:extLst>
+    <p:ext uri="{EFAFB233-063F-42B5-8137-9DF3F51BA10A}">
+      <p15:sldGuideLst xmlns:p15="http://schemas.microsoft.com/office/powerpoint/2012/main"/>
+    </p:ext>
+  </p:extLst>
 </p:presentation>
 </file>
 
@@ -3113,6 +3119,449 @@
             </a:r>
             <a:r>
               <a:rPr lang="ko-KR" altLang="en-US" sz="3300" dirty="0" smtClean="0"/>
+              <a:t>이 안 깔려있는 사람</a:t>
+            </a:r>
+            <a:r>
+              <a:rPr lang="en-US" altLang="ko-KR" sz="3300" dirty="0" smtClean="0"/>
+              <a:t>!</a:t>
+            </a:r>
+            <a:endParaRPr lang="ko-KR" altLang="en-US" sz="3300" dirty="0"/>
+          </a:p>
+        </p:txBody>
+      </p:sp>
+      <p:sp>
+        <p:nvSpPr>
+          <p:cNvPr id="8" name="직사각형 7"/>
+          <p:cNvSpPr/>
+          <p:nvPr/>
+        </p:nvSpPr>
+        <p:spPr>
+          <a:xfrm>
+            <a:off x="3544243" y="1255281"/>
+            <a:ext cx="4594528" cy="369332"/>
+          </a:xfrm>
+          <a:prstGeom prst="rect">
+            <a:avLst/>
+          </a:prstGeom>
+        </p:spPr>
+        <p:txBody>
+          <a:bodyPr wrap="none">
+            <a:spAutoFit/>
+          </a:bodyPr>
+          <a:lstStyle/>
+          <a:p>
+            <a:r>
+              <a:rPr lang="ko-KR" altLang="en-US" dirty="0" smtClean="0"/>
+              <a:t>https://github.com/sano820/windows-gpu</a:t>
+            </a:r>
+            <a:endParaRPr lang="ko-KR" altLang="en-US" dirty="0"/>
+          </a:p>
+        </p:txBody>
+      </p:sp>
+      <p:sp>
+        <p:nvSpPr>
+          <p:cNvPr id="11" name="내용 개체 틀 2"/>
+          <p:cNvSpPr txBox="1">
+            <a:spLocks/>
+          </p:cNvSpPr>
+          <p:nvPr/>
+        </p:nvSpPr>
+        <p:spPr>
+          <a:xfrm>
+            <a:off x="7016320" y="2588944"/>
+            <a:ext cx="4870880" cy="3105705"/>
+          </a:xfrm>
+          <a:prstGeom prst="rect">
+            <a:avLst/>
+          </a:prstGeom>
+        </p:spPr>
+        <p:txBody>
+          <a:bodyPr vert="horz" lIns="91440" tIns="45720" rIns="91440" bIns="45720" rtlCol="0">
+            <a:normAutofit/>
+          </a:bodyPr>
+          <a:lstStyle>
+            <a:lvl1pPr marL="228600" indent="-228600" algn="l" defTabSz="914400" rtl="0" eaLnBrk="1" latinLnBrk="1" hangingPunct="1">
+              <a:lnSpc>
+                <a:spcPct val="90000"/>
+              </a:lnSpc>
+              <a:spcBef>
+                <a:spcPts val="1000"/>
+              </a:spcBef>
+              <a:buFont typeface="Arial" panose="020B0604020202020204" pitchFamily="34" charset="0"/>
+              <a:buChar char="•"/>
+              <a:defRPr sz="2800" kern="1200">
+                <a:solidFill>
+                  <a:schemeClr val="tx1"/>
+                </a:solidFill>
+                <a:latin typeface="+mn-lt"/>
+                <a:ea typeface="+mn-ea"/>
+                <a:cs typeface="+mn-cs"/>
+              </a:defRPr>
+            </a:lvl1pPr>
+            <a:lvl2pPr marL="685800" indent="-228600" algn="l" defTabSz="914400" rtl="0" eaLnBrk="1" latinLnBrk="1" hangingPunct="1">
+              <a:lnSpc>
+                <a:spcPct val="90000"/>
+              </a:lnSpc>
+              <a:spcBef>
+                <a:spcPts val="500"/>
+              </a:spcBef>
+              <a:buFont typeface="Arial" panose="020B0604020202020204" pitchFamily="34" charset="0"/>
+              <a:buChar char="•"/>
+              <a:defRPr sz="2400" kern="1200">
+                <a:solidFill>
+                  <a:schemeClr val="tx1"/>
+                </a:solidFill>
+                <a:latin typeface="+mn-lt"/>
+                <a:ea typeface="+mn-ea"/>
+                <a:cs typeface="+mn-cs"/>
+              </a:defRPr>
+            </a:lvl2pPr>
+            <a:lvl3pPr marL="1143000" indent="-228600" algn="l" defTabSz="914400" rtl="0" eaLnBrk="1" latinLnBrk="1" hangingPunct="1">
+              <a:lnSpc>
+                <a:spcPct val="90000"/>
+              </a:lnSpc>
+              <a:spcBef>
+                <a:spcPts val="500"/>
+              </a:spcBef>
+              <a:buFont typeface="Arial" panose="020B0604020202020204" pitchFamily="34" charset="0"/>
+              <a:buChar char="•"/>
+              <a:defRPr sz="2000" kern="1200">
+                <a:solidFill>
+                  <a:schemeClr val="tx1"/>
+                </a:solidFill>
+                <a:latin typeface="+mn-lt"/>
+                <a:ea typeface="+mn-ea"/>
+                <a:cs typeface="+mn-cs"/>
+              </a:defRPr>
+            </a:lvl3pPr>
+            <a:lvl4pPr marL="1600200" indent="-228600" algn="l" defTabSz="914400" rtl="0" eaLnBrk="1" latinLnBrk="1" hangingPunct="1">
+              <a:lnSpc>
+                <a:spcPct val="90000"/>
+              </a:lnSpc>
+              <a:spcBef>
+                <a:spcPts val="500"/>
+              </a:spcBef>
+              <a:buFont typeface="Arial" panose="020B0604020202020204" pitchFamily="34" charset="0"/>
+              <a:buChar char="•"/>
+              <a:defRPr sz="1800" kern="1200">
+                <a:solidFill>
+                  <a:schemeClr val="tx1"/>
+                </a:solidFill>
+                <a:latin typeface="+mn-lt"/>
+                <a:ea typeface="+mn-ea"/>
+                <a:cs typeface="+mn-cs"/>
+              </a:defRPr>
+            </a:lvl4pPr>
+            <a:lvl5pPr marL="2057400" indent="-228600" algn="l" defTabSz="914400" rtl="0" eaLnBrk="1" latinLnBrk="1" hangingPunct="1">
+              <a:lnSpc>
+                <a:spcPct val="90000"/>
+              </a:lnSpc>
+              <a:spcBef>
+                <a:spcPts val="500"/>
+              </a:spcBef>
+              <a:buFont typeface="Arial" panose="020B0604020202020204" pitchFamily="34" charset="0"/>
+              <a:buChar char="•"/>
+              <a:defRPr sz="1800" kern="1200">
+                <a:solidFill>
+                  <a:schemeClr val="tx1"/>
+                </a:solidFill>
+                <a:latin typeface="+mn-lt"/>
+                <a:ea typeface="+mn-ea"/>
+                <a:cs typeface="+mn-cs"/>
+              </a:defRPr>
+            </a:lvl5pPr>
+            <a:lvl6pPr marL="2514600" indent="-228600" algn="l" defTabSz="914400" rtl="0" eaLnBrk="1" latinLnBrk="1" hangingPunct="1">
+              <a:lnSpc>
+                <a:spcPct val="90000"/>
+              </a:lnSpc>
+              <a:spcBef>
+                <a:spcPts val="500"/>
+              </a:spcBef>
+              <a:buFont typeface="Arial" panose="020B0604020202020204" pitchFamily="34" charset="0"/>
+              <a:buChar char="•"/>
+              <a:defRPr sz="1800" kern="1200">
+                <a:solidFill>
+                  <a:schemeClr val="tx1"/>
+                </a:solidFill>
+                <a:latin typeface="+mn-lt"/>
+                <a:ea typeface="+mn-ea"/>
+                <a:cs typeface="+mn-cs"/>
+              </a:defRPr>
+            </a:lvl6pPr>
+            <a:lvl7pPr marL="2971800" indent="-228600" algn="l" defTabSz="914400" rtl="0" eaLnBrk="1" latinLnBrk="1" hangingPunct="1">
+              <a:lnSpc>
+                <a:spcPct val="90000"/>
+              </a:lnSpc>
+              <a:spcBef>
+                <a:spcPts val="500"/>
+              </a:spcBef>
+              <a:buFont typeface="Arial" panose="020B0604020202020204" pitchFamily="34" charset="0"/>
+              <a:buChar char="•"/>
+              <a:defRPr sz="1800" kern="1200">
+                <a:solidFill>
+                  <a:schemeClr val="tx1"/>
+                </a:solidFill>
+                <a:latin typeface="+mn-lt"/>
+                <a:ea typeface="+mn-ea"/>
+                <a:cs typeface="+mn-cs"/>
+              </a:defRPr>
+            </a:lvl7pPr>
+            <a:lvl8pPr marL="3429000" indent="-228600" algn="l" defTabSz="914400" rtl="0" eaLnBrk="1" latinLnBrk="1" hangingPunct="1">
+              <a:lnSpc>
+                <a:spcPct val="90000"/>
+              </a:lnSpc>
+              <a:spcBef>
+                <a:spcPts val="500"/>
+              </a:spcBef>
+              <a:buFont typeface="Arial" panose="020B0604020202020204" pitchFamily="34" charset="0"/>
+              <a:buChar char="•"/>
+              <a:defRPr sz="1800" kern="1200">
+                <a:solidFill>
+                  <a:schemeClr val="tx1"/>
+                </a:solidFill>
+                <a:latin typeface="+mn-lt"/>
+                <a:ea typeface="+mn-ea"/>
+                <a:cs typeface="+mn-cs"/>
+              </a:defRPr>
+            </a:lvl8pPr>
+            <a:lvl9pPr marL="3886200" indent="-228600" algn="l" defTabSz="914400" rtl="0" eaLnBrk="1" latinLnBrk="1" hangingPunct="1">
+              <a:lnSpc>
+                <a:spcPct val="90000"/>
+              </a:lnSpc>
+              <a:spcBef>
+                <a:spcPts val="500"/>
+              </a:spcBef>
+              <a:buFont typeface="Arial" panose="020B0604020202020204" pitchFamily="34" charset="0"/>
+              <a:buChar char="•"/>
+              <a:defRPr sz="1800" kern="1200">
+                <a:solidFill>
+                  <a:schemeClr val="tx1"/>
+                </a:solidFill>
+                <a:latin typeface="+mn-lt"/>
+                <a:ea typeface="+mn-ea"/>
+                <a:cs typeface="+mn-cs"/>
+              </a:defRPr>
+            </a:lvl9pPr>
+          </a:lstStyle>
+          <a:p>
+            <a:pPr marL="0" indent="0">
+              <a:buFont typeface="Arial" panose="020B0604020202020204" pitchFamily="34" charset="0"/>
+              <a:buNone/>
+            </a:pPr>
+            <a:endParaRPr lang="en-US" altLang="ko-KR" sz="2200" dirty="0" smtClean="0"/>
+          </a:p>
+          <a:p>
+            <a:pPr marL="0" indent="0">
+              <a:buFont typeface="Arial" panose="020B0604020202020204" pitchFamily="34" charset="0"/>
+              <a:buNone/>
+            </a:pPr>
+            <a:r>
+              <a:rPr lang="en-US" altLang="ko-KR" sz="1500" dirty="0" smtClean="0"/>
+              <a:t>Anaconda </a:t>
+            </a:r>
+            <a:r>
+              <a:rPr lang="en-US" altLang="ko-KR" sz="1500" dirty="0" err="1" smtClean="0"/>
+              <a:t>promp</a:t>
+            </a:r>
+            <a:r>
+              <a:rPr lang="ko-KR" altLang="en-US" sz="1500" dirty="0" smtClean="0"/>
+              <a:t>에서 내가 저장하고 </a:t>
+            </a:r>
+            <a:endParaRPr lang="en-US" altLang="ko-KR" sz="1500" dirty="0" smtClean="0"/>
+          </a:p>
+          <a:p>
+            <a:pPr marL="0" indent="0">
+              <a:buFont typeface="Arial" panose="020B0604020202020204" pitchFamily="34" charset="0"/>
+              <a:buNone/>
+            </a:pPr>
+            <a:r>
+              <a:rPr lang="ko-KR" altLang="en-US" sz="1500" dirty="0" smtClean="0"/>
+              <a:t>압축 풀었던 폴더까지 이동</a:t>
+            </a:r>
+            <a:r>
+              <a:rPr lang="en-US" altLang="ko-KR" sz="1500" dirty="0" smtClean="0"/>
+              <a:t>!!</a:t>
+            </a:r>
+          </a:p>
+          <a:p>
+            <a:pPr>
+              <a:buFontTx/>
+              <a:buChar char="-"/>
+            </a:pPr>
+            <a:r>
+              <a:rPr lang="en-US" altLang="ko-KR" sz="1500" dirty="0" err="1" smtClean="0"/>
+              <a:t>dir</a:t>
+            </a:r>
+            <a:r>
+              <a:rPr lang="en-US" altLang="ko-KR" sz="1500" dirty="0" smtClean="0"/>
+              <a:t> : </a:t>
+            </a:r>
+            <a:r>
+              <a:rPr lang="ko-KR" altLang="en-US" sz="1500" dirty="0" smtClean="0"/>
+              <a:t>하위 </a:t>
+            </a:r>
+            <a:r>
+              <a:rPr lang="ko-KR" altLang="en-US" sz="1500" dirty="0" err="1" smtClean="0"/>
+              <a:t>폴더명</a:t>
+            </a:r>
+            <a:endParaRPr lang="en-US" altLang="ko-KR" sz="1500" dirty="0" smtClean="0"/>
+          </a:p>
+          <a:p>
+            <a:pPr>
+              <a:buFontTx/>
+              <a:buChar char="-"/>
+            </a:pPr>
+            <a:r>
+              <a:rPr lang="en-US" altLang="ko-KR" sz="1500" dirty="0"/>
+              <a:t>c</a:t>
+            </a:r>
+            <a:r>
+              <a:rPr lang="en-US" altLang="ko-KR" sz="1500" dirty="0" smtClean="0"/>
+              <a:t>d : </a:t>
+            </a:r>
+            <a:r>
+              <a:rPr lang="ko-KR" altLang="en-US" sz="1500" dirty="0" smtClean="0"/>
+              <a:t>폴더 이동하기</a:t>
+            </a:r>
+            <a:endParaRPr lang="en-US" altLang="ko-KR" sz="1500" dirty="0" smtClean="0"/>
+          </a:p>
+          <a:p>
+            <a:pPr marL="0" indent="0">
+              <a:buFont typeface="Arial" panose="020B0604020202020204" pitchFamily="34" charset="0"/>
+              <a:buNone/>
+            </a:pPr>
+            <a:endParaRPr lang="ko-KR" altLang="en-US" sz="1500" dirty="0"/>
+          </a:p>
+        </p:txBody>
+      </p:sp>
+      <p:pic>
+        <p:nvPicPr>
+          <p:cNvPr id="6" name="그림 5"/>
+          <p:cNvPicPr>
+            <a:picLocks noChangeAspect="1"/>
+          </p:cNvPicPr>
+          <p:nvPr/>
+        </p:nvPicPr>
+        <p:blipFill>
+          <a:blip r:embed="rId2"/>
+          <a:stretch>
+            <a:fillRect/>
+          </a:stretch>
+        </p:blipFill>
+        <p:spPr>
+          <a:xfrm>
+            <a:off x="301273" y="2246048"/>
+            <a:ext cx="6610513" cy="3666657"/>
+          </a:xfrm>
+          <a:prstGeom prst="rect">
+            <a:avLst/>
+          </a:prstGeom>
+        </p:spPr>
+      </p:pic>
+    </p:spTree>
+    <p:extLst>
+      <p:ext uri="{BB962C8B-B14F-4D97-AF65-F5344CB8AC3E}">
+        <p14:creationId xmlns:p14="http://schemas.microsoft.com/office/powerpoint/2010/main" val="3126560384"/>
+      </p:ext>
+    </p:extLst>
+  </p:cSld>
+  <p:clrMapOvr>
+    <a:masterClrMapping/>
+  </p:clrMapOvr>
+  <p:timing>
+    <p:tnLst>
+      <p:par>
+        <p:cTn id="1" dur="indefinite" restart="never" nodeType="tmRoot"/>
+      </p:par>
+    </p:tnLst>
+  </p:timing>
+</p:sld>
+</file>
+
+<file path=ppt/slides/slide11.xml><?xml version="1.0" encoding="utf-8"?>
+<p:sld xmlns:a="http://schemas.openxmlformats.org/drawingml/2006/main" xmlns:r="http://schemas.openxmlformats.org/officeDocument/2006/relationships" xmlns:p="http://schemas.openxmlformats.org/presentationml/2006/main">
+  <p:cSld>
+    <p:spTree>
+      <p:nvGrpSpPr>
+        <p:cNvPr id="1" name=""/>
+        <p:cNvGrpSpPr/>
+        <p:nvPr/>
+      </p:nvGrpSpPr>
+      <p:grpSpPr>
+        <a:xfrm>
+          <a:off x="0" y="0"/>
+          <a:ext cx="0" cy="0"/>
+          <a:chOff x="0" y="0"/>
+          <a:chExt cx="0" cy="0"/>
+        </a:xfrm>
+      </p:grpSpPr>
+      <p:sp>
+        <p:nvSpPr>
+          <p:cNvPr id="2" name="제목 1"/>
+          <p:cNvSpPr>
+            <a:spLocks noGrp="1"/>
+          </p:cNvSpPr>
+          <p:nvPr>
+            <p:ph type="title"/>
+          </p:nvPr>
+        </p:nvSpPr>
+        <p:spPr>
+          <a:xfrm>
+            <a:off x="838200" y="365126"/>
+            <a:ext cx="10515600" cy="833360"/>
+          </a:xfrm>
+        </p:spPr>
+        <p:txBody>
+          <a:bodyPr>
+            <a:normAutofit fontScale="90000"/>
+          </a:bodyPr>
+          <a:lstStyle/>
+          <a:p>
+            <a:r>
+              <a:rPr lang="en-US" altLang="ko-KR" sz="3300" dirty="0"/>
+              <a:t>5</a:t>
+            </a:r>
+            <a:r>
+              <a:rPr lang="en-US" altLang="ko-KR" sz="3300" dirty="0" smtClean="0"/>
+              <a:t>. </a:t>
+            </a:r>
+            <a:r>
+              <a:rPr lang="en-US" altLang="ko-KR" sz="3300" dirty="0" err="1" smtClean="0"/>
+              <a:t>Git</a:t>
+            </a:r>
+            <a:r>
+              <a:rPr lang="en-US" altLang="ko-KR" sz="3300" dirty="0" smtClean="0"/>
+              <a:t> </a:t>
+            </a:r>
+            <a:r>
+              <a:rPr lang="ko-KR" altLang="en-US" sz="3300" dirty="0" err="1" smtClean="0"/>
+              <a:t>레포지토리</a:t>
+            </a:r>
+            <a:r>
+              <a:rPr lang="ko-KR" altLang="en-US" sz="3300" dirty="0" smtClean="0"/>
+              <a:t> 다운로드하기 </a:t>
+            </a:r>
+            <a:r>
+              <a:rPr lang="en-US" altLang="ko-KR" sz="3300" dirty="0" smtClean="0"/>
+              <a:t/>
+            </a:r>
+            <a:br>
+              <a:rPr lang="en-US" altLang="ko-KR" sz="3300" dirty="0" smtClean="0"/>
+            </a:br>
+            <a:r>
+              <a:rPr lang="en-US" altLang="ko-KR" sz="3300" dirty="0" smtClean="0"/>
+              <a:t>– </a:t>
+            </a:r>
+            <a:r>
+              <a:rPr lang="ko-KR" altLang="en-US" sz="3300" dirty="0" smtClean="0"/>
+              <a:t>노트북에 </a:t>
+            </a:r>
+            <a:r>
+              <a:rPr lang="en-US" altLang="ko-KR" sz="3300" dirty="0" err="1" smtClean="0"/>
+              <a:t>git</a:t>
+            </a:r>
+            <a:r>
+              <a:rPr lang="ko-KR" altLang="en-US" sz="3300" dirty="0" smtClean="0"/>
               <a:t>이 깔려 있는 사람</a:t>
             </a:r>
             <a:r>
@@ -3441,7 +3890,7 @@
 </p:sld>
 </file>
 
-<file path=ppt/slides/slide11.xml><?xml version="1.0" encoding="utf-8"?>
+<file path=ppt/slides/slide12.xml><?xml version="1.0" encoding="utf-8"?>
 <p:sld xmlns:a="http://schemas.openxmlformats.org/drawingml/2006/main" xmlns:r="http://schemas.openxmlformats.org/officeDocument/2006/relationships" xmlns:p="http://schemas.openxmlformats.org/presentationml/2006/main">
   <p:cSld>
     <p:spTree>
@@ -3880,7 +4329,7 @@
 </p:sld>
 </file>
 
-<file path=ppt/slides/slide12.xml><?xml version="1.0" encoding="utf-8"?>
+<file path=ppt/slides/slide13.xml><?xml version="1.0" encoding="utf-8"?>
 <p:sld xmlns:a="http://schemas.openxmlformats.org/drawingml/2006/main" xmlns:r="http://schemas.openxmlformats.org/officeDocument/2006/relationships" xmlns:p="http://schemas.openxmlformats.org/presentationml/2006/main">
   <p:cSld>
     <p:spTree>
@@ -4346,7 +4795,7 @@
 </p:sld>
 </file>
 
-<file path=ppt/slides/slide13.xml><?xml version="1.0" encoding="utf-8"?>
+<file path=ppt/slides/slide14.xml><?xml version="1.0" encoding="utf-8"?>
 <p:sld xmlns:a="http://schemas.openxmlformats.org/drawingml/2006/main" xmlns:r="http://schemas.openxmlformats.org/officeDocument/2006/relationships" xmlns:p="http://schemas.openxmlformats.org/presentationml/2006/main">
   <p:cSld>
     <p:spTree>
@@ -4873,7 +5322,7 @@
 </p:sld>
 </file>
 
-<file path=ppt/slides/slide14.xml><?xml version="1.0" encoding="utf-8"?>
+<file path=ppt/slides/slide15.xml><?xml version="1.0" encoding="utf-8"?>
 <p:sld xmlns:a="http://schemas.openxmlformats.org/drawingml/2006/main" xmlns:r="http://schemas.openxmlformats.org/officeDocument/2006/relationships" xmlns:p="http://schemas.openxmlformats.org/presentationml/2006/main">
   <p:cSld>
     <p:spTree>
@@ -5391,7 +5840,7 @@
 </p:sld>
 </file>
 
-<file path=ppt/slides/slide15.xml><?xml version="1.0" encoding="utf-8"?>
+<file path=ppt/slides/slide16.xml><?xml version="1.0" encoding="utf-8"?>
 <p:sld xmlns:a="http://schemas.openxmlformats.org/drawingml/2006/main" xmlns:r="http://schemas.openxmlformats.org/officeDocument/2006/relationships" xmlns:p="http://schemas.openxmlformats.org/presentationml/2006/main">
   <p:cSld>
     <p:spTree>
@@ -6175,7 +6624,7 @@
 </p:sld>
 </file>
 
-<file path=ppt/slides/slide16.xml><?xml version="1.0" encoding="utf-8"?>
+<file path=ppt/slides/slide17.xml><?xml version="1.0" encoding="utf-8"?>
 <p:sld xmlns:a="http://schemas.openxmlformats.org/drawingml/2006/main" xmlns:r="http://schemas.openxmlformats.org/officeDocument/2006/relationships" xmlns:p="http://schemas.openxmlformats.org/presentationml/2006/main">
   <p:cSld>
     <p:spTree>
@@ -6701,7 +7150,7 @@
 </p:sld>
 </file>
 
-<file path=ppt/slides/slide17.xml><?xml version="1.0" encoding="utf-8"?>
+<file path=ppt/slides/slide18.xml><?xml version="1.0" encoding="utf-8"?>
 <p:sld xmlns:a="http://schemas.openxmlformats.org/drawingml/2006/main" xmlns:r="http://schemas.openxmlformats.org/officeDocument/2006/relationships" xmlns:p="http://schemas.openxmlformats.org/presentationml/2006/main">
   <p:cSld>
     <p:spTree>
@@ -7874,7 +8323,7 @@
           <a:p>
             <a:r>
               <a:rPr lang="en-US" altLang="ko-KR" sz="3300" dirty="0" smtClean="0"/>
-              <a:t>4. </a:t>
+              <a:t>4-1. </a:t>
             </a:r>
             <a:r>
               <a:rPr lang="en-US" altLang="ko-KR" sz="3300" dirty="0" err="1" smtClean="0"/>
@@ -7982,7 +8431,7 @@
     </p:spTree>
     <p:extLst>
       <p:ext uri="{BB962C8B-B14F-4D97-AF65-F5344CB8AC3E}">
-        <p14:creationId xmlns:p14="http://schemas.microsoft.com/office/powerpoint/2010/main" val="1261460660"/>
+        <p14:creationId xmlns:p14="http://schemas.microsoft.com/office/powerpoint/2010/main" val="3494120534"/>
       </p:ext>
     </p:extLst>
   </p:cSld>
@@ -8034,60 +8483,37 @@
         </p:spPr>
         <p:txBody>
           <a:bodyPr>
-            <a:normAutofit fontScale="90000"/>
+            <a:normAutofit/>
           </a:bodyPr>
           <a:lstStyle/>
           <a:p>
             <a:r>
-              <a:rPr lang="en-US" altLang="ko-KR" sz="3300" dirty="0"/>
-              <a:t>5</a:t>
-            </a:r>
-            <a:r>
               <a:rPr lang="en-US" altLang="ko-KR" sz="3300" dirty="0" smtClean="0"/>
-              <a:t>. </a:t>
+              <a:t>4-2. CUDA 11.2 +</a:t>
             </a:r>
             <a:r>
               <a:rPr lang="en-US" altLang="ko-KR" sz="3300" dirty="0" err="1" smtClean="0"/>
-              <a:t>Git</a:t>
+              <a:t>cuDNN</a:t>
             </a:r>
             <a:r>
               <a:rPr lang="en-US" altLang="ko-KR" sz="3300" dirty="0" smtClean="0"/>
-              <a:t> </a:t>
-            </a:r>
-            <a:r>
-              <a:rPr lang="ko-KR" altLang="en-US" sz="3300" dirty="0" err="1" smtClean="0"/>
-              <a:t>레포지토리</a:t>
+              <a:t> 8.1 </a:t>
             </a:r>
             <a:r>
               <a:rPr lang="ko-KR" altLang="en-US" sz="3300" dirty="0" smtClean="0"/>
-              <a:t> 다운로드하기 </a:t>
+              <a:t>설치</a:t>
             </a:r>
             <a:r>
               <a:rPr lang="en-US" altLang="ko-KR" sz="3300" dirty="0" smtClean="0"/>
-              <a:t/>
-            </a:r>
-            <a:br>
+              <a:t>(</a:t>
+            </a:r>
+            <a:r>
+              <a:rPr lang="en-US" altLang="ko-KR" sz="3300" dirty="0" err="1" smtClean="0"/>
+              <a:t>conda</a:t>
+            </a:r>
+            <a:r>
               <a:rPr lang="en-US" altLang="ko-KR" sz="3300" dirty="0" smtClean="0"/>
-            </a:br>
-            <a:r>
-              <a:rPr lang="en-US" altLang="ko-KR" sz="3300" dirty="0" smtClean="0"/>
-              <a:t>– </a:t>
-            </a:r>
-            <a:r>
-              <a:rPr lang="ko-KR" altLang="en-US" sz="3300" dirty="0" smtClean="0"/>
-              <a:t>노트북에 </a:t>
-            </a:r>
-            <a:r>
-              <a:rPr lang="en-US" altLang="ko-KR" sz="3300" dirty="0" err="1" smtClean="0"/>
-              <a:t>git</a:t>
-            </a:r>
-            <a:r>
-              <a:rPr lang="ko-KR" altLang="en-US" sz="3300" dirty="0" smtClean="0"/>
-              <a:t>이 안 깔려있는 사람</a:t>
-            </a:r>
-            <a:r>
-              <a:rPr lang="en-US" altLang="ko-KR" sz="3300" dirty="0" smtClean="0"/>
-              <a:t>!</a:t>
+              <a:t>)</a:t>
             </a:r>
             <a:endParaRPr lang="ko-KR" altLang="en-US" sz="3300" dirty="0"/>
           </a:p>
@@ -8095,36 +8521,68 @@
       </p:sp>
       <p:sp>
         <p:nvSpPr>
-          <p:cNvPr id="8" name="직사각형 7"/>
-          <p:cNvSpPr/>
-          <p:nvPr/>
+          <p:cNvPr id="3" name="내용 개체 틀 2"/>
+          <p:cNvSpPr>
+            <a:spLocks noGrp="1"/>
+          </p:cNvSpPr>
+          <p:nvPr>
+            <p:ph idx="1"/>
+          </p:nvPr>
         </p:nvSpPr>
         <p:spPr>
           <a:xfrm>
-            <a:off x="3544243" y="1255281"/>
-            <a:ext cx="4594528" cy="369332"/>
+            <a:off x="1103917" y="3959439"/>
+            <a:ext cx="9729926" cy="443883"/>
           </a:xfrm>
-          <a:prstGeom prst="rect">
-            <a:avLst/>
-          </a:prstGeom>
         </p:spPr>
         <p:txBody>
-          <a:bodyPr wrap="none">
-            <a:spAutoFit/>
+          <a:bodyPr>
+            <a:normAutofit/>
           </a:bodyPr>
           <a:lstStyle/>
           <a:p>
-            <a:r>
-              <a:rPr lang="ko-KR" altLang="en-US" dirty="0" smtClean="0"/>
-              <a:t>https://github.com/sano820/windows-gpu</a:t>
-            </a:r>
-            <a:endParaRPr lang="ko-KR" altLang="en-US" dirty="0"/>
+            <a:pPr marL="0" indent="0">
+              <a:buNone/>
+            </a:pPr>
+            <a:r>
+              <a:rPr lang="en-US" altLang="ko-KR" sz="1800" dirty="0" err="1"/>
+              <a:t>conda</a:t>
+            </a:r>
+            <a:r>
+              <a:rPr lang="en-US" altLang="ko-KR" sz="1800" dirty="0"/>
+              <a:t> install -c </a:t>
+            </a:r>
+            <a:r>
+              <a:rPr lang="en-US" altLang="ko-KR" sz="1800" dirty="0" err="1"/>
+              <a:t>conda</a:t>
+            </a:r>
+            <a:r>
+              <a:rPr lang="en-US" altLang="ko-KR" sz="1800" dirty="0"/>
+              <a:t>-forge </a:t>
+            </a:r>
+            <a:r>
+              <a:rPr lang="en-US" altLang="ko-KR" sz="1800" dirty="0" err="1"/>
+              <a:t>cudatoolkit</a:t>
+            </a:r>
+            <a:r>
+              <a:rPr lang="en-US" altLang="ko-KR" sz="1800" dirty="0"/>
+              <a:t>=11.2 </a:t>
+            </a:r>
+            <a:r>
+              <a:rPr lang="en-US" altLang="ko-KR" sz="1800" dirty="0" err="1"/>
+              <a:t>cudnn</a:t>
+            </a:r>
+            <a:r>
+              <a:rPr lang="en-US" altLang="ko-KR" sz="1800" dirty="0"/>
+              <a:t>=8.1.0 -y</a:t>
+            </a:r>
+            <a:endParaRPr lang="ko-KR" altLang="en-US" sz="1800" dirty="0"/>
           </a:p>
         </p:txBody>
       </p:sp>
       <p:pic>
         <p:nvPicPr>
-          <p:cNvPr id="10" name="그림 9"/>
+          <p:cNvPr id="4" name="그림 3"/>
           <p:cNvPicPr>
             <a:picLocks noChangeAspect="1"/>
           </p:cNvPicPr>
@@ -8138,31 +8596,55 @@
         </p:blipFill>
         <p:spPr>
           <a:xfrm>
-            <a:off x="648810" y="1802167"/>
-            <a:ext cx="5447190" cy="4679260"/>
+            <a:off x="1103917" y="1375232"/>
+            <a:ext cx="9007621" cy="2385267"/>
           </a:xfrm>
           <a:prstGeom prst="rect">
             <a:avLst/>
           </a:prstGeom>
         </p:spPr>
       </p:pic>
-      <p:sp>
-        <p:nvSpPr>
-          <p:cNvPr id="11" name="내용 개체 틀 2"/>
-          <p:cNvSpPr txBox="1">
-            <a:spLocks/>
-          </p:cNvSpPr>
+      <p:pic>
+        <p:nvPicPr>
+          <p:cNvPr id="5" name="그림 4"/>
+          <p:cNvPicPr>
+            <a:picLocks noChangeAspect="1"/>
+          </p:cNvPicPr>
           <p:nvPr/>
-        </p:nvSpPr>
+        </p:nvPicPr>
+        <p:blipFill>
+          <a:blip r:embed="rId3"/>
+          <a:stretch>
+            <a:fillRect/>
+          </a:stretch>
+        </p:blipFill>
         <p:spPr>
           <a:xfrm>
-            <a:off x="7016320" y="2588944"/>
-            <a:ext cx="4870880" cy="3105705"/>
+            <a:off x="1017813" y="4386216"/>
+            <a:ext cx="7102455" cy="2133785"/>
           </a:xfrm>
           <a:prstGeom prst="rect">
             <a:avLst/>
           </a:prstGeom>
         </p:spPr>
+      </p:pic>
+      <p:sp>
+        <p:nvSpPr>
+          <p:cNvPr id="7" name="내용 개체 틀 2"/>
+          <p:cNvSpPr txBox="1">
+            <a:spLocks/>
+          </p:cNvSpPr>
+          <p:nvPr/>
+        </p:nvSpPr>
+        <p:spPr>
+          <a:xfrm>
+            <a:off x="8247354" y="4386216"/>
+            <a:ext cx="3608899" cy="2307547"/>
+          </a:xfrm>
+          <a:prstGeom prst="rect">
+            <a:avLst/>
+          </a:prstGeom>
+        </p:spPr>
         <p:txBody>
           <a:bodyPr vert="horz" lIns="91440" tIns="45720" rIns="91440" bIns="45720" rtlCol="0">
             <a:normAutofit/>
@@ -8337,36 +8819,48 @@
               <a:buNone/>
             </a:pPr>
             <a:r>
-              <a:rPr lang="en-US" altLang="ko-KR" sz="2200" dirty="0" smtClean="0"/>
-              <a:t>Download ZIP </a:t>
-            </a:r>
-            <a:r>
-              <a:rPr lang="ko-KR" altLang="en-US" sz="2200" dirty="0" smtClean="0"/>
-              <a:t>누르기</a:t>
-            </a:r>
-            <a:r>
-              <a:rPr lang="en-US" altLang="ko-KR" sz="2200" dirty="0" smtClean="0"/>
+              <a:rPr lang="en-US" altLang="ko-KR" sz="1800" dirty="0" smtClean="0"/>
+              <a:t>(</a:t>
+            </a:r>
+            <a:r>
+              <a:rPr lang="ko-KR" altLang="en-US" sz="1800" dirty="0" smtClean="0"/>
+              <a:t>선택</a:t>
+            </a:r>
+            <a:r>
+              <a:rPr lang="en-US" altLang="ko-KR" sz="1800" dirty="0" smtClean="0"/>
+              <a:t>)</a:t>
+            </a:r>
+            <a:r>
+              <a:rPr lang="ko-KR" altLang="en-US" sz="1800" dirty="0" smtClean="0"/>
+              <a:t>잘 다운 받았는지 확인</a:t>
+            </a:r>
+            <a:r>
+              <a:rPr lang="en-US" altLang="ko-KR" sz="1800" dirty="0" smtClean="0"/>
               <a:t>!</a:t>
             </a:r>
+            <a:br>
+              <a:rPr lang="en-US" altLang="ko-KR" sz="1800" dirty="0" smtClean="0"/>
+            </a:br>
+            <a:r>
+              <a:rPr lang="en-US" altLang="ko-KR" sz="1800" dirty="0" err="1" smtClean="0"/>
+              <a:t>conda</a:t>
+            </a:r>
+            <a:r>
+              <a:rPr lang="en-US" altLang="ko-KR" sz="1800" dirty="0" smtClean="0"/>
+              <a:t> list </a:t>
+            </a:r>
+            <a:r>
+              <a:rPr lang="en-US" altLang="ko-KR" sz="1800" dirty="0" err="1" smtClean="0"/>
+              <a:t>cudatoolkit</a:t>
+            </a:r>
+            <a:endParaRPr lang="en-US" altLang="ko-KR" sz="1800" dirty="0" smtClean="0"/>
           </a:p>
           <a:p>
             <a:pPr marL="0" indent="0">
               <a:buFont typeface="Arial" panose="020B0604020202020204" pitchFamily="34" charset="0"/>
               <a:buNone/>
             </a:pPr>
-            <a:r>
-              <a:rPr lang="en-US" altLang="ko-KR" sz="2200" dirty="0" smtClean="0"/>
-              <a:t>-&gt; </a:t>
-            </a:r>
-            <a:r>
-              <a:rPr lang="ko-KR" altLang="en-US" sz="2200" dirty="0" err="1" smtClean="0"/>
-              <a:t>다운로드된</a:t>
-            </a:r>
-            <a:r>
-              <a:rPr lang="ko-KR" altLang="en-US" sz="2200" dirty="0" smtClean="0"/>
-              <a:t> 파일을 내가 원하는 </a:t>
-            </a:r>
-            <a:endParaRPr lang="en-US" altLang="ko-KR" sz="2200" dirty="0" smtClean="0"/>
+            <a:endParaRPr lang="en-US" altLang="ko-KR" sz="1800" dirty="0"/>
           </a:p>
           <a:p>
             <a:pPr marL="0" indent="0">
@@ -8374,52 +8868,29 @@
               <a:buNone/>
             </a:pPr>
             <a:r>
-              <a:rPr lang="ko-KR" altLang="en-US" sz="2200" dirty="0" smtClean="0"/>
-              <a:t>위치에서 압축 풀기</a:t>
-            </a:r>
-            <a:r>
-              <a:rPr lang="en-US" altLang="ko-KR" sz="2200" dirty="0" smtClean="0"/>
-              <a:t>!</a:t>
-            </a:r>
-          </a:p>
-          <a:p>
-            <a:pPr marL="0" indent="0">
-              <a:buFont typeface="Arial" panose="020B0604020202020204" pitchFamily="34" charset="0"/>
-              <a:buNone/>
-            </a:pPr>
-            <a:r>
-              <a:rPr lang="en-US" altLang="ko-KR" sz="2200" dirty="0" smtClean="0"/>
-              <a:t>-&gt; </a:t>
-            </a:r>
-            <a:r>
-              <a:rPr lang="ko-KR" altLang="en-US" sz="2200" dirty="0" smtClean="0"/>
-              <a:t>파일 위치 기억</a:t>
-            </a:r>
-            <a:r>
-              <a:rPr lang="en-US" altLang="ko-KR" sz="2200" dirty="0" smtClean="0"/>
-              <a:t>!</a:t>
-            </a:r>
-          </a:p>
-          <a:p>
-            <a:pPr marL="0" indent="0">
-              <a:buFont typeface="Arial" panose="020B0604020202020204" pitchFamily="34" charset="0"/>
-              <a:buNone/>
-            </a:pPr>
-            <a:endParaRPr lang="en-US" altLang="ko-KR" sz="1500" dirty="0" smtClean="0"/>
-          </a:p>
-          <a:p>
-            <a:pPr marL="0" indent="0">
-              <a:buFont typeface="Arial" panose="020B0604020202020204" pitchFamily="34" charset="0"/>
-              <a:buNone/>
-            </a:pPr>
-            <a:endParaRPr lang="ko-KR" altLang="en-US" sz="1500" dirty="0"/>
+              <a:rPr lang="en-US" altLang="ko-KR" sz="1800" dirty="0" err="1"/>
+              <a:t>c</a:t>
+            </a:r>
+            <a:r>
+              <a:rPr lang="en-US" altLang="ko-KR" sz="1800" dirty="0" err="1" smtClean="0"/>
+              <a:t>onda</a:t>
+            </a:r>
+            <a:r>
+              <a:rPr lang="en-US" altLang="ko-KR" sz="1800" dirty="0" smtClean="0"/>
+              <a:t> list </a:t>
+            </a:r>
+            <a:r>
+              <a:rPr lang="en-US" altLang="ko-KR" sz="1800" dirty="0" err="1" smtClean="0"/>
+              <a:t>cudnn</a:t>
+            </a:r>
+            <a:endParaRPr lang="ko-KR" altLang="en-US" sz="1800" dirty="0"/>
           </a:p>
         </p:txBody>
       </p:sp>
     </p:spTree>
     <p:extLst>
       <p:ext uri="{BB962C8B-B14F-4D97-AF65-F5344CB8AC3E}">
-        <p14:creationId xmlns:p14="http://schemas.microsoft.com/office/powerpoint/2010/main" val="700058546"/>
+        <p14:creationId xmlns:p14="http://schemas.microsoft.com/office/powerpoint/2010/main" val="1261460660"/>
       </p:ext>
     </p:extLst>
   </p:cSld>
@@ -8559,285 +9030,9 @@
           </a:p>
         </p:txBody>
       </p:sp>
-      <p:sp>
-        <p:nvSpPr>
-          <p:cNvPr id="11" name="내용 개체 틀 2"/>
-          <p:cNvSpPr txBox="1">
-            <a:spLocks/>
-          </p:cNvSpPr>
-          <p:nvPr/>
-        </p:nvSpPr>
-        <p:spPr>
-          <a:xfrm>
-            <a:off x="7016320" y="2588944"/>
-            <a:ext cx="4870880" cy="3105705"/>
-          </a:xfrm>
-          <a:prstGeom prst="rect">
-            <a:avLst/>
-          </a:prstGeom>
-        </p:spPr>
-        <p:txBody>
-          <a:bodyPr vert="horz" lIns="91440" tIns="45720" rIns="91440" bIns="45720" rtlCol="0">
-            <a:normAutofit/>
-          </a:bodyPr>
-          <a:lstStyle>
-            <a:lvl1pPr marL="228600" indent="-228600" algn="l" defTabSz="914400" rtl="0" eaLnBrk="1" latinLnBrk="1" hangingPunct="1">
-              <a:lnSpc>
-                <a:spcPct val="90000"/>
-              </a:lnSpc>
-              <a:spcBef>
-                <a:spcPts val="1000"/>
-              </a:spcBef>
-              <a:buFont typeface="Arial" panose="020B0604020202020204" pitchFamily="34" charset="0"/>
-              <a:buChar char="•"/>
-              <a:defRPr sz="2800" kern="1200">
-                <a:solidFill>
-                  <a:schemeClr val="tx1"/>
-                </a:solidFill>
-                <a:latin typeface="+mn-lt"/>
-                <a:ea typeface="+mn-ea"/>
-                <a:cs typeface="+mn-cs"/>
-              </a:defRPr>
-            </a:lvl1pPr>
-            <a:lvl2pPr marL="685800" indent="-228600" algn="l" defTabSz="914400" rtl="0" eaLnBrk="1" latinLnBrk="1" hangingPunct="1">
-              <a:lnSpc>
-                <a:spcPct val="90000"/>
-              </a:lnSpc>
-              <a:spcBef>
-                <a:spcPts val="500"/>
-              </a:spcBef>
-              <a:buFont typeface="Arial" panose="020B0604020202020204" pitchFamily="34" charset="0"/>
-              <a:buChar char="•"/>
-              <a:defRPr sz="2400" kern="1200">
-                <a:solidFill>
-                  <a:schemeClr val="tx1"/>
-                </a:solidFill>
-                <a:latin typeface="+mn-lt"/>
-                <a:ea typeface="+mn-ea"/>
-                <a:cs typeface="+mn-cs"/>
-              </a:defRPr>
-            </a:lvl2pPr>
-            <a:lvl3pPr marL="1143000" indent="-228600" algn="l" defTabSz="914400" rtl="0" eaLnBrk="1" latinLnBrk="1" hangingPunct="1">
-              <a:lnSpc>
-                <a:spcPct val="90000"/>
-              </a:lnSpc>
-              <a:spcBef>
-                <a:spcPts val="500"/>
-              </a:spcBef>
-              <a:buFont typeface="Arial" panose="020B0604020202020204" pitchFamily="34" charset="0"/>
-              <a:buChar char="•"/>
-              <a:defRPr sz="2000" kern="1200">
-                <a:solidFill>
-                  <a:schemeClr val="tx1"/>
-                </a:solidFill>
-                <a:latin typeface="+mn-lt"/>
-                <a:ea typeface="+mn-ea"/>
-                <a:cs typeface="+mn-cs"/>
-              </a:defRPr>
-            </a:lvl3pPr>
-            <a:lvl4pPr marL="1600200" indent="-228600" algn="l" defTabSz="914400" rtl="0" eaLnBrk="1" latinLnBrk="1" hangingPunct="1">
-              <a:lnSpc>
-                <a:spcPct val="90000"/>
-              </a:lnSpc>
-              <a:spcBef>
-                <a:spcPts val="500"/>
-              </a:spcBef>
-              <a:buFont typeface="Arial" panose="020B0604020202020204" pitchFamily="34" charset="0"/>
-              <a:buChar char="•"/>
-              <a:defRPr sz="1800" kern="1200">
-                <a:solidFill>
-                  <a:schemeClr val="tx1"/>
-                </a:solidFill>
-                <a:latin typeface="+mn-lt"/>
-                <a:ea typeface="+mn-ea"/>
-                <a:cs typeface="+mn-cs"/>
-              </a:defRPr>
-            </a:lvl4pPr>
-            <a:lvl5pPr marL="2057400" indent="-228600" algn="l" defTabSz="914400" rtl="0" eaLnBrk="1" latinLnBrk="1" hangingPunct="1">
-              <a:lnSpc>
-                <a:spcPct val="90000"/>
-              </a:lnSpc>
-              <a:spcBef>
-                <a:spcPts val="500"/>
-              </a:spcBef>
-              <a:buFont typeface="Arial" panose="020B0604020202020204" pitchFamily="34" charset="0"/>
-              <a:buChar char="•"/>
-              <a:defRPr sz="1800" kern="1200">
-                <a:solidFill>
-                  <a:schemeClr val="tx1"/>
-                </a:solidFill>
-                <a:latin typeface="+mn-lt"/>
-                <a:ea typeface="+mn-ea"/>
-                <a:cs typeface="+mn-cs"/>
-              </a:defRPr>
-            </a:lvl5pPr>
-            <a:lvl6pPr marL="2514600" indent="-228600" algn="l" defTabSz="914400" rtl="0" eaLnBrk="1" latinLnBrk="1" hangingPunct="1">
-              <a:lnSpc>
-                <a:spcPct val="90000"/>
-              </a:lnSpc>
-              <a:spcBef>
-                <a:spcPts val="500"/>
-              </a:spcBef>
-              <a:buFont typeface="Arial" panose="020B0604020202020204" pitchFamily="34" charset="0"/>
-              <a:buChar char="•"/>
-              <a:defRPr sz="1800" kern="1200">
-                <a:solidFill>
-                  <a:schemeClr val="tx1"/>
-                </a:solidFill>
-                <a:latin typeface="+mn-lt"/>
-                <a:ea typeface="+mn-ea"/>
-                <a:cs typeface="+mn-cs"/>
-              </a:defRPr>
-            </a:lvl6pPr>
-            <a:lvl7pPr marL="2971800" indent="-228600" algn="l" defTabSz="914400" rtl="0" eaLnBrk="1" latinLnBrk="1" hangingPunct="1">
-              <a:lnSpc>
-                <a:spcPct val="90000"/>
-              </a:lnSpc>
-              <a:spcBef>
-                <a:spcPts val="500"/>
-              </a:spcBef>
-              <a:buFont typeface="Arial" panose="020B0604020202020204" pitchFamily="34" charset="0"/>
-              <a:buChar char="•"/>
-              <a:defRPr sz="1800" kern="1200">
-                <a:solidFill>
-                  <a:schemeClr val="tx1"/>
-                </a:solidFill>
-                <a:latin typeface="+mn-lt"/>
-                <a:ea typeface="+mn-ea"/>
-                <a:cs typeface="+mn-cs"/>
-              </a:defRPr>
-            </a:lvl7pPr>
-            <a:lvl8pPr marL="3429000" indent="-228600" algn="l" defTabSz="914400" rtl="0" eaLnBrk="1" latinLnBrk="1" hangingPunct="1">
-              <a:lnSpc>
-                <a:spcPct val="90000"/>
-              </a:lnSpc>
-              <a:spcBef>
-                <a:spcPts val="500"/>
-              </a:spcBef>
-              <a:buFont typeface="Arial" panose="020B0604020202020204" pitchFamily="34" charset="0"/>
-              <a:buChar char="•"/>
-              <a:defRPr sz="1800" kern="1200">
-                <a:solidFill>
-                  <a:schemeClr val="tx1"/>
-                </a:solidFill>
-                <a:latin typeface="+mn-lt"/>
-                <a:ea typeface="+mn-ea"/>
-                <a:cs typeface="+mn-cs"/>
-              </a:defRPr>
-            </a:lvl8pPr>
-            <a:lvl9pPr marL="3886200" indent="-228600" algn="l" defTabSz="914400" rtl="0" eaLnBrk="1" latinLnBrk="1" hangingPunct="1">
-              <a:lnSpc>
-                <a:spcPct val="90000"/>
-              </a:lnSpc>
-              <a:spcBef>
-                <a:spcPts val="500"/>
-              </a:spcBef>
-              <a:buFont typeface="Arial" panose="020B0604020202020204" pitchFamily="34" charset="0"/>
-              <a:buChar char="•"/>
-              <a:defRPr sz="1800" kern="1200">
-                <a:solidFill>
-                  <a:schemeClr val="tx1"/>
-                </a:solidFill>
-                <a:latin typeface="+mn-lt"/>
-                <a:ea typeface="+mn-ea"/>
-                <a:cs typeface="+mn-cs"/>
-              </a:defRPr>
-            </a:lvl9pPr>
-          </a:lstStyle>
-          <a:p>
-            <a:pPr marL="0" indent="0">
-              <a:buFont typeface="Arial" panose="020B0604020202020204" pitchFamily="34" charset="0"/>
-              <a:buNone/>
-            </a:pPr>
-            <a:endParaRPr lang="en-US" altLang="ko-KR" sz="2200" dirty="0" smtClean="0"/>
-          </a:p>
-          <a:p>
-            <a:pPr marL="0" indent="0">
-              <a:buFont typeface="Arial" panose="020B0604020202020204" pitchFamily="34" charset="0"/>
-              <a:buNone/>
-            </a:pPr>
-            <a:r>
-              <a:rPr lang="en-US" altLang="ko-KR" sz="1500" dirty="0" smtClean="0"/>
-              <a:t>Anaconda </a:t>
-            </a:r>
-            <a:r>
-              <a:rPr lang="en-US" altLang="ko-KR" sz="1500" dirty="0" err="1" smtClean="0"/>
-              <a:t>promp</a:t>
-            </a:r>
-            <a:r>
-              <a:rPr lang="ko-KR" altLang="en-US" sz="1500" dirty="0" smtClean="0"/>
-              <a:t>에서 내가 저장하고 </a:t>
-            </a:r>
-            <a:endParaRPr lang="en-US" altLang="ko-KR" sz="1500" dirty="0" smtClean="0"/>
-          </a:p>
-          <a:p>
-            <a:pPr marL="0" indent="0">
-              <a:buFont typeface="Arial" panose="020B0604020202020204" pitchFamily="34" charset="0"/>
-              <a:buNone/>
-            </a:pPr>
-            <a:r>
-              <a:rPr lang="ko-KR" altLang="en-US" sz="1500" dirty="0" smtClean="0"/>
-              <a:t>압축 풀었던 폴더까지 이동</a:t>
-            </a:r>
-            <a:r>
-              <a:rPr lang="en-US" altLang="ko-KR" sz="1500" dirty="0" smtClean="0"/>
-              <a:t>!!</a:t>
-            </a:r>
-          </a:p>
-          <a:p>
-            <a:pPr>
-              <a:buFontTx/>
-              <a:buChar char="-"/>
-            </a:pPr>
-            <a:r>
-              <a:rPr lang="en-US" altLang="ko-KR" sz="1500" dirty="0" err="1" smtClean="0"/>
-              <a:t>dir</a:t>
-            </a:r>
-            <a:r>
-              <a:rPr lang="en-US" altLang="ko-KR" sz="1500" dirty="0" smtClean="0"/>
-              <a:t> : </a:t>
-            </a:r>
-            <a:r>
-              <a:rPr lang="ko-KR" altLang="en-US" sz="1500" dirty="0" smtClean="0"/>
-              <a:t>하위 </a:t>
-            </a:r>
-            <a:r>
-              <a:rPr lang="ko-KR" altLang="en-US" sz="1500" dirty="0" err="1" smtClean="0"/>
-              <a:t>폴더명</a:t>
-            </a:r>
-            <a:endParaRPr lang="en-US" altLang="ko-KR" sz="1500" dirty="0" smtClean="0"/>
-          </a:p>
-          <a:p>
-            <a:pPr>
-              <a:buFontTx/>
-              <a:buChar char="-"/>
-            </a:pPr>
-            <a:r>
-              <a:rPr lang="en-US" altLang="ko-KR" sz="1500" dirty="0"/>
-              <a:t>c</a:t>
-            </a:r>
-            <a:r>
-              <a:rPr lang="en-US" altLang="ko-KR" sz="1500" dirty="0" smtClean="0"/>
-              <a:t>d : </a:t>
-            </a:r>
-            <a:r>
-              <a:rPr lang="ko-KR" altLang="en-US" sz="1500" dirty="0" smtClean="0"/>
-              <a:t>폴더 이동하기</a:t>
-            </a:r>
-            <a:endParaRPr lang="en-US" altLang="ko-KR" sz="1500" dirty="0" smtClean="0"/>
-          </a:p>
-          <a:p>
-            <a:pPr marL="0" indent="0">
-              <a:buFont typeface="Arial" panose="020B0604020202020204" pitchFamily="34" charset="0"/>
-              <a:buNone/>
-            </a:pPr>
-            <a:endParaRPr lang="ko-KR" altLang="en-US" sz="1500" dirty="0"/>
-          </a:p>
-        </p:txBody>
-      </p:sp>
       <p:pic>
         <p:nvPicPr>
-          <p:cNvPr id="6" name="그림 5"/>
+          <p:cNvPr id="10" name="그림 9"/>
           <p:cNvPicPr>
             <a:picLocks noChangeAspect="1"/>
           </p:cNvPicPr>
@@ -8851,18 +9046,288 @@
         </p:blipFill>
         <p:spPr>
           <a:xfrm>
-            <a:off x="301273" y="2246048"/>
-            <a:ext cx="6610513" cy="3666657"/>
+            <a:off x="648810" y="1802167"/>
+            <a:ext cx="5447190" cy="4679260"/>
           </a:xfrm>
           <a:prstGeom prst="rect">
             <a:avLst/>
           </a:prstGeom>
         </p:spPr>
       </p:pic>
+      <p:sp>
+        <p:nvSpPr>
+          <p:cNvPr id="11" name="내용 개체 틀 2"/>
+          <p:cNvSpPr txBox="1">
+            <a:spLocks/>
+          </p:cNvSpPr>
+          <p:nvPr/>
+        </p:nvSpPr>
+        <p:spPr>
+          <a:xfrm>
+            <a:off x="7016320" y="2588944"/>
+            <a:ext cx="4870880" cy="3105705"/>
+          </a:xfrm>
+          <a:prstGeom prst="rect">
+            <a:avLst/>
+          </a:prstGeom>
+        </p:spPr>
+        <p:txBody>
+          <a:bodyPr vert="horz" lIns="91440" tIns="45720" rIns="91440" bIns="45720" rtlCol="0">
+            <a:normAutofit/>
+          </a:bodyPr>
+          <a:lstStyle>
+            <a:lvl1pPr marL="228600" indent="-228600" algn="l" defTabSz="914400" rtl="0" eaLnBrk="1" latinLnBrk="1" hangingPunct="1">
+              <a:lnSpc>
+                <a:spcPct val="90000"/>
+              </a:lnSpc>
+              <a:spcBef>
+                <a:spcPts val="1000"/>
+              </a:spcBef>
+              <a:buFont typeface="Arial" panose="020B0604020202020204" pitchFamily="34" charset="0"/>
+              <a:buChar char="•"/>
+              <a:defRPr sz="2800" kern="1200">
+                <a:solidFill>
+                  <a:schemeClr val="tx1"/>
+                </a:solidFill>
+                <a:latin typeface="+mn-lt"/>
+                <a:ea typeface="+mn-ea"/>
+                <a:cs typeface="+mn-cs"/>
+              </a:defRPr>
+            </a:lvl1pPr>
+            <a:lvl2pPr marL="685800" indent="-228600" algn="l" defTabSz="914400" rtl="0" eaLnBrk="1" latinLnBrk="1" hangingPunct="1">
+              <a:lnSpc>
+                <a:spcPct val="90000"/>
+              </a:lnSpc>
+              <a:spcBef>
+                <a:spcPts val="500"/>
+              </a:spcBef>
+              <a:buFont typeface="Arial" panose="020B0604020202020204" pitchFamily="34" charset="0"/>
+              <a:buChar char="•"/>
+              <a:defRPr sz="2400" kern="1200">
+                <a:solidFill>
+                  <a:schemeClr val="tx1"/>
+                </a:solidFill>
+                <a:latin typeface="+mn-lt"/>
+                <a:ea typeface="+mn-ea"/>
+                <a:cs typeface="+mn-cs"/>
+              </a:defRPr>
+            </a:lvl2pPr>
+            <a:lvl3pPr marL="1143000" indent="-228600" algn="l" defTabSz="914400" rtl="0" eaLnBrk="1" latinLnBrk="1" hangingPunct="1">
+              <a:lnSpc>
+                <a:spcPct val="90000"/>
+              </a:lnSpc>
+              <a:spcBef>
+                <a:spcPts val="500"/>
+              </a:spcBef>
+              <a:buFont typeface="Arial" panose="020B0604020202020204" pitchFamily="34" charset="0"/>
+              <a:buChar char="•"/>
+              <a:defRPr sz="2000" kern="1200">
+                <a:solidFill>
+                  <a:schemeClr val="tx1"/>
+                </a:solidFill>
+                <a:latin typeface="+mn-lt"/>
+                <a:ea typeface="+mn-ea"/>
+                <a:cs typeface="+mn-cs"/>
+              </a:defRPr>
+            </a:lvl3pPr>
+            <a:lvl4pPr marL="1600200" indent="-228600" algn="l" defTabSz="914400" rtl="0" eaLnBrk="1" latinLnBrk="1" hangingPunct="1">
+              <a:lnSpc>
+                <a:spcPct val="90000"/>
+              </a:lnSpc>
+              <a:spcBef>
+                <a:spcPts val="500"/>
+              </a:spcBef>
+              <a:buFont typeface="Arial" panose="020B0604020202020204" pitchFamily="34" charset="0"/>
+              <a:buChar char="•"/>
+              <a:defRPr sz="1800" kern="1200">
+                <a:solidFill>
+                  <a:schemeClr val="tx1"/>
+                </a:solidFill>
+                <a:latin typeface="+mn-lt"/>
+                <a:ea typeface="+mn-ea"/>
+                <a:cs typeface="+mn-cs"/>
+              </a:defRPr>
+            </a:lvl4pPr>
+            <a:lvl5pPr marL="2057400" indent="-228600" algn="l" defTabSz="914400" rtl="0" eaLnBrk="1" latinLnBrk="1" hangingPunct="1">
+              <a:lnSpc>
+                <a:spcPct val="90000"/>
+              </a:lnSpc>
+              <a:spcBef>
+                <a:spcPts val="500"/>
+              </a:spcBef>
+              <a:buFont typeface="Arial" panose="020B0604020202020204" pitchFamily="34" charset="0"/>
+              <a:buChar char="•"/>
+              <a:defRPr sz="1800" kern="1200">
+                <a:solidFill>
+                  <a:schemeClr val="tx1"/>
+                </a:solidFill>
+                <a:latin typeface="+mn-lt"/>
+                <a:ea typeface="+mn-ea"/>
+                <a:cs typeface="+mn-cs"/>
+              </a:defRPr>
+            </a:lvl5pPr>
+            <a:lvl6pPr marL="2514600" indent="-228600" algn="l" defTabSz="914400" rtl="0" eaLnBrk="1" latinLnBrk="1" hangingPunct="1">
+              <a:lnSpc>
+                <a:spcPct val="90000"/>
+              </a:lnSpc>
+              <a:spcBef>
+                <a:spcPts val="500"/>
+              </a:spcBef>
+              <a:buFont typeface="Arial" panose="020B0604020202020204" pitchFamily="34" charset="0"/>
+              <a:buChar char="•"/>
+              <a:defRPr sz="1800" kern="1200">
+                <a:solidFill>
+                  <a:schemeClr val="tx1"/>
+                </a:solidFill>
+                <a:latin typeface="+mn-lt"/>
+                <a:ea typeface="+mn-ea"/>
+                <a:cs typeface="+mn-cs"/>
+              </a:defRPr>
+            </a:lvl6pPr>
+            <a:lvl7pPr marL="2971800" indent="-228600" algn="l" defTabSz="914400" rtl="0" eaLnBrk="1" latinLnBrk="1" hangingPunct="1">
+              <a:lnSpc>
+                <a:spcPct val="90000"/>
+              </a:lnSpc>
+              <a:spcBef>
+                <a:spcPts val="500"/>
+              </a:spcBef>
+              <a:buFont typeface="Arial" panose="020B0604020202020204" pitchFamily="34" charset="0"/>
+              <a:buChar char="•"/>
+              <a:defRPr sz="1800" kern="1200">
+                <a:solidFill>
+                  <a:schemeClr val="tx1"/>
+                </a:solidFill>
+                <a:latin typeface="+mn-lt"/>
+                <a:ea typeface="+mn-ea"/>
+                <a:cs typeface="+mn-cs"/>
+              </a:defRPr>
+            </a:lvl7pPr>
+            <a:lvl8pPr marL="3429000" indent="-228600" algn="l" defTabSz="914400" rtl="0" eaLnBrk="1" latinLnBrk="1" hangingPunct="1">
+              <a:lnSpc>
+                <a:spcPct val="90000"/>
+              </a:lnSpc>
+              <a:spcBef>
+                <a:spcPts val="500"/>
+              </a:spcBef>
+              <a:buFont typeface="Arial" panose="020B0604020202020204" pitchFamily="34" charset="0"/>
+              <a:buChar char="•"/>
+              <a:defRPr sz="1800" kern="1200">
+                <a:solidFill>
+                  <a:schemeClr val="tx1"/>
+                </a:solidFill>
+                <a:latin typeface="+mn-lt"/>
+                <a:ea typeface="+mn-ea"/>
+                <a:cs typeface="+mn-cs"/>
+              </a:defRPr>
+            </a:lvl8pPr>
+            <a:lvl9pPr marL="3886200" indent="-228600" algn="l" defTabSz="914400" rtl="0" eaLnBrk="1" latinLnBrk="1" hangingPunct="1">
+              <a:lnSpc>
+                <a:spcPct val="90000"/>
+              </a:lnSpc>
+              <a:spcBef>
+                <a:spcPts val="500"/>
+              </a:spcBef>
+              <a:buFont typeface="Arial" panose="020B0604020202020204" pitchFamily="34" charset="0"/>
+              <a:buChar char="•"/>
+              <a:defRPr sz="1800" kern="1200">
+                <a:solidFill>
+                  <a:schemeClr val="tx1"/>
+                </a:solidFill>
+                <a:latin typeface="+mn-lt"/>
+                <a:ea typeface="+mn-ea"/>
+                <a:cs typeface="+mn-cs"/>
+              </a:defRPr>
+            </a:lvl9pPr>
+          </a:lstStyle>
+          <a:p>
+            <a:pPr marL="0" indent="0">
+              <a:buFont typeface="Arial" panose="020B0604020202020204" pitchFamily="34" charset="0"/>
+              <a:buNone/>
+            </a:pPr>
+            <a:r>
+              <a:rPr lang="en-US" altLang="ko-KR" sz="2200" dirty="0" smtClean="0"/>
+              <a:t>Download ZIP </a:t>
+            </a:r>
+            <a:r>
+              <a:rPr lang="ko-KR" altLang="en-US" sz="2200" dirty="0" smtClean="0"/>
+              <a:t>누르기</a:t>
+            </a:r>
+            <a:r>
+              <a:rPr lang="en-US" altLang="ko-KR" sz="2200" dirty="0" smtClean="0"/>
+              <a:t>!</a:t>
+            </a:r>
+          </a:p>
+          <a:p>
+            <a:pPr marL="0" indent="0">
+              <a:buFont typeface="Arial" panose="020B0604020202020204" pitchFamily="34" charset="0"/>
+              <a:buNone/>
+            </a:pPr>
+            <a:r>
+              <a:rPr lang="en-US" altLang="ko-KR" sz="2200" dirty="0" smtClean="0"/>
+              <a:t>-&gt; </a:t>
+            </a:r>
+            <a:r>
+              <a:rPr lang="ko-KR" altLang="en-US" sz="2200" dirty="0" err="1" smtClean="0"/>
+              <a:t>다운로드된</a:t>
+            </a:r>
+            <a:r>
+              <a:rPr lang="ko-KR" altLang="en-US" sz="2200" dirty="0" smtClean="0"/>
+              <a:t> 파일을 내가 원하는 </a:t>
+            </a:r>
+            <a:endParaRPr lang="en-US" altLang="ko-KR" sz="2200" dirty="0" smtClean="0"/>
+          </a:p>
+          <a:p>
+            <a:pPr marL="0" indent="0">
+              <a:buFont typeface="Arial" panose="020B0604020202020204" pitchFamily="34" charset="0"/>
+              <a:buNone/>
+            </a:pPr>
+            <a:r>
+              <a:rPr lang="ko-KR" altLang="en-US" sz="2200" dirty="0" smtClean="0"/>
+              <a:t>위치에서 압축 풀기</a:t>
+            </a:r>
+            <a:r>
+              <a:rPr lang="en-US" altLang="ko-KR" sz="2200" dirty="0" smtClean="0"/>
+              <a:t>!</a:t>
+            </a:r>
+          </a:p>
+          <a:p>
+            <a:pPr marL="0" indent="0">
+              <a:buFont typeface="Arial" panose="020B0604020202020204" pitchFamily="34" charset="0"/>
+              <a:buNone/>
+            </a:pPr>
+            <a:r>
+              <a:rPr lang="en-US" altLang="ko-KR" sz="2200" dirty="0" smtClean="0"/>
+              <a:t>-&gt; </a:t>
+            </a:r>
+            <a:r>
+              <a:rPr lang="ko-KR" altLang="en-US" sz="2200" dirty="0" smtClean="0"/>
+              <a:t>파일 위치 기억</a:t>
+            </a:r>
+            <a:r>
+              <a:rPr lang="en-US" altLang="ko-KR" sz="2200" dirty="0" smtClean="0"/>
+              <a:t>!</a:t>
+            </a:r>
+          </a:p>
+          <a:p>
+            <a:pPr marL="0" indent="0">
+              <a:buFont typeface="Arial" panose="020B0604020202020204" pitchFamily="34" charset="0"/>
+              <a:buNone/>
+            </a:pPr>
+            <a:endParaRPr lang="en-US" altLang="ko-KR" sz="1500" dirty="0" smtClean="0"/>
+          </a:p>
+          <a:p>
+            <a:pPr marL="0" indent="0">
+              <a:buFont typeface="Arial" panose="020B0604020202020204" pitchFamily="34" charset="0"/>
+              <a:buNone/>
+            </a:pPr>
+            <a:endParaRPr lang="ko-KR" altLang="en-US" sz="1500" dirty="0"/>
+          </a:p>
+        </p:txBody>
+      </p:sp>
     </p:spTree>
     <p:extLst>
       <p:ext uri="{BB962C8B-B14F-4D97-AF65-F5344CB8AC3E}">
-        <p14:creationId xmlns:p14="http://schemas.microsoft.com/office/powerpoint/2010/main" val="3126560384"/>
+        <p14:creationId xmlns:p14="http://schemas.microsoft.com/office/powerpoint/2010/main" val="700058546"/>
       </p:ext>
     </p:extLst>
   </p:cSld>

--- a/docs/setting_gpu_for_window.pptx
+++ b/docs/setting_gpu_for_window.pptx
@@ -7,17 +7,17 @@
   <p:sldIdLst>
     <p:sldId id="256" r:id="rId2"/>
     <p:sldId id="257" r:id="rId3"/>
-    <p:sldId id="258" r:id="rId4"/>
-    <p:sldId id="259" r:id="rId5"/>
-    <p:sldId id="260" r:id="rId6"/>
-    <p:sldId id="261" r:id="rId7"/>
-    <p:sldId id="273" r:id="rId8"/>
-    <p:sldId id="262" r:id="rId9"/>
-    <p:sldId id="263" r:id="rId10"/>
-    <p:sldId id="267" r:id="rId11"/>
-    <p:sldId id="264" r:id="rId12"/>
-    <p:sldId id="265" r:id="rId13"/>
-    <p:sldId id="266" r:id="rId14"/>
+    <p:sldId id="263" r:id="rId4"/>
+    <p:sldId id="267" r:id="rId5"/>
+    <p:sldId id="264" r:id="rId6"/>
+    <p:sldId id="265" r:id="rId7"/>
+    <p:sldId id="266" r:id="rId8"/>
+    <p:sldId id="258" r:id="rId9"/>
+    <p:sldId id="259" r:id="rId10"/>
+    <p:sldId id="260" r:id="rId11"/>
+    <p:sldId id="261" r:id="rId12"/>
+    <p:sldId id="262" r:id="rId13"/>
+    <p:sldId id="273" r:id="rId14"/>
     <p:sldId id="268" r:id="rId15"/>
     <p:sldId id="269" r:id="rId16"/>
     <p:sldId id="270" r:id="rId17"/>
@@ -260,7 +260,7 @@
           <a:p>
             <a:fld id="{B71F9597-44E7-4F1B-AA9E-38A230E13FFE}" type="datetimeFigureOut">
               <a:rPr lang="ko-KR" altLang="en-US" smtClean="0"/>
-              <a:t>2025-12-09</a:t>
+              <a:t>2025-12-15</a:t>
             </a:fld>
             <a:endParaRPr lang="ko-KR" altLang="en-US"/>
           </a:p>
@@ -430,7 +430,7 @@
           <a:p>
             <a:fld id="{B71F9597-44E7-4F1B-AA9E-38A230E13FFE}" type="datetimeFigureOut">
               <a:rPr lang="ko-KR" altLang="en-US" smtClean="0"/>
-              <a:t>2025-12-09</a:t>
+              <a:t>2025-12-15</a:t>
             </a:fld>
             <a:endParaRPr lang="ko-KR" altLang="en-US"/>
           </a:p>
@@ -610,7 +610,7 @@
           <a:p>
             <a:fld id="{B71F9597-44E7-4F1B-AA9E-38A230E13FFE}" type="datetimeFigureOut">
               <a:rPr lang="ko-KR" altLang="en-US" smtClean="0"/>
-              <a:t>2025-12-09</a:t>
+              <a:t>2025-12-15</a:t>
             </a:fld>
             <a:endParaRPr lang="ko-KR" altLang="en-US"/>
           </a:p>
@@ -780,7 +780,7 @@
           <a:p>
             <a:fld id="{B71F9597-44E7-4F1B-AA9E-38A230E13FFE}" type="datetimeFigureOut">
               <a:rPr lang="ko-KR" altLang="en-US" smtClean="0"/>
-              <a:t>2025-12-09</a:t>
+              <a:t>2025-12-15</a:t>
             </a:fld>
             <a:endParaRPr lang="ko-KR" altLang="en-US"/>
           </a:p>
@@ -1026,7 +1026,7 @@
           <a:p>
             <a:fld id="{B71F9597-44E7-4F1B-AA9E-38A230E13FFE}" type="datetimeFigureOut">
               <a:rPr lang="ko-KR" altLang="en-US" smtClean="0"/>
-              <a:t>2025-12-09</a:t>
+              <a:t>2025-12-15</a:t>
             </a:fld>
             <a:endParaRPr lang="ko-KR" altLang="en-US"/>
           </a:p>
@@ -1258,7 +1258,7 @@
           <a:p>
             <a:fld id="{B71F9597-44E7-4F1B-AA9E-38A230E13FFE}" type="datetimeFigureOut">
               <a:rPr lang="ko-KR" altLang="en-US" smtClean="0"/>
-              <a:t>2025-12-09</a:t>
+              <a:t>2025-12-15</a:t>
             </a:fld>
             <a:endParaRPr lang="ko-KR" altLang="en-US"/>
           </a:p>
@@ -1625,7 +1625,7 @@
           <a:p>
             <a:fld id="{B71F9597-44E7-4F1B-AA9E-38A230E13FFE}" type="datetimeFigureOut">
               <a:rPr lang="ko-KR" altLang="en-US" smtClean="0"/>
-              <a:t>2025-12-09</a:t>
+              <a:t>2025-12-15</a:t>
             </a:fld>
             <a:endParaRPr lang="ko-KR" altLang="en-US"/>
           </a:p>
@@ -1743,7 +1743,7 @@
           <a:p>
             <a:fld id="{B71F9597-44E7-4F1B-AA9E-38A230E13FFE}" type="datetimeFigureOut">
               <a:rPr lang="ko-KR" altLang="en-US" smtClean="0"/>
-              <a:t>2025-12-09</a:t>
+              <a:t>2025-12-15</a:t>
             </a:fld>
             <a:endParaRPr lang="ko-KR" altLang="en-US"/>
           </a:p>
@@ -1838,7 +1838,7 @@
           <a:p>
             <a:fld id="{B71F9597-44E7-4F1B-AA9E-38A230E13FFE}" type="datetimeFigureOut">
               <a:rPr lang="ko-KR" altLang="en-US" smtClean="0"/>
-              <a:t>2025-12-09</a:t>
+              <a:t>2025-12-15</a:t>
             </a:fld>
             <a:endParaRPr lang="ko-KR" altLang="en-US"/>
           </a:p>
@@ -2115,7 +2115,7 @@
           <a:p>
             <a:fld id="{B71F9597-44E7-4F1B-AA9E-38A230E13FFE}" type="datetimeFigureOut">
               <a:rPr lang="ko-KR" altLang="en-US" smtClean="0"/>
-              <a:t>2025-12-09</a:t>
+              <a:t>2025-12-15</a:t>
             </a:fld>
             <a:endParaRPr lang="ko-KR" altLang="en-US"/>
           </a:p>
@@ -2368,7 +2368,7 @@
           <a:p>
             <a:fld id="{B71F9597-44E7-4F1B-AA9E-38A230E13FFE}" type="datetimeFigureOut">
               <a:rPr lang="ko-KR" altLang="en-US" smtClean="0"/>
-              <a:t>2025-12-09</a:t>
+              <a:t>2025-12-15</a:t>
             </a:fld>
             <a:endParaRPr lang="ko-KR" altLang="en-US"/>
           </a:p>
@@ -2581,7 +2581,7 @@
           <a:p>
             <a:fld id="{B71F9597-44E7-4F1B-AA9E-38A230E13FFE}" type="datetimeFigureOut">
               <a:rPr lang="ko-KR" altLang="en-US" smtClean="0"/>
-              <a:t>2025-12-09</a:t>
+              <a:t>2025-12-15</a:t>
             </a:fld>
             <a:endParaRPr lang="ko-KR" altLang="en-US"/>
           </a:p>
@@ -3070,13 +3070,3857 @@
         </p:spPr>
         <p:txBody>
           <a:bodyPr>
+            <a:normAutofit/>
+          </a:bodyPr>
+          <a:lstStyle/>
+          <a:p>
+            <a:r>
+              <a:rPr lang="en-US" altLang="ko-KR" sz="3300" dirty="0"/>
+              <a:t>3</a:t>
+            </a:r>
+            <a:r>
+              <a:rPr lang="en-US" altLang="ko-KR" sz="3300" dirty="0" smtClean="0"/>
+              <a:t>. </a:t>
+            </a:r>
+            <a:r>
+              <a:rPr lang="ko-KR" altLang="en-US" sz="3300" dirty="0" smtClean="0"/>
+              <a:t>가상환경 생성하기</a:t>
+            </a:r>
+            <a:endParaRPr lang="ko-KR" altLang="en-US" sz="3300" dirty="0"/>
+          </a:p>
+        </p:txBody>
+      </p:sp>
+      <p:sp>
+        <p:nvSpPr>
+          <p:cNvPr id="3" name="내용 개체 틀 2"/>
+          <p:cNvSpPr>
+            <a:spLocks noGrp="1"/>
+          </p:cNvSpPr>
+          <p:nvPr>
+            <p:ph idx="1"/>
+          </p:nvPr>
+        </p:nvSpPr>
+        <p:spPr>
+          <a:xfrm>
+            <a:off x="7643673" y="2396971"/>
+            <a:ext cx="4110362" cy="3071674"/>
+          </a:xfrm>
+        </p:spPr>
+        <p:txBody>
+          <a:bodyPr>
+            <a:normAutofit/>
+          </a:bodyPr>
+          <a:lstStyle/>
+          <a:p>
+            <a:pPr marL="0" indent="0">
+              <a:buNone/>
+            </a:pPr>
+            <a:r>
+              <a:rPr lang="en-US" altLang="ko-KR" sz="1500" dirty="0" err="1" smtClean="0"/>
+              <a:t>conda</a:t>
+            </a:r>
+            <a:r>
+              <a:rPr lang="en-US" altLang="ko-KR" sz="1500" dirty="0" smtClean="0"/>
+              <a:t> activate </a:t>
+            </a:r>
+            <a:r>
+              <a:rPr lang="en-US" altLang="ko-KR" sz="1500" dirty="0" err="1" smtClean="0"/>
+              <a:t>gpu_env</a:t>
+            </a:r>
+            <a:endParaRPr lang="ko-KR" altLang="en-US" sz="1500" dirty="0"/>
+          </a:p>
+        </p:txBody>
+      </p:sp>
+      <p:pic>
+        <p:nvPicPr>
+          <p:cNvPr id="4" name="그림 3"/>
+          <p:cNvPicPr>
+            <a:picLocks noChangeAspect="1"/>
+          </p:cNvPicPr>
+          <p:nvPr/>
+        </p:nvPicPr>
+        <p:blipFill>
+          <a:blip r:embed="rId2"/>
+          <a:stretch>
+            <a:fillRect/>
+          </a:stretch>
+        </p:blipFill>
+        <p:spPr>
+          <a:xfrm>
+            <a:off x="341049" y="1569677"/>
+            <a:ext cx="6459245" cy="4260546"/>
+          </a:xfrm>
+          <a:prstGeom prst="rect">
+            <a:avLst/>
+          </a:prstGeom>
+        </p:spPr>
+      </p:pic>
+    </p:spTree>
+    <p:extLst>
+      <p:ext uri="{BB962C8B-B14F-4D97-AF65-F5344CB8AC3E}">
+        <p14:creationId xmlns:p14="http://schemas.microsoft.com/office/powerpoint/2010/main" val="2533029690"/>
+      </p:ext>
+    </p:extLst>
+  </p:cSld>
+  <p:clrMapOvr>
+    <a:masterClrMapping/>
+  </p:clrMapOvr>
+</p:sld>
+</file>
+
+<file path=ppt/slides/slide11.xml><?xml version="1.0" encoding="utf-8"?>
+<p:sld xmlns:a="http://schemas.openxmlformats.org/drawingml/2006/main" xmlns:r="http://schemas.openxmlformats.org/officeDocument/2006/relationships" xmlns:p="http://schemas.openxmlformats.org/presentationml/2006/main">
+  <p:cSld>
+    <p:spTree>
+      <p:nvGrpSpPr>
+        <p:cNvPr id="1" name=""/>
+        <p:cNvGrpSpPr/>
+        <p:nvPr/>
+      </p:nvGrpSpPr>
+      <p:grpSpPr>
+        <a:xfrm>
+          <a:off x="0" y="0"/>
+          <a:ext cx="0" cy="0"/>
+          <a:chOff x="0" y="0"/>
+          <a:chExt cx="0" cy="0"/>
+        </a:xfrm>
+      </p:grpSpPr>
+      <p:sp>
+        <p:nvSpPr>
+          <p:cNvPr id="2" name="제목 1"/>
+          <p:cNvSpPr>
+            <a:spLocks noGrp="1"/>
+          </p:cNvSpPr>
+          <p:nvPr>
+            <p:ph type="title"/>
+          </p:nvPr>
+        </p:nvSpPr>
+        <p:spPr>
+          <a:xfrm>
+            <a:off x="838200" y="365126"/>
+            <a:ext cx="10515600" cy="833360"/>
+          </a:xfrm>
+        </p:spPr>
+        <p:txBody>
+          <a:bodyPr>
+            <a:normAutofit/>
+          </a:bodyPr>
+          <a:lstStyle/>
+          <a:p>
+            <a:r>
+              <a:rPr lang="en-US" altLang="ko-KR" sz="3300" dirty="0"/>
+              <a:t>4</a:t>
+            </a:r>
+            <a:r>
+              <a:rPr lang="en-US" altLang="ko-KR" sz="3300" dirty="0" smtClean="0"/>
+              <a:t>. </a:t>
+            </a:r>
+            <a:r>
+              <a:rPr lang="ko-KR" altLang="en-US" sz="3300" dirty="0" smtClean="0"/>
+              <a:t>실습을 위한 주피터 노트북 커널 만들기</a:t>
+            </a:r>
+            <a:endParaRPr lang="ko-KR" altLang="en-US" sz="3300" dirty="0"/>
+          </a:p>
+        </p:txBody>
+      </p:sp>
+      <p:sp>
+        <p:nvSpPr>
+          <p:cNvPr id="3" name="내용 개체 틀 2"/>
+          <p:cNvSpPr>
+            <a:spLocks noGrp="1"/>
+          </p:cNvSpPr>
+          <p:nvPr>
+            <p:ph idx="1"/>
+          </p:nvPr>
+        </p:nvSpPr>
+        <p:spPr>
+          <a:xfrm>
+            <a:off x="8309498" y="1740024"/>
+            <a:ext cx="4110362" cy="3071674"/>
+          </a:xfrm>
+        </p:spPr>
+        <p:txBody>
+          <a:bodyPr>
+            <a:normAutofit/>
+          </a:bodyPr>
+          <a:lstStyle/>
+          <a:p>
+            <a:pPr marL="0" indent="0">
+              <a:buNone/>
+            </a:pPr>
+            <a:r>
+              <a:rPr lang="en-US" altLang="ko-KR" sz="1500" dirty="0" smtClean="0"/>
+              <a:t>pip install </a:t>
+            </a:r>
+            <a:r>
+              <a:rPr lang="en-US" altLang="ko-KR" sz="1500" dirty="0" err="1" smtClean="0"/>
+              <a:t>jupyter</a:t>
+            </a:r>
+            <a:r>
+              <a:rPr lang="en-US" altLang="ko-KR" sz="1500" dirty="0" smtClean="0"/>
+              <a:t> </a:t>
+            </a:r>
+            <a:r>
+              <a:rPr lang="en-US" altLang="ko-KR" sz="1500" dirty="0" err="1" smtClean="0"/>
+              <a:t>ipykernel</a:t>
+            </a:r>
+            <a:endParaRPr lang="en-US" altLang="ko-KR" sz="1500" dirty="0" smtClean="0"/>
+          </a:p>
+          <a:p>
+            <a:pPr marL="0" indent="0">
+              <a:buNone/>
+            </a:pPr>
+            <a:endParaRPr lang="en-US" altLang="ko-KR" sz="1500" dirty="0"/>
+          </a:p>
+          <a:p>
+            <a:pPr marL="0" indent="0">
+              <a:buNone/>
+            </a:pPr>
+            <a:endParaRPr lang="en-US" altLang="ko-KR" sz="1500" dirty="0" smtClean="0"/>
+          </a:p>
+          <a:p>
+            <a:pPr marL="0" indent="0">
+              <a:buNone/>
+            </a:pPr>
+            <a:r>
+              <a:rPr lang="en-US" altLang="ko-KR" sz="1500" dirty="0" smtClean="0"/>
+              <a:t>Python –m </a:t>
+            </a:r>
+            <a:r>
+              <a:rPr lang="en-US" altLang="ko-KR" sz="1500" dirty="0" err="1" smtClean="0"/>
+              <a:t>ipykernel</a:t>
+            </a:r>
+            <a:r>
+              <a:rPr lang="en-US" altLang="ko-KR" sz="1500" dirty="0" smtClean="0"/>
+              <a:t> install –user –name </a:t>
+            </a:r>
+            <a:r>
+              <a:rPr lang="en-US" altLang="ko-KR" sz="1500" dirty="0" err="1" smtClean="0"/>
+              <a:t>gpu_env</a:t>
+            </a:r>
+            <a:r>
+              <a:rPr lang="en-US" altLang="ko-KR" sz="1500" dirty="0" smtClean="0"/>
+              <a:t> –display-name “</a:t>
+            </a:r>
+            <a:r>
+              <a:rPr lang="en-US" altLang="ko-KR" sz="1500" dirty="0" err="1" smtClean="0"/>
+              <a:t>gpu_env</a:t>
+            </a:r>
+            <a:r>
+              <a:rPr lang="en-US" altLang="ko-KR" sz="1500" dirty="0" smtClean="0"/>
+              <a:t> test”</a:t>
+            </a:r>
+          </a:p>
+          <a:p>
+            <a:pPr marL="0" indent="0">
+              <a:buNone/>
+            </a:pPr>
+            <a:endParaRPr lang="en-US" altLang="ko-KR" sz="1500" dirty="0"/>
+          </a:p>
+          <a:p>
+            <a:pPr marL="0" indent="0">
+              <a:buNone/>
+            </a:pPr>
+            <a:endParaRPr lang="ko-KR" altLang="en-US" sz="1500" dirty="0"/>
+          </a:p>
+        </p:txBody>
+      </p:sp>
+      <p:pic>
+        <p:nvPicPr>
+          <p:cNvPr id="5" name="그림 4"/>
+          <p:cNvPicPr>
+            <a:picLocks noChangeAspect="1"/>
+          </p:cNvPicPr>
+          <p:nvPr/>
+        </p:nvPicPr>
+        <p:blipFill>
+          <a:blip r:embed="rId2"/>
+          <a:stretch>
+            <a:fillRect/>
+          </a:stretch>
+        </p:blipFill>
+        <p:spPr>
+          <a:xfrm>
+            <a:off x="256336" y="1326542"/>
+            <a:ext cx="7826418" cy="2606266"/>
+          </a:xfrm>
+          <a:prstGeom prst="rect">
+            <a:avLst/>
+          </a:prstGeom>
+        </p:spPr>
+      </p:pic>
+      <p:pic>
+        <p:nvPicPr>
+          <p:cNvPr id="7" name="그림 6"/>
+          <p:cNvPicPr>
+            <a:picLocks noChangeAspect="1"/>
+          </p:cNvPicPr>
+          <p:nvPr/>
+        </p:nvPicPr>
+        <p:blipFill>
+          <a:blip r:embed="rId3"/>
+          <a:stretch>
+            <a:fillRect/>
+          </a:stretch>
+        </p:blipFill>
+        <p:spPr>
+          <a:xfrm>
+            <a:off x="395864" y="4594509"/>
+            <a:ext cx="11240474" cy="434378"/>
+          </a:xfrm>
+          <a:prstGeom prst="rect">
+            <a:avLst/>
+          </a:prstGeom>
+        </p:spPr>
+      </p:pic>
+      <p:sp>
+        <p:nvSpPr>
+          <p:cNvPr id="8" name="내용 개체 틀 2"/>
+          <p:cNvSpPr txBox="1">
+            <a:spLocks/>
+          </p:cNvSpPr>
+          <p:nvPr/>
+        </p:nvSpPr>
+        <p:spPr>
+          <a:xfrm>
+            <a:off x="3027285" y="4599263"/>
+            <a:ext cx="9000814" cy="3071674"/>
+          </a:xfrm>
+          <a:prstGeom prst="rect">
+            <a:avLst/>
+          </a:prstGeom>
+        </p:spPr>
+        <p:txBody>
+          <a:bodyPr vert="horz" lIns="91440" tIns="45720" rIns="91440" bIns="45720" rtlCol="0">
+            <a:normAutofit/>
+          </a:bodyPr>
+          <a:lstStyle>
+            <a:lvl1pPr marL="228600" indent="-228600" algn="l" defTabSz="914400" rtl="0" eaLnBrk="1" latinLnBrk="1" hangingPunct="1">
+              <a:lnSpc>
+                <a:spcPct val="90000"/>
+              </a:lnSpc>
+              <a:spcBef>
+                <a:spcPts val="1000"/>
+              </a:spcBef>
+              <a:buFont typeface="Arial" panose="020B0604020202020204" pitchFamily="34" charset="0"/>
+              <a:buChar char="•"/>
+              <a:defRPr sz="2800" kern="1200">
+                <a:solidFill>
+                  <a:schemeClr val="tx1"/>
+                </a:solidFill>
+                <a:latin typeface="+mn-lt"/>
+                <a:ea typeface="+mn-ea"/>
+                <a:cs typeface="+mn-cs"/>
+              </a:defRPr>
+            </a:lvl1pPr>
+            <a:lvl2pPr marL="685800" indent="-228600" algn="l" defTabSz="914400" rtl="0" eaLnBrk="1" latinLnBrk="1" hangingPunct="1">
+              <a:lnSpc>
+                <a:spcPct val="90000"/>
+              </a:lnSpc>
+              <a:spcBef>
+                <a:spcPts val="500"/>
+              </a:spcBef>
+              <a:buFont typeface="Arial" panose="020B0604020202020204" pitchFamily="34" charset="0"/>
+              <a:buChar char="•"/>
+              <a:defRPr sz="2400" kern="1200">
+                <a:solidFill>
+                  <a:schemeClr val="tx1"/>
+                </a:solidFill>
+                <a:latin typeface="+mn-lt"/>
+                <a:ea typeface="+mn-ea"/>
+                <a:cs typeface="+mn-cs"/>
+              </a:defRPr>
+            </a:lvl2pPr>
+            <a:lvl3pPr marL="1143000" indent="-228600" algn="l" defTabSz="914400" rtl="0" eaLnBrk="1" latinLnBrk="1" hangingPunct="1">
+              <a:lnSpc>
+                <a:spcPct val="90000"/>
+              </a:lnSpc>
+              <a:spcBef>
+                <a:spcPts val="500"/>
+              </a:spcBef>
+              <a:buFont typeface="Arial" panose="020B0604020202020204" pitchFamily="34" charset="0"/>
+              <a:buChar char="•"/>
+              <a:defRPr sz="2000" kern="1200">
+                <a:solidFill>
+                  <a:schemeClr val="tx1"/>
+                </a:solidFill>
+                <a:latin typeface="+mn-lt"/>
+                <a:ea typeface="+mn-ea"/>
+                <a:cs typeface="+mn-cs"/>
+              </a:defRPr>
+            </a:lvl3pPr>
+            <a:lvl4pPr marL="1600200" indent="-228600" algn="l" defTabSz="914400" rtl="0" eaLnBrk="1" latinLnBrk="1" hangingPunct="1">
+              <a:lnSpc>
+                <a:spcPct val="90000"/>
+              </a:lnSpc>
+              <a:spcBef>
+                <a:spcPts val="500"/>
+              </a:spcBef>
+              <a:buFont typeface="Arial" panose="020B0604020202020204" pitchFamily="34" charset="0"/>
+              <a:buChar char="•"/>
+              <a:defRPr sz="1800" kern="1200">
+                <a:solidFill>
+                  <a:schemeClr val="tx1"/>
+                </a:solidFill>
+                <a:latin typeface="+mn-lt"/>
+                <a:ea typeface="+mn-ea"/>
+                <a:cs typeface="+mn-cs"/>
+              </a:defRPr>
+            </a:lvl4pPr>
+            <a:lvl5pPr marL="2057400" indent="-228600" algn="l" defTabSz="914400" rtl="0" eaLnBrk="1" latinLnBrk="1" hangingPunct="1">
+              <a:lnSpc>
+                <a:spcPct val="90000"/>
+              </a:lnSpc>
+              <a:spcBef>
+                <a:spcPts val="500"/>
+              </a:spcBef>
+              <a:buFont typeface="Arial" panose="020B0604020202020204" pitchFamily="34" charset="0"/>
+              <a:buChar char="•"/>
+              <a:defRPr sz="1800" kern="1200">
+                <a:solidFill>
+                  <a:schemeClr val="tx1"/>
+                </a:solidFill>
+                <a:latin typeface="+mn-lt"/>
+                <a:ea typeface="+mn-ea"/>
+                <a:cs typeface="+mn-cs"/>
+              </a:defRPr>
+            </a:lvl5pPr>
+            <a:lvl6pPr marL="2514600" indent="-228600" algn="l" defTabSz="914400" rtl="0" eaLnBrk="1" latinLnBrk="1" hangingPunct="1">
+              <a:lnSpc>
+                <a:spcPct val="90000"/>
+              </a:lnSpc>
+              <a:spcBef>
+                <a:spcPts val="500"/>
+              </a:spcBef>
+              <a:buFont typeface="Arial" panose="020B0604020202020204" pitchFamily="34" charset="0"/>
+              <a:buChar char="•"/>
+              <a:defRPr sz="1800" kern="1200">
+                <a:solidFill>
+                  <a:schemeClr val="tx1"/>
+                </a:solidFill>
+                <a:latin typeface="+mn-lt"/>
+                <a:ea typeface="+mn-ea"/>
+                <a:cs typeface="+mn-cs"/>
+              </a:defRPr>
+            </a:lvl6pPr>
+            <a:lvl7pPr marL="2971800" indent="-228600" algn="l" defTabSz="914400" rtl="0" eaLnBrk="1" latinLnBrk="1" hangingPunct="1">
+              <a:lnSpc>
+                <a:spcPct val="90000"/>
+              </a:lnSpc>
+              <a:spcBef>
+                <a:spcPts val="500"/>
+              </a:spcBef>
+              <a:buFont typeface="Arial" panose="020B0604020202020204" pitchFamily="34" charset="0"/>
+              <a:buChar char="•"/>
+              <a:defRPr sz="1800" kern="1200">
+                <a:solidFill>
+                  <a:schemeClr val="tx1"/>
+                </a:solidFill>
+                <a:latin typeface="+mn-lt"/>
+                <a:ea typeface="+mn-ea"/>
+                <a:cs typeface="+mn-cs"/>
+              </a:defRPr>
+            </a:lvl7pPr>
+            <a:lvl8pPr marL="3429000" indent="-228600" algn="l" defTabSz="914400" rtl="0" eaLnBrk="1" latinLnBrk="1" hangingPunct="1">
+              <a:lnSpc>
+                <a:spcPct val="90000"/>
+              </a:lnSpc>
+              <a:spcBef>
+                <a:spcPts val="500"/>
+              </a:spcBef>
+              <a:buFont typeface="Arial" panose="020B0604020202020204" pitchFamily="34" charset="0"/>
+              <a:buChar char="•"/>
+              <a:defRPr sz="1800" kern="1200">
+                <a:solidFill>
+                  <a:schemeClr val="tx1"/>
+                </a:solidFill>
+                <a:latin typeface="+mn-lt"/>
+                <a:ea typeface="+mn-ea"/>
+                <a:cs typeface="+mn-cs"/>
+              </a:defRPr>
+            </a:lvl8pPr>
+            <a:lvl9pPr marL="3886200" indent="-228600" algn="l" defTabSz="914400" rtl="0" eaLnBrk="1" latinLnBrk="1" hangingPunct="1">
+              <a:lnSpc>
+                <a:spcPct val="90000"/>
+              </a:lnSpc>
+              <a:spcBef>
+                <a:spcPts val="500"/>
+              </a:spcBef>
+              <a:buFont typeface="Arial" panose="020B0604020202020204" pitchFamily="34" charset="0"/>
+              <a:buChar char="•"/>
+              <a:defRPr sz="1800" kern="1200">
+                <a:solidFill>
+                  <a:schemeClr val="tx1"/>
+                </a:solidFill>
+                <a:latin typeface="+mn-lt"/>
+                <a:ea typeface="+mn-ea"/>
+                <a:cs typeface="+mn-cs"/>
+              </a:defRPr>
+            </a:lvl9pPr>
+          </a:lstStyle>
+          <a:p>
+            <a:pPr marL="0" indent="0">
+              <a:buFont typeface="Arial" panose="020B0604020202020204" pitchFamily="34" charset="0"/>
+              <a:buNone/>
+            </a:pPr>
+            <a:endParaRPr lang="en-US" altLang="ko-KR" sz="1500" dirty="0" smtClean="0"/>
+          </a:p>
+          <a:p>
+            <a:pPr marL="0" indent="0">
+              <a:buFont typeface="Arial" panose="020B0604020202020204" pitchFamily="34" charset="0"/>
+              <a:buNone/>
+            </a:pPr>
+            <a:endParaRPr lang="en-US" altLang="ko-KR" sz="1500" dirty="0"/>
+          </a:p>
+          <a:p>
+            <a:pPr marL="0" indent="0">
+              <a:buFont typeface="Arial" panose="020B0604020202020204" pitchFamily="34" charset="0"/>
+              <a:buNone/>
+            </a:pPr>
+            <a:endParaRPr lang="en-US" altLang="ko-KR" sz="1500" dirty="0" smtClean="0"/>
+          </a:p>
+          <a:p>
+            <a:pPr marL="0" indent="0">
+              <a:buFont typeface="Arial" panose="020B0604020202020204" pitchFamily="34" charset="0"/>
+              <a:buNone/>
+            </a:pPr>
+            <a:r>
+              <a:rPr lang="en-US" altLang="ko-KR" sz="1500" dirty="0" smtClean="0"/>
+              <a:t>Python –m </a:t>
+            </a:r>
+            <a:r>
+              <a:rPr lang="en-US" altLang="ko-KR" sz="1500" dirty="0" err="1" smtClean="0"/>
+              <a:t>ipykernel</a:t>
+            </a:r>
+            <a:r>
+              <a:rPr lang="en-US" altLang="ko-KR" sz="1500" dirty="0" smtClean="0"/>
+              <a:t> install –user –name </a:t>
+            </a:r>
+            <a:r>
+              <a:rPr lang="en-US" altLang="ko-KR" sz="1500" dirty="0" err="1" smtClean="0"/>
+              <a:t>gpu_env</a:t>
+            </a:r>
+            <a:r>
+              <a:rPr lang="en-US" altLang="ko-KR" sz="1500" dirty="0" smtClean="0"/>
+              <a:t> –display-name “</a:t>
+            </a:r>
+            <a:r>
+              <a:rPr lang="en-US" altLang="ko-KR" sz="1500" dirty="0" err="1" smtClean="0"/>
+              <a:t>gpu_env</a:t>
+            </a:r>
+            <a:r>
+              <a:rPr lang="en-US" altLang="ko-KR" sz="1500" dirty="0" smtClean="0"/>
+              <a:t> test”</a:t>
+            </a:r>
+          </a:p>
+          <a:p>
+            <a:pPr marL="0" indent="0">
+              <a:buFont typeface="Arial" panose="020B0604020202020204" pitchFamily="34" charset="0"/>
+              <a:buNone/>
+            </a:pPr>
+            <a:endParaRPr lang="en-US" altLang="ko-KR" sz="1500" dirty="0" smtClean="0"/>
+          </a:p>
+          <a:p>
+            <a:pPr marL="0" indent="0">
+              <a:buFont typeface="Arial" panose="020B0604020202020204" pitchFamily="34" charset="0"/>
+              <a:buNone/>
+            </a:pPr>
+            <a:endParaRPr lang="ko-KR" altLang="en-US" sz="1500" dirty="0"/>
+          </a:p>
+        </p:txBody>
+      </p:sp>
+    </p:spTree>
+    <p:extLst>
+      <p:ext uri="{BB962C8B-B14F-4D97-AF65-F5344CB8AC3E}">
+        <p14:creationId xmlns:p14="http://schemas.microsoft.com/office/powerpoint/2010/main" val="1883544765"/>
+      </p:ext>
+    </p:extLst>
+  </p:cSld>
+  <p:clrMapOvr>
+    <a:masterClrMapping/>
+  </p:clrMapOvr>
+</p:sld>
+</file>
+
+<file path=ppt/slides/slide12.xml><?xml version="1.0" encoding="utf-8"?>
+<p:sld xmlns:a="http://schemas.openxmlformats.org/drawingml/2006/main" xmlns:r="http://schemas.openxmlformats.org/officeDocument/2006/relationships" xmlns:p="http://schemas.openxmlformats.org/presentationml/2006/main">
+  <p:cSld>
+    <p:spTree>
+      <p:nvGrpSpPr>
+        <p:cNvPr id="1" name=""/>
+        <p:cNvGrpSpPr/>
+        <p:nvPr/>
+      </p:nvGrpSpPr>
+      <p:grpSpPr>
+        <a:xfrm>
+          <a:off x="0" y="0"/>
+          <a:ext cx="0" cy="0"/>
+          <a:chOff x="0" y="0"/>
+          <a:chExt cx="0" cy="0"/>
+        </a:xfrm>
+      </p:grpSpPr>
+      <p:sp>
+        <p:nvSpPr>
+          <p:cNvPr id="2" name="제목 1"/>
+          <p:cNvSpPr>
+            <a:spLocks noGrp="1"/>
+          </p:cNvSpPr>
+          <p:nvPr>
+            <p:ph type="title"/>
+          </p:nvPr>
+        </p:nvSpPr>
+        <p:spPr>
+          <a:xfrm>
+            <a:off x="838200" y="365126"/>
+            <a:ext cx="10515600" cy="833360"/>
+          </a:xfrm>
+        </p:spPr>
+        <p:txBody>
+          <a:bodyPr>
+            <a:normAutofit/>
+          </a:bodyPr>
+          <a:lstStyle/>
+          <a:p>
+            <a:r>
+              <a:rPr lang="en-US" altLang="ko-KR" sz="3300" dirty="0"/>
+              <a:t>5</a:t>
+            </a:r>
+            <a:r>
+              <a:rPr lang="en-US" altLang="ko-KR" sz="3300" dirty="0" smtClean="0"/>
+              <a:t>-1. </a:t>
+            </a:r>
+            <a:r>
+              <a:rPr lang="en-US" altLang="ko-KR" sz="3300" dirty="0" smtClean="0"/>
+              <a:t>CUDA 11.2 +</a:t>
+            </a:r>
+            <a:r>
+              <a:rPr lang="en-US" altLang="ko-KR" sz="3300" dirty="0" err="1" smtClean="0"/>
+              <a:t>cuDNN</a:t>
+            </a:r>
+            <a:r>
+              <a:rPr lang="en-US" altLang="ko-KR" sz="3300" dirty="0" smtClean="0"/>
+              <a:t> 8.1 </a:t>
+            </a:r>
+            <a:r>
+              <a:rPr lang="ko-KR" altLang="en-US" sz="3300" dirty="0" smtClean="0"/>
+              <a:t>설치</a:t>
+            </a:r>
+            <a:r>
+              <a:rPr lang="en-US" altLang="ko-KR" sz="3300" dirty="0" smtClean="0"/>
+              <a:t>(</a:t>
+            </a:r>
+            <a:r>
+              <a:rPr lang="en-US" altLang="ko-KR" sz="3300" dirty="0" err="1" smtClean="0"/>
+              <a:t>conda</a:t>
+            </a:r>
+            <a:r>
+              <a:rPr lang="en-US" altLang="ko-KR" sz="3300" dirty="0" smtClean="0"/>
+              <a:t>)</a:t>
+            </a:r>
+            <a:endParaRPr lang="ko-KR" altLang="en-US" sz="3300" dirty="0"/>
+          </a:p>
+        </p:txBody>
+      </p:sp>
+      <p:sp>
+        <p:nvSpPr>
+          <p:cNvPr id="3" name="내용 개체 틀 2"/>
+          <p:cNvSpPr>
+            <a:spLocks noGrp="1"/>
+          </p:cNvSpPr>
+          <p:nvPr>
+            <p:ph idx="1"/>
+          </p:nvPr>
+        </p:nvSpPr>
+        <p:spPr>
+          <a:xfrm>
+            <a:off x="1103917" y="3959439"/>
+            <a:ext cx="9729926" cy="443883"/>
+          </a:xfrm>
+        </p:spPr>
+        <p:txBody>
+          <a:bodyPr>
+            <a:normAutofit/>
+          </a:bodyPr>
+          <a:lstStyle/>
+          <a:p>
+            <a:pPr marL="0" indent="0">
+              <a:buNone/>
+            </a:pPr>
+            <a:r>
+              <a:rPr lang="en-US" altLang="ko-KR" sz="1800" dirty="0" err="1"/>
+              <a:t>conda</a:t>
+            </a:r>
+            <a:r>
+              <a:rPr lang="en-US" altLang="ko-KR" sz="1800" dirty="0"/>
+              <a:t> install -c </a:t>
+            </a:r>
+            <a:r>
+              <a:rPr lang="en-US" altLang="ko-KR" sz="1800" dirty="0" err="1"/>
+              <a:t>conda</a:t>
+            </a:r>
+            <a:r>
+              <a:rPr lang="en-US" altLang="ko-KR" sz="1800" dirty="0"/>
+              <a:t>-forge </a:t>
+            </a:r>
+            <a:r>
+              <a:rPr lang="en-US" altLang="ko-KR" sz="1800" dirty="0" err="1"/>
+              <a:t>cudatoolkit</a:t>
+            </a:r>
+            <a:r>
+              <a:rPr lang="en-US" altLang="ko-KR" sz="1800" dirty="0"/>
+              <a:t>=11.2 </a:t>
+            </a:r>
+            <a:r>
+              <a:rPr lang="en-US" altLang="ko-KR" sz="1800" dirty="0" err="1"/>
+              <a:t>cudnn</a:t>
+            </a:r>
+            <a:r>
+              <a:rPr lang="en-US" altLang="ko-KR" sz="1800" dirty="0"/>
+              <a:t>=8.1.0 -y</a:t>
+            </a:r>
+            <a:endParaRPr lang="ko-KR" altLang="en-US" sz="1800" dirty="0"/>
+          </a:p>
+        </p:txBody>
+      </p:sp>
+      <p:pic>
+        <p:nvPicPr>
+          <p:cNvPr id="4" name="그림 3"/>
+          <p:cNvPicPr>
+            <a:picLocks noChangeAspect="1"/>
+          </p:cNvPicPr>
+          <p:nvPr/>
+        </p:nvPicPr>
+        <p:blipFill>
+          <a:blip r:embed="rId2"/>
+          <a:stretch>
+            <a:fillRect/>
+          </a:stretch>
+        </p:blipFill>
+        <p:spPr>
+          <a:xfrm>
+            <a:off x="1103917" y="1375232"/>
+            <a:ext cx="9007621" cy="2385267"/>
+          </a:xfrm>
+          <a:prstGeom prst="rect">
+            <a:avLst/>
+          </a:prstGeom>
+        </p:spPr>
+      </p:pic>
+      <p:pic>
+        <p:nvPicPr>
+          <p:cNvPr id="5" name="그림 4"/>
+          <p:cNvPicPr>
+            <a:picLocks noChangeAspect="1"/>
+          </p:cNvPicPr>
+          <p:nvPr/>
+        </p:nvPicPr>
+        <p:blipFill>
+          <a:blip r:embed="rId3"/>
+          <a:stretch>
+            <a:fillRect/>
+          </a:stretch>
+        </p:blipFill>
+        <p:spPr>
+          <a:xfrm>
+            <a:off x="1017813" y="4386216"/>
+            <a:ext cx="7102455" cy="2133785"/>
+          </a:xfrm>
+          <a:prstGeom prst="rect">
+            <a:avLst/>
+          </a:prstGeom>
+        </p:spPr>
+      </p:pic>
+      <p:sp>
+        <p:nvSpPr>
+          <p:cNvPr id="7" name="내용 개체 틀 2"/>
+          <p:cNvSpPr txBox="1">
+            <a:spLocks/>
+          </p:cNvSpPr>
+          <p:nvPr/>
+        </p:nvSpPr>
+        <p:spPr>
+          <a:xfrm>
+            <a:off x="8247354" y="4386216"/>
+            <a:ext cx="3608899" cy="2307547"/>
+          </a:xfrm>
+          <a:prstGeom prst="rect">
+            <a:avLst/>
+          </a:prstGeom>
+        </p:spPr>
+        <p:txBody>
+          <a:bodyPr vert="horz" lIns="91440" tIns="45720" rIns="91440" bIns="45720" rtlCol="0">
+            <a:normAutofit/>
+          </a:bodyPr>
+          <a:lstStyle>
+            <a:lvl1pPr marL="228600" indent="-228600" algn="l" defTabSz="914400" rtl="0" eaLnBrk="1" latinLnBrk="1" hangingPunct="1">
+              <a:lnSpc>
+                <a:spcPct val="90000"/>
+              </a:lnSpc>
+              <a:spcBef>
+                <a:spcPts val="1000"/>
+              </a:spcBef>
+              <a:buFont typeface="Arial" panose="020B0604020202020204" pitchFamily="34" charset="0"/>
+              <a:buChar char="•"/>
+              <a:defRPr sz="2800" kern="1200">
+                <a:solidFill>
+                  <a:schemeClr val="tx1"/>
+                </a:solidFill>
+                <a:latin typeface="+mn-lt"/>
+                <a:ea typeface="+mn-ea"/>
+                <a:cs typeface="+mn-cs"/>
+              </a:defRPr>
+            </a:lvl1pPr>
+            <a:lvl2pPr marL="685800" indent="-228600" algn="l" defTabSz="914400" rtl="0" eaLnBrk="1" latinLnBrk="1" hangingPunct="1">
+              <a:lnSpc>
+                <a:spcPct val="90000"/>
+              </a:lnSpc>
+              <a:spcBef>
+                <a:spcPts val="500"/>
+              </a:spcBef>
+              <a:buFont typeface="Arial" panose="020B0604020202020204" pitchFamily="34" charset="0"/>
+              <a:buChar char="•"/>
+              <a:defRPr sz="2400" kern="1200">
+                <a:solidFill>
+                  <a:schemeClr val="tx1"/>
+                </a:solidFill>
+                <a:latin typeface="+mn-lt"/>
+                <a:ea typeface="+mn-ea"/>
+                <a:cs typeface="+mn-cs"/>
+              </a:defRPr>
+            </a:lvl2pPr>
+            <a:lvl3pPr marL="1143000" indent="-228600" algn="l" defTabSz="914400" rtl="0" eaLnBrk="1" latinLnBrk="1" hangingPunct="1">
+              <a:lnSpc>
+                <a:spcPct val="90000"/>
+              </a:lnSpc>
+              <a:spcBef>
+                <a:spcPts val="500"/>
+              </a:spcBef>
+              <a:buFont typeface="Arial" panose="020B0604020202020204" pitchFamily="34" charset="0"/>
+              <a:buChar char="•"/>
+              <a:defRPr sz="2000" kern="1200">
+                <a:solidFill>
+                  <a:schemeClr val="tx1"/>
+                </a:solidFill>
+                <a:latin typeface="+mn-lt"/>
+                <a:ea typeface="+mn-ea"/>
+                <a:cs typeface="+mn-cs"/>
+              </a:defRPr>
+            </a:lvl3pPr>
+            <a:lvl4pPr marL="1600200" indent="-228600" algn="l" defTabSz="914400" rtl="0" eaLnBrk="1" latinLnBrk="1" hangingPunct="1">
+              <a:lnSpc>
+                <a:spcPct val="90000"/>
+              </a:lnSpc>
+              <a:spcBef>
+                <a:spcPts val="500"/>
+              </a:spcBef>
+              <a:buFont typeface="Arial" panose="020B0604020202020204" pitchFamily="34" charset="0"/>
+              <a:buChar char="•"/>
+              <a:defRPr sz="1800" kern="1200">
+                <a:solidFill>
+                  <a:schemeClr val="tx1"/>
+                </a:solidFill>
+                <a:latin typeface="+mn-lt"/>
+                <a:ea typeface="+mn-ea"/>
+                <a:cs typeface="+mn-cs"/>
+              </a:defRPr>
+            </a:lvl4pPr>
+            <a:lvl5pPr marL="2057400" indent="-228600" algn="l" defTabSz="914400" rtl="0" eaLnBrk="1" latinLnBrk="1" hangingPunct="1">
+              <a:lnSpc>
+                <a:spcPct val="90000"/>
+              </a:lnSpc>
+              <a:spcBef>
+                <a:spcPts val="500"/>
+              </a:spcBef>
+              <a:buFont typeface="Arial" panose="020B0604020202020204" pitchFamily="34" charset="0"/>
+              <a:buChar char="•"/>
+              <a:defRPr sz="1800" kern="1200">
+                <a:solidFill>
+                  <a:schemeClr val="tx1"/>
+                </a:solidFill>
+                <a:latin typeface="+mn-lt"/>
+                <a:ea typeface="+mn-ea"/>
+                <a:cs typeface="+mn-cs"/>
+              </a:defRPr>
+            </a:lvl5pPr>
+            <a:lvl6pPr marL="2514600" indent="-228600" algn="l" defTabSz="914400" rtl="0" eaLnBrk="1" latinLnBrk="1" hangingPunct="1">
+              <a:lnSpc>
+                <a:spcPct val="90000"/>
+              </a:lnSpc>
+              <a:spcBef>
+                <a:spcPts val="500"/>
+              </a:spcBef>
+              <a:buFont typeface="Arial" panose="020B0604020202020204" pitchFamily="34" charset="0"/>
+              <a:buChar char="•"/>
+              <a:defRPr sz="1800" kern="1200">
+                <a:solidFill>
+                  <a:schemeClr val="tx1"/>
+                </a:solidFill>
+                <a:latin typeface="+mn-lt"/>
+                <a:ea typeface="+mn-ea"/>
+                <a:cs typeface="+mn-cs"/>
+              </a:defRPr>
+            </a:lvl6pPr>
+            <a:lvl7pPr marL="2971800" indent="-228600" algn="l" defTabSz="914400" rtl="0" eaLnBrk="1" latinLnBrk="1" hangingPunct="1">
+              <a:lnSpc>
+                <a:spcPct val="90000"/>
+              </a:lnSpc>
+              <a:spcBef>
+                <a:spcPts val="500"/>
+              </a:spcBef>
+              <a:buFont typeface="Arial" panose="020B0604020202020204" pitchFamily="34" charset="0"/>
+              <a:buChar char="•"/>
+              <a:defRPr sz="1800" kern="1200">
+                <a:solidFill>
+                  <a:schemeClr val="tx1"/>
+                </a:solidFill>
+                <a:latin typeface="+mn-lt"/>
+                <a:ea typeface="+mn-ea"/>
+                <a:cs typeface="+mn-cs"/>
+              </a:defRPr>
+            </a:lvl7pPr>
+            <a:lvl8pPr marL="3429000" indent="-228600" algn="l" defTabSz="914400" rtl="0" eaLnBrk="1" latinLnBrk="1" hangingPunct="1">
+              <a:lnSpc>
+                <a:spcPct val="90000"/>
+              </a:lnSpc>
+              <a:spcBef>
+                <a:spcPts val="500"/>
+              </a:spcBef>
+              <a:buFont typeface="Arial" panose="020B0604020202020204" pitchFamily="34" charset="0"/>
+              <a:buChar char="•"/>
+              <a:defRPr sz="1800" kern="1200">
+                <a:solidFill>
+                  <a:schemeClr val="tx1"/>
+                </a:solidFill>
+                <a:latin typeface="+mn-lt"/>
+                <a:ea typeface="+mn-ea"/>
+                <a:cs typeface="+mn-cs"/>
+              </a:defRPr>
+            </a:lvl8pPr>
+            <a:lvl9pPr marL="3886200" indent="-228600" algn="l" defTabSz="914400" rtl="0" eaLnBrk="1" latinLnBrk="1" hangingPunct="1">
+              <a:lnSpc>
+                <a:spcPct val="90000"/>
+              </a:lnSpc>
+              <a:spcBef>
+                <a:spcPts val="500"/>
+              </a:spcBef>
+              <a:buFont typeface="Arial" panose="020B0604020202020204" pitchFamily="34" charset="0"/>
+              <a:buChar char="•"/>
+              <a:defRPr sz="1800" kern="1200">
+                <a:solidFill>
+                  <a:schemeClr val="tx1"/>
+                </a:solidFill>
+                <a:latin typeface="+mn-lt"/>
+                <a:ea typeface="+mn-ea"/>
+                <a:cs typeface="+mn-cs"/>
+              </a:defRPr>
+            </a:lvl9pPr>
+          </a:lstStyle>
+          <a:p>
+            <a:pPr marL="0" indent="0">
+              <a:buFont typeface="Arial" panose="020B0604020202020204" pitchFamily="34" charset="0"/>
+              <a:buNone/>
+            </a:pPr>
+            <a:r>
+              <a:rPr lang="en-US" altLang="ko-KR" sz="1800" dirty="0" smtClean="0"/>
+              <a:t>(</a:t>
+            </a:r>
+            <a:r>
+              <a:rPr lang="ko-KR" altLang="en-US" sz="1800" dirty="0" smtClean="0"/>
+              <a:t>선택</a:t>
+            </a:r>
+            <a:r>
+              <a:rPr lang="en-US" altLang="ko-KR" sz="1800" dirty="0" smtClean="0"/>
+              <a:t>)</a:t>
+            </a:r>
+            <a:r>
+              <a:rPr lang="ko-KR" altLang="en-US" sz="1800" dirty="0" smtClean="0"/>
+              <a:t>잘 다운 받았는지 확인</a:t>
+            </a:r>
+            <a:r>
+              <a:rPr lang="en-US" altLang="ko-KR" sz="1800" dirty="0" smtClean="0"/>
+              <a:t>!</a:t>
+            </a:r>
+            <a:br>
+              <a:rPr lang="en-US" altLang="ko-KR" sz="1800" dirty="0" smtClean="0"/>
+            </a:br>
+            <a:r>
+              <a:rPr lang="en-US" altLang="ko-KR" sz="1800" dirty="0" err="1" smtClean="0"/>
+              <a:t>conda</a:t>
+            </a:r>
+            <a:r>
+              <a:rPr lang="en-US" altLang="ko-KR" sz="1800" dirty="0" smtClean="0"/>
+              <a:t> list </a:t>
+            </a:r>
+            <a:r>
+              <a:rPr lang="en-US" altLang="ko-KR" sz="1800" dirty="0" err="1" smtClean="0"/>
+              <a:t>cudatoolkit</a:t>
+            </a:r>
+            <a:endParaRPr lang="en-US" altLang="ko-KR" sz="1800" dirty="0" smtClean="0"/>
+          </a:p>
+          <a:p>
+            <a:pPr marL="0" indent="0">
+              <a:buFont typeface="Arial" panose="020B0604020202020204" pitchFamily="34" charset="0"/>
+              <a:buNone/>
+            </a:pPr>
+            <a:endParaRPr lang="en-US" altLang="ko-KR" sz="1800" dirty="0"/>
+          </a:p>
+          <a:p>
+            <a:pPr marL="0" indent="0">
+              <a:buFont typeface="Arial" panose="020B0604020202020204" pitchFamily="34" charset="0"/>
+              <a:buNone/>
+            </a:pPr>
+            <a:r>
+              <a:rPr lang="en-US" altLang="ko-KR" sz="1800" dirty="0" err="1"/>
+              <a:t>c</a:t>
+            </a:r>
+            <a:r>
+              <a:rPr lang="en-US" altLang="ko-KR" sz="1800" dirty="0" err="1" smtClean="0"/>
+              <a:t>onda</a:t>
+            </a:r>
+            <a:r>
+              <a:rPr lang="en-US" altLang="ko-KR" sz="1800" dirty="0" smtClean="0"/>
+              <a:t> list </a:t>
+            </a:r>
+            <a:r>
+              <a:rPr lang="en-US" altLang="ko-KR" sz="1800" dirty="0" err="1" smtClean="0"/>
+              <a:t>cudnn</a:t>
+            </a:r>
+            <a:endParaRPr lang="ko-KR" altLang="en-US" sz="1800" dirty="0"/>
+          </a:p>
+        </p:txBody>
+      </p:sp>
+    </p:spTree>
+    <p:extLst>
+      <p:ext uri="{BB962C8B-B14F-4D97-AF65-F5344CB8AC3E}">
+        <p14:creationId xmlns:p14="http://schemas.microsoft.com/office/powerpoint/2010/main" val="1261460660"/>
+      </p:ext>
+    </p:extLst>
+  </p:cSld>
+  <p:clrMapOvr>
+    <a:masterClrMapping/>
+  </p:clrMapOvr>
+  <p:timing>
+    <p:tnLst>
+      <p:par>
+        <p:cTn id="1" dur="indefinite" restart="never" nodeType="tmRoot"/>
+      </p:par>
+    </p:tnLst>
+  </p:timing>
+</p:sld>
+</file>
+
+<file path=ppt/slides/slide13.xml><?xml version="1.0" encoding="utf-8"?>
+<p:sld xmlns:a="http://schemas.openxmlformats.org/drawingml/2006/main" xmlns:r="http://schemas.openxmlformats.org/officeDocument/2006/relationships" xmlns:p="http://schemas.openxmlformats.org/presentationml/2006/main">
+  <p:cSld>
+    <p:spTree>
+      <p:nvGrpSpPr>
+        <p:cNvPr id="1" name=""/>
+        <p:cNvGrpSpPr/>
+        <p:nvPr/>
+      </p:nvGrpSpPr>
+      <p:grpSpPr>
+        <a:xfrm>
+          <a:off x="0" y="0"/>
+          <a:ext cx="0" cy="0"/>
+          <a:chOff x="0" y="0"/>
+          <a:chExt cx="0" cy="0"/>
+        </a:xfrm>
+      </p:grpSpPr>
+      <p:sp>
+        <p:nvSpPr>
+          <p:cNvPr id="2" name="제목 1"/>
+          <p:cNvSpPr>
+            <a:spLocks noGrp="1"/>
+          </p:cNvSpPr>
+          <p:nvPr>
+            <p:ph type="title"/>
+          </p:nvPr>
+        </p:nvSpPr>
+        <p:spPr>
+          <a:xfrm>
+            <a:off x="838200" y="365126"/>
+            <a:ext cx="10515600" cy="833360"/>
+          </a:xfrm>
+        </p:spPr>
+        <p:txBody>
+          <a:bodyPr>
+            <a:normAutofit/>
+          </a:bodyPr>
+          <a:lstStyle/>
+          <a:p>
+            <a:r>
+              <a:rPr lang="en-US" altLang="ko-KR" sz="3300" dirty="0"/>
+              <a:t>5</a:t>
+            </a:r>
+            <a:r>
+              <a:rPr lang="en-US" altLang="ko-KR" sz="3300" dirty="0" smtClean="0"/>
+              <a:t>-2. </a:t>
+            </a:r>
+            <a:r>
+              <a:rPr lang="en-US" altLang="ko-KR" sz="3300" dirty="0" err="1" smtClean="0"/>
+              <a:t>tensorflow</a:t>
+            </a:r>
+            <a:r>
+              <a:rPr lang="en-US" altLang="ko-KR" sz="3300" dirty="0" smtClean="0"/>
+              <a:t> </a:t>
+            </a:r>
+            <a:r>
+              <a:rPr lang="ko-KR" altLang="en-US" sz="3300" dirty="0" smtClean="0"/>
+              <a:t>설치하기</a:t>
+            </a:r>
+            <a:endParaRPr lang="ko-KR" altLang="en-US" sz="3300" dirty="0"/>
+          </a:p>
+        </p:txBody>
+      </p:sp>
+      <p:sp>
+        <p:nvSpPr>
+          <p:cNvPr id="3" name="내용 개체 틀 2"/>
+          <p:cNvSpPr>
+            <a:spLocks noGrp="1"/>
+          </p:cNvSpPr>
+          <p:nvPr>
+            <p:ph idx="1"/>
+          </p:nvPr>
+        </p:nvSpPr>
+        <p:spPr>
+          <a:xfrm>
+            <a:off x="1393054" y="5060273"/>
+            <a:ext cx="9729926" cy="443883"/>
+          </a:xfrm>
+        </p:spPr>
+        <p:txBody>
+          <a:bodyPr>
+            <a:normAutofit/>
+          </a:bodyPr>
+          <a:lstStyle/>
+          <a:p>
+            <a:pPr marL="0" indent="0">
+              <a:buNone/>
+            </a:pPr>
+            <a:r>
+              <a:rPr lang="en-US" altLang="ko-KR" sz="1500" dirty="0" smtClean="0"/>
+              <a:t>Python –m pip install “</a:t>
+            </a:r>
+            <a:r>
+              <a:rPr lang="en-US" altLang="ko-KR" sz="1500" dirty="0" err="1" smtClean="0"/>
+              <a:t>tensorflow</a:t>
+            </a:r>
+            <a:r>
+              <a:rPr lang="en-US" altLang="ko-KR" sz="1500" dirty="0" smtClean="0"/>
+              <a:t>&lt;2.11”</a:t>
+            </a:r>
+            <a:endParaRPr lang="en-US" altLang="ko-KR" sz="1500" dirty="0"/>
+          </a:p>
+          <a:p>
+            <a:pPr marL="0" indent="0">
+              <a:buNone/>
+            </a:pPr>
+            <a:endParaRPr lang="ko-KR" altLang="en-US" sz="1500" dirty="0"/>
+          </a:p>
+        </p:txBody>
+      </p:sp>
+      <p:pic>
+        <p:nvPicPr>
+          <p:cNvPr id="4" name="그림 3"/>
+          <p:cNvPicPr>
+            <a:picLocks noChangeAspect="1"/>
+          </p:cNvPicPr>
+          <p:nvPr/>
+        </p:nvPicPr>
+        <p:blipFill>
+          <a:blip r:embed="rId2"/>
+          <a:stretch>
+            <a:fillRect/>
+          </a:stretch>
+        </p:blipFill>
+        <p:spPr>
+          <a:xfrm>
+            <a:off x="1539396" y="1760704"/>
+            <a:ext cx="6645216" cy="2484335"/>
+          </a:xfrm>
+          <a:prstGeom prst="rect">
+            <a:avLst/>
+          </a:prstGeom>
+        </p:spPr>
+      </p:pic>
+    </p:spTree>
+    <p:extLst>
+      <p:ext uri="{BB962C8B-B14F-4D97-AF65-F5344CB8AC3E}">
+        <p14:creationId xmlns:p14="http://schemas.microsoft.com/office/powerpoint/2010/main" val="3494120534"/>
+      </p:ext>
+    </p:extLst>
+  </p:cSld>
+  <p:clrMapOvr>
+    <a:masterClrMapping/>
+  </p:clrMapOvr>
+  <p:timing>
+    <p:tnLst>
+      <p:par>
+        <p:cTn id="1" dur="indefinite" restart="never" nodeType="tmRoot"/>
+      </p:par>
+    </p:tnLst>
+  </p:timing>
+</p:sld>
+</file>
+
+<file path=ppt/slides/slide14.xml><?xml version="1.0" encoding="utf-8"?>
+<p:sld xmlns:a="http://schemas.openxmlformats.org/drawingml/2006/main" xmlns:r="http://schemas.openxmlformats.org/officeDocument/2006/relationships" xmlns:p="http://schemas.openxmlformats.org/presentationml/2006/main">
+  <p:cSld>
+    <p:spTree>
+      <p:nvGrpSpPr>
+        <p:cNvPr id="1" name=""/>
+        <p:cNvGrpSpPr/>
+        <p:nvPr/>
+      </p:nvGrpSpPr>
+      <p:grpSpPr>
+        <a:xfrm>
+          <a:off x="0" y="0"/>
+          <a:ext cx="0" cy="0"/>
+          <a:chOff x="0" y="0"/>
+          <a:chExt cx="0" cy="0"/>
+        </a:xfrm>
+      </p:grpSpPr>
+      <p:sp>
+        <p:nvSpPr>
+          <p:cNvPr id="2" name="제목 1"/>
+          <p:cNvSpPr>
+            <a:spLocks noGrp="1"/>
+          </p:cNvSpPr>
+          <p:nvPr>
+            <p:ph type="title"/>
+          </p:nvPr>
+        </p:nvSpPr>
+        <p:spPr>
+          <a:xfrm>
+            <a:off x="838200" y="365126"/>
+            <a:ext cx="10515600" cy="833360"/>
+          </a:xfrm>
+        </p:spPr>
+        <p:txBody>
+          <a:bodyPr>
+            <a:normAutofit/>
+          </a:bodyPr>
+          <a:lstStyle/>
+          <a:p>
+            <a:r>
+              <a:rPr lang="en-US" altLang="ko-KR" sz="3300" dirty="0" smtClean="0"/>
+              <a:t>6. GPU </a:t>
+            </a:r>
+            <a:r>
+              <a:rPr lang="ko-KR" altLang="en-US" sz="3300" dirty="0" smtClean="0"/>
+              <a:t>사용 가능한지 확인</a:t>
+            </a:r>
+            <a:endParaRPr lang="ko-KR" altLang="en-US" sz="3300" dirty="0"/>
+          </a:p>
+        </p:txBody>
+      </p:sp>
+      <p:sp>
+        <p:nvSpPr>
+          <p:cNvPr id="11" name="내용 개체 틀 2"/>
+          <p:cNvSpPr txBox="1">
+            <a:spLocks/>
+          </p:cNvSpPr>
+          <p:nvPr/>
+        </p:nvSpPr>
+        <p:spPr>
+          <a:xfrm>
+            <a:off x="753862" y="1773430"/>
+            <a:ext cx="10599938" cy="632420"/>
+          </a:xfrm>
+          <a:prstGeom prst="rect">
+            <a:avLst/>
+          </a:prstGeom>
+        </p:spPr>
+        <p:txBody>
+          <a:bodyPr vert="horz" lIns="91440" tIns="45720" rIns="91440" bIns="45720" rtlCol="0">
+            <a:normAutofit fontScale="92500" lnSpcReduction="20000"/>
+          </a:bodyPr>
+          <a:lstStyle>
+            <a:lvl1pPr marL="228600" indent="-228600" algn="l" defTabSz="914400" rtl="0" eaLnBrk="1" latinLnBrk="1" hangingPunct="1">
+              <a:lnSpc>
+                <a:spcPct val="90000"/>
+              </a:lnSpc>
+              <a:spcBef>
+                <a:spcPts val="1000"/>
+              </a:spcBef>
+              <a:buFont typeface="Arial" panose="020B0604020202020204" pitchFamily="34" charset="0"/>
+              <a:buChar char="•"/>
+              <a:defRPr sz="2800" kern="1200">
+                <a:solidFill>
+                  <a:schemeClr val="tx1"/>
+                </a:solidFill>
+                <a:latin typeface="+mn-lt"/>
+                <a:ea typeface="+mn-ea"/>
+                <a:cs typeface="+mn-cs"/>
+              </a:defRPr>
+            </a:lvl1pPr>
+            <a:lvl2pPr marL="685800" indent="-228600" algn="l" defTabSz="914400" rtl="0" eaLnBrk="1" latinLnBrk="1" hangingPunct="1">
+              <a:lnSpc>
+                <a:spcPct val="90000"/>
+              </a:lnSpc>
+              <a:spcBef>
+                <a:spcPts val="500"/>
+              </a:spcBef>
+              <a:buFont typeface="Arial" panose="020B0604020202020204" pitchFamily="34" charset="0"/>
+              <a:buChar char="•"/>
+              <a:defRPr sz="2400" kern="1200">
+                <a:solidFill>
+                  <a:schemeClr val="tx1"/>
+                </a:solidFill>
+                <a:latin typeface="+mn-lt"/>
+                <a:ea typeface="+mn-ea"/>
+                <a:cs typeface="+mn-cs"/>
+              </a:defRPr>
+            </a:lvl2pPr>
+            <a:lvl3pPr marL="1143000" indent="-228600" algn="l" defTabSz="914400" rtl="0" eaLnBrk="1" latinLnBrk="1" hangingPunct="1">
+              <a:lnSpc>
+                <a:spcPct val="90000"/>
+              </a:lnSpc>
+              <a:spcBef>
+                <a:spcPts val="500"/>
+              </a:spcBef>
+              <a:buFont typeface="Arial" panose="020B0604020202020204" pitchFamily="34" charset="0"/>
+              <a:buChar char="•"/>
+              <a:defRPr sz="2000" kern="1200">
+                <a:solidFill>
+                  <a:schemeClr val="tx1"/>
+                </a:solidFill>
+                <a:latin typeface="+mn-lt"/>
+                <a:ea typeface="+mn-ea"/>
+                <a:cs typeface="+mn-cs"/>
+              </a:defRPr>
+            </a:lvl3pPr>
+            <a:lvl4pPr marL="1600200" indent="-228600" algn="l" defTabSz="914400" rtl="0" eaLnBrk="1" latinLnBrk="1" hangingPunct="1">
+              <a:lnSpc>
+                <a:spcPct val="90000"/>
+              </a:lnSpc>
+              <a:spcBef>
+                <a:spcPts val="500"/>
+              </a:spcBef>
+              <a:buFont typeface="Arial" panose="020B0604020202020204" pitchFamily="34" charset="0"/>
+              <a:buChar char="•"/>
+              <a:defRPr sz="1800" kern="1200">
+                <a:solidFill>
+                  <a:schemeClr val="tx1"/>
+                </a:solidFill>
+                <a:latin typeface="+mn-lt"/>
+                <a:ea typeface="+mn-ea"/>
+                <a:cs typeface="+mn-cs"/>
+              </a:defRPr>
+            </a:lvl4pPr>
+            <a:lvl5pPr marL="2057400" indent="-228600" algn="l" defTabSz="914400" rtl="0" eaLnBrk="1" latinLnBrk="1" hangingPunct="1">
+              <a:lnSpc>
+                <a:spcPct val="90000"/>
+              </a:lnSpc>
+              <a:spcBef>
+                <a:spcPts val="500"/>
+              </a:spcBef>
+              <a:buFont typeface="Arial" panose="020B0604020202020204" pitchFamily="34" charset="0"/>
+              <a:buChar char="•"/>
+              <a:defRPr sz="1800" kern="1200">
+                <a:solidFill>
+                  <a:schemeClr val="tx1"/>
+                </a:solidFill>
+                <a:latin typeface="+mn-lt"/>
+                <a:ea typeface="+mn-ea"/>
+                <a:cs typeface="+mn-cs"/>
+              </a:defRPr>
+            </a:lvl5pPr>
+            <a:lvl6pPr marL="2514600" indent="-228600" algn="l" defTabSz="914400" rtl="0" eaLnBrk="1" latinLnBrk="1" hangingPunct="1">
+              <a:lnSpc>
+                <a:spcPct val="90000"/>
+              </a:lnSpc>
+              <a:spcBef>
+                <a:spcPts val="500"/>
+              </a:spcBef>
+              <a:buFont typeface="Arial" panose="020B0604020202020204" pitchFamily="34" charset="0"/>
+              <a:buChar char="•"/>
+              <a:defRPr sz="1800" kern="1200">
+                <a:solidFill>
+                  <a:schemeClr val="tx1"/>
+                </a:solidFill>
+                <a:latin typeface="+mn-lt"/>
+                <a:ea typeface="+mn-ea"/>
+                <a:cs typeface="+mn-cs"/>
+              </a:defRPr>
+            </a:lvl6pPr>
+            <a:lvl7pPr marL="2971800" indent="-228600" algn="l" defTabSz="914400" rtl="0" eaLnBrk="1" latinLnBrk="1" hangingPunct="1">
+              <a:lnSpc>
+                <a:spcPct val="90000"/>
+              </a:lnSpc>
+              <a:spcBef>
+                <a:spcPts val="500"/>
+              </a:spcBef>
+              <a:buFont typeface="Arial" panose="020B0604020202020204" pitchFamily="34" charset="0"/>
+              <a:buChar char="•"/>
+              <a:defRPr sz="1800" kern="1200">
+                <a:solidFill>
+                  <a:schemeClr val="tx1"/>
+                </a:solidFill>
+                <a:latin typeface="+mn-lt"/>
+                <a:ea typeface="+mn-ea"/>
+                <a:cs typeface="+mn-cs"/>
+              </a:defRPr>
+            </a:lvl7pPr>
+            <a:lvl8pPr marL="3429000" indent="-228600" algn="l" defTabSz="914400" rtl="0" eaLnBrk="1" latinLnBrk="1" hangingPunct="1">
+              <a:lnSpc>
+                <a:spcPct val="90000"/>
+              </a:lnSpc>
+              <a:spcBef>
+                <a:spcPts val="500"/>
+              </a:spcBef>
+              <a:buFont typeface="Arial" panose="020B0604020202020204" pitchFamily="34" charset="0"/>
+              <a:buChar char="•"/>
+              <a:defRPr sz="1800" kern="1200">
+                <a:solidFill>
+                  <a:schemeClr val="tx1"/>
+                </a:solidFill>
+                <a:latin typeface="+mn-lt"/>
+                <a:ea typeface="+mn-ea"/>
+                <a:cs typeface="+mn-cs"/>
+              </a:defRPr>
+            </a:lvl8pPr>
+            <a:lvl9pPr marL="3886200" indent="-228600" algn="l" defTabSz="914400" rtl="0" eaLnBrk="1" latinLnBrk="1" hangingPunct="1">
+              <a:lnSpc>
+                <a:spcPct val="90000"/>
+              </a:lnSpc>
+              <a:spcBef>
+                <a:spcPts val="500"/>
+              </a:spcBef>
+              <a:buFont typeface="Arial" panose="020B0604020202020204" pitchFamily="34" charset="0"/>
+              <a:buChar char="•"/>
+              <a:defRPr sz="1800" kern="1200">
+                <a:solidFill>
+                  <a:schemeClr val="tx1"/>
+                </a:solidFill>
+                <a:latin typeface="+mn-lt"/>
+                <a:ea typeface="+mn-ea"/>
+                <a:cs typeface="+mn-cs"/>
+              </a:defRPr>
+            </a:lvl9pPr>
+          </a:lstStyle>
+          <a:p>
+            <a:pPr marL="0" indent="0">
+              <a:buNone/>
+            </a:pPr>
+            <a:r>
+              <a:rPr lang="en-US" altLang="ko-KR" sz="2500" dirty="0"/>
+              <a:t>p</a:t>
+            </a:r>
+            <a:r>
+              <a:rPr lang="en-US" altLang="ko-KR" sz="2500" dirty="0" smtClean="0"/>
+              <a:t>ython check_gpu.py </a:t>
+            </a:r>
+          </a:p>
+          <a:p>
+            <a:pPr marL="0" indent="0">
+              <a:buNone/>
+            </a:pPr>
+            <a:r>
+              <a:rPr lang="en-US" altLang="ko-KR" sz="1500" dirty="0" smtClean="0"/>
+              <a:t> </a:t>
+            </a:r>
+          </a:p>
+          <a:p>
+            <a:pPr marL="0" indent="0">
+              <a:buFont typeface="Arial" panose="020B0604020202020204" pitchFamily="34" charset="0"/>
+              <a:buNone/>
+            </a:pPr>
+            <a:endParaRPr lang="ko-KR" altLang="en-US" sz="1500" dirty="0"/>
+          </a:p>
+        </p:txBody>
+      </p:sp>
+      <p:pic>
+        <p:nvPicPr>
+          <p:cNvPr id="4" name="그림 3"/>
+          <p:cNvPicPr>
+            <a:picLocks noChangeAspect="1"/>
+          </p:cNvPicPr>
+          <p:nvPr/>
+        </p:nvPicPr>
+        <p:blipFill>
+          <a:blip r:embed="rId2"/>
+          <a:stretch>
+            <a:fillRect/>
+          </a:stretch>
+        </p:blipFill>
+        <p:spPr>
+          <a:xfrm>
+            <a:off x="378780" y="2603846"/>
+            <a:ext cx="11434439" cy="2804403"/>
+          </a:xfrm>
+          <a:prstGeom prst="rect">
+            <a:avLst/>
+          </a:prstGeom>
+        </p:spPr>
+      </p:pic>
+      <p:sp>
+        <p:nvSpPr>
+          <p:cNvPr id="9" name="내용 개체 틀 2"/>
+          <p:cNvSpPr txBox="1">
+            <a:spLocks/>
+          </p:cNvSpPr>
+          <p:nvPr/>
+        </p:nvSpPr>
+        <p:spPr>
+          <a:xfrm>
+            <a:off x="753862" y="5606245"/>
+            <a:ext cx="10599938" cy="632420"/>
+          </a:xfrm>
+          <a:prstGeom prst="rect">
+            <a:avLst/>
+          </a:prstGeom>
+        </p:spPr>
+        <p:txBody>
+          <a:bodyPr vert="horz" lIns="91440" tIns="45720" rIns="91440" bIns="45720" rtlCol="0">
+            <a:normAutofit fontScale="92500" lnSpcReduction="20000"/>
+          </a:bodyPr>
+          <a:lstStyle>
+            <a:lvl1pPr marL="228600" indent="-228600" algn="l" defTabSz="914400" rtl="0" eaLnBrk="1" latinLnBrk="1" hangingPunct="1">
+              <a:lnSpc>
+                <a:spcPct val="90000"/>
+              </a:lnSpc>
+              <a:spcBef>
+                <a:spcPts val="1000"/>
+              </a:spcBef>
+              <a:buFont typeface="Arial" panose="020B0604020202020204" pitchFamily="34" charset="0"/>
+              <a:buChar char="•"/>
+              <a:defRPr sz="2800" kern="1200">
+                <a:solidFill>
+                  <a:schemeClr val="tx1"/>
+                </a:solidFill>
+                <a:latin typeface="+mn-lt"/>
+                <a:ea typeface="+mn-ea"/>
+                <a:cs typeface="+mn-cs"/>
+              </a:defRPr>
+            </a:lvl1pPr>
+            <a:lvl2pPr marL="685800" indent="-228600" algn="l" defTabSz="914400" rtl="0" eaLnBrk="1" latinLnBrk="1" hangingPunct="1">
+              <a:lnSpc>
+                <a:spcPct val="90000"/>
+              </a:lnSpc>
+              <a:spcBef>
+                <a:spcPts val="500"/>
+              </a:spcBef>
+              <a:buFont typeface="Arial" panose="020B0604020202020204" pitchFamily="34" charset="0"/>
+              <a:buChar char="•"/>
+              <a:defRPr sz="2400" kern="1200">
+                <a:solidFill>
+                  <a:schemeClr val="tx1"/>
+                </a:solidFill>
+                <a:latin typeface="+mn-lt"/>
+                <a:ea typeface="+mn-ea"/>
+                <a:cs typeface="+mn-cs"/>
+              </a:defRPr>
+            </a:lvl2pPr>
+            <a:lvl3pPr marL="1143000" indent="-228600" algn="l" defTabSz="914400" rtl="0" eaLnBrk="1" latinLnBrk="1" hangingPunct="1">
+              <a:lnSpc>
+                <a:spcPct val="90000"/>
+              </a:lnSpc>
+              <a:spcBef>
+                <a:spcPts val="500"/>
+              </a:spcBef>
+              <a:buFont typeface="Arial" panose="020B0604020202020204" pitchFamily="34" charset="0"/>
+              <a:buChar char="•"/>
+              <a:defRPr sz="2000" kern="1200">
+                <a:solidFill>
+                  <a:schemeClr val="tx1"/>
+                </a:solidFill>
+                <a:latin typeface="+mn-lt"/>
+                <a:ea typeface="+mn-ea"/>
+                <a:cs typeface="+mn-cs"/>
+              </a:defRPr>
+            </a:lvl3pPr>
+            <a:lvl4pPr marL="1600200" indent="-228600" algn="l" defTabSz="914400" rtl="0" eaLnBrk="1" latinLnBrk="1" hangingPunct="1">
+              <a:lnSpc>
+                <a:spcPct val="90000"/>
+              </a:lnSpc>
+              <a:spcBef>
+                <a:spcPts val="500"/>
+              </a:spcBef>
+              <a:buFont typeface="Arial" panose="020B0604020202020204" pitchFamily="34" charset="0"/>
+              <a:buChar char="•"/>
+              <a:defRPr sz="1800" kern="1200">
+                <a:solidFill>
+                  <a:schemeClr val="tx1"/>
+                </a:solidFill>
+                <a:latin typeface="+mn-lt"/>
+                <a:ea typeface="+mn-ea"/>
+                <a:cs typeface="+mn-cs"/>
+              </a:defRPr>
+            </a:lvl4pPr>
+            <a:lvl5pPr marL="2057400" indent="-228600" algn="l" defTabSz="914400" rtl="0" eaLnBrk="1" latinLnBrk="1" hangingPunct="1">
+              <a:lnSpc>
+                <a:spcPct val="90000"/>
+              </a:lnSpc>
+              <a:spcBef>
+                <a:spcPts val="500"/>
+              </a:spcBef>
+              <a:buFont typeface="Arial" panose="020B0604020202020204" pitchFamily="34" charset="0"/>
+              <a:buChar char="•"/>
+              <a:defRPr sz="1800" kern="1200">
+                <a:solidFill>
+                  <a:schemeClr val="tx1"/>
+                </a:solidFill>
+                <a:latin typeface="+mn-lt"/>
+                <a:ea typeface="+mn-ea"/>
+                <a:cs typeface="+mn-cs"/>
+              </a:defRPr>
+            </a:lvl5pPr>
+            <a:lvl6pPr marL="2514600" indent="-228600" algn="l" defTabSz="914400" rtl="0" eaLnBrk="1" latinLnBrk="1" hangingPunct="1">
+              <a:lnSpc>
+                <a:spcPct val="90000"/>
+              </a:lnSpc>
+              <a:spcBef>
+                <a:spcPts val="500"/>
+              </a:spcBef>
+              <a:buFont typeface="Arial" panose="020B0604020202020204" pitchFamily="34" charset="0"/>
+              <a:buChar char="•"/>
+              <a:defRPr sz="1800" kern="1200">
+                <a:solidFill>
+                  <a:schemeClr val="tx1"/>
+                </a:solidFill>
+                <a:latin typeface="+mn-lt"/>
+                <a:ea typeface="+mn-ea"/>
+                <a:cs typeface="+mn-cs"/>
+              </a:defRPr>
+            </a:lvl6pPr>
+            <a:lvl7pPr marL="2971800" indent="-228600" algn="l" defTabSz="914400" rtl="0" eaLnBrk="1" latinLnBrk="1" hangingPunct="1">
+              <a:lnSpc>
+                <a:spcPct val="90000"/>
+              </a:lnSpc>
+              <a:spcBef>
+                <a:spcPts val="500"/>
+              </a:spcBef>
+              <a:buFont typeface="Arial" panose="020B0604020202020204" pitchFamily="34" charset="0"/>
+              <a:buChar char="•"/>
+              <a:defRPr sz="1800" kern="1200">
+                <a:solidFill>
+                  <a:schemeClr val="tx1"/>
+                </a:solidFill>
+                <a:latin typeface="+mn-lt"/>
+                <a:ea typeface="+mn-ea"/>
+                <a:cs typeface="+mn-cs"/>
+              </a:defRPr>
+            </a:lvl7pPr>
+            <a:lvl8pPr marL="3429000" indent="-228600" algn="l" defTabSz="914400" rtl="0" eaLnBrk="1" latinLnBrk="1" hangingPunct="1">
+              <a:lnSpc>
+                <a:spcPct val="90000"/>
+              </a:lnSpc>
+              <a:spcBef>
+                <a:spcPts val="500"/>
+              </a:spcBef>
+              <a:buFont typeface="Arial" panose="020B0604020202020204" pitchFamily="34" charset="0"/>
+              <a:buChar char="•"/>
+              <a:defRPr sz="1800" kern="1200">
+                <a:solidFill>
+                  <a:schemeClr val="tx1"/>
+                </a:solidFill>
+                <a:latin typeface="+mn-lt"/>
+                <a:ea typeface="+mn-ea"/>
+                <a:cs typeface="+mn-cs"/>
+              </a:defRPr>
+            </a:lvl8pPr>
+            <a:lvl9pPr marL="3886200" indent="-228600" algn="l" defTabSz="914400" rtl="0" eaLnBrk="1" latinLnBrk="1" hangingPunct="1">
+              <a:lnSpc>
+                <a:spcPct val="90000"/>
+              </a:lnSpc>
+              <a:spcBef>
+                <a:spcPts val="500"/>
+              </a:spcBef>
+              <a:buFont typeface="Arial" panose="020B0604020202020204" pitchFamily="34" charset="0"/>
+              <a:buChar char="•"/>
+              <a:defRPr sz="1800" kern="1200">
+                <a:solidFill>
+                  <a:schemeClr val="tx1"/>
+                </a:solidFill>
+                <a:latin typeface="+mn-lt"/>
+                <a:ea typeface="+mn-ea"/>
+                <a:cs typeface="+mn-cs"/>
+              </a:defRPr>
+            </a:lvl9pPr>
+          </a:lstStyle>
+          <a:p>
+            <a:pPr marL="0" indent="0">
+              <a:buNone/>
+            </a:pPr>
+            <a:r>
+              <a:rPr lang="ko-KR" altLang="en-US" sz="2500" dirty="0" smtClean="0"/>
+              <a:t>이렇게 비슷하게 뜨면 성공</a:t>
+            </a:r>
+            <a:r>
+              <a:rPr lang="en-US" altLang="ko-KR" sz="2500" dirty="0" smtClean="0"/>
+              <a:t>! </a:t>
+            </a:r>
+          </a:p>
+          <a:p>
+            <a:pPr marL="0" indent="0">
+              <a:buNone/>
+            </a:pPr>
+            <a:r>
+              <a:rPr lang="en-US" altLang="ko-KR" sz="1500" dirty="0" smtClean="0"/>
+              <a:t> </a:t>
+            </a:r>
+          </a:p>
+          <a:p>
+            <a:pPr marL="0" indent="0">
+              <a:buFont typeface="Arial" panose="020B0604020202020204" pitchFamily="34" charset="0"/>
+              <a:buNone/>
+            </a:pPr>
+            <a:endParaRPr lang="ko-KR" altLang="en-US" sz="1500" dirty="0"/>
+          </a:p>
+        </p:txBody>
+      </p:sp>
+    </p:spTree>
+    <p:extLst>
+      <p:ext uri="{BB962C8B-B14F-4D97-AF65-F5344CB8AC3E}">
+        <p14:creationId xmlns:p14="http://schemas.microsoft.com/office/powerpoint/2010/main" val="2456937751"/>
+      </p:ext>
+    </p:extLst>
+  </p:cSld>
+  <p:clrMapOvr>
+    <a:masterClrMapping/>
+  </p:clrMapOvr>
+  <p:timing>
+    <p:tnLst>
+      <p:par>
+        <p:cTn id="1" dur="indefinite" restart="never" nodeType="tmRoot"/>
+      </p:par>
+    </p:tnLst>
+  </p:timing>
+</p:sld>
+</file>
+
+<file path=ppt/slides/slide15.xml><?xml version="1.0" encoding="utf-8"?>
+<p:sld xmlns:a="http://schemas.openxmlformats.org/drawingml/2006/main" xmlns:r="http://schemas.openxmlformats.org/officeDocument/2006/relationships" xmlns:p="http://schemas.openxmlformats.org/presentationml/2006/main">
+  <p:cSld>
+    <p:spTree>
+      <p:nvGrpSpPr>
+        <p:cNvPr id="1" name=""/>
+        <p:cNvGrpSpPr/>
+        <p:nvPr/>
+      </p:nvGrpSpPr>
+      <p:grpSpPr>
+        <a:xfrm>
+          <a:off x="0" y="0"/>
+          <a:ext cx="0" cy="0"/>
+          <a:chOff x="0" y="0"/>
+          <a:chExt cx="0" cy="0"/>
+        </a:xfrm>
+      </p:grpSpPr>
+      <p:sp>
+        <p:nvSpPr>
+          <p:cNvPr id="2" name="제목 1"/>
+          <p:cNvSpPr>
+            <a:spLocks noGrp="1"/>
+          </p:cNvSpPr>
+          <p:nvPr>
+            <p:ph type="title"/>
+          </p:nvPr>
+        </p:nvSpPr>
+        <p:spPr>
+          <a:xfrm>
+            <a:off x="838200" y="365126"/>
+            <a:ext cx="10515600" cy="833360"/>
+          </a:xfrm>
+        </p:spPr>
+        <p:txBody>
+          <a:bodyPr>
+            <a:normAutofit/>
+          </a:bodyPr>
+          <a:lstStyle/>
+          <a:p>
+            <a:r>
+              <a:rPr lang="en-US" altLang="ko-KR" sz="3300" dirty="0"/>
+              <a:t>7</a:t>
+            </a:r>
+            <a:r>
+              <a:rPr lang="en-US" altLang="ko-KR" sz="3300" dirty="0" smtClean="0"/>
+              <a:t>. </a:t>
+            </a:r>
+            <a:r>
+              <a:rPr lang="ko-KR" altLang="en-US" sz="3300" dirty="0" smtClean="0"/>
+              <a:t>실습을 위한 라이브러리 설치</a:t>
+            </a:r>
+            <a:endParaRPr lang="ko-KR" altLang="en-US" sz="3300" dirty="0"/>
+          </a:p>
+        </p:txBody>
+      </p:sp>
+      <p:sp>
+        <p:nvSpPr>
+          <p:cNvPr id="11" name="내용 개체 틀 2"/>
+          <p:cNvSpPr txBox="1">
+            <a:spLocks/>
+          </p:cNvSpPr>
+          <p:nvPr/>
+        </p:nvSpPr>
+        <p:spPr>
+          <a:xfrm>
+            <a:off x="753862" y="1480468"/>
+            <a:ext cx="10599938" cy="632420"/>
+          </a:xfrm>
+          <a:prstGeom prst="rect">
+            <a:avLst/>
+          </a:prstGeom>
+        </p:spPr>
+        <p:txBody>
+          <a:bodyPr vert="horz" lIns="91440" tIns="45720" rIns="91440" bIns="45720" rtlCol="0">
+            <a:normAutofit/>
+          </a:bodyPr>
+          <a:lstStyle>
+            <a:lvl1pPr marL="228600" indent="-228600" algn="l" defTabSz="914400" rtl="0" eaLnBrk="1" latinLnBrk="1" hangingPunct="1">
+              <a:lnSpc>
+                <a:spcPct val="90000"/>
+              </a:lnSpc>
+              <a:spcBef>
+                <a:spcPts val="1000"/>
+              </a:spcBef>
+              <a:buFont typeface="Arial" panose="020B0604020202020204" pitchFamily="34" charset="0"/>
+              <a:buChar char="•"/>
+              <a:defRPr sz="2800" kern="1200">
+                <a:solidFill>
+                  <a:schemeClr val="tx1"/>
+                </a:solidFill>
+                <a:latin typeface="+mn-lt"/>
+                <a:ea typeface="+mn-ea"/>
+                <a:cs typeface="+mn-cs"/>
+              </a:defRPr>
+            </a:lvl1pPr>
+            <a:lvl2pPr marL="685800" indent="-228600" algn="l" defTabSz="914400" rtl="0" eaLnBrk="1" latinLnBrk="1" hangingPunct="1">
+              <a:lnSpc>
+                <a:spcPct val="90000"/>
+              </a:lnSpc>
+              <a:spcBef>
+                <a:spcPts val="500"/>
+              </a:spcBef>
+              <a:buFont typeface="Arial" panose="020B0604020202020204" pitchFamily="34" charset="0"/>
+              <a:buChar char="•"/>
+              <a:defRPr sz="2400" kern="1200">
+                <a:solidFill>
+                  <a:schemeClr val="tx1"/>
+                </a:solidFill>
+                <a:latin typeface="+mn-lt"/>
+                <a:ea typeface="+mn-ea"/>
+                <a:cs typeface="+mn-cs"/>
+              </a:defRPr>
+            </a:lvl2pPr>
+            <a:lvl3pPr marL="1143000" indent="-228600" algn="l" defTabSz="914400" rtl="0" eaLnBrk="1" latinLnBrk="1" hangingPunct="1">
+              <a:lnSpc>
+                <a:spcPct val="90000"/>
+              </a:lnSpc>
+              <a:spcBef>
+                <a:spcPts val="500"/>
+              </a:spcBef>
+              <a:buFont typeface="Arial" panose="020B0604020202020204" pitchFamily="34" charset="0"/>
+              <a:buChar char="•"/>
+              <a:defRPr sz="2000" kern="1200">
+                <a:solidFill>
+                  <a:schemeClr val="tx1"/>
+                </a:solidFill>
+                <a:latin typeface="+mn-lt"/>
+                <a:ea typeface="+mn-ea"/>
+                <a:cs typeface="+mn-cs"/>
+              </a:defRPr>
+            </a:lvl3pPr>
+            <a:lvl4pPr marL="1600200" indent="-228600" algn="l" defTabSz="914400" rtl="0" eaLnBrk="1" latinLnBrk="1" hangingPunct="1">
+              <a:lnSpc>
+                <a:spcPct val="90000"/>
+              </a:lnSpc>
+              <a:spcBef>
+                <a:spcPts val="500"/>
+              </a:spcBef>
+              <a:buFont typeface="Arial" panose="020B0604020202020204" pitchFamily="34" charset="0"/>
+              <a:buChar char="•"/>
+              <a:defRPr sz="1800" kern="1200">
+                <a:solidFill>
+                  <a:schemeClr val="tx1"/>
+                </a:solidFill>
+                <a:latin typeface="+mn-lt"/>
+                <a:ea typeface="+mn-ea"/>
+                <a:cs typeface="+mn-cs"/>
+              </a:defRPr>
+            </a:lvl4pPr>
+            <a:lvl5pPr marL="2057400" indent="-228600" algn="l" defTabSz="914400" rtl="0" eaLnBrk="1" latinLnBrk="1" hangingPunct="1">
+              <a:lnSpc>
+                <a:spcPct val="90000"/>
+              </a:lnSpc>
+              <a:spcBef>
+                <a:spcPts val="500"/>
+              </a:spcBef>
+              <a:buFont typeface="Arial" panose="020B0604020202020204" pitchFamily="34" charset="0"/>
+              <a:buChar char="•"/>
+              <a:defRPr sz="1800" kern="1200">
+                <a:solidFill>
+                  <a:schemeClr val="tx1"/>
+                </a:solidFill>
+                <a:latin typeface="+mn-lt"/>
+                <a:ea typeface="+mn-ea"/>
+                <a:cs typeface="+mn-cs"/>
+              </a:defRPr>
+            </a:lvl5pPr>
+            <a:lvl6pPr marL="2514600" indent="-228600" algn="l" defTabSz="914400" rtl="0" eaLnBrk="1" latinLnBrk="1" hangingPunct="1">
+              <a:lnSpc>
+                <a:spcPct val="90000"/>
+              </a:lnSpc>
+              <a:spcBef>
+                <a:spcPts val="500"/>
+              </a:spcBef>
+              <a:buFont typeface="Arial" panose="020B0604020202020204" pitchFamily="34" charset="0"/>
+              <a:buChar char="•"/>
+              <a:defRPr sz="1800" kern="1200">
+                <a:solidFill>
+                  <a:schemeClr val="tx1"/>
+                </a:solidFill>
+                <a:latin typeface="+mn-lt"/>
+                <a:ea typeface="+mn-ea"/>
+                <a:cs typeface="+mn-cs"/>
+              </a:defRPr>
+            </a:lvl6pPr>
+            <a:lvl7pPr marL="2971800" indent="-228600" algn="l" defTabSz="914400" rtl="0" eaLnBrk="1" latinLnBrk="1" hangingPunct="1">
+              <a:lnSpc>
+                <a:spcPct val="90000"/>
+              </a:lnSpc>
+              <a:spcBef>
+                <a:spcPts val="500"/>
+              </a:spcBef>
+              <a:buFont typeface="Arial" panose="020B0604020202020204" pitchFamily="34" charset="0"/>
+              <a:buChar char="•"/>
+              <a:defRPr sz="1800" kern="1200">
+                <a:solidFill>
+                  <a:schemeClr val="tx1"/>
+                </a:solidFill>
+                <a:latin typeface="+mn-lt"/>
+                <a:ea typeface="+mn-ea"/>
+                <a:cs typeface="+mn-cs"/>
+              </a:defRPr>
+            </a:lvl7pPr>
+            <a:lvl8pPr marL="3429000" indent="-228600" algn="l" defTabSz="914400" rtl="0" eaLnBrk="1" latinLnBrk="1" hangingPunct="1">
+              <a:lnSpc>
+                <a:spcPct val="90000"/>
+              </a:lnSpc>
+              <a:spcBef>
+                <a:spcPts val="500"/>
+              </a:spcBef>
+              <a:buFont typeface="Arial" panose="020B0604020202020204" pitchFamily="34" charset="0"/>
+              <a:buChar char="•"/>
+              <a:defRPr sz="1800" kern="1200">
+                <a:solidFill>
+                  <a:schemeClr val="tx1"/>
+                </a:solidFill>
+                <a:latin typeface="+mn-lt"/>
+                <a:ea typeface="+mn-ea"/>
+                <a:cs typeface="+mn-cs"/>
+              </a:defRPr>
+            </a:lvl8pPr>
+            <a:lvl9pPr marL="3886200" indent="-228600" algn="l" defTabSz="914400" rtl="0" eaLnBrk="1" latinLnBrk="1" hangingPunct="1">
+              <a:lnSpc>
+                <a:spcPct val="90000"/>
+              </a:lnSpc>
+              <a:spcBef>
+                <a:spcPts val="500"/>
+              </a:spcBef>
+              <a:buFont typeface="Arial" panose="020B0604020202020204" pitchFamily="34" charset="0"/>
+              <a:buChar char="•"/>
+              <a:defRPr sz="1800" kern="1200">
+                <a:solidFill>
+                  <a:schemeClr val="tx1"/>
+                </a:solidFill>
+                <a:latin typeface="+mn-lt"/>
+                <a:ea typeface="+mn-ea"/>
+                <a:cs typeface="+mn-cs"/>
+              </a:defRPr>
+            </a:lvl9pPr>
+          </a:lstStyle>
+          <a:p>
+            <a:pPr marL="0" indent="0">
+              <a:buNone/>
+            </a:pPr>
+            <a:r>
+              <a:rPr lang="en-US" altLang="ko-KR" sz="2200" dirty="0"/>
+              <a:t>p</a:t>
+            </a:r>
+            <a:r>
+              <a:rPr lang="en-US" altLang="ko-KR" sz="2200" dirty="0" smtClean="0"/>
+              <a:t>ip install –r requirements.txt </a:t>
+            </a:r>
+          </a:p>
+          <a:p>
+            <a:pPr marL="0" indent="0">
+              <a:buFont typeface="Arial" panose="020B0604020202020204" pitchFamily="34" charset="0"/>
+              <a:buNone/>
+            </a:pPr>
+            <a:endParaRPr lang="ko-KR" altLang="en-US" sz="2200" dirty="0"/>
+          </a:p>
+        </p:txBody>
+      </p:sp>
+      <p:sp>
+        <p:nvSpPr>
+          <p:cNvPr id="9" name="내용 개체 틀 2"/>
+          <p:cNvSpPr txBox="1">
+            <a:spLocks/>
+          </p:cNvSpPr>
+          <p:nvPr/>
+        </p:nvSpPr>
+        <p:spPr>
+          <a:xfrm>
+            <a:off x="753862" y="5606245"/>
+            <a:ext cx="10599938" cy="632420"/>
+          </a:xfrm>
+          <a:prstGeom prst="rect">
+            <a:avLst/>
+          </a:prstGeom>
+        </p:spPr>
+        <p:txBody>
+          <a:bodyPr vert="horz" lIns="91440" tIns="45720" rIns="91440" bIns="45720" rtlCol="0">
+            <a:normAutofit fontScale="92500" lnSpcReduction="20000"/>
+          </a:bodyPr>
+          <a:lstStyle>
+            <a:lvl1pPr marL="228600" indent="-228600" algn="l" defTabSz="914400" rtl="0" eaLnBrk="1" latinLnBrk="1" hangingPunct="1">
+              <a:lnSpc>
+                <a:spcPct val="90000"/>
+              </a:lnSpc>
+              <a:spcBef>
+                <a:spcPts val="1000"/>
+              </a:spcBef>
+              <a:buFont typeface="Arial" panose="020B0604020202020204" pitchFamily="34" charset="0"/>
+              <a:buChar char="•"/>
+              <a:defRPr sz="2800" kern="1200">
+                <a:solidFill>
+                  <a:schemeClr val="tx1"/>
+                </a:solidFill>
+                <a:latin typeface="+mn-lt"/>
+                <a:ea typeface="+mn-ea"/>
+                <a:cs typeface="+mn-cs"/>
+              </a:defRPr>
+            </a:lvl1pPr>
+            <a:lvl2pPr marL="685800" indent="-228600" algn="l" defTabSz="914400" rtl="0" eaLnBrk="1" latinLnBrk="1" hangingPunct="1">
+              <a:lnSpc>
+                <a:spcPct val="90000"/>
+              </a:lnSpc>
+              <a:spcBef>
+                <a:spcPts val="500"/>
+              </a:spcBef>
+              <a:buFont typeface="Arial" panose="020B0604020202020204" pitchFamily="34" charset="0"/>
+              <a:buChar char="•"/>
+              <a:defRPr sz="2400" kern="1200">
+                <a:solidFill>
+                  <a:schemeClr val="tx1"/>
+                </a:solidFill>
+                <a:latin typeface="+mn-lt"/>
+                <a:ea typeface="+mn-ea"/>
+                <a:cs typeface="+mn-cs"/>
+              </a:defRPr>
+            </a:lvl2pPr>
+            <a:lvl3pPr marL="1143000" indent="-228600" algn="l" defTabSz="914400" rtl="0" eaLnBrk="1" latinLnBrk="1" hangingPunct="1">
+              <a:lnSpc>
+                <a:spcPct val="90000"/>
+              </a:lnSpc>
+              <a:spcBef>
+                <a:spcPts val="500"/>
+              </a:spcBef>
+              <a:buFont typeface="Arial" panose="020B0604020202020204" pitchFamily="34" charset="0"/>
+              <a:buChar char="•"/>
+              <a:defRPr sz="2000" kern="1200">
+                <a:solidFill>
+                  <a:schemeClr val="tx1"/>
+                </a:solidFill>
+                <a:latin typeface="+mn-lt"/>
+                <a:ea typeface="+mn-ea"/>
+                <a:cs typeface="+mn-cs"/>
+              </a:defRPr>
+            </a:lvl3pPr>
+            <a:lvl4pPr marL="1600200" indent="-228600" algn="l" defTabSz="914400" rtl="0" eaLnBrk="1" latinLnBrk="1" hangingPunct="1">
+              <a:lnSpc>
+                <a:spcPct val="90000"/>
+              </a:lnSpc>
+              <a:spcBef>
+                <a:spcPts val="500"/>
+              </a:spcBef>
+              <a:buFont typeface="Arial" panose="020B0604020202020204" pitchFamily="34" charset="0"/>
+              <a:buChar char="•"/>
+              <a:defRPr sz="1800" kern="1200">
+                <a:solidFill>
+                  <a:schemeClr val="tx1"/>
+                </a:solidFill>
+                <a:latin typeface="+mn-lt"/>
+                <a:ea typeface="+mn-ea"/>
+                <a:cs typeface="+mn-cs"/>
+              </a:defRPr>
+            </a:lvl4pPr>
+            <a:lvl5pPr marL="2057400" indent="-228600" algn="l" defTabSz="914400" rtl="0" eaLnBrk="1" latinLnBrk="1" hangingPunct="1">
+              <a:lnSpc>
+                <a:spcPct val="90000"/>
+              </a:lnSpc>
+              <a:spcBef>
+                <a:spcPts val="500"/>
+              </a:spcBef>
+              <a:buFont typeface="Arial" panose="020B0604020202020204" pitchFamily="34" charset="0"/>
+              <a:buChar char="•"/>
+              <a:defRPr sz="1800" kern="1200">
+                <a:solidFill>
+                  <a:schemeClr val="tx1"/>
+                </a:solidFill>
+                <a:latin typeface="+mn-lt"/>
+                <a:ea typeface="+mn-ea"/>
+                <a:cs typeface="+mn-cs"/>
+              </a:defRPr>
+            </a:lvl5pPr>
+            <a:lvl6pPr marL="2514600" indent="-228600" algn="l" defTabSz="914400" rtl="0" eaLnBrk="1" latinLnBrk="1" hangingPunct="1">
+              <a:lnSpc>
+                <a:spcPct val="90000"/>
+              </a:lnSpc>
+              <a:spcBef>
+                <a:spcPts val="500"/>
+              </a:spcBef>
+              <a:buFont typeface="Arial" panose="020B0604020202020204" pitchFamily="34" charset="0"/>
+              <a:buChar char="•"/>
+              <a:defRPr sz="1800" kern="1200">
+                <a:solidFill>
+                  <a:schemeClr val="tx1"/>
+                </a:solidFill>
+                <a:latin typeface="+mn-lt"/>
+                <a:ea typeface="+mn-ea"/>
+                <a:cs typeface="+mn-cs"/>
+              </a:defRPr>
+            </a:lvl6pPr>
+            <a:lvl7pPr marL="2971800" indent="-228600" algn="l" defTabSz="914400" rtl="0" eaLnBrk="1" latinLnBrk="1" hangingPunct="1">
+              <a:lnSpc>
+                <a:spcPct val="90000"/>
+              </a:lnSpc>
+              <a:spcBef>
+                <a:spcPts val="500"/>
+              </a:spcBef>
+              <a:buFont typeface="Arial" panose="020B0604020202020204" pitchFamily="34" charset="0"/>
+              <a:buChar char="•"/>
+              <a:defRPr sz="1800" kern="1200">
+                <a:solidFill>
+                  <a:schemeClr val="tx1"/>
+                </a:solidFill>
+                <a:latin typeface="+mn-lt"/>
+                <a:ea typeface="+mn-ea"/>
+                <a:cs typeface="+mn-cs"/>
+              </a:defRPr>
+            </a:lvl7pPr>
+            <a:lvl8pPr marL="3429000" indent="-228600" algn="l" defTabSz="914400" rtl="0" eaLnBrk="1" latinLnBrk="1" hangingPunct="1">
+              <a:lnSpc>
+                <a:spcPct val="90000"/>
+              </a:lnSpc>
+              <a:spcBef>
+                <a:spcPts val="500"/>
+              </a:spcBef>
+              <a:buFont typeface="Arial" panose="020B0604020202020204" pitchFamily="34" charset="0"/>
+              <a:buChar char="•"/>
+              <a:defRPr sz="1800" kern="1200">
+                <a:solidFill>
+                  <a:schemeClr val="tx1"/>
+                </a:solidFill>
+                <a:latin typeface="+mn-lt"/>
+                <a:ea typeface="+mn-ea"/>
+                <a:cs typeface="+mn-cs"/>
+              </a:defRPr>
+            </a:lvl8pPr>
+            <a:lvl9pPr marL="3886200" indent="-228600" algn="l" defTabSz="914400" rtl="0" eaLnBrk="1" latinLnBrk="1" hangingPunct="1">
+              <a:lnSpc>
+                <a:spcPct val="90000"/>
+              </a:lnSpc>
+              <a:spcBef>
+                <a:spcPts val="500"/>
+              </a:spcBef>
+              <a:buFont typeface="Arial" panose="020B0604020202020204" pitchFamily="34" charset="0"/>
+              <a:buChar char="•"/>
+              <a:defRPr sz="1800" kern="1200">
+                <a:solidFill>
+                  <a:schemeClr val="tx1"/>
+                </a:solidFill>
+                <a:latin typeface="+mn-lt"/>
+                <a:ea typeface="+mn-ea"/>
+                <a:cs typeface="+mn-cs"/>
+              </a:defRPr>
+            </a:lvl9pPr>
+          </a:lstStyle>
+          <a:p>
+            <a:pPr marL="0" indent="0">
+              <a:buNone/>
+            </a:pPr>
+            <a:r>
+              <a:rPr lang="en-US" altLang="ko-KR" sz="2500" dirty="0" smtClean="0"/>
+              <a:t> </a:t>
+            </a:r>
+          </a:p>
+          <a:p>
+            <a:pPr marL="0" indent="0">
+              <a:buNone/>
+            </a:pPr>
+            <a:r>
+              <a:rPr lang="en-US" altLang="ko-KR" sz="1500" dirty="0" smtClean="0"/>
+              <a:t> </a:t>
+            </a:r>
+          </a:p>
+          <a:p>
+            <a:pPr marL="0" indent="0">
+              <a:buFont typeface="Arial" panose="020B0604020202020204" pitchFamily="34" charset="0"/>
+              <a:buNone/>
+            </a:pPr>
+            <a:endParaRPr lang="ko-KR" altLang="en-US" sz="1500" dirty="0"/>
+          </a:p>
+        </p:txBody>
+      </p:sp>
+      <p:pic>
+        <p:nvPicPr>
+          <p:cNvPr id="3" name="그림 2"/>
+          <p:cNvPicPr>
+            <a:picLocks noChangeAspect="1"/>
+          </p:cNvPicPr>
+          <p:nvPr/>
+        </p:nvPicPr>
+        <p:blipFill>
+          <a:blip r:embed="rId2"/>
+          <a:stretch>
+            <a:fillRect/>
+          </a:stretch>
+        </p:blipFill>
+        <p:spPr>
+          <a:xfrm>
+            <a:off x="239698" y="2176069"/>
+            <a:ext cx="11674136" cy="3322608"/>
+          </a:xfrm>
+          <a:prstGeom prst="rect">
+            <a:avLst/>
+          </a:prstGeom>
+        </p:spPr>
+      </p:pic>
+    </p:spTree>
+    <p:extLst>
+      <p:ext uri="{BB962C8B-B14F-4D97-AF65-F5344CB8AC3E}">
+        <p14:creationId xmlns:p14="http://schemas.microsoft.com/office/powerpoint/2010/main" val="2374662056"/>
+      </p:ext>
+    </p:extLst>
+  </p:cSld>
+  <p:clrMapOvr>
+    <a:masterClrMapping/>
+  </p:clrMapOvr>
+  <p:timing>
+    <p:tnLst>
+      <p:par>
+        <p:cTn id="1" dur="indefinite" restart="never" nodeType="tmRoot"/>
+      </p:par>
+    </p:tnLst>
+  </p:timing>
+</p:sld>
+</file>
+
+<file path=ppt/slides/slide16.xml><?xml version="1.0" encoding="utf-8"?>
+<p:sld xmlns:a="http://schemas.openxmlformats.org/drawingml/2006/main" xmlns:r="http://schemas.openxmlformats.org/officeDocument/2006/relationships" xmlns:p="http://schemas.openxmlformats.org/presentationml/2006/main">
+  <p:cSld>
+    <p:spTree>
+      <p:nvGrpSpPr>
+        <p:cNvPr id="1" name=""/>
+        <p:cNvGrpSpPr/>
+        <p:nvPr/>
+      </p:nvGrpSpPr>
+      <p:grpSpPr>
+        <a:xfrm>
+          <a:off x="0" y="0"/>
+          <a:ext cx="0" cy="0"/>
+          <a:chOff x="0" y="0"/>
+          <a:chExt cx="0" cy="0"/>
+        </a:xfrm>
+      </p:grpSpPr>
+      <p:sp>
+        <p:nvSpPr>
+          <p:cNvPr id="2" name="제목 1"/>
+          <p:cNvSpPr>
+            <a:spLocks noGrp="1"/>
+          </p:cNvSpPr>
+          <p:nvPr>
+            <p:ph type="title"/>
+          </p:nvPr>
+        </p:nvSpPr>
+        <p:spPr>
+          <a:xfrm>
+            <a:off x="838200" y="365126"/>
+            <a:ext cx="10515600" cy="833360"/>
+          </a:xfrm>
+        </p:spPr>
+        <p:txBody>
+          <a:bodyPr>
+            <a:normAutofit/>
+          </a:bodyPr>
+          <a:lstStyle/>
+          <a:p>
+            <a:r>
+              <a:rPr lang="en-US" altLang="ko-KR" sz="3300" dirty="0" smtClean="0"/>
+              <a:t>8. </a:t>
+            </a:r>
+            <a:r>
+              <a:rPr lang="ko-KR" altLang="en-US" sz="3300" dirty="0" smtClean="0"/>
+              <a:t>실습</a:t>
+            </a:r>
+            <a:endParaRPr lang="ko-KR" altLang="en-US" sz="3300" dirty="0"/>
+          </a:p>
+        </p:txBody>
+      </p:sp>
+      <p:sp>
+        <p:nvSpPr>
+          <p:cNvPr id="11" name="내용 개체 틀 2"/>
+          <p:cNvSpPr txBox="1">
+            <a:spLocks/>
+          </p:cNvSpPr>
+          <p:nvPr/>
+        </p:nvSpPr>
+        <p:spPr>
+          <a:xfrm>
+            <a:off x="753862" y="1018829"/>
+            <a:ext cx="10599938" cy="632420"/>
+          </a:xfrm>
+          <a:prstGeom prst="rect">
+            <a:avLst/>
+          </a:prstGeom>
+        </p:spPr>
+        <p:txBody>
+          <a:bodyPr vert="horz" lIns="91440" tIns="45720" rIns="91440" bIns="45720" rtlCol="0">
+            <a:normAutofit/>
+          </a:bodyPr>
+          <a:lstStyle>
+            <a:lvl1pPr marL="228600" indent="-228600" algn="l" defTabSz="914400" rtl="0" eaLnBrk="1" latinLnBrk="1" hangingPunct="1">
+              <a:lnSpc>
+                <a:spcPct val="90000"/>
+              </a:lnSpc>
+              <a:spcBef>
+                <a:spcPts val="1000"/>
+              </a:spcBef>
+              <a:buFont typeface="Arial" panose="020B0604020202020204" pitchFamily="34" charset="0"/>
+              <a:buChar char="•"/>
+              <a:defRPr sz="2800" kern="1200">
+                <a:solidFill>
+                  <a:schemeClr val="tx1"/>
+                </a:solidFill>
+                <a:latin typeface="+mn-lt"/>
+                <a:ea typeface="+mn-ea"/>
+                <a:cs typeface="+mn-cs"/>
+              </a:defRPr>
+            </a:lvl1pPr>
+            <a:lvl2pPr marL="685800" indent="-228600" algn="l" defTabSz="914400" rtl="0" eaLnBrk="1" latinLnBrk="1" hangingPunct="1">
+              <a:lnSpc>
+                <a:spcPct val="90000"/>
+              </a:lnSpc>
+              <a:spcBef>
+                <a:spcPts val="500"/>
+              </a:spcBef>
+              <a:buFont typeface="Arial" panose="020B0604020202020204" pitchFamily="34" charset="0"/>
+              <a:buChar char="•"/>
+              <a:defRPr sz="2400" kern="1200">
+                <a:solidFill>
+                  <a:schemeClr val="tx1"/>
+                </a:solidFill>
+                <a:latin typeface="+mn-lt"/>
+                <a:ea typeface="+mn-ea"/>
+                <a:cs typeface="+mn-cs"/>
+              </a:defRPr>
+            </a:lvl2pPr>
+            <a:lvl3pPr marL="1143000" indent="-228600" algn="l" defTabSz="914400" rtl="0" eaLnBrk="1" latinLnBrk="1" hangingPunct="1">
+              <a:lnSpc>
+                <a:spcPct val="90000"/>
+              </a:lnSpc>
+              <a:spcBef>
+                <a:spcPts val="500"/>
+              </a:spcBef>
+              <a:buFont typeface="Arial" panose="020B0604020202020204" pitchFamily="34" charset="0"/>
+              <a:buChar char="•"/>
+              <a:defRPr sz="2000" kern="1200">
+                <a:solidFill>
+                  <a:schemeClr val="tx1"/>
+                </a:solidFill>
+                <a:latin typeface="+mn-lt"/>
+                <a:ea typeface="+mn-ea"/>
+                <a:cs typeface="+mn-cs"/>
+              </a:defRPr>
+            </a:lvl3pPr>
+            <a:lvl4pPr marL="1600200" indent="-228600" algn="l" defTabSz="914400" rtl="0" eaLnBrk="1" latinLnBrk="1" hangingPunct="1">
+              <a:lnSpc>
+                <a:spcPct val="90000"/>
+              </a:lnSpc>
+              <a:spcBef>
+                <a:spcPts val="500"/>
+              </a:spcBef>
+              <a:buFont typeface="Arial" panose="020B0604020202020204" pitchFamily="34" charset="0"/>
+              <a:buChar char="•"/>
+              <a:defRPr sz="1800" kern="1200">
+                <a:solidFill>
+                  <a:schemeClr val="tx1"/>
+                </a:solidFill>
+                <a:latin typeface="+mn-lt"/>
+                <a:ea typeface="+mn-ea"/>
+                <a:cs typeface="+mn-cs"/>
+              </a:defRPr>
+            </a:lvl4pPr>
+            <a:lvl5pPr marL="2057400" indent="-228600" algn="l" defTabSz="914400" rtl="0" eaLnBrk="1" latinLnBrk="1" hangingPunct="1">
+              <a:lnSpc>
+                <a:spcPct val="90000"/>
+              </a:lnSpc>
+              <a:spcBef>
+                <a:spcPts val="500"/>
+              </a:spcBef>
+              <a:buFont typeface="Arial" panose="020B0604020202020204" pitchFamily="34" charset="0"/>
+              <a:buChar char="•"/>
+              <a:defRPr sz="1800" kern="1200">
+                <a:solidFill>
+                  <a:schemeClr val="tx1"/>
+                </a:solidFill>
+                <a:latin typeface="+mn-lt"/>
+                <a:ea typeface="+mn-ea"/>
+                <a:cs typeface="+mn-cs"/>
+              </a:defRPr>
+            </a:lvl5pPr>
+            <a:lvl6pPr marL="2514600" indent="-228600" algn="l" defTabSz="914400" rtl="0" eaLnBrk="1" latinLnBrk="1" hangingPunct="1">
+              <a:lnSpc>
+                <a:spcPct val="90000"/>
+              </a:lnSpc>
+              <a:spcBef>
+                <a:spcPts val="500"/>
+              </a:spcBef>
+              <a:buFont typeface="Arial" panose="020B0604020202020204" pitchFamily="34" charset="0"/>
+              <a:buChar char="•"/>
+              <a:defRPr sz="1800" kern="1200">
+                <a:solidFill>
+                  <a:schemeClr val="tx1"/>
+                </a:solidFill>
+                <a:latin typeface="+mn-lt"/>
+                <a:ea typeface="+mn-ea"/>
+                <a:cs typeface="+mn-cs"/>
+              </a:defRPr>
+            </a:lvl6pPr>
+            <a:lvl7pPr marL="2971800" indent="-228600" algn="l" defTabSz="914400" rtl="0" eaLnBrk="1" latinLnBrk="1" hangingPunct="1">
+              <a:lnSpc>
+                <a:spcPct val="90000"/>
+              </a:lnSpc>
+              <a:spcBef>
+                <a:spcPts val="500"/>
+              </a:spcBef>
+              <a:buFont typeface="Arial" panose="020B0604020202020204" pitchFamily="34" charset="0"/>
+              <a:buChar char="•"/>
+              <a:defRPr sz="1800" kern="1200">
+                <a:solidFill>
+                  <a:schemeClr val="tx1"/>
+                </a:solidFill>
+                <a:latin typeface="+mn-lt"/>
+                <a:ea typeface="+mn-ea"/>
+                <a:cs typeface="+mn-cs"/>
+              </a:defRPr>
+            </a:lvl7pPr>
+            <a:lvl8pPr marL="3429000" indent="-228600" algn="l" defTabSz="914400" rtl="0" eaLnBrk="1" latinLnBrk="1" hangingPunct="1">
+              <a:lnSpc>
+                <a:spcPct val="90000"/>
+              </a:lnSpc>
+              <a:spcBef>
+                <a:spcPts val="500"/>
+              </a:spcBef>
+              <a:buFont typeface="Arial" panose="020B0604020202020204" pitchFamily="34" charset="0"/>
+              <a:buChar char="•"/>
+              <a:defRPr sz="1800" kern="1200">
+                <a:solidFill>
+                  <a:schemeClr val="tx1"/>
+                </a:solidFill>
+                <a:latin typeface="+mn-lt"/>
+                <a:ea typeface="+mn-ea"/>
+                <a:cs typeface="+mn-cs"/>
+              </a:defRPr>
+            </a:lvl8pPr>
+            <a:lvl9pPr marL="3886200" indent="-228600" algn="l" defTabSz="914400" rtl="0" eaLnBrk="1" latinLnBrk="1" hangingPunct="1">
+              <a:lnSpc>
+                <a:spcPct val="90000"/>
+              </a:lnSpc>
+              <a:spcBef>
+                <a:spcPts val="500"/>
+              </a:spcBef>
+              <a:buFont typeface="Arial" panose="020B0604020202020204" pitchFamily="34" charset="0"/>
+              <a:buChar char="•"/>
+              <a:defRPr sz="1800" kern="1200">
+                <a:solidFill>
+                  <a:schemeClr val="tx1"/>
+                </a:solidFill>
+                <a:latin typeface="+mn-lt"/>
+                <a:ea typeface="+mn-ea"/>
+                <a:cs typeface="+mn-cs"/>
+              </a:defRPr>
+            </a:lvl9pPr>
+          </a:lstStyle>
+          <a:p>
+            <a:pPr marL="0" indent="0">
+              <a:buNone/>
+            </a:pPr>
+            <a:r>
+              <a:rPr lang="en-US" altLang="ko-KR" sz="2200" dirty="0" smtClean="0"/>
+              <a:t>VS CODE </a:t>
+            </a:r>
+            <a:r>
+              <a:rPr lang="ko-KR" altLang="en-US" sz="2200" dirty="0" smtClean="0"/>
+              <a:t>해당 폴더 열어서 </a:t>
+            </a:r>
+            <a:r>
+              <a:rPr lang="en-US" altLang="ko-KR" sz="2200" dirty="0" smtClean="0"/>
+              <a:t>-&gt; </a:t>
+            </a:r>
+            <a:r>
+              <a:rPr lang="en-US" altLang="ko-KR" sz="2200" dirty="0" err="1" smtClean="0"/>
+              <a:t>ipynb</a:t>
+            </a:r>
+            <a:r>
+              <a:rPr lang="en-US" altLang="ko-KR" sz="2200" dirty="0" smtClean="0"/>
+              <a:t> </a:t>
+            </a:r>
+            <a:r>
+              <a:rPr lang="ko-KR" altLang="en-US" sz="2200" dirty="0" smtClean="0"/>
+              <a:t>파일 열기</a:t>
+            </a:r>
+            <a:r>
+              <a:rPr lang="en-US" altLang="ko-KR" sz="2200" dirty="0" smtClean="0"/>
+              <a:t>! </a:t>
+            </a:r>
+          </a:p>
+          <a:p>
+            <a:pPr marL="0" indent="0">
+              <a:buFont typeface="Arial" panose="020B0604020202020204" pitchFamily="34" charset="0"/>
+              <a:buNone/>
+            </a:pPr>
+            <a:endParaRPr lang="ko-KR" altLang="en-US" sz="2200" dirty="0"/>
+          </a:p>
+        </p:txBody>
+      </p:sp>
+      <p:sp>
+        <p:nvSpPr>
+          <p:cNvPr id="9" name="내용 개체 틀 2"/>
+          <p:cNvSpPr txBox="1">
+            <a:spLocks/>
+          </p:cNvSpPr>
+          <p:nvPr/>
+        </p:nvSpPr>
+        <p:spPr>
+          <a:xfrm>
+            <a:off x="753862" y="5606245"/>
+            <a:ext cx="10599938" cy="632420"/>
+          </a:xfrm>
+          <a:prstGeom prst="rect">
+            <a:avLst/>
+          </a:prstGeom>
+        </p:spPr>
+        <p:txBody>
+          <a:bodyPr vert="horz" lIns="91440" tIns="45720" rIns="91440" bIns="45720" rtlCol="0">
+            <a:normAutofit fontScale="92500" lnSpcReduction="20000"/>
+          </a:bodyPr>
+          <a:lstStyle>
+            <a:lvl1pPr marL="228600" indent="-228600" algn="l" defTabSz="914400" rtl="0" eaLnBrk="1" latinLnBrk="1" hangingPunct="1">
+              <a:lnSpc>
+                <a:spcPct val="90000"/>
+              </a:lnSpc>
+              <a:spcBef>
+                <a:spcPts val="1000"/>
+              </a:spcBef>
+              <a:buFont typeface="Arial" panose="020B0604020202020204" pitchFamily="34" charset="0"/>
+              <a:buChar char="•"/>
+              <a:defRPr sz="2800" kern="1200">
+                <a:solidFill>
+                  <a:schemeClr val="tx1"/>
+                </a:solidFill>
+                <a:latin typeface="+mn-lt"/>
+                <a:ea typeface="+mn-ea"/>
+                <a:cs typeface="+mn-cs"/>
+              </a:defRPr>
+            </a:lvl1pPr>
+            <a:lvl2pPr marL="685800" indent="-228600" algn="l" defTabSz="914400" rtl="0" eaLnBrk="1" latinLnBrk="1" hangingPunct="1">
+              <a:lnSpc>
+                <a:spcPct val="90000"/>
+              </a:lnSpc>
+              <a:spcBef>
+                <a:spcPts val="500"/>
+              </a:spcBef>
+              <a:buFont typeface="Arial" panose="020B0604020202020204" pitchFamily="34" charset="0"/>
+              <a:buChar char="•"/>
+              <a:defRPr sz="2400" kern="1200">
+                <a:solidFill>
+                  <a:schemeClr val="tx1"/>
+                </a:solidFill>
+                <a:latin typeface="+mn-lt"/>
+                <a:ea typeface="+mn-ea"/>
+                <a:cs typeface="+mn-cs"/>
+              </a:defRPr>
+            </a:lvl2pPr>
+            <a:lvl3pPr marL="1143000" indent="-228600" algn="l" defTabSz="914400" rtl="0" eaLnBrk="1" latinLnBrk="1" hangingPunct="1">
+              <a:lnSpc>
+                <a:spcPct val="90000"/>
+              </a:lnSpc>
+              <a:spcBef>
+                <a:spcPts val="500"/>
+              </a:spcBef>
+              <a:buFont typeface="Arial" panose="020B0604020202020204" pitchFamily="34" charset="0"/>
+              <a:buChar char="•"/>
+              <a:defRPr sz="2000" kern="1200">
+                <a:solidFill>
+                  <a:schemeClr val="tx1"/>
+                </a:solidFill>
+                <a:latin typeface="+mn-lt"/>
+                <a:ea typeface="+mn-ea"/>
+                <a:cs typeface="+mn-cs"/>
+              </a:defRPr>
+            </a:lvl3pPr>
+            <a:lvl4pPr marL="1600200" indent="-228600" algn="l" defTabSz="914400" rtl="0" eaLnBrk="1" latinLnBrk="1" hangingPunct="1">
+              <a:lnSpc>
+                <a:spcPct val="90000"/>
+              </a:lnSpc>
+              <a:spcBef>
+                <a:spcPts val="500"/>
+              </a:spcBef>
+              <a:buFont typeface="Arial" panose="020B0604020202020204" pitchFamily="34" charset="0"/>
+              <a:buChar char="•"/>
+              <a:defRPr sz="1800" kern="1200">
+                <a:solidFill>
+                  <a:schemeClr val="tx1"/>
+                </a:solidFill>
+                <a:latin typeface="+mn-lt"/>
+                <a:ea typeface="+mn-ea"/>
+                <a:cs typeface="+mn-cs"/>
+              </a:defRPr>
+            </a:lvl4pPr>
+            <a:lvl5pPr marL="2057400" indent="-228600" algn="l" defTabSz="914400" rtl="0" eaLnBrk="1" latinLnBrk="1" hangingPunct="1">
+              <a:lnSpc>
+                <a:spcPct val="90000"/>
+              </a:lnSpc>
+              <a:spcBef>
+                <a:spcPts val="500"/>
+              </a:spcBef>
+              <a:buFont typeface="Arial" panose="020B0604020202020204" pitchFamily="34" charset="0"/>
+              <a:buChar char="•"/>
+              <a:defRPr sz="1800" kern="1200">
+                <a:solidFill>
+                  <a:schemeClr val="tx1"/>
+                </a:solidFill>
+                <a:latin typeface="+mn-lt"/>
+                <a:ea typeface="+mn-ea"/>
+                <a:cs typeface="+mn-cs"/>
+              </a:defRPr>
+            </a:lvl5pPr>
+            <a:lvl6pPr marL="2514600" indent="-228600" algn="l" defTabSz="914400" rtl="0" eaLnBrk="1" latinLnBrk="1" hangingPunct="1">
+              <a:lnSpc>
+                <a:spcPct val="90000"/>
+              </a:lnSpc>
+              <a:spcBef>
+                <a:spcPts val="500"/>
+              </a:spcBef>
+              <a:buFont typeface="Arial" panose="020B0604020202020204" pitchFamily="34" charset="0"/>
+              <a:buChar char="•"/>
+              <a:defRPr sz="1800" kern="1200">
+                <a:solidFill>
+                  <a:schemeClr val="tx1"/>
+                </a:solidFill>
+                <a:latin typeface="+mn-lt"/>
+                <a:ea typeface="+mn-ea"/>
+                <a:cs typeface="+mn-cs"/>
+              </a:defRPr>
+            </a:lvl6pPr>
+            <a:lvl7pPr marL="2971800" indent="-228600" algn="l" defTabSz="914400" rtl="0" eaLnBrk="1" latinLnBrk="1" hangingPunct="1">
+              <a:lnSpc>
+                <a:spcPct val="90000"/>
+              </a:lnSpc>
+              <a:spcBef>
+                <a:spcPts val="500"/>
+              </a:spcBef>
+              <a:buFont typeface="Arial" panose="020B0604020202020204" pitchFamily="34" charset="0"/>
+              <a:buChar char="•"/>
+              <a:defRPr sz="1800" kern="1200">
+                <a:solidFill>
+                  <a:schemeClr val="tx1"/>
+                </a:solidFill>
+                <a:latin typeface="+mn-lt"/>
+                <a:ea typeface="+mn-ea"/>
+                <a:cs typeface="+mn-cs"/>
+              </a:defRPr>
+            </a:lvl7pPr>
+            <a:lvl8pPr marL="3429000" indent="-228600" algn="l" defTabSz="914400" rtl="0" eaLnBrk="1" latinLnBrk="1" hangingPunct="1">
+              <a:lnSpc>
+                <a:spcPct val="90000"/>
+              </a:lnSpc>
+              <a:spcBef>
+                <a:spcPts val="500"/>
+              </a:spcBef>
+              <a:buFont typeface="Arial" panose="020B0604020202020204" pitchFamily="34" charset="0"/>
+              <a:buChar char="•"/>
+              <a:defRPr sz="1800" kern="1200">
+                <a:solidFill>
+                  <a:schemeClr val="tx1"/>
+                </a:solidFill>
+                <a:latin typeface="+mn-lt"/>
+                <a:ea typeface="+mn-ea"/>
+                <a:cs typeface="+mn-cs"/>
+              </a:defRPr>
+            </a:lvl8pPr>
+            <a:lvl9pPr marL="3886200" indent="-228600" algn="l" defTabSz="914400" rtl="0" eaLnBrk="1" latinLnBrk="1" hangingPunct="1">
+              <a:lnSpc>
+                <a:spcPct val="90000"/>
+              </a:lnSpc>
+              <a:spcBef>
+                <a:spcPts val="500"/>
+              </a:spcBef>
+              <a:buFont typeface="Arial" panose="020B0604020202020204" pitchFamily="34" charset="0"/>
+              <a:buChar char="•"/>
+              <a:defRPr sz="1800" kern="1200">
+                <a:solidFill>
+                  <a:schemeClr val="tx1"/>
+                </a:solidFill>
+                <a:latin typeface="+mn-lt"/>
+                <a:ea typeface="+mn-ea"/>
+                <a:cs typeface="+mn-cs"/>
+              </a:defRPr>
+            </a:lvl9pPr>
+          </a:lstStyle>
+          <a:p>
+            <a:pPr marL="0" indent="0">
+              <a:buNone/>
+            </a:pPr>
+            <a:r>
+              <a:rPr lang="en-US" altLang="ko-KR" sz="2500" dirty="0" smtClean="0"/>
+              <a:t> </a:t>
+            </a:r>
+          </a:p>
+          <a:p>
+            <a:pPr marL="0" indent="0">
+              <a:buNone/>
+            </a:pPr>
+            <a:r>
+              <a:rPr lang="en-US" altLang="ko-KR" sz="1500" dirty="0" smtClean="0"/>
+              <a:t> </a:t>
+            </a:r>
+          </a:p>
+          <a:p>
+            <a:pPr marL="0" indent="0">
+              <a:buFont typeface="Arial" panose="020B0604020202020204" pitchFamily="34" charset="0"/>
+              <a:buNone/>
+            </a:pPr>
+            <a:endParaRPr lang="ko-KR" altLang="en-US" sz="1500" dirty="0"/>
+          </a:p>
+        </p:txBody>
+      </p:sp>
+      <p:pic>
+        <p:nvPicPr>
+          <p:cNvPr id="4" name="그림 3"/>
+          <p:cNvPicPr>
+            <a:picLocks noChangeAspect="1"/>
+          </p:cNvPicPr>
+          <p:nvPr/>
+        </p:nvPicPr>
+        <p:blipFill>
+          <a:blip r:embed="rId2"/>
+          <a:stretch>
+            <a:fillRect/>
+          </a:stretch>
+        </p:blipFill>
+        <p:spPr>
+          <a:xfrm>
+            <a:off x="430039" y="1472690"/>
+            <a:ext cx="11331922" cy="2651990"/>
+          </a:xfrm>
+          <a:prstGeom prst="rect">
+            <a:avLst/>
+          </a:prstGeom>
+        </p:spPr>
+      </p:pic>
+      <p:sp>
+        <p:nvSpPr>
+          <p:cNvPr id="7" name="내용 개체 틀 2"/>
+          <p:cNvSpPr txBox="1">
+            <a:spLocks/>
+          </p:cNvSpPr>
+          <p:nvPr/>
+        </p:nvSpPr>
+        <p:spPr>
+          <a:xfrm>
+            <a:off x="6968971" y="4785064"/>
+            <a:ext cx="4226509" cy="1137391"/>
+          </a:xfrm>
+          <a:prstGeom prst="rect">
+            <a:avLst/>
+          </a:prstGeom>
+        </p:spPr>
+        <p:txBody>
+          <a:bodyPr vert="horz" lIns="91440" tIns="45720" rIns="91440" bIns="45720" rtlCol="0">
+            <a:normAutofit/>
+          </a:bodyPr>
+          <a:lstStyle>
+            <a:lvl1pPr marL="228600" indent="-228600" algn="l" defTabSz="914400" rtl="0" eaLnBrk="1" latinLnBrk="1" hangingPunct="1">
+              <a:lnSpc>
+                <a:spcPct val="90000"/>
+              </a:lnSpc>
+              <a:spcBef>
+                <a:spcPts val="1000"/>
+              </a:spcBef>
+              <a:buFont typeface="Arial" panose="020B0604020202020204" pitchFamily="34" charset="0"/>
+              <a:buChar char="•"/>
+              <a:defRPr sz="2800" kern="1200">
+                <a:solidFill>
+                  <a:schemeClr val="tx1"/>
+                </a:solidFill>
+                <a:latin typeface="+mn-lt"/>
+                <a:ea typeface="+mn-ea"/>
+                <a:cs typeface="+mn-cs"/>
+              </a:defRPr>
+            </a:lvl1pPr>
+            <a:lvl2pPr marL="685800" indent="-228600" algn="l" defTabSz="914400" rtl="0" eaLnBrk="1" latinLnBrk="1" hangingPunct="1">
+              <a:lnSpc>
+                <a:spcPct val="90000"/>
+              </a:lnSpc>
+              <a:spcBef>
+                <a:spcPts val="500"/>
+              </a:spcBef>
+              <a:buFont typeface="Arial" panose="020B0604020202020204" pitchFamily="34" charset="0"/>
+              <a:buChar char="•"/>
+              <a:defRPr sz="2400" kern="1200">
+                <a:solidFill>
+                  <a:schemeClr val="tx1"/>
+                </a:solidFill>
+                <a:latin typeface="+mn-lt"/>
+                <a:ea typeface="+mn-ea"/>
+                <a:cs typeface="+mn-cs"/>
+              </a:defRPr>
+            </a:lvl2pPr>
+            <a:lvl3pPr marL="1143000" indent="-228600" algn="l" defTabSz="914400" rtl="0" eaLnBrk="1" latinLnBrk="1" hangingPunct="1">
+              <a:lnSpc>
+                <a:spcPct val="90000"/>
+              </a:lnSpc>
+              <a:spcBef>
+                <a:spcPts val="500"/>
+              </a:spcBef>
+              <a:buFont typeface="Arial" panose="020B0604020202020204" pitchFamily="34" charset="0"/>
+              <a:buChar char="•"/>
+              <a:defRPr sz="2000" kern="1200">
+                <a:solidFill>
+                  <a:schemeClr val="tx1"/>
+                </a:solidFill>
+                <a:latin typeface="+mn-lt"/>
+                <a:ea typeface="+mn-ea"/>
+                <a:cs typeface="+mn-cs"/>
+              </a:defRPr>
+            </a:lvl3pPr>
+            <a:lvl4pPr marL="1600200" indent="-228600" algn="l" defTabSz="914400" rtl="0" eaLnBrk="1" latinLnBrk="1" hangingPunct="1">
+              <a:lnSpc>
+                <a:spcPct val="90000"/>
+              </a:lnSpc>
+              <a:spcBef>
+                <a:spcPts val="500"/>
+              </a:spcBef>
+              <a:buFont typeface="Arial" panose="020B0604020202020204" pitchFamily="34" charset="0"/>
+              <a:buChar char="•"/>
+              <a:defRPr sz="1800" kern="1200">
+                <a:solidFill>
+                  <a:schemeClr val="tx1"/>
+                </a:solidFill>
+                <a:latin typeface="+mn-lt"/>
+                <a:ea typeface="+mn-ea"/>
+                <a:cs typeface="+mn-cs"/>
+              </a:defRPr>
+            </a:lvl4pPr>
+            <a:lvl5pPr marL="2057400" indent="-228600" algn="l" defTabSz="914400" rtl="0" eaLnBrk="1" latinLnBrk="1" hangingPunct="1">
+              <a:lnSpc>
+                <a:spcPct val="90000"/>
+              </a:lnSpc>
+              <a:spcBef>
+                <a:spcPts val="500"/>
+              </a:spcBef>
+              <a:buFont typeface="Arial" panose="020B0604020202020204" pitchFamily="34" charset="0"/>
+              <a:buChar char="•"/>
+              <a:defRPr sz="1800" kern="1200">
+                <a:solidFill>
+                  <a:schemeClr val="tx1"/>
+                </a:solidFill>
+                <a:latin typeface="+mn-lt"/>
+                <a:ea typeface="+mn-ea"/>
+                <a:cs typeface="+mn-cs"/>
+              </a:defRPr>
+            </a:lvl5pPr>
+            <a:lvl6pPr marL="2514600" indent="-228600" algn="l" defTabSz="914400" rtl="0" eaLnBrk="1" latinLnBrk="1" hangingPunct="1">
+              <a:lnSpc>
+                <a:spcPct val="90000"/>
+              </a:lnSpc>
+              <a:spcBef>
+                <a:spcPts val="500"/>
+              </a:spcBef>
+              <a:buFont typeface="Arial" panose="020B0604020202020204" pitchFamily="34" charset="0"/>
+              <a:buChar char="•"/>
+              <a:defRPr sz="1800" kern="1200">
+                <a:solidFill>
+                  <a:schemeClr val="tx1"/>
+                </a:solidFill>
+                <a:latin typeface="+mn-lt"/>
+                <a:ea typeface="+mn-ea"/>
+                <a:cs typeface="+mn-cs"/>
+              </a:defRPr>
+            </a:lvl6pPr>
+            <a:lvl7pPr marL="2971800" indent="-228600" algn="l" defTabSz="914400" rtl="0" eaLnBrk="1" latinLnBrk="1" hangingPunct="1">
+              <a:lnSpc>
+                <a:spcPct val="90000"/>
+              </a:lnSpc>
+              <a:spcBef>
+                <a:spcPts val="500"/>
+              </a:spcBef>
+              <a:buFont typeface="Arial" panose="020B0604020202020204" pitchFamily="34" charset="0"/>
+              <a:buChar char="•"/>
+              <a:defRPr sz="1800" kern="1200">
+                <a:solidFill>
+                  <a:schemeClr val="tx1"/>
+                </a:solidFill>
+                <a:latin typeface="+mn-lt"/>
+                <a:ea typeface="+mn-ea"/>
+                <a:cs typeface="+mn-cs"/>
+              </a:defRPr>
+            </a:lvl7pPr>
+            <a:lvl8pPr marL="3429000" indent="-228600" algn="l" defTabSz="914400" rtl="0" eaLnBrk="1" latinLnBrk="1" hangingPunct="1">
+              <a:lnSpc>
+                <a:spcPct val="90000"/>
+              </a:lnSpc>
+              <a:spcBef>
+                <a:spcPts val="500"/>
+              </a:spcBef>
+              <a:buFont typeface="Arial" panose="020B0604020202020204" pitchFamily="34" charset="0"/>
+              <a:buChar char="•"/>
+              <a:defRPr sz="1800" kern="1200">
+                <a:solidFill>
+                  <a:schemeClr val="tx1"/>
+                </a:solidFill>
+                <a:latin typeface="+mn-lt"/>
+                <a:ea typeface="+mn-ea"/>
+                <a:cs typeface="+mn-cs"/>
+              </a:defRPr>
+            </a:lvl8pPr>
+            <a:lvl9pPr marL="3886200" indent="-228600" algn="l" defTabSz="914400" rtl="0" eaLnBrk="1" latinLnBrk="1" hangingPunct="1">
+              <a:lnSpc>
+                <a:spcPct val="90000"/>
+              </a:lnSpc>
+              <a:spcBef>
+                <a:spcPts val="500"/>
+              </a:spcBef>
+              <a:buFont typeface="Arial" panose="020B0604020202020204" pitchFamily="34" charset="0"/>
+              <a:buChar char="•"/>
+              <a:defRPr sz="1800" kern="1200">
+                <a:solidFill>
+                  <a:schemeClr val="tx1"/>
+                </a:solidFill>
+                <a:latin typeface="+mn-lt"/>
+                <a:ea typeface="+mn-ea"/>
+                <a:cs typeface="+mn-cs"/>
+              </a:defRPr>
+            </a:lvl9pPr>
+          </a:lstStyle>
+          <a:p>
+            <a:pPr marL="0" indent="0">
+              <a:buNone/>
+            </a:pPr>
+            <a:r>
+              <a:rPr lang="en-US" altLang="ko-KR" sz="2200" dirty="0" smtClean="0"/>
+              <a:t>Interpreter </a:t>
+            </a:r>
+            <a:r>
+              <a:rPr lang="ko-KR" altLang="en-US" sz="2200" dirty="0" smtClean="0"/>
+              <a:t>아까 만든 </a:t>
+            </a:r>
+            <a:endParaRPr lang="en-US" altLang="ko-KR" sz="2200" dirty="0" smtClean="0"/>
+          </a:p>
+          <a:p>
+            <a:pPr marL="0" indent="0">
+              <a:buNone/>
+            </a:pPr>
+            <a:r>
+              <a:rPr lang="en-US" altLang="ko-KR" sz="2200" dirty="0" err="1" smtClean="0"/>
+              <a:t>gpu_env</a:t>
+            </a:r>
+            <a:r>
+              <a:rPr lang="en-US" altLang="ko-KR" sz="2200" dirty="0" smtClean="0"/>
+              <a:t> </a:t>
+            </a:r>
+            <a:r>
+              <a:rPr lang="ko-KR" altLang="en-US" sz="2200" dirty="0" smtClean="0"/>
+              <a:t>가상환경 설정하기</a:t>
+            </a:r>
+            <a:endParaRPr lang="en-US" altLang="ko-KR" sz="2200" dirty="0" smtClean="0"/>
+          </a:p>
+          <a:p>
+            <a:pPr marL="0" indent="0">
+              <a:buFont typeface="Arial" panose="020B0604020202020204" pitchFamily="34" charset="0"/>
+              <a:buNone/>
+            </a:pPr>
+            <a:endParaRPr lang="ko-KR" altLang="en-US" sz="2200" dirty="0"/>
+          </a:p>
+        </p:txBody>
+      </p:sp>
+      <p:pic>
+        <p:nvPicPr>
+          <p:cNvPr id="5" name="그림 4"/>
+          <p:cNvPicPr>
+            <a:picLocks noChangeAspect="1"/>
+          </p:cNvPicPr>
+          <p:nvPr/>
+        </p:nvPicPr>
+        <p:blipFill>
+          <a:blip r:embed="rId3"/>
+          <a:stretch>
+            <a:fillRect/>
+          </a:stretch>
+        </p:blipFill>
+        <p:spPr>
+          <a:xfrm>
+            <a:off x="595543" y="4309633"/>
+            <a:ext cx="6073666" cy="2362405"/>
+          </a:xfrm>
+          <a:prstGeom prst="rect">
+            <a:avLst/>
+          </a:prstGeom>
+        </p:spPr>
+      </p:pic>
+    </p:spTree>
+    <p:extLst>
+      <p:ext uri="{BB962C8B-B14F-4D97-AF65-F5344CB8AC3E}">
+        <p14:creationId xmlns:p14="http://schemas.microsoft.com/office/powerpoint/2010/main" val="353069569"/>
+      </p:ext>
+    </p:extLst>
+  </p:cSld>
+  <p:clrMapOvr>
+    <a:masterClrMapping/>
+  </p:clrMapOvr>
+  <p:timing>
+    <p:tnLst>
+      <p:par>
+        <p:cTn id="1" dur="indefinite" restart="never" nodeType="tmRoot"/>
+      </p:par>
+    </p:tnLst>
+  </p:timing>
+</p:sld>
+</file>
+
+<file path=ppt/slides/slide17.xml><?xml version="1.0" encoding="utf-8"?>
+<p:sld xmlns:a="http://schemas.openxmlformats.org/drawingml/2006/main" xmlns:r="http://schemas.openxmlformats.org/officeDocument/2006/relationships" xmlns:p="http://schemas.openxmlformats.org/presentationml/2006/main">
+  <p:cSld>
+    <p:spTree>
+      <p:nvGrpSpPr>
+        <p:cNvPr id="1" name=""/>
+        <p:cNvGrpSpPr/>
+        <p:nvPr/>
+      </p:nvGrpSpPr>
+      <p:grpSpPr>
+        <a:xfrm>
+          <a:off x="0" y="0"/>
+          <a:ext cx="0" cy="0"/>
+          <a:chOff x="0" y="0"/>
+          <a:chExt cx="0" cy="0"/>
+        </a:xfrm>
+      </p:grpSpPr>
+      <p:sp>
+        <p:nvSpPr>
+          <p:cNvPr id="2" name="제목 1"/>
+          <p:cNvSpPr>
+            <a:spLocks noGrp="1"/>
+          </p:cNvSpPr>
+          <p:nvPr>
+            <p:ph type="title"/>
+          </p:nvPr>
+        </p:nvSpPr>
+        <p:spPr>
+          <a:xfrm>
+            <a:off x="838200" y="365126"/>
+            <a:ext cx="10515600" cy="833360"/>
+          </a:xfrm>
+        </p:spPr>
+        <p:txBody>
+          <a:bodyPr>
+            <a:normAutofit/>
+          </a:bodyPr>
+          <a:lstStyle/>
+          <a:p>
+            <a:r>
+              <a:rPr lang="en-US" altLang="ko-KR" sz="3300" dirty="0" smtClean="0"/>
+              <a:t>8. </a:t>
+            </a:r>
+            <a:r>
+              <a:rPr lang="ko-KR" altLang="en-US" sz="3300" dirty="0" smtClean="0"/>
+              <a:t>실습</a:t>
+            </a:r>
+            <a:endParaRPr lang="ko-KR" altLang="en-US" sz="3300" dirty="0"/>
+          </a:p>
+        </p:txBody>
+      </p:sp>
+      <p:sp>
+        <p:nvSpPr>
+          <p:cNvPr id="9" name="내용 개체 틀 2"/>
+          <p:cNvSpPr txBox="1">
+            <a:spLocks/>
+          </p:cNvSpPr>
+          <p:nvPr/>
+        </p:nvSpPr>
+        <p:spPr>
+          <a:xfrm>
+            <a:off x="753862" y="5606245"/>
+            <a:ext cx="10599938" cy="632420"/>
+          </a:xfrm>
+          <a:prstGeom prst="rect">
+            <a:avLst/>
+          </a:prstGeom>
+        </p:spPr>
+        <p:txBody>
+          <a:bodyPr vert="horz" lIns="91440" tIns="45720" rIns="91440" bIns="45720" rtlCol="0">
+            <a:normAutofit fontScale="92500" lnSpcReduction="20000"/>
+          </a:bodyPr>
+          <a:lstStyle>
+            <a:lvl1pPr marL="228600" indent="-228600" algn="l" defTabSz="914400" rtl="0" eaLnBrk="1" latinLnBrk="1" hangingPunct="1">
+              <a:lnSpc>
+                <a:spcPct val="90000"/>
+              </a:lnSpc>
+              <a:spcBef>
+                <a:spcPts val="1000"/>
+              </a:spcBef>
+              <a:buFont typeface="Arial" panose="020B0604020202020204" pitchFamily="34" charset="0"/>
+              <a:buChar char="•"/>
+              <a:defRPr sz="2800" kern="1200">
+                <a:solidFill>
+                  <a:schemeClr val="tx1"/>
+                </a:solidFill>
+                <a:latin typeface="+mn-lt"/>
+                <a:ea typeface="+mn-ea"/>
+                <a:cs typeface="+mn-cs"/>
+              </a:defRPr>
+            </a:lvl1pPr>
+            <a:lvl2pPr marL="685800" indent="-228600" algn="l" defTabSz="914400" rtl="0" eaLnBrk="1" latinLnBrk="1" hangingPunct="1">
+              <a:lnSpc>
+                <a:spcPct val="90000"/>
+              </a:lnSpc>
+              <a:spcBef>
+                <a:spcPts val="500"/>
+              </a:spcBef>
+              <a:buFont typeface="Arial" panose="020B0604020202020204" pitchFamily="34" charset="0"/>
+              <a:buChar char="•"/>
+              <a:defRPr sz="2400" kern="1200">
+                <a:solidFill>
+                  <a:schemeClr val="tx1"/>
+                </a:solidFill>
+                <a:latin typeface="+mn-lt"/>
+                <a:ea typeface="+mn-ea"/>
+                <a:cs typeface="+mn-cs"/>
+              </a:defRPr>
+            </a:lvl2pPr>
+            <a:lvl3pPr marL="1143000" indent="-228600" algn="l" defTabSz="914400" rtl="0" eaLnBrk="1" latinLnBrk="1" hangingPunct="1">
+              <a:lnSpc>
+                <a:spcPct val="90000"/>
+              </a:lnSpc>
+              <a:spcBef>
+                <a:spcPts val="500"/>
+              </a:spcBef>
+              <a:buFont typeface="Arial" panose="020B0604020202020204" pitchFamily="34" charset="0"/>
+              <a:buChar char="•"/>
+              <a:defRPr sz="2000" kern="1200">
+                <a:solidFill>
+                  <a:schemeClr val="tx1"/>
+                </a:solidFill>
+                <a:latin typeface="+mn-lt"/>
+                <a:ea typeface="+mn-ea"/>
+                <a:cs typeface="+mn-cs"/>
+              </a:defRPr>
+            </a:lvl3pPr>
+            <a:lvl4pPr marL="1600200" indent="-228600" algn="l" defTabSz="914400" rtl="0" eaLnBrk="1" latinLnBrk="1" hangingPunct="1">
+              <a:lnSpc>
+                <a:spcPct val="90000"/>
+              </a:lnSpc>
+              <a:spcBef>
+                <a:spcPts val="500"/>
+              </a:spcBef>
+              <a:buFont typeface="Arial" panose="020B0604020202020204" pitchFamily="34" charset="0"/>
+              <a:buChar char="•"/>
+              <a:defRPr sz="1800" kern="1200">
+                <a:solidFill>
+                  <a:schemeClr val="tx1"/>
+                </a:solidFill>
+                <a:latin typeface="+mn-lt"/>
+                <a:ea typeface="+mn-ea"/>
+                <a:cs typeface="+mn-cs"/>
+              </a:defRPr>
+            </a:lvl4pPr>
+            <a:lvl5pPr marL="2057400" indent="-228600" algn="l" defTabSz="914400" rtl="0" eaLnBrk="1" latinLnBrk="1" hangingPunct="1">
+              <a:lnSpc>
+                <a:spcPct val="90000"/>
+              </a:lnSpc>
+              <a:spcBef>
+                <a:spcPts val="500"/>
+              </a:spcBef>
+              <a:buFont typeface="Arial" panose="020B0604020202020204" pitchFamily="34" charset="0"/>
+              <a:buChar char="•"/>
+              <a:defRPr sz="1800" kern="1200">
+                <a:solidFill>
+                  <a:schemeClr val="tx1"/>
+                </a:solidFill>
+                <a:latin typeface="+mn-lt"/>
+                <a:ea typeface="+mn-ea"/>
+                <a:cs typeface="+mn-cs"/>
+              </a:defRPr>
+            </a:lvl5pPr>
+            <a:lvl6pPr marL="2514600" indent="-228600" algn="l" defTabSz="914400" rtl="0" eaLnBrk="1" latinLnBrk="1" hangingPunct="1">
+              <a:lnSpc>
+                <a:spcPct val="90000"/>
+              </a:lnSpc>
+              <a:spcBef>
+                <a:spcPts val="500"/>
+              </a:spcBef>
+              <a:buFont typeface="Arial" panose="020B0604020202020204" pitchFamily="34" charset="0"/>
+              <a:buChar char="•"/>
+              <a:defRPr sz="1800" kern="1200">
+                <a:solidFill>
+                  <a:schemeClr val="tx1"/>
+                </a:solidFill>
+                <a:latin typeface="+mn-lt"/>
+                <a:ea typeface="+mn-ea"/>
+                <a:cs typeface="+mn-cs"/>
+              </a:defRPr>
+            </a:lvl6pPr>
+            <a:lvl7pPr marL="2971800" indent="-228600" algn="l" defTabSz="914400" rtl="0" eaLnBrk="1" latinLnBrk="1" hangingPunct="1">
+              <a:lnSpc>
+                <a:spcPct val="90000"/>
+              </a:lnSpc>
+              <a:spcBef>
+                <a:spcPts val="500"/>
+              </a:spcBef>
+              <a:buFont typeface="Arial" panose="020B0604020202020204" pitchFamily="34" charset="0"/>
+              <a:buChar char="•"/>
+              <a:defRPr sz="1800" kern="1200">
+                <a:solidFill>
+                  <a:schemeClr val="tx1"/>
+                </a:solidFill>
+                <a:latin typeface="+mn-lt"/>
+                <a:ea typeface="+mn-ea"/>
+                <a:cs typeface="+mn-cs"/>
+              </a:defRPr>
+            </a:lvl7pPr>
+            <a:lvl8pPr marL="3429000" indent="-228600" algn="l" defTabSz="914400" rtl="0" eaLnBrk="1" latinLnBrk="1" hangingPunct="1">
+              <a:lnSpc>
+                <a:spcPct val="90000"/>
+              </a:lnSpc>
+              <a:spcBef>
+                <a:spcPts val="500"/>
+              </a:spcBef>
+              <a:buFont typeface="Arial" panose="020B0604020202020204" pitchFamily="34" charset="0"/>
+              <a:buChar char="•"/>
+              <a:defRPr sz="1800" kern="1200">
+                <a:solidFill>
+                  <a:schemeClr val="tx1"/>
+                </a:solidFill>
+                <a:latin typeface="+mn-lt"/>
+                <a:ea typeface="+mn-ea"/>
+                <a:cs typeface="+mn-cs"/>
+              </a:defRPr>
+            </a:lvl8pPr>
+            <a:lvl9pPr marL="3886200" indent="-228600" algn="l" defTabSz="914400" rtl="0" eaLnBrk="1" latinLnBrk="1" hangingPunct="1">
+              <a:lnSpc>
+                <a:spcPct val="90000"/>
+              </a:lnSpc>
+              <a:spcBef>
+                <a:spcPts val="500"/>
+              </a:spcBef>
+              <a:buFont typeface="Arial" panose="020B0604020202020204" pitchFamily="34" charset="0"/>
+              <a:buChar char="•"/>
+              <a:defRPr sz="1800" kern="1200">
+                <a:solidFill>
+                  <a:schemeClr val="tx1"/>
+                </a:solidFill>
+                <a:latin typeface="+mn-lt"/>
+                <a:ea typeface="+mn-ea"/>
+                <a:cs typeface="+mn-cs"/>
+              </a:defRPr>
+            </a:lvl9pPr>
+          </a:lstStyle>
+          <a:p>
+            <a:pPr marL="0" indent="0">
+              <a:buNone/>
+            </a:pPr>
+            <a:r>
+              <a:rPr lang="en-US" altLang="ko-KR" sz="2500" dirty="0" smtClean="0"/>
+              <a:t> </a:t>
+            </a:r>
+          </a:p>
+          <a:p>
+            <a:pPr marL="0" indent="0">
+              <a:buNone/>
+            </a:pPr>
+            <a:r>
+              <a:rPr lang="en-US" altLang="ko-KR" sz="1500" dirty="0" smtClean="0"/>
+              <a:t> </a:t>
+            </a:r>
+          </a:p>
+          <a:p>
+            <a:pPr marL="0" indent="0">
+              <a:buFont typeface="Arial" panose="020B0604020202020204" pitchFamily="34" charset="0"/>
+              <a:buNone/>
+            </a:pPr>
+            <a:endParaRPr lang="ko-KR" altLang="en-US" sz="1500" dirty="0"/>
+          </a:p>
+        </p:txBody>
+      </p:sp>
+      <p:sp>
+        <p:nvSpPr>
+          <p:cNvPr id="7" name="내용 개체 틀 2"/>
+          <p:cNvSpPr txBox="1">
+            <a:spLocks/>
+          </p:cNvSpPr>
+          <p:nvPr/>
+        </p:nvSpPr>
+        <p:spPr>
+          <a:xfrm>
+            <a:off x="4199139" y="4785064"/>
+            <a:ext cx="6996342" cy="1137391"/>
+          </a:xfrm>
+          <a:prstGeom prst="rect">
+            <a:avLst/>
+          </a:prstGeom>
+        </p:spPr>
+        <p:txBody>
+          <a:bodyPr vert="horz" lIns="91440" tIns="45720" rIns="91440" bIns="45720" rtlCol="0">
+            <a:normAutofit/>
+          </a:bodyPr>
+          <a:lstStyle>
+            <a:lvl1pPr marL="228600" indent="-228600" algn="l" defTabSz="914400" rtl="0" eaLnBrk="1" latinLnBrk="1" hangingPunct="1">
+              <a:lnSpc>
+                <a:spcPct val="90000"/>
+              </a:lnSpc>
+              <a:spcBef>
+                <a:spcPts val="1000"/>
+              </a:spcBef>
+              <a:buFont typeface="Arial" panose="020B0604020202020204" pitchFamily="34" charset="0"/>
+              <a:buChar char="•"/>
+              <a:defRPr sz="2800" kern="1200">
+                <a:solidFill>
+                  <a:schemeClr val="tx1"/>
+                </a:solidFill>
+                <a:latin typeface="+mn-lt"/>
+                <a:ea typeface="+mn-ea"/>
+                <a:cs typeface="+mn-cs"/>
+              </a:defRPr>
+            </a:lvl1pPr>
+            <a:lvl2pPr marL="685800" indent="-228600" algn="l" defTabSz="914400" rtl="0" eaLnBrk="1" latinLnBrk="1" hangingPunct="1">
+              <a:lnSpc>
+                <a:spcPct val="90000"/>
+              </a:lnSpc>
+              <a:spcBef>
+                <a:spcPts val="500"/>
+              </a:spcBef>
+              <a:buFont typeface="Arial" panose="020B0604020202020204" pitchFamily="34" charset="0"/>
+              <a:buChar char="•"/>
+              <a:defRPr sz="2400" kern="1200">
+                <a:solidFill>
+                  <a:schemeClr val="tx1"/>
+                </a:solidFill>
+                <a:latin typeface="+mn-lt"/>
+                <a:ea typeface="+mn-ea"/>
+                <a:cs typeface="+mn-cs"/>
+              </a:defRPr>
+            </a:lvl2pPr>
+            <a:lvl3pPr marL="1143000" indent="-228600" algn="l" defTabSz="914400" rtl="0" eaLnBrk="1" latinLnBrk="1" hangingPunct="1">
+              <a:lnSpc>
+                <a:spcPct val="90000"/>
+              </a:lnSpc>
+              <a:spcBef>
+                <a:spcPts val="500"/>
+              </a:spcBef>
+              <a:buFont typeface="Arial" panose="020B0604020202020204" pitchFamily="34" charset="0"/>
+              <a:buChar char="•"/>
+              <a:defRPr sz="2000" kern="1200">
+                <a:solidFill>
+                  <a:schemeClr val="tx1"/>
+                </a:solidFill>
+                <a:latin typeface="+mn-lt"/>
+                <a:ea typeface="+mn-ea"/>
+                <a:cs typeface="+mn-cs"/>
+              </a:defRPr>
+            </a:lvl3pPr>
+            <a:lvl4pPr marL="1600200" indent="-228600" algn="l" defTabSz="914400" rtl="0" eaLnBrk="1" latinLnBrk="1" hangingPunct="1">
+              <a:lnSpc>
+                <a:spcPct val="90000"/>
+              </a:lnSpc>
+              <a:spcBef>
+                <a:spcPts val="500"/>
+              </a:spcBef>
+              <a:buFont typeface="Arial" panose="020B0604020202020204" pitchFamily="34" charset="0"/>
+              <a:buChar char="•"/>
+              <a:defRPr sz="1800" kern="1200">
+                <a:solidFill>
+                  <a:schemeClr val="tx1"/>
+                </a:solidFill>
+                <a:latin typeface="+mn-lt"/>
+                <a:ea typeface="+mn-ea"/>
+                <a:cs typeface="+mn-cs"/>
+              </a:defRPr>
+            </a:lvl4pPr>
+            <a:lvl5pPr marL="2057400" indent="-228600" algn="l" defTabSz="914400" rtl="0" eaLnBrk="1" latinLnBrk="1" hangingPunct="1">
+              <a:lnSpc>
+                <a:spcPct val="90000"/>
+              </a:lnSpc>
+              <a:spcBef>
+                <a:spcPts val="500"/>
+              </a:spcBef>
+              <a:buFont typeface="Arial" panose="020B0604020202020204" pitchFamily="34" charset="0"/>
+              <a:buChar char="•"/>
+              <a:defRPr sz="1800" kern="1200">
+                <a:solidFill>
+                  <a:schemeClr val="tx1"/>
+                </a:solidFill>
+                <a:latin typeface="+mn-lt"/>
+                <a:ea typeface="+mn-ea"/>
+                <a:cs typeface="+mn-cs"/>
+              </a:defRPr>
+            </a:lvl5pPr>
+            <a:lvl6pPr marL="2514600" indent="-228600" algn="l" defTabSz="914400" rtl="0" eaLnBrk="1" latinLnBrk="1" hangingPunct="1">
+              <a:lnSpc>
+                <a:spcPct val="90000"/>
+              </a:lnSpc>
+              <a:spcBef>
+                <a:spcPts val="500"/>
+              </a:spcBef>
+              <a:buFont typeface="Arial" panose="020B0604020202020204" pitchFamily="34" charset="0"/>
+              <a:buChar char="•"/>
+              <a:defRPr sz="1800" kern="1200">
+                <a:solidFill>
+                  <a:schemeClr val="tx1"/>
+                </a:solidFill>
+                <a:latin typeface="+mn-lt"/>
+                <a:ea typeface="+mn-ea"/>
+                <a:cs typeface="+mn-cs"/>
+              </a:defRPr>
+            </a:lvl6pPr>
+            <a:lvl7pPr marL="2971800" indent="-228600" algn="l" defTabSz="914400" rtl="0" eaLnBrk="1" latinLnBrk="1" hangingPunct="1">
+              <a:lnSpc>
+                <a:spcPct val="90000"/>
+              </a:lnSpc>
+              <a:spcBef>
+                <a:spcPts val="500"/>
+              </a:spcBef>
+              <a:buFont typeface="Arial" panose="020B0604020202020204" pitchFamily="34" charset="0"/>
+              <a:buChar char="•"/>
+              <a:defRPr sz="1800" kern="1200">
+                <a:solidFill>
+                  <a:schemeClr val="tx1"/>
+                </a:solidFill>
+                <a:latin typeface="+mn-lt"/>
+                <a:ea typeface="+mn-ea"/>
+                <a:cs typeface="+mn-cs"/>
+              </a:defRPr>
+            </a:lvl7pPr>
+            <a:lvl8pPr marL="3429000" indent="-228600" algn="l" defTabSz="914400" rtl="0" eaLnBrk="1" latinLnBrk="1" hangingPunct="1">
+              <a:lnSpc>
+                <a:spcPct val="90000"/>
+              </a:lnSpc>
+              <a:spcBef>
+                <a:spcPts val="500"/>
+              </a:spcBef>
+              <a:buFont typeface="Arial" panose="020B0604020202020204" pitchFamily="34" charset="0"/>
+              <a:buChar char="•"/>
+              <a:defRPr sz="1800" kern="1200">
+                <a:solidFill>
+                  <a:schemeClr val="tx1"/>
+                </a:solidFill>
+                <a:latin typeface="+mn-lt"/>
+                <a:ea typeface="+mn-ea"/>
+                <a:cs typeface="+mn-cs"/>
+              </a:defRPr>
+            </a:lvl8pPr>
+            <a:lvl9pPr marL="3886200" indent="-228600" algn="l" defTabSz="914400" rtl="0" eaLnBrk="1" latinLnBrk="1" hangingPunct="1">
+              <a:lnSpc>
+                <a:spcPct val="90000"/>
+              </a:lnSpc>
+              <a:spcBef>
+                <a:spcPts val="500"/>
+              </a:spcBef>
+              <a:buFont typeface="Arial" panose="020B0604020202020204" pitchFamily="34" charset="0"/>
+              <a:buChar char="•"/>
+              <a:defRPr sz="1800" kern="1200">
+                <a:solidFill>
+                  <a:schemeClr val="tx1"/>
+                </a:solidFill>
+                <a:latin typeface="+mn-lt"/>
+                <a:ea typeface="+mn-ea"/>
+                <a:cs typeface="+mn-cs"/>
+              </a:defRPr>
+            </a:lvl9pPr>
+          </a:lstStyle>
+          <a:p>
+            <a:pPr marL="0" indent="0">
+              <a:buNone/>
+            </a:pPr>
+            <a:r>
+              <a:rPr lang="en-US" altLang="ko-KR" sz="2200" dirty="0" err="1" smtClean="0"/>
+              <a:t>gpu_env</a:t>
+            </a:r>
+            <a:r>
+              <a:rPr lang="en-US" altLang="ko-KR" sz="2200" dirty="0" smtClean="0"/>
+              <a:t> test</a:t>
+            </a:r>
+            <a:r>
+              <a:rPr lang="ko-KR" altLang="en-US" sz="2200" dirty="0" smtClean="0"/>
+              <a:t>라는 커널 선택해서 모두 </a:t>
+            </a:r>
+            <a:r>
+              <a:rPr lang="ko-KR" altLang="en-US" sz="2200" dirty="0" err="1" smtClean="0"/>
+              <a:t>실행해보기</a:t>
+            </a:r>
+            <a:r>
+              <a:rPr lang="en-US" altLang="ko-KR" sz="2200" dirty="0" smtClean="0"/>
+              <a:t>!</a:t>
+            </a:r>
+          </a:p>
+          <a:p>
+            <a:pPr marL="0" indent="0">
+              <a:buFont typeface="Arial" panose="020B0604020202020204" pitchFamily="34" charset="0"/>
+              <a:buNone/>
+            </a:pPr>
+            <a:endParaRPr lang="ko-KR" altLang="en-US" sz="2200" dirty="0"/>
+          </a:p>
+        </p:txBody>
+      </p:sp>
+      <p:pic>
+        <p:nvPicPr>
+          <p:cNvPr id="3" name="그림 2"/>
+          <p:cNvPicPr>
+            <a:picLocks noChangeAspect="1"/>
+          </p:cNvPicPr>
+          <p:nvPr/>
+        </p:nvPicPr>
+        <p:blipFill>
+          <a:blip r:embed="rId2"/>
+          <a:stretch>
+            <a:fillRect/>
+          </a:stretch>
+        </p:blipFill>
+        <p:spPr>
+          <a:xfrm>
+            <a:off x="1014671" y="1686758"/>
+            <a:ext cx="6108614" cy="2227450"/>
+          </a:xfrm>
+          <a:prstGeom prst="rect">
+            <a:avLst/>
+          </a:prstGeom>
+        </p:spPr>
+      </p:pic>
+    </p:spTree>
+    <p:extLst>
+      <p:ext uri="{BB962C8B-B14F-4D97-AF65-F5344CB8AC3E}">
+        <p14:creationId xmlns:p14="http://schemas.microsoft.com/office/powerpoint/2010/main" val="1351619055"/>
+      </p:ext>
+    </p:extLst>
+  </p:cSld>
+  <p:clrMapOvr>
+    <a:masterClrMapping/>
+  </p:clrMapOvr>
+  <p:timing>
+    <p:tnLst>
+      <p:par>
+        <p:cTn id="1" dur="indefinite" restart="never" nodeType="tmRoot"/>
+      </p:par>
+    </p:tnLst>
+  </p:timing>
+</p:sld>
+</file>
+
+<file path=ppt/slides/slide18.xml><?xml version="1.0" encoding="utf-8"?>
+<p:sld xmlns:a="http://schemas.openxmlformats.org/drawingml/2006/main" xmlns:r="http://schemas.openxmlformats.org/officeDocument/2006/relationships" xmlns:p="http://schemas.openxmlformats.org/presentationml/2006/main">
+  <p:cSld>
+    <p:spTree>
+      <p:nvGrpSpPr>
+        <p:cNvPr id="1" name=""/>
+        <p:cNvGrpSpPr/>
+        <p:nvPr/>
+      </p:nvGrpSpPr>
+      <p:grpSpPr>
+        <a:xfrm>
+          <a:off x="0" y="0"/>
+          <a:ext cx="0" cy="0"/>
+          <a:chOff x="0" y="0"/>
+          <a:chExt cx="0" cy="0"/>
+        </a:xfrm>
+      </p:grpSpPr>
+      <p:sp>
+        <p:nvSpPr>
+          <p:cNvPr id="2" name="제목 1"/>
+          <p:cNvSpPr>
+            <a:spLocks noGrp="1"/>
+          </p:cNvSpPr>
+          <p:nvPr>
+            <p:ph type="title"/>
+          </p:nvPr>
+        </p:nvSpPr>
+        <p:spPr/>
+        <p:txBody>
+          <a:bodyPr/>
+          <a:lstStyle/>
+          <a:p>
+            <a:r>
+              <a:rPr lang="ko-KR" altLang="en-US" dirty="0" smtClean="0"/>
+              <a:t>끝</a:t>
+            </a:r>
+            <a:r>
+              <a:rPr lang="en-US" altLang="ko-KR" dirty="0" smtClean="0"/>
+              <a:t>!</a:t>
+            </a:r>
+            <a:endParaRPr lang="ko-KR" altLang="en-US" dirty="0"/>
+          </a:p>
+        </p:txBody>
+      </p:sp>
+      <p:sp>
+        <p:nvSpPr>
+          <p:cNvPr id="3" name="내용 개체 틀 2"/>
+          <p:cNvSpPr>
+            <a:spLocks noGrp="1"/>
+          </p:cNvSpPr>
+          <p:nvPr>
+            <p:ph idx="1"/>
+          </p:nvPr>
+        </p:nvSpPr>
+        <p:spPr/>
+        <p:txBody>
+          <a:bodyPr/>
+          <a:lstStyle/>
+          <a:p>
+            <a:r>
+              <a:rPr lang="ko-KR" altLang="en-US" dirty="0" smtClean="0"/>
+              <a:t>감사합니다</a:t>
+            </a:r>
+            <a:r>
+              <a:rPr lang="en-US" altLang="ko-KR" dirty="0" smtClean="0"/>
+              <a:t>.</a:t>
+            </a:r>
+            <a:endParaRPr lang="ko-KR" altLang="en-US" dirty="0"/>
+          </a:p>
+        </p:txBody>
+      </p:sp>
+    </p:spTree>
+    <p:extLst>
+      <p:ext uri="{BB962C8B-B14F-4D97-AF65-F5344CB8AC3E}">
+        <p14:creationId xmlns:p14="http://schemas.microsoft.com/office/powerpoint/2010/main" val="2474074463"/>
+      </p:ext>
+    </p:extLst>
+  </p:cSld>
+  <p:clrMapOvr>
+    <a:masterClrMapping/>
+  </p:clrMapOvr>
+  <p:timing>
+    <p:tnLst>
+      <p:par>
+        <p:cTn id="1" dur="indefinite" restart="never" nodeType="tmRoot"/>
+      </p:par>
+    </p:tnLst>
+  </p:timing>
+</p:sld>
+</file>
+
+<file path=ppt/slides/slide2.xml><?xml version="1.0" encoding="utf-8"?>
+<p:sld xmlns:a="http://schemas.openxmlformats.org/drawingml/2006/main" xmlns:r="http://schemas.openxmlformats.org/officeDocument/2006/relationships" xmlns:p="http://schemas.openxmlformats.org/presentationml/2006/main">
+  <p:cSld>
+    <p:spTree>
+      <p:nvGrpSpPr>
+        <p:cNvPr id="1" name=""/>
+        <p:cNvGrpSpPr/>
+        <p:nvPr/>
+      </p:nvGrpSpPr>
+      <p:grpSpPr>
+        <a:xfrm>
+          <a:off x="0" y="0"/>
+          <a:ext cx="0" cy="0"/>
+          <a:chOff x="0" y="0"/>
+          <a:chExt cx="0" cy="0"/>
+        </a:xfrm>
+      </p:grpSpPr>
+      <p:sp>
+        <p:nvSpPr>
+          <p:cNvPr id="2" name="제목 1"/>
+          <p:cNvSpPr>
+            <a:spLocks noGrp="1"/>
+          </p:cNvSpPr>
+          <p:nvPr>
+            <p:ph type="title"/>
+          </p:nvPr>
+        </p:nvSpPr>
+        <p:spPr/>
+        <p:txBody>
+          <a:bodyPr/>
+          <a:lstStyle/>
+          <a:p>
+            <a:r>
+              <a:rPr lang="en-US" altLang="ko-KR" dirty="0" smtClean="0"/>
+              <a:t>1. </a:t>
+            </a:r>
+            <a:r>
+              <a:rPr lang="ko-KR" altLang="en-US" dirty="0" smtClean="0"/>
+              <a:t>사전 요구 사항</a:t>
+            </a:r>
+            <a:endParaRPr lang="ko-KR" altLang="en-US" dirty="0"/>
+          </a:p>
+        </p:txBody>
+      </p:sp>
+      <p:sp>
+        <p:nvSpPr>
+          <p:cNvPr id="3" name="내용 개체 틀 2"/>
+          <p:cNvSpPr>
+            <a:spLocks noGrp="1"/>
+          </p:cNvSpPr>
+          <p:nvPr>
+            <p:ph idx="1"/>
+          </p:nvPr>
+        </p:nvSpPr>
+        <p:spPr/>
+        <p:txBody>
+          <a:bodyPr/>
+          <a:lstStyle/>
+          <a:p>
+            <a:r>
+              <a:rPr lang="en-US" altLang="ko-KR" dirty="0"/>
+              <a:t>OS: Windows 10 / 11 (64-bit)</a:t>
+            </a:r>
+          </a:p>
+          <a:p>
+            <a:r>
+              <a:rPr lang="en-US" altLang="ko-KR" dirty="0"/>
+              <a:t>GPU: NVIDIA GeForce </a:t>
+            </a:r>
+            <a:r>
+              <a:rPr lang="ko-KR" altLang="en-US" dirty="0"/>
+              <a:t>계열 </a:t>
+            </a:r>
+            <a:r>
+              <a:rPr lang="en-US" altLang="ko-KR" dirty="0"/>
+              <a:t>(</a:t>
+            </a:r>
+            <a:r>
+              <a:rPr lang="ko-KR" altLang="en-US" dirty="0"/>
+              <a:t>예</a:t>
+            </a:r>
+            <a:r>
+              <a:rPr lang="en-US" altLang="ko-KR" dirty="0"/>
+              <a:t>: RTX 5060 Laptop GPU, 8GB VRAM)</a:t>
+            </a:r>
+          </a:p>
+          <a:p>
+            <a:r>
+              <a:rPr lang="ko-KR" altLang="en-US" dirty="0"/>
+              <a:t>드라이버</a:t>
+            </a:r>
+            <a:r>
+              <a:rPr lang="en-US" altLang="ko-KR" dirty="0"/>
+              <a:t>: </a:t>
+            </a:r>
+            <a:r>
+              <a:rPr lang="ko-KR" altLang="en-US" dirty="0"/>
+              <a:t>최신 </a:t>
+            </a:r>
+            <a:r>
+              <a:rPr lang="en-US" altLang="ko-KR" dirty="0"/>
+              <a:t>NVIDIA </a:t>
+            </a:r>
+            <a:r>
+              <a:rPr lang="ko-KR" altLang="en-US" dirty="0"/>
+              <a:t>그래픽 드라이버</a:t>
+            </a:r>
+          </a:p>
+          <a:p>
+            <a:r>
+              <a:rPr lang="ko-KR" altLang="en-US" dirty="0"/>
+              <a:t>필수 소프트웨어</a:t>
+            </a:r>
+          </a:p>
+          <a:p>
+            <a:pPr lvl="1"/>
+            <a:r>
+              <a:rPr lang="en-US" altLang="ko-KR" u="sng" dirty="0">
+                <a:hlinkClick r:id="rId2"/>
+              </a:rPr>
+              <a:t>Anaconda</a:t>
+            </a:r>
+            <a:r>
+              <a:rPr lang="en-US" altLang="ko-KR" dirty="0"/>
+              <a:t> </a:t>
+            </a:r>
+            <a:r>
+              <a:rPr lang="ko-KR" altLang="en-US" dirty="0"/>
+              <a:t>또는 </a:t>
+            </a:r>
+            <a:r>
+              <a:rPr lang="en-US" altLang="ko-KR" u="sng" dirty="0" err="1">
+                <a:hlinkClick r:id="rId3"/>
+              </a:rPr>
+              <a:t>Miniconda</a:t>
+            </a:r>
+            <a:endParaRPr lang="en-US" altLang="ko-KR" dirty="0"/>
+          </a:p>
+          <a:p>
+            <a:pPr lvl="1"/>
+            <a:r>
+              <a:rPr lang="en-US" altLang="ko-KR" u="sng" dirty="0">
+                <a:hlinkClick r:id="rId4"/>
+              </a:rPr>
+              <a:t>Visual Studio Code</a:t>
+            </a:r>
+            <a:endParaRPr lang="en-US" altLang="ko-KR" dirty="0"/>
+          </a:p>
+        </p:txBody>
+      </p:sp>
+    </p:spTree>
+    <p:extLst>
+      <p:ext uri="{BB962C8B-B14F-4D97-AF65-F5344CB8AC3E}">
+        <p14:creationId xmlns:p14="http://schemas.microsoft.com/office/powerpoint/2010/main" val="3744930771"/>
+      </p:ext>
+    </p:extLst>
+  </p:cSld>
+  <p:clrMapOvr>
+    <a:masterClrMapping/>
+  </p:clrMapOvr>
+  <p:timing>
+    <p:tnLst>
+      <p:par>
+        <p:cTn id="1" dur="indefinite" restart="never" nodeType="tmRoot"/>
+      </p:par>
+    </p:tnLst>
+  </p:timing>
+</p:sld>
+</file>
+
+<file path=ppt/slides/slide3.xml><?xml version="1.0" encoding="utf-8"?>
+<p:sld xmlns:a="http://schemas.openxmlformats.org/drawingml/2006/main" xmlns:r="http://schemas.openxmlformats.org/officeDocument/2006/relationships" xmlns:p="http://schemas.openxmlformats.org/presentationml/2006/main">
+  <p:cSld>
+    <p:spTree>
+      <p:nvGrpSpPr>
+        <p:cNvPr id="1" name=""/>
+        <p:cNvGrpSpPr/>
+        <p:nvPr/>
+      </p:nvGrpSpPr>
+      <p:grpSpPr>
+        <a:xfrm>
+          <a:off x="0" y="0"/>
+          <a:ext cx="0" cy="0"/>
+          <a:chOff x="0" y="0"/>
+          <a:chExt cx="0" cy="0"/>
+        </a:xfrm>
+      </p:grpSpPr>
+      <p:sp>
+        <p:nvSpPr>
+          <p:cNvPr id="2" name="제목 1"/>
+          <p:cNvSpPr>
+            <a:spLocks noGrp="1"/>
+          </p:cNvSpPr>
+          <p:nvPr>
+            <p:ph type="title"/>
+          </p:nvPr>
+        </p:nvSpPr>
+        <p:spPr>
+          <a:xfrm>
+            <a:off x="838200" y="365126"/>
+            <a:ext cx="10515600" cy="833360"/>
+          </a:xfrm>
+        </p:spPr>
+        <p:txBody>
+          <a:bodyPr>
             <a:normAutofit fontScale="90000"/>
           </a:bodyPr>
           <a:lstStyle/>
           <a:p>
             <a:r>
-              <a:rPr lang="en-US" altLang="ko-KR" sz="3300" dirty="0"/>
-              <a:t>5</a:t>
+              <a:rPr lang="en-US" altLang="ko-KR" sz="3300" dirty="0" smtClean="0"/>
+              <a:t>2-1</a:t>
             </a:r>
             <a:r>
               <a:rPr lang="en-US" altLang="ko-KR" sz="3300" dirty="0" smtClean="0"/>
@@ -3158,6 +7002,30 @@
           </a:p>
         </p:txBody>
       </p:sp>
+      <p:pic>
+        <p:nvPicPr>
+          <p:cNvPr id="10" name="그림 9"/>
+          <p:cNvPicPr>
+            <a:picLocks noChangeAspect="1"/>
+          </p:cNvPicPr>
+          <p:nvPr/>
+        </p:nvPicPr>
+        <p:blipFill>
+          <a:blip r:embed="rId2"/>
+          <a:stretch>
+            <a:fillRect/>
+          </a:stretch>
+        </p:blipFill>
+        <p:spPr>
+          <a:xfrm>
+            <a:off x="648810" y="1802167"/>
+            <a:ext cx="5447190" cy="4679260"/>
+          </a:xfrm>
+          <a:prstGeom prst="rect">
+            <a:avLst/>
+          </a:prstGeom>
+        </p:spPr>
+      </p:pic>
       <p:sp>
         <p:nvSpPr>
           <p:cNvPr id="11" name="내용 개체 틀 2"/>
@@ -3348,6 +7216,419 @@
               <a:buFont typeface="Arial" panose="020B0604020202020204" pitchFamily="34" charset="0"/>
               <a:buNone/>
             </a:pPr>
+            <a:r>
+              <a:rPr lang="en-US" altLang="ko-KR" sz="2200" dirty="0" smtClean="0"/>
+              <a:t>Download ZIP </a:t>
+            </a:r>
+            <a:r>
+              <a:rPr lang="ko-KR" altLang="en-US" sz="2200" dirty="0" smtClean="0"/>
+              <a:t>누르기</a:t>
+            </a:r>
+            <a:r>
+              <a:rPr lang="en-US" altLang="ko-KR" sz="2200" dirty="0" smtClean="0"/>
+              <a:t>!</a:t>
+            </a:r>
+          </a:p>
+          <a:p>
+            <a:pPr marL="0" indent="0">
+              <a:buFont typeface="Arial" panose="020B0604020202020204" pitchFamily="34" charset="0"/>
+              <a:buNone/>
+            </a:pPr>
+            <a:r>
+              <a:rPr lang="en-US" altLang="ko-KR" sz="2200" dirty="0" smtClean="0"/>
+              <a:t>-&gt; </a:t>
+            </a:r>
+            <a:r>
+              <a:rPr lang="ko-KR" altLang="en-US" sz="2200" dirty="0" err="1" smtClean="0"/>
+              <a:t>다운로드된</a:t>
+            </a:r>
+            <a:r>
+              <a:rPr lang="ko-KR" altLang="en-US" sz="2200" dirty="0" smtClean="0"/>
+              <a:t> 파일을 내가 원하는 </a:t>
+            </a:r>
+            <a:endParaRPr lang="en-US" altLang="ko-KR" sz="2200" dirty="0" smtClean="0"/>
+          </a:p>
+          <a:p>
+            <a:pPr marL="0" indent="0">
+              <a:buFont typeface="Arial" panose="020B0604020202020204" pitchFamily="34" charset="0"/>
+              <a:buNone/>
+            </a:pPr>
+            <a:r>
+              <a:rPr lang="ko-KR" altLang="en-US" sz="2200" dirty="0" smtClean="0"/>
+              <a:t>위치에서 압축 풀기</a:t>
+            </a:r>
+            <a:r>
+              <a:rPr lang="en-US" altLang="ko-KR" sz="2200" dirty="0" smtClean="0"/>
+              <a:t>!</a:t>
+            </a:r>
+          </a:p>
+          <a:p>
+            <a:pPr marL="0" indent="0">
+              <a:buFont typeface="Arial" panose="020B0604020202020204" pitchFamily="34" charset="0"/>
+              <a:buNone/>
+            </a:pPr>
+            <a:r>
+              <a:rPr lang="en-US" altLang="ko-KR" sz="2200" dirty="0" smtClean="0"/>
+              <a:t>-&gt; </a:t>
+            </a:r>
+            <a:r>
+              <a:rPr lang="ko-KR" altLang="en-US" sz="2200" dirty="0" smtClean="0"/>
+              <a:t>파일 위치 기억</a:t>
+            </a:r>
+            <a:r>
+              <a:rPr lang="en-US" altLang="ko-KR" sz="2200" dirty="0" smtClean="0"/>
+              <a:t>!</a:t>
+            </a:r>
+          </a:p>
+          <a:p>
+            <a:pPr marL="0" indent="0">
+              <a:buFont typeface="Arial" panose="020B0604020202020204" pitchFamily="34" charset="0"/>
+              <a:buNone/>
+            </a:pPr>
+            <a:endParaRPr lang="en-US" altLang="ko-KR" sz="1500" dirty="0" smtClean="0"/>
+          </a:p>
+          <a:p>
+            <a:pPr marL="0" indent="0">
+              <a:buFont typeface="Arial" panose="020B0604020202020204" pitchFamily="34" charset="0"/>
+              <a:buNone/>
+            </a:pPr>
+            <a:endParaRPr lang="ko-KR" altLang="en-US" sz="1500" dirty="0"/>
+          </a:p>
+        </p:txBody>
+      </p:sp>
+    </p:spTree>
+    <p:extLst>
+      <p:ext uri="{BB962C8B-B14F-4D97-AF65-F5344CB8AC3E}">
+        <p14:creationId xmlns:p14="http://schemas.microsoft.com/office/powerpoint/2010/main" val="700058546"/>
+      </p:ext>
+    </p:extLst>
+  </p:cSld>
+  <p:clrMapOvr>
+    <a:masterClrMapping/>
+  </p:clrMapOvr>
+  <p:timing>
+    <p:tnLst>
+      <p:par>
+        <p:cTn id="1" dur="indefinite" restart="never" nodeType="tmRoot"/>
+      </p:par>
+    </p:tnLst>
+  </p:timing>
+</p:sld>
+</file>
+
+<file path=ppt/slides/slide4.xml><?xml version="1.0" encoding="utf-8"?>
+<p:sld xmlns:a="http://schemas.openxmlformats.org/drawingml/2006/main" xmlns:r="http://schemas.openxmlformats.org/officeDocument/2006/relationships" xmlns:p="http://schemas.openxmlformats.org/presentationml/2006/main">
+  <p:cSld>
+    <p:spTree>
+      <p:nvGrpSpPr>
+        <p:cNvPr id="1" name=""/>
+        <p:cNvGrpSpPr/>
+        <p:nvPr/>
+      </p:nvGrpSpPr>
+      <p:grpSpPr>
+        <a:xfrm>
+          <a:off x="0" y="0"/>
+          <a:ext cx="0" cy="0"/>
+          <a:chOff x="0" y="0"/>
+          <a:chExt cx="0" cy="0"/>
+        </a:xfrm>
+      </p:grpSpPr>
+      <p:sp>
+        <p:nvSpPr>
+          <p:cNvPr id="2" name="제목 1"/>
+          <p:cNvSpPr>
+            <a:spLocks noGrp="1"/>
+          </p:cNvSpPr>
+          <p:nvPr>
+            <p:ph type="title"/>
+          </p:nvPr>
+        </p:nvSpPr>
+        <p:spPr>
+          <a:xfrm>
+            <a:off x="838200" y="365126"/>
+            <a:ext cx="10515600" cy="833360"/>
+          </a:xfrm>
+        </p:spPr>
+        <p:txBody>
+          <a:bodyPr>
+            <a:normAutofit fontScale="90000"/>
+          </a:bodyPr>
+          <a:lstStyle/>
+          <a:p>
+            <a:r>
+              <a:rPr lang="en-US" altLang="ko-KR" sz="3300" dirty="0" smtClean="0"/>
+              <a:t>2-1</a:t>
+            </a:r>
+            <a:r>
+              <a:rPr lang="en-US" altLang="ko-KR" sz="3300" dirty="0" smtClean="0"/>
+              <a:t>. </a:t>
+            </a:r>
+            <a:r>
+              <a:rPr lang="en-US" altLang="ko-KR" sz="3300" dirty="0" err="1" smtClean="0"/>
+              <a:t>Git</a:t>
+            </a:r>
+            <a:r>
+              <a:rPr lang="en-US" altLang="ko-KR" sz="3300" dirty="0" smtClean="0"/>
+              <a:t> </a:t>
+            </a:r>
+            <a:r>
+              <a:rPr lang="ko-KR" altLang="en-US" sz="3300" dirty="0" err="1" smtClean="0"/>
+              <a:t>레포지토리</a:t>
+            </a:r>
+            <a:r>
+              <a:rPr lang="ko-KR" altLang="en-US" sz="3300" dirty="0" smtClean="0"/>
+              <a:t> 다운로드하기 </a:t>
+            </a:r>
+            <a:r>
+              <a:rPr lang="en-US" altLang="ko-KR" sz="3300" dirty="0" smtClean="0"/>
+              <a:t/>
+            </a:r>
+            <a:br>
+              <a:rPr lang="en-US" altLang="ko-KR" sz="3300" dirty="0" smtClean="0"/>
+            </a:br>
+            <a:r>
+              <a:rPr lang="en-US" altLang="ko-KR" sz="3300" dirty="0" smtClean="0"/>
+              <a:t>– </a:t>
+            </a:r>
+            <a:r>
+              <a:rPr lang="ko-KR" altLang="en-US" sz="3300" dirty="0" smtClean="0"/>
+              <a:t>노트북에 </a:t>
+            </a:r>
+            <a:r>
+              <a:rPr lang="en-US" altLang="ko-KR" sz="3300" dirty="0" err="1" smtClean="0"/>
+              <a:t>git</a:t>
+            </a:r>
+            <a:r>
+              <a:rPr lang="ko-KR" altLang="en-US" sz="3300" dirty="0" smtClean="0"/>
+              <a:t>이 안 깔려있는 사람</a:t>
+            </a:r>
+            <a:r>
+              <a:rPr lang="en-US" altLang="ko-KR" sz="3300" dirty="0" smtClean="0"/>
+              <a:t>!</a:t>
+            </a:r>
+            <a:endParaRPr lang="ko-KR" altLang="en-US" sz="3300" dirty="0"/>
+          </a:p>
+        </p:txBody>
+      </p:sp>
+      <p:sp>
+        <p:nvSpPr>
+          <p:cNvPr id="8" name="직사각형 7"/>
+          <p:cNvSpPr/>
+          <p:nvPr/>
+        </p:nvSpPr>
+        <p:spPr>
+          <a:xfrm>
+            <a:off x="3544243" y="1255281"/>
+            <a:ext cx="4594528" cy="369332"/>
+          </a:xfrm>
+          <a:prstGeom prst="rect">
+            <a:avLst/>
+          </a:prstGeom>
+        </p:spPr>
+        <p:txBody>
+          <a:bodyPr wrap="none">
+            <a:spAutoFit/>
+          </a:bodyPr>
+          <a:lstStyle/>
+          <a:p>
+            <a:r>
+              <a:rPr lang="ko-KR" altLang="en-US" dirty="0" smtClean="0"/>
+              <a:t>https://github.com/sano820/windows-gpu</a:t>
+            </a:r>
+            <a:endParaRPr lang="ko-KR" altLang="en-US" dirty="0"/>
+          </a:p>
+        </p:txBody>
+      </p:sp>
+      <p:sp>
+        <p:nvSpPr>
+          <p:cNvPr id="11" name="내용 개체 틀 2"/>
+          <p:cNvSpPr txBox="1">
+            <a:spLocks/>
+          </p:cNvSpPr>
+          <p:nvPr/>
+        </p:nvSpPr>
+        <p:spPr>
+          <a:xfrm>
+            <a:off x="7016320" y="2588944"/>
+            <a:ext cx="4870880" cy="3105705"/>
+          </a:xfrm>
+          <a:prstGeom prst="rect">
+            <a:avLst/>
+          </a:prstGeom>
+        </p:spPr>
+        <p:txBody>
+          <a:bodyPr vert="horz" lIns="91440" tIns="45720" rIns="91440" bIns="45720" rtlCol="0">
+            <a:normAutofit/>
+          </a:bodyPr>
+          <a:lstStyle>
+            <a:lvl1pPr marL="228600" indent="-228600" algn="l" defTabSz="914400" rtl="0" eaLnBrk="1" latinLnBrk="1" hangingPunct="1">
+              <a:lnSpc>
+                <a:spcPct val="90000"/>
+              </a:lnSpc>
+              <a:spcBef>
+                <a:spcPts val="1000"/>
+              </a:spcBef>
+              <a:buFont typeface="Arial" panose="020B0604020202020204" pitchFamily="34" charset="0"/>
+              <a:buChar char="•"/>
+              <a:defRPr sz="2800" kern="1200">
+                <a:solidFill>
+                  <a:schemeClr val="tx1"/>
+                </a:solidFill>
+                <a:latin typeface="+mn-lt"/>
+                <a:ea typeface="+mn-ea"/>
+                <a:cs typeface="+mn-cs"/>
+              </a:defRPr>
+            </a:lvl1pPr>
+            <a:lvl2pPr marL="685800" indent="-228600" algn="l" defTabSz="914400" rtl="0" eaLnBrk="1" latinLnBrk="1" hangingPunct="1">
+              <a:lnSpc>
+                <a:spcPct val="90000"/>
+              </a:lnSpc>
+              <a:spcBef>
+                <a:spcPts val="500"/>
+              </a:spcBef>
+              <a:buFont typeface="Arial" panose="020B0604020202020204" pitchFamily="34" charset="0"/>
+              <a:buChar char="•"/>
+              <a:defRPr sz="2400" kern="1200">
+                <a:solidFill>
+                  <a:schemeClr val="tx1"/>
+                </a:solidFill>
+                <a:latin typeface="+mn-lt"/>
+                <a:ea typeface="+mn-ea"/>
+                <a:cs typeface="+mn-cs"/>
+              </a:defRPr>
+            </a:lvl2pPr>
+            <a:lvl3pPr marL="1143000" indent="-228600" algn="l" defTabSz="914400" rtl="0" eaLnBrk="1" latinLnBrk="1" hangingPunct="1">
+              <a:lnSpc>
+                <a:spcPct val="90000"/>
+              </a:lnSpc>
+              <a:spcBef>
+                <a:spcPts val="500"/>
+              </a:spcBef>
+              <a:buFont typeface="Arial" panose="020B0604020202020204" pitchFamily="34" charset="0"/>
+              <a:buChar char="•"/>
+              <a:defRPr sz="2000" kern="1200">
+                <a:solidFill>
+                  <a:schemeClr val="tx1"/>
+                </a:solidFill>
+                <a:latin typeface="+mn-lt"/>
+                <a:ea typeface="+mn-ea"/>
+                <a:cs typeface="+mn-cs"/>
+              </a:defRPr>
+            </a:lvl3pPr>
+            <a:lvl4pPr marL="1600200" indent="-228600" algn="l" defTabSz="914400" rtl="0" eaLnBrk="1" latinLnBrk="1" hangingPunct="1">
+              <a:lnSpc>
+                <a:spcPct val="90000"/>
+              </a:lnSpc>
+              <a:spcBef>
+                <a:spcPts val="500"/>
+              </a:spcBef>
+              <a:buFont typeface="Arial" panose="020B0604020202020204" pitchFamily="34" charset="0"/>
+              <a:buChar char="•"/>
+              <a:defRPr sz="1800" kern="1200">
+                <a:solidFill>
+                  <a:schemeClr val="tx1"/>
+                </a:solidFill>
+                <a:latin typeface="+mn-lt"/>
+                <a:ea typeface="+mn-ea"/>
+                <a:cs typeface="+mn-cs"/>
+              </a:defRPr>
+            </a:lvl4pPr>
+            <a:lvl5pPr marL="2057400" indent="-228600" algn="l" defTabSz="914400" rtl="0" eaLnBrk="1" latinLnBrk="1" hangingPunct="1">
+              <a:lnSpc>
+                <a:spcPct val="90000"/>
+              </a:lnSpc>
+              <a:spcBef>
+                <a:spcPts val="500"/>
+              </a:spcBef>
+              <a:buFont typeface="Arial" panose="020B0604020202020204" pitchFamily="34" charset="0"/>
+              <a:buChar char="•"/>
+              <a:defRPr sz="1800" kern="1200">
+                <a:solidFill>
+                  <a:schemeClr val="tx1"/>
+                </a:solidFill>
+                <a:latin typeface="+mn-lt"/>
+                <a:ea typeface="+mn-ea"/>
+                <a:cs typeface="+mn-cs"/>
+              </a:defRPr>
+            </a:lvl5pPr>
+            <a:lvl6pPr marL="2514600" indent="-228600" algn="l" defTabSz="914400" rtl="0" eaLnBrk="1" latinLnBrk="1" hangingPunct="1">
+              <a:lnSpc>
+                <a:spcPct val="90000"/>
+              </a:lnSpc>
+              <a:spcBef>
+                <a:spcPts val="500"/>
+              </a:spcBef>
+              <a:buFont typeface="Arial" panose="020B0604020202020204" pitchFamily="34" charset="0"/>
+              <a:buChar char="•"/>
+              <a:defRPr sz="1800" kern="1200">
+                <a:solidFill>
+                  <a:schemeClr val="tx1"/>
+                </a:solidFill>
+                <a:latin typeface="+mn-lt"/>
+                <a:ea typeface="+mn-ea"/>
+                <a:cs typeface="+mn-cs"/>
+              </a:defRPr>
+            </a:lvl6pPr>
+            <a:lvl7pPr marL="2971800" indent="-228600" algn="l" defTabSz="914400" rtl="0" eaLnBrk="1" latinLnBrk="1" hangingPunct="1">
+              <a:lnSpc>
+                <a:spcPct val="90000"/>
+              </a:lnSpc>
+              <a:spcBef>
+                <a:spcPts val="500"/>
+              </a:spcBef>
+              <a:buFont typeface="Arial" panose="020B0604020202020204" pitchFamily="34" charset="0"/>
+              <a:buChar char="•"/>
+              <a:defRPr sz="1800" kern="1200">
+                <a:solidFill>
+                  <a:schemeClr val="tx1"/>
+                </a:solidFill>
+                <a:latin typeface="+mn-lt"/>
+                <a:ea typeface="+mn-ea"/>
+                <a:cs typeface="+mn-cs"/>
+              </a:defRPr>
+            </a:lvl7pPr>
+            <a:lvl8pPr marL="3429000" indent="-228600" algn="l" defTabSz="914400" rtl="0" eaLnBrk="1" latinLnBrk="1" hangingPunct="1">
+              <a:lnSpc>
+                <a:spcPct val="90000"/>
+              </a:lnSpc>
+              <a:spcBef>
+                <a:spcPts val="500"/>
+              </a:spcBef>
+              <a:buFont typeface="Arial" panose="020B0604020202020204" pitchFamily="34" charset="0"/>
+              <a:buChar char="•"/>
+              <a:defRPr sz="1800" kern="1200">
+                <a:solidFill>
+                  <a:schemeClr val="tx1"/>
+                </a:solidFill>
+                <a:latin typeface="+mn-lt"/>
+                <a:ea typeface="+mn-ea"/>
+                <a:cs typeface="+mn-cs"/>
+              </a:defRPr>
+            </a:lvl8pPr>
+            <a:lvl9pPr marL="3886200" indent="-228600" algn="l" defTabSz="914400" rtl="0" eaLnBrk="1" latinLnBrk="1" hangingPunct="1">
+              <a:lnSpc>
+                <a:spcPct val="90000"/>
+              </a:lnSpc>
+              <a:spcBef>
+                <a:spcPts val="500"/>
+              </a:spcBef>
+              <a:buFont typeface="Arial" panose="020B0604020202020204" pitchFamily="34" charset="0"/>
+              <a:buChar char="•"/>
+              <a:defRPr sz="1800" kern="1200">
+                <a:solidFill>
+                  <a:schemeClr val="tx1"/>
+                </a:solidFill>
+                <a:latin typeface="+mn-lt"/>
+                <a:ea typeface="+mn-ea"/>
+                <a:cs typeface="+mn-cs"/>
+              </a:defRPr>
+            </a:lvl9pPr>
+          </a:lstStyle>
+          <a:p>
+            <a:pPr marL="0" indent="0">
+              <a:buFont typeface="Arial" panose="020B0604020202020204" pitchFamily="34" charset="0"/>
+              <a:buNone/>
+            </a:pPr>
             <a:endParaRPr lang="en-US" altLang="ko-KR" sz="2200" dirty="0" smtClean="0"/>
           </a:p>
           <a:p>
@@ -3360,12 +7641,16 @@
               <a:t>Anaconda </a:t>
             </a:r>
             <a:r>
-              <a:rPr lang="en-US" altLang="ko-KR" sz="1500" dirty="0" err="1" smtClean="0"/>
-              <a:t>promp</a:t>
+              <a:rPr lang="en-US" altLang="ko-KR" sz="1500" dirty="0" smtClean="0"/>
+              <a:t>prompt</a:t>
             </a:r>
             <a:r>
               <a:rPr lang="ko-KR" altLang="en-US" sz="1500" dirty="0" smtClean="0"/>
-              <a:t>에서 내가 저장하고 </a:t>
+              <a:t>에서 </a:t>
+            </a:r>
+            <a:r>
+              <a:rPr lang="ko-KR" altLang="en-US" sz="1500" dirty="0" smtClean="0"/>
+              <a:t>내가 저장하고 </a:t>
             </a:r>
             <a:endParaRPr lang="en-US" altLang="ko-KR" sz="1500" dirty="0" smtClean="0"/>
           </a:p>
@@ -3478,7 +7763,7 @@
 </p:sld>
 </file>
 
-<file path=ppt/slides/slide11.xml><?xml version="1.0" encoding="utf-8"?>
+<file path=ppt/slides/slide5.xml><?xml version="1.0" encoding="utf-8"?>
 <p:sld xmlns:a="http://schemas.openxmlformats.org/drawingml/2006/main" xmlns:r="http://schemas.openxmlformats.org/officeDocument/2006/relationships" xmlns:p="http://schemas.openxmlformats.org/presentationml/2006/main">
   <p:cSld>
     <p:spTree>
@@ -3518,8 +7803,8 @@
           <a:lstStyle/>
           <a:p>
             <a:r>
-              <a:rPr lang="en-US" altLang="ko-KR" sz="3300" dirty="0"/>
-              <a:t>5</a:t>
+              <a:rPr lang="en-US" altLang="ko-KR" sz="3300" dirty="0" smtClean="0"/>
+              <a:t>2-2</a:t>
             </a:r>
             <a:r>
               <a:rPr lang="en-US" altLang="ko-KR" sz="3300" dirty="0" smtClean="0"/>
@@ -3890,7 +8175,7 @@
 </p:sld>
 </file>
 
-<file path=ppt/slides/slide12.xml><?xml version="1.0" encoding="utf-8"?>
+<file path=ppt/slides/slide6.xml><?xml version="1.0" encoding="utf-8"?>
 <p:sld xmlns:a="http://schemas.openxmlformats.org/drawingml/2006/main" xmlns:r="http://schemas.openxmlformats.org/officeDocument/2006/relationships" xmlns:p="http://schemas.openxmlformats.org/presentationml/2006/main">
   <p:cSld>
     <p:spTree>
@@ -3930,8 +8215,8 @@
           <a:lstStyle/>
           <a:p>
             <a:r>
-              <a:rPr lang="en-US" altLang="ko-KR" sz="3300" dirty="0"/>
-              <a:t>5</a:t>
+              <a:rPr lang="en-US" altLang="ko-KR" sz="3300" dirty="0" smtClean="0"/>
+              <a:t>2-2</a:t>
             </a:r>
             <a:r>
               <a:rPr lang="en-US" altLang="ko-KR" sz="3300" dirty="0" smtClean="0"/>
@@ -4329,7 +8614,7 @@
 </p:sld>
 </file>
 
-<file path=ppt/slides/slide13.xml><?xml version="1.0" encoding="utf-8"?>
+<file path=ppt/slides/slide7.xml><?xml version="1.0" encoding="utf-8"?>
 <p:sld xmlns:a="http://schemas.openxmlformats.org/drawingml/2006/main" xmlns:r="http://schemas.openxmlformats.org/officeDocument/2006/relationships" xmlns:p="http://schemas.openxmlformats.org/presentationml/2006/main">
   <p:cSld>
     <p:spTree>
@@ -4369,8 +8654,8 @@
           <a:lstStyle/>
           <a:p>
             <a:r>
-              <a:rPr lang="en-US" altLang="ko-KR" sz="3300" dirty="0"/>
-              <a:t>5</a:t>
+              <a:rPr lang="en-US" altLang="ko-KR" sz="3300" dirty="0" smtClean="0"/>
+              <a:t>2-2</a:t>
             </a:r>
             <a:r>
               <a:rPr lang="en-US" altLang="ko-KR" sz="3300" dirty="0" smtClean="0"/>
@@ -4795,7 +9080,7 @@
 </p:sld>
 </file>
 
-<file path=ppt/slides/slide14.xml><?xml version="1.0" encoding="utf-8"?>
+<file path=ppt/slides/slide8.xml><?xml version="1.0" encoding="utf-8"?>
 <p:sld xmlns:a="http://schemas.openxmlformats.org/drawingml/2006/main" xmlns:r="http://schemas.openxmlformats.org/officeDocument/2006/relationships" xmlns:p="http://schemas.openxmlformats.org/presentationml/2006/main">
   <p:cSld>
     <p:spTree>
@@ -4835,2624 +9120,12 @@
           <a:lstStyle/>
           <a:p>
             <a:r>
-              <a:rPr lang="en-US" altLang="ko-KR" sz="3300" dirty="0" smtClean="0"/>
-              <a:t>6. GPU </a:t>
-            </a:r>
-            <a:r>
-              <a:rPr lang="ko-KR" altLang="en-US" sz="3300" dirty="0" smtClean="0"/>
-              <a:t>사용 가능한지 확인</a:t>
-            </a:r>
-            <a:endParaRPr lang="ko-KR" altLang="en-US" sz="3300" dirty="0"/>
-          </a:p>
-        </p:txBody>
-      </p:sp>
-      <p:sp>
-        <p:nvSpPr>
-          <p:cNvPr id="11" name="내용 개체 틀 2"/>
-          <p:cNvSpPr txBox="1">
-            <a:spLocks/>
-          </p:cNvSpPr>
-          <p:nvPr/>
-        </p:nvSpPr>
-        <p:spPr>
-          <a:xfrm>
-            <a:off x="753862" y="1773430"/>
-            <a:ext cx="10599938" cy="632420"/>
-          </a:xfrm>
-          <a:prstGeom prst="rect">
-            <a:avLst/>
-          </a:prstGeom>
-        </p:spPr>
-        <p:txBody>
-          <a:bodyPr vert="horz" lIns="91440" tIns="45720" rIns="91440" bIns="45720" rtlCol="0">
-            <a:normAutofit fontScale="92500" lnSpcReduction="20000"/>
-          </a:bodyPr>
-          <a:lstStyle>
-            <a:lvl1pPr marL="228600" indent="-228600" algn="l" defTabSz="914400" rtl="0" eaLnBrk="1" latinLnBrk="1" hangingPunct="1">
-              <a:lnSpc>
-                <a:spcPct val="90000"/>
-              </a:lnSpc>
-              <a:spcBef>
-                <a:spcPts val="1000"/>
-              </a:spcBef>
-              <a:buFont typeface="Arial" panose="020B0604020202020204" pitchFamily="34" charset="0"/>
-              <a:buChar char="•"/>
-              <a:defRPr sz="2800" kern="1200">
-                <a:solidFill>
-                  <a:schemeClr val="tx1"/>
-                </a:solidFill>
-                <a:latin typeface="+mn-lt"/>
-                <a:ea typeface="+mn-ea"/>
-                <a:cs typeface="+mn-cs"/>
-              </a:defRPr>
-            </a:lvl1pPr>
-            <a:lvl2pPr marL="685800" indent="-228600" algn="l" defTabSz="914400" rtl="0" eaLnBrk="1" latinLnBrk="1" hangingPunct="1">
-              <a:lnSpc>
-                <a:spcPct val="90000"/>
-              </a:lnSpc>
-              <a:spcBef>
-                <a:spcPts val="500"/>
-              </a:spcBef>
-              <a:buFont typeface="Arial" panose="020B0604020202020204" pitchFamily="34" charset="0"/>
-              <a:buChar char="•"/>
-              <a:defRPr sz="2400" kern="1200">
-                <a:solidFill>
-                  <a:schemeClr val="tx1"/>
-                </a:solidFill>
-                <a:latin typeface="+mn-lt"/>
-                <a:ea typeface="+mn-ea"/>
-                <a:cs typeface="+mn-cs"/>
-              </a:defRPr>
-            </a:lvl2pPr>
-            <a:lvl3pPr marL="1143000" indent="-228600" algn="l" defTabSz="914400" rtl="0" eaLnBrk="1" latinLnBrk="1" hangingPunct="1">
-              <a:lnSpc>
-                <a:spcPct val="90000"/>
-              </a:lnSpc>
-              <a:spcBef>
-                <a:spcPts val="500"/>
-              </a:spcBef>
-              <a:buFont typeface="Arial" panose="020B0604020202020204" pitchFamily="34" charset="0"/>
-              <a:buChar char="•"/>
-              <a:defRPr sz="2000" kern="1200">
-                <a:solidFill>
-                  <a:schemeClr val="tx1"/>
-                </a:solidFill>
-                <a:latin typeface="+mn-lt"/>
-                <a:ea typeface="+mn-ea"/>
-                <a:cs typeface="+mn-cs"/>
-              </a:defRPr>
-            </a:lvl3pPr>
-            <a:lvl4pPr marL="1600200" indent="-228600" algn="l" defTabSz="914400" rtl="0" eaLnBrk="1" latinLnBrk="1" hangingPunct="1">
-              <a:lnSpc>
-                <a:spcPct val="90000"/>
-              </a:lnSpc>
-              <a:spcBef>
-                <a:spcPts val="500"/>
-              </a:spcBef>
-              <a:buFont typeface="Arial" panose="020B0604020202020204" pitchFamily="34" charset="0"/>
-              <a:buChar char="•"/>
-              <a:defRPr sz="1800" kern="1200">
-                <a:solidFill>
-                  <a:schemeClr val="tx1"/>
-                </a:solidFill>
-                <a:latin typeface="+mn-lt"/>
-                <a:ea typeface="+mn-ea"/>
-                <a:cs typeface="+mn-cs"/>
-              </a:defRPr>
-            </a:lvl4pPr>
-            <a:lvl5pPr marL="2057400" indent="-228600" algn="l" defTabSz="914400" rtl="0" eaLnBrk="1" latinLnBrk="1" hangingPunct="1">
-              <a:lnSpc>
-                <a:spcPct val="90000"/>
-              </a:lnSpc>
-              <a:spcBef>
-                <a:spcPts val="500"/>
-              </a:spcBef>
-              <a:buFont typeface="Arial" panose="020B0604020202020204" pitchFamily="34" charset="0"/>
-              <a:buChar char="•"/>
-              <a:defRPr sz="1800" kern="1200">
-                <a:solidFill>
-                  <a:schemeClr val="tx1"/>
-                </a:solidFill>
-                <a:latin typeface="+mn-lt"/>
-                <a:ea typeface="+mn-ea"/>
-                <a:cs typeface="+mn-cs"/>
-              </a:defRPr>
-            </a:lvl5pPr>
-            <a:lvl6pPr marL="2514600" indent="-228600" algn="l" defTabSz="914400" rtl="0" eaLnBrk="1" latinLnBrk="1" hangingPunct="1">
-              <a:lnSpc>
-                <a:spcPct val="90000"/>
-              </a:lnSpc>
-              <a:spcBef>
-                <a:spcPts val="500"/>
-              </a:spcBef>
-              <a:buFont typeface="Arial" panose="020B0604020202020204" pitchFamily="34" charset="0"/>
-              <a:buChar char="•"/>
-              <a:defRPr sz="1800" kern="1200">
-                <a:solidFill>
-                  <a:schemeClr val="tx1"/>
-                </a:solidFill>
-                <a:latin typeface="+mn-lt"/>
-                <a:ea typeface="+mn-ea"/>
-                <a:cs typeface="+mn-cs"/>
-              </a:defRPr>
-            </a:lvl6pPr>
-            <a:lvl7pPr marL="2971800" indent="-228600" algn="l" defTabSz="914400" rtl="0" eaLnBrk="1" latinLnBrk="1" hangingPunct="1">
-              <a:lnSpc>
-                <a:spcPct val="90000"/>
-              </a:lnSpc>
-              <a:spcBef>
-                <a:spcPts val="500"/>
-              </a:spcBef>
-              <a:buFont typeface="Arial" panose="020B0604020202020204" pitchFamily="34" charset="0"/>
-              <a:buChar char="•"/>
-              <a:defRPr sz="1800" kern="1200">
-                <a:solidFill>
-                  <a:schemeClr val="tx1"/>
-                </a:solidFill>
-                <a:latin typeface="+mn-lt"/>
-                <a:ea typeface="+mn-ea"/>
-                <a:cs typeface="+mn-cs"/>
-              </a:defRPr>
-            </a:lvl7pPr>
-            <a:lvl8pPr marL="3429000" indent="-228600" algn="l" defTabSz="914400" rtl="0" eaLnBrk="1" latinLnBrk="1" hangingPunct="1">
-              <a:lnSpc>
-                <a:spcPct val="90000"/>
-              </a:lnSpc>
-              <a:spcBef>
-                <a:spcPts val="500"/>
-              </a:spcBef>
-              <a:buFont typeface="Arial" panose="020B0604020202020204" pitchFamily="34" charset="0"/>
-              <a:buChar char="•"/>
-              <a:defRPr sz="1800" kern="1200">
-                <a:solidFill>
-                  <a:schemeClr val="tx1"/>
-                </a:solidFill>
-                <a:latin typeface="+mn-lt"/>
-                <a:ea typeface="+mn-ea"/>
-                <a:cs typeface="+mn-cs"/>
-              </a:defRPr>
-            </a:lvl8pPr>
-            <a:lvl9pPr marL="3886200" indent="-228600" algn="l" defTabSz="914400" rtl="0" eaLnBrk="1" latinLnBrk="1" hangingPunct="1">
-              <a:lnSpc>
-                <a:spcPct val="90000"/>
-              </a:lnSpc>
-              <a:spcBef>
-                <a:spcPts val="500"/>
-              </a:spcBef>
-              <a:buFont typeface="Arial" panose="020B0604020202020204" pitchFamily="34" charset="0"/>
-              <a:buChar char="•"/>
-              <a:defRPr sz="1800" kern="1200">
-                <a:solidFill>
-                  <a:schemeClr val="tx1"/>
-                </a:solidFill>
-                <a:latin typeface="+mn-lt"/>
-                <a:ea typeface="+mn-ea"/>
-                <a:cs typeface="+mn-cs"/>
-              </a:defRPr>
-            </a:lvl9pPr>
-          </a:lstStyle>
-          <a:p>
-            <a:pPr marL="0" indent="0">
-              <a:buNone/>
-            </a:pPr>
-            <a:r>
-              <a:rPr lang="en-US" altLang="ko-KR" sz="2500" dirty="0"/>
-              <a:t>p</a:t>
-            </a:r>
-            <a:r>
-              <a:rPr lang="en-US" altLang="ko-KR" sz="2500" dirty="0" smtClean="0"/>
-              <a:t>ython check_gpu.py </a:t>
-            </a:r>
-          </a:p>
-          <a:p>
-            <a:pPr marL="0" indent="0">
-              <a:buNone/>
-            </a:pPr>
-            <a:r>
-              <a:rPr lang="en-US" altLang="ko-KR" sz="1500" dirty="0" smtClean="0"/>
-              <a:t> </a:t>
-            </a:r>
-          </a:p>
-          <a:p>
-            <a:pPr marL="0" indent="0">
-              <a:buFont typeface="Arial" panose="020B0604020202020204" pitchFamily="34" charset="0"/>
-              <a:buNone/>
-            </a:pPr>
-            <a:endParaRPr lang="ko-KR" altLang="en-US" sz="1500" dirty="0"/>
-          </a:p>
-        </p:txBody>
-      </p:sp>
-      <p:pic>
-        <p:nvPicPr>
-          <p:cNvPr id="4" name="그림 3"/>
-          <p:cNvPicPr>
-            <a:picLocks noChangeAspect="1"/>
-          </p:cNvPicPr>
-          <p:nvPr/>
-        </p:nvPicPr>
-        <p:blipFill>
-          <a:blip r:embed="rId2"/>
-          <a:stretch>
-            <a:fillRect/>
-          </a:stretch>
-        </p:blipFill>
-        <p:spPr>
-          <a:xfrm>
-            <a:off x="378780" y="2603846"/>
-            <a:ext cx="11434439" cy="2804403"/>
-          </a:xfrm>
-          <a:prstGeom prst="rect">
-            <a:avLst/>
-          </a:prstGeom>
-        </p:spPr>
-      </p:pic>
-      <p:sp>
-        <p:nvSpPr>
-          <p:cNvPr id="9" name="내용 개체 틀 2"/>
-          <p:cNvSpPr txBox="1">
-            <a:spLocks/>
-          </p:cNvSpPr>
-          <p:nvPr/>
-        </p:nvSpPr>
-        <p:spPr>
-          <a:xfrm>
-            <a:off x="753862" y="5606245"/>
-            <a:ext cx="10599938" cy="632420"/>
-          </a:xfrm>
-          <a:prstGeom prst="rect">
-            <a:avLst/>
-          </a:prstGeom>
-        </p:spPr>
-        <p:txBody>
-          <a:bodyPr vert="horz" lIns="91440" tIns="45720" rIns="91440" bIns="45720" rtlCol="0">
-            <a:normAutofit fontScale="92500" lnSpcReduction="20000"/>
-          </a:bodyPr>
-          <a:lstStyle>
-            <a:lvl1pPr marL="228600" indent="-228600" algn="l" defTabSz="914400" rtl="0" eaLnBrk="1" latinLnBrk="1" hangingPunct="1">
-              <a:lnSpc>
-                <a:spcPct val="90000"/>
-              </a:lnSpc>
-              <a:spcBef>
-                <a:spcPts val="1000"/>
-              </a:spcBef>
-              <a:buFont typeface="Arial" panose="020B0604020202020204" pitchFamily="34" charset="0"/>
-              <a:buChar char="•"/>
-              <a:defRPr sz="2800" kern="1200">
-                <a:solidFill>
-                  <a:schemeClr val="tx1"/>
-                </a:solidFill>
-                <a:latin typeface="+mn-lt"/>
-                <a:ea typeface="+mn-ea"/>
-                <a:cs typeface="+mn-cs"/>
-              </a:defRPr>
-            </a:lvl1pPr>
-            <a:lvl2pPr marL="685800" indent="-228600" algn="l" defTabSz="914400" rtl="0" eaLnBrk="1" latinLnBrk="1" hangingPunct="1">
-              <a:lnSpc>
-                <a:spcPct val="90000"/>
-              </a:lnSpc>
-              <a:spcBef>
-                <a:spcPts val="500"/>
-              </a:spcBef>
-              <a:buFont typeface="Arial" panose="020B0604020202020204" pitchFamily="34" charset="0"/>
-              <a:buChar char="•"/>
-              <a:defRPr sz="2400" kern="1200">
-                <a:solidFill>
-                  <a:schemeClr val="tx1"/>
-                </a:solidFill>
-                <a:latin typeface="+mn-lt"/>
-                <a:ea typeface="+mn-ea"/>
-                <a:cs typeface="+mn-cs"/>
-              </a:defRPr>
-            </a:lvl2pPr>
-            <a:lvl3pPr marL="1143000" indent="-228600" algn="l" defTabSz="914400" rtl="0" eaLnBrk="1" latinLnBrk="1" hangingPunct="1">
-              <a:lnSpc>
-                <a:spcPct val="90000"/>
-              </a:lnSpc>
-              <a:spcBef>
-                <a:spcPts val="500"/>
-              </a:spcBef>
-              <a:buFont typeface="Arial" panose="020B0604020202020204" pitchFamily="34" charset="0"/>
-              <a:buChar char="•"/>
-              <a:defRPr sz="2000" kern="1200">
-                <a:solidFill>
-                  <a:schemeClr val="tx1"/>
-                </a:solidFill>
-                <a:latin typeface="+mn-lt"/>
-                <a:ea typeface="+mn-ea"/>
-                <a:cs typeface="+mn-cs"/>
-              </a:defRPr>
-            </a:lvl3pPr>
-            <a:lvl4pPr marL="1600200" indent="-228600" algn="l" defTabSz="914400" rtl="0" eaLnBrk="1" latinLnBrk="1" hangingPunct="1">
-              <a:lnSpc>
-                <a:spcPct val="90000"/>
-              </a:lnSpc>
-              <a:spcBef>
-                <a:spcPts val="500"/>
-              </a:spcBef>
-              <a:buFont typeface="Arial" panose="020B0604020202020204" pitchFamily="34" charset="0"/>
-              <a:buChar char="•"/>
-              <a:defRPr sz="1800" kern="1200">
-                <a:solidFill>
-                  <a:schemeClr val="tx1"/>
-                </a:solidFill>
-                <a:latin typeface="+mn-lt"/>
-                <a:ea typeface="+mn-ea"/>
-                <a:cs typeface="+mn-cs"/>
-              </a:defRPr>
-            </a:lvl4pPr>
-            <a:lvl5pPr marL="2057400" indent="-228600" algn="l" defTabSz="914400" rtl="0" eaLnBrk="1" latinLnBrk="1" hangingPunct="1">
-              <a:lnSpc>
-                <a:spcPct val="90000"/>
-              </a:lnSpc>
-              <a:spcBef>
-                <a:spcPts val="500"/>
-              </a:spcBef>
-              <a:buFont typeface="Arial" panose="020B0604020202020204" pitchFamily="34" charset="0"/>
-              <a:buChar char="•"/>
-              <a:defRPr sz="1800" kern="1200">
-                <a:solidFill>
-                  <a:schemeClr val="tx1"/>
-                </a:solidFill>
-                <a:latin typeface="+mn-lt"/>
-                <a:ea typeface="+mn-ea"/>
-                <a:cs typeface="+mn-cs"/>
-              </a:defRPr>
-            </a:lvl5pPr>
-            <a:lvl6pPr marL="2514600" indent="-228600" algn="l" defTabSz="914400" rtl="0" eaLnBrk="1" latinLnBrk="1" hangingPunct="1">
-              <a:lnSpc>
-                <a:spcPct val="90000"/>
-              </a:lnSpc>
-              <a:spcBef>
-                <a:spcPts val="500"/>
-              </a:spcBef>
-              <a:buFont typeface="Arial" panose="020B0604020202020204" pitchFamily="34" charset="0"/>
-              <a:buChar char="•"/>
-              <a:defRPr sz="1800" kern="1200">
-                <a:solidFill>
-                  <a:schemeClr val="tx1"/>
-                </a:solidFill>
-                <a:latin typeface="+mn-lt"/>
-                <a:ea typeface="+mn-ea"/>
-                <a:cs typeface="+mn-cs"/>
-              </a:defRPr>
-            </a:lvl6pPr>
-            <a:lvl7pPr marL="2971800" indent="-228600" algn="l" defTabSz="914400" rtl="0" eaLnBrk="1" latinLnBrk="1" hangingPunct="1">
-              <a:lnSpc>
-                <a:spcPct val="90000"/>
-              </a:lnSpc>
-              <a:spcBef>
-                <a:spcPts val="500"/>
-              </a:spcBef>
-              <a:buFont typeface="Arial" panose="020B0604020202020204" pitchFamily="34" charset="0"/>
-              <a:buChar char="•"/>
-              <a:defRPr sz="1800" kern="1200">
-                <a:solidFill>
-                  <a:schemeClr val="tx1"/>
-                </a:solidFill>
-                <a:latin typeface="+mn-lt"/>
-                <a:ea typeface="+mn-ea"/>
-                <a:cs typeface="+mn-cs"/>
-              </a:defRPr>
-            </a:lvl7pPr>
-            <a:lvl8pPr marL="3429000" indent="-228600" algn="l" defTabSz="914400" rtl="0" eaLnBrk="1" latinLnBrk="1" hangingPunct="1">
-              <a:lnSpc>
-                <a:spcPct val="90000"/>
-              </a:lnSpc>
-              <a:spcBef>
-                <a:spcPts val="500"/>
-              </a:spcBef>
-              <a:buFont typeface="Arial" panose="020B0604020202020204" pitchFamily="34" charset="0"/>
-              <a:buChar char="•"/>
-              <a:defRPr sz="1800" kern="1200">
-                <a:solidFill>
-                  <a:schemeClr val="tx1"/>
-                </a:solidFill>
-                <a:latin typeface="+mn-lt"/>
-                <a:ea typeface="+mn-ea"/>
-                <a:cs typeface="+mn-cs"/>
-              </a:defRPr>
-            </a:lvl8pPr>
-            <a:lvl9pPr marL="3886200" indent="-228600" algn="l" defTabSz="914400" rtl="0" eaLnBrk="1" latinLnBrk="1" hangingPunct="1">
-              <a:lnSpc>
-                <a:spcPct val="90000"/>
-              </a:lnSpc>
-              <a:spcBef>
-                <a:spcPts val="500"/>
-              </a:spcBef>
-              <a:buFont typeface="Arial" panose="020B0604020202020204" pitchFamily="34" charset="0"/>
-              <a:buChar char="•"/>
-              <a:defRPr sz="1800" kern="1200">
-                <a:solidFill>
-                  <a:schemeClr val="tx1"/>
-                </a:solidFill>
-                <a:latin typeface="+mn-lt"/>
-                <a:ea typeface="+mn-ea"/>
-                <a:cs typeface="+mn-cs"/>
-              </a:defRPr>
-            </a:lvl9pPr>
-          </a:lstStyle>
-          <a:p>
-            <a:pPr marL="0" indent="0">
-              <a:buNone/>
-            </a:pPr>
-            <a:r>
-              <a:rPr lang="ko-KR" altLang="en-US" sz="2500" dirty="0" smtClean="0"/>
-              <a:t>이렇게 비슷하게 뜨면 성공</a:t>
-            </a:r>
-            <a:r>
-              <a:rPr lang="en-US" altLang="ko-KR" sz="2500" dirty="0" smtClean="0"/>
-              <a:t>! </a:t>
-            </a:r>
-          </a:p>
-          <a:p>
-            <a:pPr marL="0" indent="0">
-              <a:buNone/>
-            </a:pPr>
-            <a:r>
-              <a:rPr lang="en-US" altLang="ko-KR" sz="1500" dirty="0" smtClean="0"/>
-              <a:t> </a:t>
-            </a:r>
-          </a:p>
-          <a:p>
-            <a:pPr marL="0" indent="0">
-              <a:buFont typeface="Arial" panose="020B0604020202020204" pitchFamily="34" charset="0"/>
-              <a:buNone/>
-            </a:pPr>
-            <a:endParaRPr lang="ko-KR" altLang="en-US" sz="1500" dirty="0"/>
-          </a:p>
-        </p:txBody>
-      </p:sp>
-    </p:spTree>
-    <p:extLst>
-      <p:ext uri="{BB962C8B-B14F-4D97-AF65-F5344CB8AC3E}">
-        <p14:creationId xmlns:p14="http://schemas.microsoft.com/office/powerpoint/2010/main" val="2456937751"/>
-      </p:ext>
-    </p:extLst>
-  </p:cSld>
-  <p:clrMapOvr>
-    <a:masterClrMapping/>
-  </p:clrMapOvr>
-  <p:timing>
-    <p:tnLst>
-      <p:par>
-        <p:cTn id="1" dur="indefinite" restart="never" nodeType="tmRoot"/>
-      </p:par>
-    </p:tnLst>
-  </p:timing>
-</p:sld>
-</file>
-
-<file path=ppt/slides/slide15.xml><?xml version="1.0" encoding="utf-8"?>
-<p:sld xmlns:a="http://schemas.openxmlformats.org/drawingml/2006/main" xmlns:r="http://schemas.openxmlformats.org/officeDocument/2006/relationships" xmlns:p="http://schemas.openxmlformats.org/presentationml/2006/main">
-  <p:cSld>
-    <p:spTree>
-      <p:nvGrpSpPr>
-        <p:cNvPr id="1" name=""/>
-        <p:cNvGrpSpPr/>
-        <p:nvPr/>
-      </p:nvGrpSpPr>
-      <p:grpSpPr>
-        <a:xfrm>
-          <a:off x="0" y="0"/>
-          <a:ext cx="0" cy="0"/>
-          <a:chOff x="0" y="0"/>
-          <a:chExt cx="0" cy="0"/>
-        </a:xfrm>
-      </p:grpSpPr>
-      <p:sp>
-        <p:nvSpPr>
-          <p:cNvPr id="2" name="제목 1"/>
-          <p:cNvSpPr>
-            <a:spLocks noGrp="1"/>
-          </p:cNvSpPr>
-          <p:nvPr>
-            <p:ph type="title"/>
-          </p:nvPr>
-        </p:nvSpPr>
-        <p:spPr>
-          <a:xfrm>
-            <a:off x="838200" y="365126"/>
-            <a:ext cx="10515600" cy="833360"/>
-          </a:xfrm>
-        </p:spPr>
-        <p:txBody>
-          <a:bodyPr>
-            <a:normAutofit/>
-          </a:bodyPr>
-          <a:lstStyle/>
-          <a:p>
-            <a:r>
               <a:rPr lang="en-US" altLang="ko-KR" sz="3300" dirty="0"/>
-              <a:t>7</a:t>
+              <a:t>3</a:t>
             </a:r>
             <a:r>
               <a:rPr lang="en-US" altLang="ko-KR" sz="3300" dirty="0" smtClean="0"/>
               <a:t>. </a:t>
-            </a:r>
-            <a:r>
-              <a:rPr lang="ko-KR" altLang="en-US" sz="3300" dirty="0" smtClean="0"/>
-              <a:t>실습을 위한 라이브러리 설치</a:t>
-            </a:r>
-            <a:endParaRPr lang="ko-KR" altLang="en-US" sz="3300" dirty="0"/>
-          </a:p>
-        </p:txBody>
-      </p:sp>
-      <p:sp>
-        <p:nvSpPr>
-          <p:cNvPr id="11" name="내용 개체 틀 2"/>
-          <p:cNvSpPr txBox="1">
-            <a:spLocks/>
-          </p:cNvSpPr>
-          <p:nvPr/>
-        </p:nvSpPr>
-        <p:spPr>
-          <a:xfrm>
-            <a:off x="753862" y="1480468"/>
-            <a:ext cx="10599938" cy="632420"/>
-          </a:xfrm>
-          <a:prstGeom prst="rect">
-            <a:avLst/>
-          </a:prstGeom>
-        </p:spPr>
-        <p:txBody>
-          <a:bodyPr vert="horz" lIns="91440" tIns="45720" rIns="91440" bIns="45720" rtlCol="0">
-            <a:normAutofit/>
-          </a:bodyPr>
-          <a:lstStyle>
-            <a:lvl1pPr marL="228600" indent="-228600" algn="l" defTabSz="914400" rtl="0" eaLnBrk="1" latinLnBrk="1" hangingPunct="1">
-              <a:lnSpc>
-                <a:spcPct val="90000"/>
-              </a:lnSpc>
-              <a:spcBef>
-                <a:spcPts val="1000"/>
-              </a:spcBef>
-              <a:buFont typeface="Arial" panose="020B0604020202020204" pitchFamily="34" charset="0"/>
-              <a:buChar char="•"/>
-              <a:defRPr sz="2800" kern="1200">
-                <a:solidFill>
-                  <a:schemeClr val="tx1"/>
-                </a:solidFill>
-                <a:latin typeface="+mn-lt"/>
-                <a:ea typeface="+mn-ea"/>
-                <a:cs typeface="+mn-cs"/>
-              </a:defRPr>
-            </a:lvl1pPr>
-            <a:lvl2pPr marL="685800" indent="-228600" algn="l" defTabSz="914400" rtl="0" eaLnBrk="1" latinLnBrk="1" hangingPunct="1">
-              <a:lnSpc>
-                <a:spcPct val="90000"/>
-              </a:lnSpc>
-              <a:spcBef>
-                <a:spcPts val="500"/>
-              </a:spcBef>
-              <a:buFont typeface="Arial" panose="020B0604020202020204" pitchFamily="34" charset="0"/>
-              <a:buChar char="•"/>
-              <a:defRPr sz="2400" kern="1200">
-                <a:solidFill>
-                  <a:schemeClr val="tx1"/>
-                </a:solidFill>
-                <a:latin typeface="+mn-lt"/>
-                <a:ea typeface="+mn-ea"/>
-                <a:cs typeface="+mn-cs"/>
-              </a:defRPr>
-            </a:lvl2pPr>
-            <a:lvl3pPr marL="1143000" indent="-228600" algn="l" defTabSz="914400" rtl="0" eaLnBrk="1" latinLnBrk="1" hangingPunct="1">
-              <a:lnSpc>
-                <a:spcPct val="90000"/>
-              </a:lnSpc>
-              <a:spcBef>
-                <a:spcPts val="500"/>
-              </a:spcBef>
-              <a:buFont typeface="Arial" panose="020B0604020202020204" pitchFamily="34" charset="0"/>
-              <a:buChar char="•"/>
-              <a:defRPr sz="2000" kern="1200">
-                <a:solidFill>
-                  <a:schemeClr val="tx1"/>
-                </a:solidFill>
-                <a:latin typeface="+mn-lt"/>
-                <a:ea typeface="+mn-ea"/>
-                <a:cs typeface="+mn-cs"/>
-              </a:defRPr>
-            </a:lvl3pPr>
-            <a:lvl4pPr marL="1600200" indent="-228600" algn="l" defTabSz="914400" rtl="0" eaLnBrk="1" latinLnBrk="1" hangingPunct="1">
-              <a:lnSpc>
-                <a:spcPct val="90000"/>
-              </a:lnSpc>
-              <a:spcBef>
-                <a:spcPts val="500"/>
-              </a:spcBef>
-              <a:buFont typeface="Arial" panose="020B0604020202020204" pitchFamily="34" charset="0"/>
-              <a:buChar char="•"/>
-              <a:defRPr sz="1800" kern="1200">
-                <a:solidFill>
-                  <a:schemeClr val="tx1"/>
-                </a:solidFill>
-                <a:latin typeface="+mn-lt"/>
-                <a:ea typeface="+mn-ea"/>
-                <a:cs typeface="+mn-cs"/>
-              </a:defRPr>
-            </a:lvl4pPr>
-            <a:lvl5pPr marL="2057400" indent="-228600" algn="l" defTabSz="914400" rtl="0" eaLnBrk="1" latinLnBrk="1" hangingPunct="1">
-              <a:lnSpc>
-                <a:spcPct val="90000"/>
-              </a:lnSpc>
-              <a:spcBef>
-                <a:spcPts val="500"/>
-              </a:spcBef>
-              <a:buFont typeface="Arial" panose="020B0604020202020204" pitchFamily="34" charset="0"/>
-              <a:buChar char="•"/>
-              <a:defRPr sz="1800" kern="1200">
-                <a:solidFill>
-                  <a:schemeClr val="tx1"/>
-                </a:solidFill>
-                <a:latin typeface="+mn-lt"/>
-                <a:ea typeface="+mn-ea"/>
-                <a:cs typeface="+mn-cs"/>
-              </a:defRPr>
-            </a:lvl5pPr>
-            <a:lvl6pPr marL="2514600" indent="-228600" algn="l" defTabSz="914400" rtl="0" eaLnBrk="1" latinLnBrk="1" hangingPunct="1">
-              <a:lnSpc>
-                <a:spcPct val="90000"/>
-              </a:lnSpc>
-              <a:spcBef>
-                <a:spcPts val="500"/>
-              </a:spcBef>
-              <a:buFont typeface="Arial" panose="020B0604020202020204" pitchFamily="34" charset="0"/>
-              <a:buChar char="•"/>
-              <a:defRPr sz="1800" kern="1200">
-                <a:solidFill>
-                  <a:schemeClr val="tx1"/>
-                </a:solidFill>
-                <a:latin typeface="+mn-lt"/>
-                <a:ea typeface="+mn-ea"/>
-                <a:cs typeface="+mn-cs"/>
-              </a:defRPr>
-            </a:lvl6pPr>
-            <a:lvl7pPr marL="2971800" indent="-228600" algn="l" defTabSz="914400" rtl="0" eaLnBrk="1" latinLnBrk="1" hangingPunct="1">
-              <a:lnSpc>
-                <a:spcPct val="90000"/>
-              </a:lnSpc>
-              <a:spcBef>
-                <a:spcPts val="500"/>
-              </a:spcBef>
-              <a:buFont typeface="Arial" panose="020B0604020202020204" pitchFamily="34" charset="0"/>
-              <a:buChar char="•"/>
-              <a:defRPr sz="1800" kern="1200">
-                <a:solidFill>
-                  <a:schemeClr val="tx1"/>
-                </a:solidFill>
-                <a:latin typeface="+mn-lt"/>
-                <a:ea typeface="+mn-ea"/>
-                <a:cs typeface="+mn-cs"/>
-              </a:defRPr>
-            </a:lvl7pPr>
-            <a:lvl8pPr marL="3429000" indent="-228600" algn="l" defTabSz="914400" rtl="0" eaLnBrk="1" latinLnBrk="1" hangingPunct="1">
-              <a:lnSpc>
-                <a:spcPct val="90000"/>
-              </a:lnSpc>
-              <a:spcBef>
-                <a:spcPts val="500"/>
-              </a:spcBef>
-              <a:buFont typeface="Arial" panose="020B0604020202020204" pitchFamily="34" charset="0"/>
-              <a:buChar char="•"/>
-              <a:defRPr sz="1800" kern="1200">
-                <a:solidFill>
-                  <a:schemeClr val="tx1"/>
-                </a:solidFill>
-                <a:latin typeface="+mn-lt"/>
-                <a:ea typeface="+mn-ea"/>
-                <a:cs typeface="+mn-cs"/>
-              </a:defRPr>
-            </a:lvl8pPr>
-            <a:lvl9pPr marL="3886200" indent="-228600" algn="l" defTabSz="914400" rtl="0" eaLnBrk="1" latinLnBrk="1" hangingPunct="1">
-              <a:lnSpc>
-                <a:spcPct val="90000"/>
-              </a:lnSpc>
-              <a:spcBef>
-                <a:spcPts val="500"/>
-              </a:spcBef>
-              <a:buFont typeface="Arial" panose="020B0604020202020204" pitchFamily="34" charset="0"/>
-              <a:buChar char="•"/>
-              <a:defRPr sz="1800" kern="1200">
-                <a:solidFill>
-                  <a:schemeClr val="tx1"/>
-                </a:solidFill>
-                <a:latin typeface="+mn-lt"/>
-                <a:ea typeface="+mn-ea"/>
-                <a:cs typeface="+mn-cs"/>
-              </a:defRPr>
-            </a:lvl9pPr>
-          </a:lstStyle>
-          <a:p>
-            <a:pPr marL="0" indent="0">
-              <a:buNone/>
-            </a:pPr>
-            <a:r>
-              <a:rPr lang="en-US" altLang="ko-KR" sz="2200" dirty="0"/>
-              <a:t>p</a:t>
-            </a:r>
-            <a:r>
-              <a:rPr lang="en-US" altLang="ko-KR" sz="2200" dirty="0" smtClean="0"/>
-              <a:t>ip install –r requirements.txt </a:t>
-            </a:r>
-          </a:p>
-          <a:p>
-            <a:pPr marL="0" indent="0">
-              <a:buFont typeface="Arial" panose="020B0604020202020204" pitchFamily="34" charset="0"/>
-              <a:buNone/>
-            </a:pPr>
-            <a:endParaRPr lang="ko-KR" altLang="en-US" sz="2200" dirty="0"/>
-          </a:p>
-        </p:txBody>
-      </p:sp>
-      <p:sp>
-        <p:nvSpPr>
-          <p:cNvPr id="9" name="내용 개체 틀 2"/>
-          <p:cNvSpPr txBox="1">
-            <a:spLocks/>
-          </p:cNvSpPr>
-          <p:nvPr/>
-        </p:nvSpPr>
-        <p:spPr>
-          <a:xfrm>
-            <a:off x="753862" y="5606245"/>
-            <a:ext cx="10599938" cy="632420"/>
-          </a:xfrm>
-          <a:prstGeom prst="rect">
-            <a:avLst/>
-          </a:prstGeom>
-        </p:spPr>
-        <p:txBody>
-          <a:bodyPr vert="horz" lIns="91440" tIns="45720" rIns="91440" bIns="45720" rtlCol="0">
-            <a:normAutofit fontScale="92500" lnSpcReduction="20000"/>
-          </a:bodyPr>
-          <a:lstStyle>
-            <a:lvl1pPr marL="228600" indent="-228600" algn="l" defTabSz="914400" rtl="0" eaLnBrk="1" latinLnBrk="1" hangingPunct="1">
-              <a:lnSpc>
-                <a:spcPct val="90000"/>
-              </a:lnSpc>
-              <a:spcBef>
-                <a:spcPts val="1000"/>
-              </a:spcBef>
-              <a:buFont typeface="Arial" panose="020B0604020202020204" pitchFamily="34" charset="0"/>
-              <a:buChar char="•"/>
-              <a:defRPr sz="2800" kern="1200">
-                <a:solidFill>
-                  <a:schemeClr val="tx1"/>
-                </a:solidFill>
-                <a:latin typeface="+mn-lt"/>
-                <a:ea typeface="+mn-ea"/>
-                <a:cs typeface="+mn-cs"/>
-              </a:defRPr>
-            </a:lvl1pPr>
-            <a:lvl2pPr marL="685800" indent="-228600" algn="l" defTabSz="914400" rtl="0" eaLnBrk="1" latinLnBrk="1" hangingPunct="1">
-              <a:lnSpc>
-                <a:spcPct val="90000"/>
-              </a:lnSpc>
-              <a:spcBef>
-                <a:spcPts val="500"/>
-              </a:spcBef>
-              <a:buFont typeface="Arial" panose="020B0604020202020204" pitchFamily="34" charset="0"/>
-              <a:buChar char="•"/>
-              <a:defRPr sz="2400" kern="1200">
-                <a:solidFill>
-                  <a:schemeClr val="tx1"/>
-                </a:solidFill>
-                <a:latin typeface="+mn-lt"/>
-                <a:ea typeface="+mn-ea"/>
-                <a:cs typeface="+mn-cs"/>
-              </a:defRPr>
-            </a:lvl2pPr>
-            <a:lvl3pPr marL="1143000" indent="-228600" algn="l" defTabSz="914400" rtl="0" eaLnBrk="1" latinLnBrk="1" hangingPunct="1">
-              <a:lnSpc>
-                <a:spcPct val="90000"/>
-              </a:lnSpc>
-              <a:spcBef>
-                <a:spcPts val="500"/>
-              </a:spcBef>
-              <a:buFont typeface="Arial" panose="020B0604020202020204" pitchFamily="34" charset="0"/>
-              <a:buChar char="•"/>
-              <a:defRPr sz="2000" kern="1200">
-                <a:solidFill>
-                  <a:schemeClr val="tx1"/>
-                </a:solidFill>
-                <a:latin typeface="+mn-lt"/>
-                <a:ea typeface="+mn-ea"/>
-                <a:cs typeface="+mn-cs"/>
-              </a:defRPr>
-            </a:lvl3pPr>
-            <a:lvl4pPr marL="1600200" indent="-228600" algn="l" defTabSz="914400" rtl="0" eaLnBrk="1" latinLnBrk="1" hangingPunct="1">
-              <a:lnSpc>
-                <a:spcPct val="90000"/>
-              </a:lnSpc>
-              <a:spcBef>
-                <a:spcPts val="500"/>
-              </a:spcBef>
-              <a:buFont typeface="Arial" panose="020B0604020202020204" pitchFamily="34" charset="0"/>
-              <a:buChar char="•"/>
-              <a:defRPr sz="1800" kern="1200">
-                <a:solidFill>
-                  <a:schemeClr val="tx1"/>
-                </a:solidFill>
-                <a:latin typeface="+mn-lt"/>
-                <a:ea typeface="+mn-ea"/>
-                <a:cs typeface="+mn-cs"/>
-              </a:defRPr>
-            </a:lvl4pPr>
-            <a:lvl5pPr marL="2057400" indent="-228600" algn="l" defTabSz="914400" rtl="0" eaLnBrk="1" latinLnBrk="1" hangingPunct="1">
-              <a:lnSpc>
-                <a:spcPct val="90000"/>
-              </a:lnSpc>
-              <a:spcBef>
-                <a:spcPts val="500"/>
-              </a:spcBef>
-              <a:buFont typeface="Arial" panose="020B0604020202020204" pitchFamily="34" charset="0"/>
-              <a:buChar char="•"/>
-              <a:defRPr sz="1800" kern="1200">
-                <a:solidFill>
-                  <a:schemeClr val="tx1"/>
-                </a:solidFill>
-                <a:latin typeface="+mn-lt"/>
-                <a:ea typeface="+mn-ea"/>
-                <a:cs typeface="+mn-cs"/>
-              </a:defRPr>
-            </a:lvl5pPr>
-            <a:lvl6pPr marL="2514600" indent="-228600" algn="l" defTabSz="914400" rtl="0" eaLnBrk="1" latinLnBrk="1" hangingPunct="1">
-              <a:lnSpc>
-                <a:spcPct val="90000"/>
-              </a:lnSpc>
-              <a:spcBef>
-                <a:spcPts val="500"/>
-              </a:spcBef>
-              <a:buFont typeface="Arial" panose="020B0604020202020204" pitchFamily="34" charset="0"/>
-              <a:buChar char="•"/>
-              <a:defRPr sz="1800" kern="1200">
-                <a:solidFill>
-                  <a:schemeClr val="tx1"/>
-                </a:solidFill>
-                <a:latin typeface="+mn-lt"/>
-                <a:ea typeface="+mn-ea"/>
-                <a:cs typeface="+mn-cs"/>
-              </a:defRPr>
-            </a:lvl6pPr>
-            <a:lvl7pPr marL="2971800" indent="-228600" algn="l" defTabSz="914400" rtl="0" eaLnBrk="1" latinLnBrk="1" hangingPunct="1">
-              <a:lnSpc>
-                <a:spcPct val="90000"/>
-              </a:lnSpc>
-              <a:spcBef>
-                <a:spcPts val="500"/>
-              </a:spcBef>
-              <a:buFont typeface="Arial" panose="020B0604020202020204" pitchFamily="34" charset="0"/>
-              <a:buChar char="•"/>
-              <a:defRPr sz="1800" kern="1200">
-                <a:solidFill>
-                  <a:schemeClr val="tx1"/>
-                </a:solidFill>
-                <a:latin typeface="+mn-lt"/>
-                <a:ea typeface="+mn-ea"/>
-                <a:cs typeface="+mn-cs"/>
-              </a:defRPr>
-            </a:lvl7pPr>
-            <a:lvl8pPr marL="3429000" indent="-228600" algn="l" defTabSz="914400" rtl="0" eaLnBrk="1" latinLnBrk="1" hangingPunct="1">
-              <a:lnSpc>
-                <a:spcPct val="90000"/>
-              </a:lnSpc>
-              <a:spcBef>
-                <a:spcPts val="500"/>
-              </a:spcBef>
-              <a:buFont typeface="Arial" panose="020B0604020202020204" pitchFamily="34" charset="0"/>
-              <a:buChar char="•"/>
-              <a:defRPr sz="1800" kern="1200">
-                <a:solidFill>
-                  <a:schemeClr val="tx1"/>
-                </a:solidFill>
-                <a:latin typeface="+mn-lt"/>
-                <a:ea typeface="+mn-ea"/>
-                <a:cs typeface="+mn-cs"/>
-              </a:defRPr>
-            </a:lvl8pPr>
-            <a:lvl9pPr marL="3886200" indent="-228600" algn="l" defTabSz="914400" rtl="0" eaLnBrk="1" latinLnBrk="1" hangingPunct="1">
-              <a:lnSpc>
-                <a:spcPct val="90000"/>
-              </a:lnSpc>
-              <a:spcBef>
-                <a:spcPts val="500"/>
-              </a:spcBef>
-              <a:buFont typeface="Arial" panose="020B0604020202020204" pitchFamily="34" charset="0"/>
-              <a:buChar char="•"/>
-              <a:defRPr sz="1800" kern="1200">
-                <a:solidFill>
-                  <a:schemeClr val="tx1"/>
-                </a:solidFill>
-                <a:latin typeface="+mn-lt"/>
-                <a:ea typeface="+mn-ea"/>
-                <a:cs typeface="+mn-cs"/>
-              </a:defRPr>
-            </a:lvl9pPr>
-          </a:lstStyle>
-          <a:p>
-            <a:pPr marL="0" indent="0">
-              <a:buNone/>
-            </a:pPr>
-            <a:r>
-              <a:rPr lang="en-US" altLang="ko-KR" sz="2500" dirty="0" smtClean="0"/>
-              <a:t> </a:t>
-            </a:r>
-          </a:p>
-          <a:p>
-            <a:pPr marL="0" indent="0">
-              <a:buNone/>
-            </a:pPr>
-            <a:r>
-              <a:rPr lang="en-US" altLang="ko-KR" sz="1500" dirty="0" smtClean="0"/>
-              <a:t> </a:t>
-            </a:r>
-          </a:p>
-          <a:p>
-            <a:pPr marL="0" indent="0">
-              <a:buFont typeface="Arial" panose="020B0604020202020204" pitchFamily="34" charset="0"/>
-              <a:buNone/>
-            </a:pPr>
-            <a:endParaRPr lang="ko-KR" altLang="en-US" sz="1500" dirty="0"/>
-          </a:p>
-        </p:txBody>
-      </p:sp>
-      <p:pic>
-        <p:nvPicPr>
-          <p:cNvPr id="3" name="그림 2"/>
-          <p:cNvPicPr>
-            <a:picLocks noChangeAspect="1"/>
-          </p:cNvPicPr>
-          <p:nvPr/>
-        </p:nvPicPr>
-        <p:blipFill>
-          <a:blip r:embed="rId2"/>
-          <a:stretch>
-            <a:fillRect/>
-          </a:stretch>
-        </p:blipFill>
-        <p:spPr>
-          <a:xfrm>
-            <a:off x="239698" y="2176069"/>
-            <a:ext cx="11674136" cy="3322608"/>
-          </a:xfrm>
-          <a:prstGeom prst="rect">
-            <a:avLst/>
-          </a:prstGeom>
-        </p:spPr>
-      </p:pic>
-    </p:spTree>
-    <p:extLst>
-      <p:ext uri="{BB962C8B-B14F-4D97-AF65-F5344CB8AC3E}">
-        <p14:creationId xmlns:p14="http://schemas.microsoft.com/office/powerpoint/2010/main" val="2374662056"/>
-      </p:ext>
-    </p:extLst>
-  </p:cSld>
-  <p:clrMapOvr>
-    <a:masterClrMapping/>
-  </p:clrMapOvr>
-  <p:timing>
-    <p:tnLst>
-      <p:par>
-        <p:cTn id="1" dur="indefinite" restart="never" nodeType="tmRoot"/>
-      </p:par>
-    </p:tnLst>
-  </p:timing>
-</p:sld>
-</file>
-
-<file path=ppt/slides/slide16.xml><?xml version="1.0" encoding="utf-8"?>
-<p:sld xmlns:a="http://schemas.openxmlformats.org/drawingml/2006/main" xmlns:r="http://schemas.openxmlformats.org/officeDocument/2006/relationships" xmlns:p="http://schemas.openxmlformats.org/presentationml/2006/main">
-  <p:cSld>
-    <p:spTree>
-      <p:nvGrpSpPr>
-        <p:cNvPr id="1" name=""/>
-        <p:cNvGrpSpPr/>
-        <p:nvPr/>
-      </p:nvGrpSpPr>
-      <p:grpSpPr>
-        <a:xfrm>
-          <a:off x="0" y="0"/>
-          <a:ext cx="0" cy="0"/>
-          <a:chOff x="0" y="0"/>
-          <a:chExt cx="0" cy="0"/>
-        </a:xfrm>
-      </p:grpSpPr>
-      <p:sp>
-        <p:nvSpPr>
-          <p:cNvPr id="2" name="제목 1"/>
-          <p:cNvSpPr>
-            <a:spLocks noGrp="1"/>
-          </p:cNvSpPr>
-          <p:nvPr>
-            <p:ph type="title"/>
-          </p:nvPr>
-        </p:nvSpPr>
-        <p:spPr>
-          <a:xfrm>
-            <a:off x="838200" y="365126"/>
-            <a:ext cx="10515600" cy="833360"/>
-          </a:xfrm>
-        </p:spPr>
-        <p:txBody>
-          <a:bodyPr>
-            <a:normAutofit/>
-          </a:bodyPr>
-          <a:lstStyle/>
-          <a:p>
-            <a:r>
-              <a:rPr lang="en-US" altLang="ko-KR" sz="3300" dirty="0" smtClean="0"/>
-              <a:t>8. </a:t>
-            </a:r>
-            <a:r>
-              <a:rPr lang="ko-KR" altLang="en-US" sz="3300" dirty="0" smtClean="0"/>
-              <a:t>실습</a:t>
-            </a:r>
-            <a:endParaRPr lang="ko-KR" altLang="en-US" sz="3300" dirty="0"/>
-          </a:p>
-        </p:txBody>
-      </p:sp>
-      <p:sp>
-        <p:nvSpPr>
-          <p:cNvPr id="11" name="내용 개체 틀 2"/>
-          <p:cNvSpPr txBox="1">
-            <a:spLocks/>
-          </p:cNvSpPr>
-          <p:nvPr/>
-        </p:nvSpPr>
-        <p:spPr>
-          <a:xfrm>
-            <a:off x="753862" y="1018829"/>
-            <a:ext cx="10599938" cy="632420"/>
-          </a:xfrm>
-          <a:prstGeom prst="rect">
-            <a:avLst/>
-          </a:prstGeom>
-        </p:spPr>
-        <p:txBody>
-          <a:bodyPr vert="horz" lIns="91440" tIns="45720" rIns="91440" bIns="45720" rtlCol="0">
-            <a:normAutofit/>
-          </a:bodyPr>
-          <a:lstStyle>
-            <a:lvl1pPr marL="228600" indent="-228600" algn="l" defTabSz="914400" rtl="0" eaLnBrk="1" latinLnBrk="1" hangingPunct="1">
-              <a:lnSpc>
-                <a:spcPct val="90000"/>
-              </a:lnSpc>
-              <a:spcBef>
-                <a:spcPts val="1000"/>
-              </a:spcBef>
-              <a:buFont typeface="Arial" panose="020B0604020202020204" pitchFamily="34" charset="0"/>
-              <a:buChar char="•"/>
-              <a:defRPr sz="2800" kern="1200">
-                <a:solidFill>
-                  <a:schemeClr val="tx1"/>
-                </a:solidFill>
-                <a:latin typeface="+mn-lt"/>
-                <a:ea typeface="+mn-ea"/>
-                <a:cs typeface="+mn-cs"/>
-              </a:defRPr>
-            </a:lvl1pPr>
-            <a:lvl2pPr marL="685800" indent="-228600" algn="l" defTabSz="914400" rtl="0" eaLnBrk="1" latinLnBrk="1" hangingPunct="1">
-              <a:lnSpc>
-                <a:spcPct val="90000"/>
-              </a:lnSpc>
-              <a:spcBef>
-                <a:spcPts val="500"/>
-              </a:spcBef>
-              <a:buFont typeface="Arial" panose="020B0604020202020204" pitchFamily="34" charset="0"/>
-              <a:buChar char="•"/>
-              <a:defRPr sz="2400" kern="1200">
-                <a:solidFill>
-                  <a:schemeClr val="tx1"/>
-                </a:solidFill>
-                <a:latin typeface="+mn-lt"/>
-                <a:ea typeface="+mn-ea"/>
-                <a:cs typeface="+mn-cs"/>
-              </a:defRPr>
-            </a:lvl2pPr>
-            <a:lvl3pPr marL="1143000" indent="-228600" algn="l" defTabSz="914400" rtl="0" eaLnBrk="1" latinLnBrk="1" hangingPunct="1">
-              <a:lnSpc>
-                <a:spcPct val="90000"/>
-              </a:lnSpc>
-              <a:spcBef>
-                <a:spcPts val="500"/>
-              </a:spcBef>
-              <a:buFont typeface="Arial" panose="020B0604020202020204" pitchFamily="34" charset="0"/>
-              <a:buChar char="•"/>
-              <a:defRPr sz="2000" kern="1200">
-                <a:solidFill>
-                  <a:schemeClr val="tx1"/>
-                </a:solidFill>
-                <a:latin typeface="+mn-lt"/>
-                <a:ea typeface="+mn-ea"/>
-                <a:cs typeface="+mn-cs"/>
-              </a:defRPr>
-            </a:lvl3pPr>
-            <a:lvl4pPr marL="1600200" indent="-228600" algn="l" defTabSz="914400" rtl="0" eaLnBrk="1" latinLnBrk="1" hangingPunct="1">
-              <a:lnSpc>
-                <a:spcPct val="90000"/>
-              </a:lnSpc>
-              <a:spcBef>
-                <a:spcPts val="500"/>
-              </a:spcBef>
-              <a:buFont typeface="Arial" panose="020B0604020202020204" pitchFamily="34" charset="0"/>
-              <a:buChar char="•"/>
-              <a:defRPr sz="1800" kern="1200">
-                <a:solidFill>
-                  <a:schemeClr val="tx1"/>
-                </a:solidFill>
-                <a:latin typeface="+mn-lt"/>
-                <a:ea typeface="+mn-ea"/>
-                <a:cs typeface="+mn-cs"/>
-              </a:defRPr>
-            </a:lvl4pPr>
-            <a:lvl5pPr marL="2057400" indent="-228600" algn="l" defTabSz="914400" rtl="0" eaLnBrk="1" latinLnBrk="1" hangingPunct="1">
-              <a:lnSpc>
-                <a:spcPct val="90000"/>
-              </a:lnSpc>
-              <a:spcBef>
-                <a:spcPts val="500"/>
-              </a:spcBef>
-              <a:buFont typeface="Arial" panose="020B0604020202020204" pitchFamily="34" charset="0"/>
-              <a:buChar char="•"/>
-              <a:defRPr sz="1800" kern="1200">
-                <a:solidFill>
-                  <a:schemeClr val="tx1"/>
-                </a:solidFill>
-                <a:latin typeface="+mn-lt"/>
-                <a:ea typeface="+mn-ea"/>
-                <a:cs typeface="+mn-cs"/>
-              </a:defRPr>
-            </a:lvl5pPr>
-            <a:lvl6pPr marL="2514600" indent="-228600" algn="l" defTabSz="914400" rtl="0" eaLnBrk="1" latinLnBrk="1" hangingPunct="1">
-              <a:lnSpc>
-                <a:spcPct val="90000"/>
-              </a:lnSpc>
-              <a:spcBef>
-                <a:spcPts val="500"/>
-              </a:spcBef>
-              <a:buFont typeface="Arial" panose="020B0604020202020204" pitchFamily="34" charset="0"/>
-              <a:buChar char="•"/>
-              <a:defRPr sz="1800" kern="1200">
-                <a:solidFill>
-                  <a:schemeClr val="tx1"/>
-                </a:solidFill>
-                <a:latin typeface="+mn-lt"/>
-                <a:ea typeface="+mn-ea"/>
-                <a:cs typeface="+mn-cs"/>
-              </a:defRPr>
-            </a:lvl6pPr>
-            <a:lvl7pPr marL="2971800" indent="-228600" algn="l" defTabSz="914400" rtl="0" eaLnBrk="1" latinLnBrk="1" hangingPunct="1">
-              <a:lnSpc>
-                <a:spcPct val="90000"/>
-              </a:lnSpc>
-              <a:spcBef>
-                <a:spcPts val="500"/>
-              </a:spcBef>
-              <a:buFont typeface="Arial" panose="020B0604020202020204" pitchFamily="34" charset="0"/>
-              <a:buChar char="•"/>
-              <a:defRPr sz="1800" kern="1200">
-                <a:solidFill>
-                  <a:schemeClr val="tx1"/>
-                </a:solidFill>
-                <a:latin typeface="+mn-lt"/>
-                <a:ea typeface="+mn-ea"/>
-                <a:cs typeface="+mn-cs"/>
-              </a:defRPr>
-            </a:lvl7pPr>
-            <a:lvl8pPr marL="3429000" indent="-228600" algn="l" defTabSz="914400" rtl="0" eaLnBrk="1" latinLnBrk="1" hangingPunct="1">
-              <a:lnSpc>
-                <a:spcPct val="90000"/>
-              </a:lnSpc>
-              <a:spcBef>
-                <a:spcPts val="500"/>
-              </a:spcBef>
-              <a:buFont typeface="Arial" panose="020B0604020202020204" pitchFamily="34" charset="0"/>
-              <a:buChar char="•"/>
-              <a:defRPr sz="1800" kern="1200">
-                <a:solidFill>
-                  <a:schemeClr val="tx1"/>
-                </a:solidFill>
-                <a:latin typeface="+mn-lt"/>
-                <a:ea typeface="+mn-ea"/>
-                <a:cs typeface="+mn-cs"/>
-              </a:defRPr>
-            </a:lvl8pPr>
-            <a:lvl9pPr marL="3886200" indent="-228600" algn="l" defTabSz="914400" rtl="0" eaLnBrk="1" latinLnBrk="1" hangingPunct="1">
-              <a:lnSpc>
-                <a:spcPct val="90000"/>
-              </a:lnSpc>
-              <a:spcBef>
-                <a:spcPts val="500"/>
-              </a:spcBef>
-              <a:buFont typeface="Arial" panose="020B0604020202020204" pitchFamily="34" charset="0"/>
-              <a:buChar char="•"/>
-              <a:defRPr sz="1800" kern="1200">
-                <a:solidFill>
-                  <a:schemeClr val="tx1"/>
-                </a:solidFill>
-                <a:latin typeface="+mn-lt"/>
-                <a:ea typeface="+mn-ea"/>
-                <a:cs typeface="+mn-cs"/>
-              </a:defRPr>
-            </a:lvl9pPr>
-          </a:lstStyle>
-          <a:p>
-            <a:pPr marL="0" indent="0">
-              <a:buNone/>
-            </a:pPr>
-            <a:r>
-              <a:rPr lang="en-US" altLang="ko-KR" sz="2200" dirty="0" smtClean="0"/>
-              <a:t>VS CODE </a:t>
-            </a:r>
-            <a:r>
-              <a:rPr lang="ko-KR" altLang="en-US" sz="2200" dirty="0" smtClean="0"/>
-              <a:t>해당 폴더 열어서 </a:t>
-            </a:r>
-            <a:r>
-              <a:rPr lang="en-US" altLang="ko-KR" sz="2200" dirty="0" smtClean="0"/>
-              <a:t>-&gt; </a:t>
-            </a:r>
-            <a:r>
-              <a:rPr lang="en-US" altLang="ko-KR" sz="2200" dirty="0" err="1" smtClean="0"/>
-              <a:t>ipynb</a:t>
-            </a:r>
-            <a:r>
-              <a:rPr lang="en-US" altLang="ko-KR" sz="2200" dirty="0" smtClean="0"/>
-              <a:t> </a:t>
-            </a:r>
-            <a:r>
-              <a:rPr lang="ko-KR" altLang="en-US" sz="2200" dirty="0" smtClean="0"/>
-              <a:t>파일 열기</a:t>
-            </a:r>
-            <a:r>
-              <a:rPr lang="en-US" altLang="ko-KR" sz="2200" dirty="0" smtClean="0"/>
-              <a:t>! </a:t>
-            </a:r>
-          </a:p>
-          <a:p>
-            <a:pPr marL="0" indent="0">
-              <a:buFont typeface="Arial" panose="020B0604020202020204" pitchFamily="34" charset="0"/>
-              <a:buNone/>
-            </a:pPr>
-            <a:endParaRPr lang="ko-KR" altLang="en-US" sz="2200" dirty="0"/>
-          </a:p>
-        </p:txBody>
-      </p:sp>
-      <p:sp>
-        <p:nvSpPr>
-          <p:cNvPr id="9" name="내용 개체 틀 2"/>
-          <p:cNvSpPr txBox="1">
-            <a:spLocks/>
-          </p:cNvSpPr>
-          <p:nvPr/>
-        </p:nvSpPr>
-        <p:spPr>
-          <a:xfrm>
-            <a:off x="753862" y="5606245"/>
-            <a:ext cx="10599938" cy="632420"/>
-          </a:xfrm>
-          <a:prstGeom prst="rect">
-            <a:avLst/>
-          </a:prstGeom>
-        </p:spPr>
-        <p:txBody>
-          <a:bodyPr vert="horz" lIns="91440" tIns="45720" rIns="91440" bIns="45720" rtlCol="0">
-            <a:normAutofit fontScale="92500" lnSpcReduction="20000"/>
-          </a:bodyPr>
-          <a:lstStyle>
-            <a:lvl1pPr marL="228600" indent="-228600" algn="l" defTabSz="914400" rtl="0" eaLnBrk="1" latinLnBrk="1" hangingPunct="1">
-              <a:lnSpc>
-                <a:spcPct val="90000"/>
-              </a:lnSpc>
-              <a:spcBef>
-                <a:spcPts val="1000"/>
-              </a:spcBef>
-              <a:buFont typeface="Arial" panose="020B0604020202020204" pitchFamily="34" charset="0"/>
-              <a:buChar char="•"/>
-              <a:defRPr sz="2800" kern="1200">
-                <a:solidFill>
-                  <a:schemeClr val="tx1"/>
-                </a:solidFill>
-                <a:latin typeface="+mn-lt"/>
-                <a:ea typeface="+mn-ea"/>
-                <a:cs typeface="+mn-cs"/>
-              </a:defRPr>
-            </a:lvl1pPr>
-            <a:lvl2pPr marL="685800" indent="-228600" algn="l" defTabSz="914400" rtl="0" eaLnBrk="1" latinLnBrk="1" hangingPunct="1">
-              <a:lnSpc>
-                <a:spcPct val="90000"/>
-              </a:lnSpc>
-              <a:spcBef>
-                <a:spcPts val="500"/>
-              </a:spcBef>
-              <a:buFont typeface="Arial" panose="020B0604020202020204" pitchFamily="34" charset="0"/>
-              <a:buChar char="•"/>
-              <a:defRPr sz="2400" kern="1200">
-                <a:solidFill>
-                  <a:schemeClr val="tx1"/>
-                </a:solidFill>
-                <a:latin typeface="+mn-lt"/>
-                <a:ea typeface="+mn-ea"/>
-                <a:cs typeface="+mn-cs"/>
-              </a:defRPr>
-            </a:lvl2pPr>
-            <a:lvl3pPr marL="1143000" indent="-228600" algn="l" defTabSz="914400" rtl="0" eaLnBrk="1" latinLnBrk="1" hangingPunct="1">
-              <a:lnSpc>
-                <a:spcPct val="90000"/>
-              </a:lnSpc>
-              <a:spcBef>
-                <a:spcPts val="500"/>
-              </a:spcBef>
-              <a:buFont typeface="Arial" panose="020B0604020202020204" pitchFamily="34" charset="0"/>
-              <a:buChar char="•"/>
-              <a:defRPr sz="2000" kern="1200">
-                <a:solidFill>
-                  <a:schemeClr val="tx1"/>
-                </a:solidFill>
-                <a:latin typeface="+mn-lt"/>
-                <a:ea typeface="+mn-ea"/>
-                <a:cs typeface="+mn-cs"/>
-              </a:defRPr>
-            </a:lvl3pPr>
-            <a:lvl4pPr marL="1600200" indent="-228600" algn="l" defTabSz="914400" rtl="0" eaLnBrk="1" latinLnBrk="1" hangingPunct="1">
-              <a:lnSpc>
-                <a:spcPct val="90000"/>
-              </a:lnSpc>
-              <a:spcBef>
-                <a:spcPts val="500"/>
-              </a:spcBef>
-              <a:buFont typeface="Arial" panose="020B0604020202020204" pitchFamily="34" charset="0"/>
-              <a:buChar char="•"/>
-              <a:defRPr sz="1800" kern="1200">
-                <a:solidFill>
-                  <a:schemeClr val="tx1"/>
-                </a:solidFill>
-                <a:latin typeface="+mn-lt"/>
-                <a:ea typeface="+mn-ea"/>
-                <a:cs typeface="+mn-cs"/>
-              </a:defRPr>
-            </a:lvl4pPr>
-            <a:lvl5pPr marL="2057400" indent="-228600" algn="l" defTabSz="914400" rtl="0" eaLnBrk="1" latinLnBrk="1" hangingPunct="1">
-              <a:lnSpc>
-                <a:spcPct val="90000"/>
-              </a:lnSpc>
-              <a:spcBef>
-                <a:spcPts val="500"/>
-              </a:spcBef>
-              <a:buFont typeface="Arial" panose="020B0604020202020204" pitchFamily="34" charset="0"/>
-              <a:buChar char="•"/>
-              <a:defRPr sz="1800" kern="1200">
-                <a:solidFill>
-                  <a:schemeClr val="tx1"/>
-                </a:solidFill>
-                <a:latin typeface="+mn-lt"/>
-                <a:ea typeface="+mn-ea"/>
-                <a:cs typeface="+mn-cs"/>
-              </a:defRPr>
-            </a:lvl5pPr>
-            <a:lvl6pPr marL="2514600" indent="-228600" algn="l" defTabSz="914400" rtl="0" eaLnBrk="1" latinLnBrk="1" hangingPunct="1">
-              <a:lnSpc>
-                <a:spcPct val="90000"/>
-              </a:lnSpc>
-              <a:spcBef>
-                <a:spcPts val="500"/>
-              </a:spcBef>
-              <a:buFont typeface="Arial" panose="020B0604020202020204" pitchFamily="34" charset="0"/>
-              <a:buChar char="•"/>
-              <a:defRPr sz="1800" kern="1200">
-                <a:solidFill>
-                  <a:schemeClr val="tx1"/>
-                </a:solidFill>
-                <a:latin typeface="+mn-lt"/>
-                <a:ea typeface="+mn-ea"/>
-                <a:cs typeface="+mn-cs"/>
-              </a:defRPr>
-            </a:lvl6pPr>
-            <a:lvl7pPr marL="2971800" indent="-228600" algn="l" defTabSz="914400" rtl="0" eaLnBrk="1" latinLnBrk="1" hangingPunct="1">
-              <a:lnSpc>
-                <a:spcPct val="90000"/>
-              </a:lnSpc>
-              <a:spcBef>
-                <a:spcPts val="500"/>
-              </a:spcBef>
-              <a:buFont typeface="Arial" panose="020B0604020202020204" pitchFamily="34" charset="0"/>
-              <a:buChar char="•"/>
-              <a:defRPr sz="1800" kern="1200">
-                <a:solidFill>
-                  <a:schemeClr val="tx1"/>
-                </a:solidFill>
-                <a:latin typeface="+mn-lt"/>
-                <a:ea typeface="+mn-ea"/>
-                <a:cs typeface="+mn-cs"/>
-              </a:defRPr>
-            </a:lvl7pPr>
-            <a:lvl8pPr marL="3429000" indent="-228600" algn="l" defTabSz="914400" rtl="0" eaLnBrk="1" latinLnBrk="1" hangingPunct="1">
-              <a:lnSpc>
-                <a:spcPct val="90000"/>
-              </a:lnSpc>
-              <a:spcBef>
-                <a:spcPts val="500"/>
-              </a:spcBef>
-              <a:buFont typeface="Arial" panose="020B0604020202020204" pitchFamily="34" charset="0"/>
-              <a:buChar char="•"/>
-              <a:defRPr sz="1800" kern="1200">
-                <a:solidFill>
-                  <a:schemeClr val="tx1"/>
-                </a:solidFill>
-                <a:latin typeface="+mn-lt"/>
-                <a:ea typeface="+mn-ea"/>
-                <a:cs typeface="+mn-cs"/>
-              </a:defRPr>
-            </a:lvl8pPr>
-            <a:lvl9pPr marL="3886200" indent="-228600" algn="l" defTabSz="914400" rtl="0" eaLnBrk="1" latinLnBrk="1" hangingPunct="1">
-              <a:lnSpc>
-                <a:spcPct val="90000"/>
-              </a:lnSpc>
-              <a:spcBef>
-                <a:spcPts val="500"/>
-              </a:spcBef>
-              <a:buFont typeface="Arial" panose="020B0604020202020204" pitchFamily="34" charset="0"/>
-              <a:buChar char="•"/>
-              <a:defRPr sz="1800" kern="1200">
-                <a:solidFill>
-                  <a:schemeClr val="tx1"/>
-                </a:solidFill>
-                <a:latin typeface="+mn-lt"/>
-                <a:ea typeface="+mn-ea"/>
-                <a:cs typeface="+mn-cs"/>
-              </a:defRPr>
-            </a:lvl9pPr>
-          </a:lstStyle>
-          <a:p>
-            <a:pPr marL="0" indent="0">
-              <a:buNone/>
-            </a:pPr>
-            <a:r>
-              <a:rPr lang="en-US" altLang="ko-KR" sz="2500" dirty="0" smtClean="0"/>
-              <a:t> </a:t>
-            </a:r>
-          </a:p>
-          <a:p>
-            <a:pPr marL="0" indent="0">
-              <a:buNone/>
-            </a:pPr>
-            <a:r>
-              <a:rPr lang="en-US" altLang="ko-KR" sz="1500" dirty="0" smtClean="0"/>
-              <a:t> </a:t>
-            </a:r>
-          </a:p>
-          <a:p>
-            <a:pPr marL="0" indent="0">
-              <a:buFont typeface="Arial" panose="020B0604020202020204" pitchFamily="34" charset="0"/>
-              <a:buNone/>
-            </a:pPr>
-            <a:endParaRPr lang="ko-KR" altLang="en-US" sz="1500" dirty="0"/>
-          </a:p>
-        </p:txBody>
-      </p:sp>
-      <p:pic>
-        <p:nvPicPr>
-          <p:cNvPr id="4" name="그림 3"/>
-          <p:cNvPicPr>
-            <a:picLocks noChangeAspect="1"/>
-          </p:cNvPicPr>
-          <p:nvPr/>
-        </p:nvPicPr>
-        <p:blipFill>
-          <a:blip r:embed="rId2"/>
-          <a:stretch>
-            <a:fillRect/>
-          </a:stretch>
-        </p:blipFill>
-        <p:spPr>
-          <a:xfrm>
-            <a:off x="430039" y="1472690"/>
-            <a:ext cx="11331922" cy="2651990"/>
-          </a:xfrm>
-          <a:prstGeom prst="rect">
-            <a:avLst/>
-          </a:prstGeom>
-        </p:spPr>
-      </p:pic>
-      <p:sp>
-        <p:nvSpPr>
-          <p:cNvPr id="7" name="내용 개체 틀 2"/>
-          <p:cNvSpPr txBox="1">
-            <a:spLocks/>
-          </p:cNvSpPr>
-          <p:nvPr/>
-        </p:nvSpPr>
-        <p:spPr>
-          <a:xfrm>
-            <a:off x="6968971" y="4785064"/>
-            <a:ext cx="4226509" cy="1137391"/>
-          </a:xfrm>
-          <a:prstGeom prst="rect">
-            <a:avLst/>
-          </a:prstGeom>
-        </p:spPr>
-        <p:txBody>
-          <a:bodyPr vert="horz" lIns="91440" tIns="45720" rIns="91440" bIns="45720" rtlCol="0">
-            <a:normAutofit/>
-          </a:bodyPr>
-          <a:lstStyle>
-            <a:lvl1pPr marL="228600" indent="-228600" algn="l" defTabSz="914400" rtl="0" eaLnBrk="1" latinLnBrk="1" hangingPunct="1">
-              <a:lnSpc>
-                <a:spcPct val="90000"/>
-              </a:lnSpc>
-              <a:spcBef>
-                <a:spcPts val="1000"/>
-              </a:spcBef>
-              <a:buFont typeface="Arial" panose="020B0604020202020204" pitchFamily="34" charset="0"/>
-              <a:buChar char="•"/>
-              <a:defRPr sz="2800" kern="1200">
-                <a:solidFill>
-                  <a:schemeClr val="tx1"/>
-                </a:solidFill>
-                <a:latin typeface="+mn-lt"/>
-                <a:ea typeface="+mn-ea"/>
-                <a:cs typeface="+mn-cs"/>
-              </a:defRPr>
-            </a:lvl1pPr>
-            <a:lvl2pPr marL="685800" indent="-228600" algn="l" defTabSz="914400" rtl="0" eaLnBrk="1" latinLnBrk="1" hangingPunct="1">
-              <a:lnSpc>
-                <a:spcPct val="90000"/>
-              </a:lnSpc>
-              <a:spcBef>
-                <a:spcPts val="500"/>
-              </a:spcBef>
-              <a:buFont typeface="Arial" panose="020B0604020202020204" pitchFamily="34" charset="0"/>
-              <a:buChar char="•"/>
-              <a:defRPr sz="2400" kern="1200">
-                <a:solidFill>
-                  <a:schemeClr val="tx1"/>
-                </a:solidFill>
-                <a:latin typeface="+mn-lt"/>
-                <a:ea typeface="+mn-ea"/>
-                <a:cs typeface="+mn-cs"/>
-              </a:defRPr>
-            </a:lvl2pPr>
-            <a:lvl3pPr marL="1143000" indent="-228600" algn="l" defTabSz="914400" rtl="0" eaLnBrk="1" latinLnBrk="1" hangingPunct="1">
-              <a:lnSpc>
-                <a:spcPct val="90000"/>
-              </a:lnSpc>
-              <a:spcBef>
-                <a:spcPts val="500"/>
-              </a:spcBef>
-              <a:buFont typeface="Arial" panose="020B0604020202020204" pitchFamily="34" charset="0"/>
-              <a:buChar char="•"/>
-              <a:defRPr sz="2000" kern="1200">
-                <a:solidFill>
-                  <a:schemeClr val="tx1"/>
-                </a:solidFill>
-                <a:latin typeface="+mn-lt"/>
-                <a:ea typeface="+mn-ea"/>
-                <a:cs typeface="+mn-cs"/>
-              </a:defRPr>
-            </a:lvl3pPr>
-            <a:lvl4pPr marL="1600200" indent="-228600" algn="l" defTabSz="914400" rtl="0" eaLnBrk="1" latinLnBrk="1" hangingPunct="1">
-              <a:lnSpc>
-                <a:spcPct val="90000"/>
-              </a:lnSpc>
-              <a:spcBef>
-                <a:spcPts val="500"/>
-              </a:spcBef>
-              <a:buFont typeface="Arial" panose="020B0604020202020204" pitchFamily="34" charset="0"/>
-              <a:buChar char="•"/>
-              <a:defRPr sz="1800" kern="1200">
-                <a:solidFill>
-                  <a:schemeClr val="tx1"/>
-                </a:solidFill>
-                <a:latin typeface="+mn-lt"/>
-                <a:ea typeface="+mn-ea"/>
-                <a:cs typeface="+mn-cs"/>
-              </a:defRPr>
-            </a:lvl4pPr>
-            <a:lvl5pPr marL="2057400" indent="-228600" algn="l" defTabSz="914400" rtl="0" eaLnBrk="1" latinLnBrk="1" hangingPunct="1">
-              <a:lnSpc>
-                <a:spcPct val="90000"/>
-              </a:lnSpc>
-              <a:spcBef>
-                <a:spcPts val="500"/>
-              </a:spcBef>
-              <a:buFont typeface="Arial" panose="020B0604020202020204" pitchFamily="34" charset="0"/>
-              <a:buChar char="•"/>
-              <a:defRPr sz="1800" kern="1200">
-                <a:solidFill>
-                  <a:schemeClr val="tx1"/>
-                </a:solidFill>
-                <a:latin typeface="+mn-lt"/>
-                <a:ea typeface="+mn-ea"/>
-                <a:cs typeface="+mn-cs"/>
-              </a:defRPr>
-            </a:lvl5pPr>
-            <a:lvl6pPr marL="2514600" indent="-228600" algn="l" defTabSz="914400" rtl="0" eaLnBrk="1" latinLnBrk="1" hangingPunct="1">
-              <a:lnSpc>
-                <a:spcPct val="90000"/>
-              </a:lnSpc>
-              <a:spcBef>
-                <a:spcPts val="500"/>
-              </a:spcBef>
-              <a:buFont typeface="Arial" panose="020B0604020202020204" pitchFamily="34" charset="0"/>
-              <a:buChar char="•"/>
-              <a:defRPr sz="1800" kern="1200">
-                <a:solidFill>
-                  <a:schemeClr val="tx1"/>
-                </a:solidFill>
-                <a:latin typeface="+mn-lt"/>
-                <a:ea typeface="+mn-ea"/>
-                <a:cs typeface="+mn-cs"/>
-              </a:defRPr>
-            </a:lvl6pPr>
-            <a:lvl7pPr marL="2971800" indent="-228600" algn="l" defTabSz="914400" rtl="0" eaLnBrk="1" latinLnBrk="1" hangingPunct="1">
-              <a:lnSpc>
-                <a:spcPct val="90000"/>
-              </a:lnSpc>
-              <a:spcBef>
-                <a:spcPts val="500"/>
-              </a:spcBef>
-              <a:buFont typeface="Arial" panose="020B0604020202020204" pitchFamily="34" charset="0"/>
-              <a:buChar char="•"/>
-              <a:defRPr sz="1800" kern="1200">
-                <a:solidFill>
-                  <a:schemeClr val="tx1"/>
-                </a:solidFill>
-                <a:latin typeface="+mn-lt"/>
-                <a:ea typeface="+mn-ea"/>
-                <a:cs typeface="+mn-cs"/>
-              </a:defRPr>
-            </a:lvl7pPr>
-            <a:lvl8pPr marL="3429000" indent="-228600" algn="l" defTabSz="914400" rtl="0" eaLnBrk="1" latinLnBrk="1" hangingPunct="1">
-              <a:lnSpc>
-                <a:spcPct val="90000"/>
-              </a:lnSpc>
-              <a:spcBef>
-                <a:spcPts val="500"/>
-              </a:spcBef>
-              <a:buFont typeface="Arial" panose="020B0604020202020204" pitchFamily="34" charset="0"/>
-              <a:buChar char="•"/>
-              <a:defRPr sz="1800" kern="1200">
-                <a:solidFill>
-                  <a:schemeClr val="tx1"/>
-                </a:solidFill>
-                <a:latin typeface="+mn-lt"/>
-                <a:ea typeface="+mn-ea"/>
-                <a:cs typeface="+mn-cs"/>
-              </a:defRPr>
-            </a:lvl8pPr>
-            <a:lvl9pPr marL="3886200" indent="-228600" algn="l" defTabSz="914400" rtl="0" eaLnBrk="1" latinLnBrk="1" hangingPunct="1">
-              <a:lnSpc>
-                <a:spcPct val="90000"/>
-              </a:lnSpc>
-              <a:spcBef>
-                <a:spcPts val="500"/>
-              </a:spcBef>
-              <a:buFont typeface="Arial" panose="020B0604020202020204" pitchFamily="34" charset="0"/>
-              <a:buChar char="•"/>
-              <a:defRPr sz="1800" kern="1200">
-                <a:solidFill>
-                  <a:schemeClr val="tx1"/>
-                </a:solidFill>
-                <a:latin typeface="+mn-lt"/>
-                <a:ea typeface="+mn-ea"/>
-                <a:cs typeface="+mn-cs"/>
-              </a:defRPr>
-            </a:lvl9pPr>
-          </a:lstStyle>
-          <a:p>
-            <a:pPr marL="0" indent="0">
-              <a:buNone/>
-            </a:pPr>
-            <a:r>
-              <a:rPr lang="en-US" altLang="ko-KR" sz="2200" dirty="0" smtClean="0"/>
-              <a:t>Interpreter </a:t>
-            </a:r>
-            <a:r>
-              <a:rPr lang="ko-KR" altLang="en-US" sz="2200" dirty="0" smtClean="0"/>
-              <a:t>아까 만든 </a:t>
-            </a:r>
-            <a:endParaRPr lang="en-US" altLang="ko-KR" sz="2200" dirty="0" smtClean="0"/>
-          </a:p>
-          <a:p>
-            <a:pPr marL="0" indent="0">
-              <a:buNone/>
-            </a:pPr>
-            <a:r>
-              <a:rPr lang="en-US" altLang="ko-KR" sz="2200" dirty="0" err="1" smtClean="0"/>
-              <a:t>gpu_env</a:t>
-            </a:r>
-            <a:r>
-              <a:rPr lang="en-US" altLang="ko-KR" sz="2200" dirty="0" smtClean="0"/>
-              <a:t> </a:t>
-            </a:r>
-            <a:r>
-              <a:rPr lang="ko-KR" altLang="en-US" sz="2200" dirty="0" smtClean="0"/>
-              <a:t>가상환경 설정하기</a:t>
-            </a:r>
-            <a:endParaRPr lang="en-US" altLang="ko-KR" sz="2200" dirty="0" smtClean="0"/>
-          </a:p>
-          <a:p>
-            <a:pPr marL="0" indent="0">
-              <a:buFont typeface="Arial" panose="020B0604020202020204" pitchFamily="34" charset="0"/>
-              <a:buNone/>
-            </a:pPr>
-            <a:endParaRPr lang="ko-KR" altLang="en-US" sz="2200" dirty="0"/>
-          </a:p>
-        </p:txBody>
-      </p:sp>
-      <p:pic>
-        <p:nvPicPr>
-          <p:cNvPr id="5" name="그림 4"/>
-          <p:cNvPicPr>
-            <a:picLocks noChangeAspect="1"/>
-          </p:cNvPicPr>
-          <p:nvPr/>
-        </p:nvPicPr>
-        <p:blipFill>
-          <a:blip r:embed="rId3"/>
-          <a:stretch>
-            <a:fillRect/>
-          </a:stretch>
-        </p:blipFill>
-        <p:spPr>
-          <a:xfrm>
-            <a:off x="595543" y="4309633"/>
-            <a:ext cx="6073666" cy="2362405"/>
-          </a:xfrm>
-          <a:prstGeom prst="rect">
-            <a:avLst/>
-          </a:prstGeom>
-        </p:spPr>
-      </p:pic>
-    </p:spTree>
-    <p:extLst>
-      <p:ext uri="{BB962C8B-B14F-4D97-AF65-F5344CB8AC3E}">
-        <p14:creationId xmlns:p14="http://schemas.microsoft.com/office/powerpoint/2010/main" val="353069569"/>
-      </p:ext>
-    </p:extLst>
-  </p:cSld>
-  <p:clrMapOvr>
-    <a:masterClrMapping/>
-  </p:clrMapOvr>
-  <p:timing>
-    <p:tnLst>
-      <p:par>
-        <p:cTn id="1" dur="indefinite" restart="never" nodeType="tmRoot"/>
-      </p:par>
-    </p:tnLst>
-  </p:timing>
-</p:sld>
-</file>
-
-<file path=ppt/slides/slide17.xml><?xml version="1.0" encoding="utf-8"?>
-<p:sld xmlns:a="http://schemas.openxmlformats.org/drawingml/2006/main" xmlns:r="http://schemas.openxmlformats.org/officeDocument/2006/relationships" xmlns:p="http://schemas.openxmlformats.org/presentationml/2006/main">
-  <p:cSld>
-    <p:spTree>
-      <p:nvGrpSpPr>
-        <p:cNvPr id="1" name=""/>
-        <p:cNvGrpSpPr/>
-        <p:nvPr/>
-      </p:nvGrpSpPr>
-      <p:grpSpPr>
-        <a:xfrm>
-          <a:off x="0" y="0"/>
-          <a:ext cx="0" cy="0"/>
-          <a:chOff x="0" y="0"/>
-          <a:chExt cx="0" cy="0"/>
-        </a:xfrm>
-      </p:grpSpPr>
-      <p:sp>
-        <p:nvSpPr>
-          <p:cNvPr id="2" name="제목 1"/>
-          <p:cNvSpPr>
-            <a:spLocks noGrp="1"/>
-          </p:cNvSpPr>
-          <p:nvPr>
-            <p:ph type="title"/>
-          </p:nvPr>
-        </p:nvSpPr>
-        <p:spPr>
-          <a:xfrm>
-            <a:off x="838200" y="365126"/>
-            <a:ext cx="10515600" cy="833360"/>
-          </a:xfrm>
-        </p:spPr>
-        <p:txBody>
-          <a:bodyPr>
-            <a:normAutofit/>
-          </a:bodyPr>
-          <a:lstStyle/>
-          <a:p>
-            <a:r>
-              <a:rPr lang="en-US" altLang="ko-KR" sz="3300" dirty="0" smtClean="0"/>
-              <a:t>8. </a:t>
-            </a:r>
-            <a:r>
-              <a:rPr lang="ko-KR" altLang="en-US" sz="3300" dirty="0" smtClean="0"/>
-              <a:t>실습</a:t>
-            </a:r>
-            <a:endParaRPr lang="ko-KR" altLang="en-US" sz="3300" dirty="0"/>
-          </a:p>
-        </p:txBody>
-      </p:sp>
-      <p:sp>
-        <p:nvSpPr>
-          <p:cNvPr id="9" name="내용 개체 틀 2"/>
-          <p:cNvSpPr txBox="1">
-            <a:spLocks/>
-          </p:cNvSpPr>
-          <p:nvPr/>
-        </p:nvSpPr>
-        <p:spPr>
-          <a:xfrm>
-            <a:off x="753862" y="5606245"/>
-            <a:ext cx="10599938" cy="632420"/>
-          </a:xfrm>
-          <a:prstGeom prst="rect">
-            <a:avLst/>
-          </a:prstGeom>
-        </p:spPr>
-        <p:txBody>
-          <a:bodyPr vert="horz" lIns="91440" tIns="45720" rIns="91440" bIns="45720" rtlCol="0">
-            <a:normAutofit fontScale="92500" lnSpcReduction="20000"/>
-          </a:bodyPr>
-          <a:lstStyle>
-            <a:lvl1pPr marL="228600" indent="-228600" algn="l" defTabSz="914400" rtl="0" eaLnBrk="1" latinLnBrk="1" hangingPunct="1">
-              <a:lnSpc>
-                <a:spcPct val="90000"/>
-              </a:lnSpc>
-              <a:spcBef>
-                <a:spcPts val="1000"/>
-              </a:spcBef>
-              <a:buFont typeface="Arial" panose="020B0604020202020204" pitchFamily="34" charset="0"/>
-              <a:buChar char="•"/>
-              <a:defRPr sz="2800" kern="1200">
-                <a:solidFill>
-                  <a:schemeClr val="tx1"/>
-                </a:solidFill>
-                <a:latin typeface="+mn-lt"/>
-                <a:ea typeface="+mn-ea"/>
-                <a:cs typeface="+mn-cs"/>
-              </a:defRPr>
-            </a:lvl1pPr>
-            <a:lvl2pPr marL="685800" indent="-228600" algn="l" defTabSz="914400" rtl="0" eaLnBrk="1" latinLnBrk="1" hangingPunct="1">
-              <a:lnSpc>
-                <a:spcPct val="90000"/>
-              </a:lnSpc>
-              <a:spcBef>
-                <a:spcPts val="500"/>
-              </a:spcBef>
-              <a:buFont typeface="Arial" panose="020B0604020202020204" pitchFamily="34" charset="0"/>
-              <a:buChar char="•"/>
-              <a:defRPr sz="2400" kern="1200">
-                <a:solidFill>
-                  <a:schemeClr val="tx1"/>
-                </a:solidFill>
-                <a:latin typeface="+mn-lt"/>
-                <a:ea typeface="+mn-ea"/>
-                <a:cs typeface="+mn-cs"/>
-              </a:defRPr>
-            </a:lvl2pPr>
-            <a:lvl3pPr marL="1143000" indent="-228600" algn="l" defTabSz="914400" rtl="0" eaLnBrk="1" latinLnBrk="1" hangingPunct="1">
-              <a:lnSpc>
-                <a:spcPct val="90000"/>
-              </a:lnSpc>
-              <a:spcBef>
-                <a:spcPts val="500"/>
-              </a:spcBef>
-              <a:buFont typeface="Arial" panose="020B0604020202020204" pitchFamily="34" charset="0"/>
-              <a:buChar char="•"/>
-              <a:defRPr sz="2000" kern="1200">
-                <a:solidFill>
-                  <a:schemeClr val="tx1"/>
-                </a:solidFill>
-                <a:latin typeface="+mn-lt"/>
-                <a:ea typeface="+mn-ea"/>
-                <a:cs typeface="+mn-cs"/>
-              </a:defRPr>
-            </a:lvl3pPr>
-            <a:lvl4pPr marL="1600200" indent="-228600" algn="l" defTabSz="914400" rtl="0" eaLnBrk="1" latinLnBrk="1" hangingPunct="1">
-              <a:lnSpc>
-                <a:spcPct val="90000"/>
-              </a:lnSpc>
-              <a:spcBef>
-                <a:spcPts val="500"/>
-              </a:spcBef>
-              <a:buFont typeface="Arial" panose="020B0604020202020204" pitchFamily="34" charset="0"/>
-              <a:buChar char="•"/>
-              <a:defRPr sz="1800" kern="1200">
-                <a:solidFill>
-                  <a:schemeClr val="tx1"/>
-                </a:solidFill>
-                <a:latin typeface="+mn-lt"/>
-                <a:ea typeface="+mn-ea"/>
-                <a:cs typeface="+mn-cs"/>
-              </a:defRPr>
-            </a:lvl4pPr>
-            <a:lvl5pPr marL="2057400" indent="-228600" algn="l" defTabSz="914400" rtl="0" eaLnBrk="1" latinLnBrk="1" hangingPunct="1">
-              <a:lnSpc>
-                <a:spcPct val="90000"/>
-              </a:lnSpc>
-              <a:spcBef>
-                <a:spcPts val="500"/>
-              </a:spcBef>
-              <a:buFont typeface="Arial" panose="020B0604020202020204" pitchFamily="34" charset="0"/>
-              <a:buChar char="•"/>
-              <a:defRPr sz="1800" kern="1200">
-                <a:solidFill>
-                  <a:schemeClr val="tx1"/>
-                </a:solidFill>
-                <a:latin typeface="+mn-lt"/>
-                <a:ea typeface="+mn-ea"/>
-                <a:cs typeface="+mn-cs"/>
-              </a:defRPr>
-            </a:lvl5pPr>
-            <a:lvl6pPr marL="2514600" indent="-228600" algn="l" defTabSz="914400" rtl="0" eaLnBrk="1" latinLnBrk="1" hangingPunct="1">
-              <a:lnSpc>
-                <a:spcPct val="90000"/>
-              </a:lnSpc>
-              <a:spcBef>
-                <a:spcPts val="500"/>
-              </a:spcBef>
-              <a:buFont typeface="Arial" panose="020B0604020202020204" pitchFamily="34" charset="0"/>
-              <a:buChar char="•"/>
-              <a:defRPr sz="1800" kern="1200">
-                <a:solidFill>
-                  <a:schemeClr val="tx1"/>
-                </a:solidFill>
-                <a:latin typeface="+mn-lt"/>
-                <a:ea typeface="+mn-ea"/>
-                <a:cs typeface="+mn-cs"/>
-              </a:defRPr>
-            </a:lvl6pPr>
-            <a:lvl7pPr marL="2971800" indent="-228600" algn="l" defTabSz="914400" rtl="0" eaLnBrk="1" latinLnBrk="1" hangingPunct="1">
-              <a:lnSpc>
-                <a:spcPct val="90000"/>
-              </a:lnSpc>
-              <a:spcBef>
-                <a:spcPts val="500"/>
-              </a:spcBef>
-              <a:buFont typeface="Arial" panose="020B0604020202020204" pitchFamily="34" charset="0"/>
-              <a:buChar char="•"/>
-              <a:defRPr sz="1800" kern="1200">
-                <a:solidFill>
-                  <a:schemeClr val="tx1"/>
-                </a:solidFill>
-                <a:latin typeface="+mn-lt"/>
-                <a:ea typeface="+mn-ea"/>
-                <a:cs typeface="+mn-cs"/>
-              </a:defRPr>
-            </a:lvl7pPr>
-            <a:lvl8pPr marL="3429000" indent="-228600" algn="l" defTabSz="914400" rtl="0" eaLnBrk="1" latinLnBrk="1" hangingPunct="1">
-              <a:lnSpc>
-                <a:spcPct val="90000"/>
-              </a:lnSpc>
-              <a:spcBef>
-                <a:spcPts val="500"/>
-              </a:spcBef>
-              <a:buFont typeface="Arial" panose="020B0604020202020204" pitchFamily="34" charset="0"/>
-              <a:buChar char="•"/>
-              <a:defRPr sz="1800" kern="1200">
-                <a:solidFill>
-                  <a:schemeClr val="tx1"/>
-                </a:solidFill>
-                <a:latin typeface="+mn-lt"/>
-                <a:ea typeface="+mn-ea"/>
-                <a:cs typeface="+mn-cs"/>
-              </a:defRPr>
-            </a:lvl8pPr>
-            <a:lvl9pPr marL="3886200" indent="-228600" algn="l" defTabSz="914400" rtl="0" eaLnBrk="1" latinLnBrk="1" hangingPunct="1">
-              <a:lnSpc>
-                <a:spcPct val="90000"/>
-              </a:lnSpc>
-              <a:spcBef>
-                <a:spcPts val="500"/>
-              </a:spcBef>
-              <a:buFont typeface="Arial" panose="020B0604020202020204" pitchFamily="34" charset="0"/>
-              <a:buChar char="•"/>
-              <a:defRPr sz="1800" kern="1200">
-                <a:solidFill>
-                  <a:schemeClr val="tx1"/>
-                </a:solidFill>
-                <a:latin typeface="+mn-lt"/>
-                <a:ea typeface="+mn-ea"/>
-                <a:cs typeface="+mn-cs"/>
-              </a:defRPr>
-            </a:lvl9pPr>
-          </a:lstStyle>
-          <a:p>
-            <a:pPr marL="0" indent="0">
-              <a:buNone/>
-            </a:pPr>
-            <a:r>
-              <a:rPr lang="en-US" altLang="ko-KR" sz="2500" dirty="0" smtClean="0"/>
-              <a:t> </a:t>
-            </a:r>
-          </a:p>
-          <a:p>
-            <a:pPr marL="0" indent="0">
-              <a:buNone/>
-            </a:pPr>
-            <a:r>
-              <a:rPr lang="en-US" altLang="ko-KR" sz="1500" dirty="0" smtClean="0"/>
-              <a:t> </a:t>
-            </a:r>
-          </a:p>
-          <a:p>
-            <a:pPr marL="0" indent="0">
-              <a:buFont typeface="Arial" panose="020B0604020202020204" pitchFamily="34" charset="0"/>
-              <a:buNone/>
-            </a:pPr>
-            <a:endParaRPr lang="ko-KR" altLang="en-US" sz="1500" dirty="0"/>
-          </a:p>
-        </p:txBody>
-      </p:sp>
-      <p:sp>
-        <p:nvSpPr>
-          <p:cNvPr id="7" name="내용 개체 틀 2"/>
-          <p:cNvSpPr txBox="1">
-            <a:spLocks/>
-          </p:cNvSpPr>
-          <p:nvPr/>
-        </p:nvSpPr>
-        <p:spPr>
-          <a:xfrm>
-            <a:off x="4199139" y="4785064"/>
-            <a:ext cx="6996342" cy="1137391"/>
-          </a:xfrm>
-          <a:prstGeom prst="rect">
-            <a:avLst/>
-          </a:prstGeom>
-        </p:spPr>
-        <p:txBody>
-          <a:bodyPr vert="horz" lIns="91440" tIns="45720" rIns="91440" bIns="45720" rtlCol="0">
-            <a:normAutofit/>
-          </a:bodyPr>
-          <a:lstStyle>
-            <a:lvl1pPr marL="228600" indent="-228600" algn="l" defTabSz="914400" rtl="0" eaLnBrk="1" latinLnBrk="1" hangingPunct="1">
-              <a:lnSpc>
-                <a:spcPct val="90000"/>
-              </a:lnSpc>
-              <a:spcBef>
-                <a:spcPts val="1000"/>
-              </a:spcBef>
-              <a:buFont typeface="Arial" panose="020B0604020202020204" pitchFamily="34" charset="0"/>
-              <a:buChar char="•"/>
-              <a:defRPr sz="2800" kern="1200">
-                <a:solidFill>
-                  <a:schemeClr val="tx1"/>
-                </a:solidFill>
-                <a:latin typeface="+mn-lt"/>
-                <a:ea typeface="+mn-ea"/>
-                <a:cs typeface="+mn-cs"/>
-              </a:defRPr>
-            </a:lvl1pPr>
-            <a:lvl2pPr marL="685800" indent="-228600" algn="l" defTabSz="914400" rtl="0" eaLnBrk="1" latinLnBrk="1" hangingPunct="1">
-              <a:lnSpc>
-                <a:spcPct val="90000"/>
-              </a:lnSpc>
-              <a:spcBef>
-                <a:spcPts val="500"/>
-              </a:spcBef>
-              <a:buFont typeface="Arial" panose="020B0604020202020204" pitchFamily="34" charset="0"/>
-              <a:buChar char="•"/>
-              <a:defRPr sz="2400" kern="1200">
-                <a:solidFill>
-                  <a:schemeClr val="tx1"/>
-                </a:solidFill>
-                <a:latin typeface="+mn-lt"/>
-                <a:ea typeface="+mn-ea"/>
-                <a:cs typeface="+mn-cs"/>
-              </a:defRPr>
-            </a:lvl2pPr>
-            <a:lvl3pPr marL="1143000" indent="-228600" algn="l" defTabSz="914400" rtl="0" eaLnBrk="1" latinLnBrk="1" hangingPunct="1">
-              <a:lnSpc>
-                <a:spcPct val="90000"/>
-              </a:lnSpc>
-              <a:spcBef>
-                <a:spcPts val="500"/>
-              </a:spcBef>
-              <a:buFont typeface="Arial" panose="020B0604020202020204" pitchFamily="34" charset="0"/>
-              <a:buChar char="•"/>
-              <a:defRPr sz="2000" kern="1200">
-                <a:solidFill>
-                  <a:schemeClr val="tx1"/>
-                </a:solidFill>
-                <a:latin typeface="+mn-lt"/>
-                <a:ea typeface="+mn-ea"/>
-                <a:cs typeface="+mn-cs"/>
-              </a:defRPr>
-            </a:lvl3pPr>
-            <a:lvl4pPr marL="1600200" indent="-228600" algn="l" defTabSz="914400" rtl="0" eaLnBrk="1" latinLnBrk="1" hangingPunct="1">
-              <a:lnSpc>
-                <a:spcPct val="90000"/>
-              </a:lnSpc>
-              <a:spcBef>
-                <a:spcPts val="500"/>
-              </a:spcBef>
-              <a:buFont typeface="Arial" panose="020B0604020202020204" pitchFamily="34" charset="0"/>
-              <a:buChar char="•"/>
-              <a:defRPr sz="1800" kern="1200">
-                <a:solidFill>
-                  <a:schemeClr val="tx1"/>
-                </a:solidFill>
-                <a:latin typeface="+mn-lt"/>
-                <a:ea typeface="+mn-ea"/>
-                <a:cs typeface="+mn-cs"/>
-              </a:defRPr>
-            </a:lvl4pPr>
-            <a:lvl5pPr marL="2057400" indent="-228600" algn="l" defTabSz="914400" rtl="0" eaLnBrk="1" latinLnBrk="1" hangingPunct="1">
-              <a:lnSpc>
-                <a:spcPct val="90000"/>
-              </a:lnSpc>
-              <a:spcBef>
-                <a:spcPts val="500"/>
-              </a:spcBef>
-              <a:buFont typeface="Arial" panose="020B0604020202020204" pitchFamily="34" charset="0"/>
-              <a:buChar char="•"/>
-              <a:defRPr sz="1800" kern="1200">
-                <a:solidFill>
-                  <a:schemeClr val="tx1"/>
-                </a:solidFill>
-                <a:latin typeface="+mn-lt"/>
-                <a:ea typeface="+mn-ea"/>
-                <a:cs typeface="+mn-cs"/>
-              </a:defRPr>
-            </a:lvl5pPr>
-            <a:lvl6pPr marL="2514600" indent="-228600" algn="l" defTabSz="914400" rtl="0" eaLnBrk="1" latinLnBrk="1" hangingPunct="1">
-              <a:lnSpc>
-                <a:spcPct val="90000"/>
-              </a:lnSpc>
-              <a:spcBef>
-                <a:spcPts val="500"/>
-              </a:spcBef>
-              <a:buFont typeface="Arial" panose="020B0604020202020204" pitchFamily="34" charset="0"/>
-              <a:buChar char="•"/>
-              <a:defRPr sz="1800" kern="1200">
-                <a:solidFill>
-                  <a:schemeClr val="tx1"/>
-                </a:solidFill>
-                <a:latin typeface="+mn-lt"/>
-                <a:ea typeface="+mn-ea"/>
-                <a:cs typeface="+mn-cs"/>
-              </a:defRPr>
-            </a:lvl6pPr>
-            <a:lvl7pPr marL="2971800" indent="-228600" algn="l" defTabSz="914400" rtl="0" eaLnBrk="1" latinLnBrk="1" hangingPunct="1">
-              <a:lnSpc>
-                <a:spcPct val="90000"/>
-              </a:lnSpc>
-              <a:spcBef>
-                <a:spcPts val="500"/>
-              </a:spcBef>
-              <a:buFont typeface="Arial" panose="020B0604020202020204" pitchFamily="34" charset="0"/>
-              <a:buChar char="•"/>
-              <a:defRPr sz="1800" kern="1200">
-                <a:solidFill>
-                  <a:schemeClr val="tx1"/>
-                </a:solidFill>
-                <a:latin typeface="+mn-lt"/>
-                <a:ea typeface="+mn-ea"/>
-                <a:cs typeface="+mn-cs"/>
-              </a:defRPr>
-            </a:lvl7pPr>
-            <a:lvl8pPr marL="3429000" indent="-228600" algn="l" defTabSz="914400" rtl="0" eaLnBrk="1" latinLnBrk="1" hangingPunct="1">
-              <a:lnSpc>
-                <a:spcPct val="90000"/>
-              </a:lnSpc>
-              <a:spcBef>
-                <a:spcPts val="500"/>
-              </a:spcBef>
-              <a:buFont typeface="Arial" panose="020B0604020202020204" pitchFamily="34" charset="0"/>
-              <a:buChar char="•"/>
-              <a:defRPr sz="1800" kern="1200">
-                <a:solidFill>
-                  <a:schemeClr val="tx1"/>
-                </a:solidFill>
-                <a:latin typeface="+mn-lt"/>
-                <a:ea typeface="+mn-ea"/>
-                <a:cs typeface="+mn-cs"/>
-              </a:defRPr>
-            </a:lvl8pPr>
-            <a:lvl9pPr marL="3886200" indent="-228600" algn="l" defTabSz="914400" rtl="0" eaLnBrk="1" latinLnBrk="1" hangingPunct="1">
-              <a:lnSpc>
-                <a:spcPct val="90000"/>
-              </a:lnSpc>
-              <a:spcBef>
-                <a:spcPts val="500"/>
-              </a:spcBef>
-              <a:buFont typeface="Arial" panose="020B0604020202020204" pitchFamily="34" charset="0"/>
-              <a:buChar char="•"/>
-              <a:defRPr sz="1800" kern="1200">
-                <a:solidFill>
-                  <a:schemeClr val="tx1"/>
-                </a:solidFill>
-                <a:latin typeface="+mn-lt"/>
-                <a:ea typeface="+mn-ea"/>
-                <a:cs typeface="+mn-cs"/>
-              </a:defRPr>
-            </a:lvl9pPr>
-          </a:lstStyle>
-          <a:p>
-            <a:pPr marL="0" indent="0">
-              <a:buNone/>
-            </a:pPr>
-            <a:r>
-              <a:rPr lang="en-US" altLang="ko-KR" sz="2200" dirty="0" err="1" smtClean="0"/>
-              <a:t>gpu_env</a:t>
-            </a:r>
-            <a:r>
-              <a:rPr lang="en-US" altLang="ko-KR" sz="2200" dirty="0" smtClean="0"/>
-              <a:t> test</a:t>
-            </a:r>
-            <a:r>
-              <a:rPr lang="ko-KR" altLang="en-US" sz="2200" dirty="0" smtClean="0"/>
-              <a:t>라는 커널 선택해서 모두 </a:t>
-            </a:r>
-            <a:r>
-              <a:rPr lang="ko-KR" altLang="en-US" sz="2200" dirty="0" err="1" smtClean="0"/>
-              <a:t>실행해보기</a:t>
-            </a:r>
-            <a:r>
-              <a:rPr lang="en-US" altLang="ko-KR" sz="2200" dirty="0" smtClean="0"/>
-              <a:t>!</a:t>
-            </a:r>
-          </a:p>
-          <a:p>
-            <a:pPr marL="0" indent="0">
-              <a:buFont typeface="Arial" panose="020B0604020202020204" pitchFamily="34" charset="0"/>
-              <a:buNone/>
-            </a:pPr>
-            <a:endParaRPr lang="ko-KR" altLang="en-US" sz="2200" dirty="0"/>
-          </a:p>
-        </p:txBody>
-      </p:sp>
-      <p:pic>
-        <p:nvPicPr>
-          <p:cNvPr id="3" name="그림 2"/>
-          <p:cNvPicPr>
-            <a:picLocks noChangeAspect="1"/>
-          </p:cNvPicPr>
-          <p:nvPr/>
-        </p:nvPicPr>
-        <p:blipFill>
-          <a:blip r:embed="rId2"/>
-          <a:stretch>
-            <a:fillRect/>
-          </a:stretch>
-        </p:blipFill>
-        <p:spPr>
-          <a:xfrm>
-            <a:off x="1014671" y="1686758"/>
-            <a:ext cx="6108614" cy="2227450"/>
-          </a:xfrm>
-          <a:prstGeom prst="rect">
-            <a:avLst/>
-          </a:prstGeom>
-        </p:spPr>
-      </p:pic>
-    </p:spTree>
-    <p:extLst>
-      <p:ext uri="{BB962C8B-B14F-4D97-AF65-F5344CB8AC3E}">
-        <p14:creationId xmlns:p14="http://schemas.microsoft.com/office/powerpoint/2010/main" val="1351619055"/>
-      </p:ext>
-    </p:extLst>
-  </p:cSld>
-  <p:clrMapOvr>
-    <a:masterClrMapping/>
-  </p:clrMapOvr>
-  <p:timing>
-    <p:tnLst>
-      <p:par>
-        <p:cTn id="1" dur="indefinite" restart="never" nodeType="tmRoot"/>
-      </p:par>
-    </p:tnLst>
-  </p:timing>
-</p:sld>
-</file>
-
-<file path=ppt/slides/slide18.xml><?xml version="1.0" encoding="utf-8"?>
-<p:sld xmlns:a="http://schemas.openxmlformats.org/drawingml/2006/main" xmlns:r="http://schemas.openxmlformats.org/officeDocument/2006/relationships" xmlns:p="http://schemas.openxmlformats.org/presentationml/2006/main">
-  <p:cSld>
-    <p:spTree>
-      <p:nvGrpSpPr>
-        <p:cNvPr id="1" name=""/>
-        <p:cNvGrpSpPr/>
-        <p:nvPr/>
-      </p:nvGrpSpPr>
-      <p:grpSpPr>
-        <a:xfrm>
-          <a:off x="0" y="0"/>
-          <a:ext cx="0" cy="0"/>
-          <a:chOff x="0" y="0"/>
-          <a:chExt cx="0" cy="0"/>
-        </a:xfrm>
-      </p:grpSpPr>
-      <p:sp>
-        <p:nvSpPr>
-          <p:cNvPr id="2" name="제목 1"/>
-          <p:cNvSpPr>
-            <a:spLocks noGrp="1"/>
-          </p:cNvSpPr>
-          <p:nvPr>
-            <p:ph type="title"/>
-          </p:nvPr>
-        </p:nvSpPr>
-        <p:spPr/>
-        <p:txBody>
-          <a:bodyPr/>
-          <a:lstStyle/>
-          <a:p>
-            <a:r>
-              <a:rPr lang="ko-KR" altLang="en-US" dirty="0" smtClean="0"/>
-              <a:t>끝</a:t>
-            </a:r>
-            <a:r>
-              <a:rPr lang="en-US" altLang="ko-KR" dirty="0" smtClean="0"/>
-              <a:t>!</a:t>
-            </a:r>
-            <a:endParaRPr lang="ko-KR" altLang="en-US" dirty="0"/>
-          </a:p>
-        </p:txBody>
-      </p:sp>
-      <p:sp>
-        <p:nvSpPr>
-          <p:cNvPr id="3" name="내용 개체 틀 2"/>
-          <p:cNvSpPr>
-            <a:spLocks noGrp="1"/>
-          </p:cNvSpPr>
-          <p:nvPr>
-            <p:ph idx="1"/>
-          </p:nvPr>
-        </p:nvSpPr>
-        <p:spPr/>
-        <p:txBody>
-          <a:bodyPr/>
-          <a:lstStyle/>
-          <a:p>
-            <a:r>
-              <a:rPr lang="ko-KR" altLang="en-US" dirty="0" smtClean="0"/>
-              <a:t>감사합니다</a:t>
-            </a:r>
-            <a:r>
-              <a:rPr lang="en-US" altLang="ko-KR" dirty="0" smtClean="0"/>
-              <a:t>.</a:t>
-            </a:r>
-            <a:endParaRPr lang="ko-KR" altLang="en-US" dirty="0"/>
-          </a:p>
-        </p:txBody>
-      </p:sp>
-    </p:spTree>
-    <p:extLst>
-      <p:ext uri="{BB962C8B-B14F-4D97-AF65-F5344CB8AC3E}">
-        <p14:creationId xmlns:p14="http://schemas.microsoft.com/office/powerpoint/2010/main" val="2474074463"/>
-      </p:ext>
-    </p:extLst>
-  </p:cSld>
-  <p:clrMapOvr>
-    <a:masterClrMapping/>
-  </p:clrMapOvr>
-  <p:timing>
-    <p:tnLst>
-      <p:par>
-        <p:cTn id="1" dur="indefinite" restart="never" nodeType="tmRoot"/>
-      </p:par>
-    </p:tnLst>
-  </p:timing>
-</p:sld>
-</file>
-
-<file path=ppt/slides/slide2.xml><?xml version="1.0" encoding="utf-8"?>
-<p:sld xmlns:a="http://schemas.openxmlformats.org/drawingml/2006/main" xmlns:r="http://schemas.openxmlformats.org/officeDocument/2006/relationships" xmlns:p="http://schemas.openxmlformats.org/presentationml/2006/main">
-  <p:cSld>
-    <p:spTree>
-      <p:nvGrpSpPr>
-        <p:cNvPr id="1" name=""/>
-        <p:cNvGrpSpPr/>
-        <p:nvPr/>
-      </p:nvGrpSpPr>
-      <p:grpSpPr>
-        <a:xfrm>
-          <a:off x="0" y="0"/>
-          <a:ext cx="0" cy="0"/>
-          <a:chOff x="0" y="0"/>
-          <a:chExt cx="0" cy="0"/>
-        </a:xfrm>
-      </p:grpSpPr>
-      <p:sp>
-        <p:nvSpPr>
-          <p:cNvPr id="2" name="제목 1"/>
-          <p:cNvSpPr>
-            <a:spLocks noGrp="1"/>
-          </p:cNvSpPr>
-          <p:nvPr>
-            <p:ph type="title"/>
-          </p:nvPr>
-        </p:nvSpPr>
-        <p:spPr/>
-        <p:txBody>
-          <a:bodyPr/>
-          <a:lstStyle/>
-          <a:p>
-            <a:r>
-              <a:rPr lang="en-US" altLang="ko-KR" dirty="0" smtClean="0"/>
-              <a:t>1. </a:t>
-            </a:r>
-            <a:r>
-              <a:rPr lang="ko-KR" altLang="en-US" dirty="0" smtClean="0"/>
-              <a:t>사전 요구 사항</a:t>
-            </a:r>
-            <a:endParaRPr lang="ko-KR" altLang="en-US" dirty="0"/>
-          </a:p>
-        </p:txBody>
-      </p:sp>
-      <p:sp>
-        <p:nvSpPr>
-          <p:cNvPr id="3" name="내용 개체 틀 2"/>
-          <p:cNvSpPr>
-            <a:spLocks noGrp="1"/>
-          </p:cNvSpPr>
-          <p:nvPr>
-            <p:ph idx="1"/>
-          </p:nvPr>
-        </p:nvSpPr>
-        <p:spPr/>
-        <p:txBody>
-          <a:bodyPr/>
-          <a:lstStyle/>
-          <a:p>
-            <a:r>
-              <a:rPr lang="en-US" altLang="ko-KR" dirty="0"/>
-              <a:t>OS: Windows 10 / 11 (64-bit)</a:t>
-            </a:r>
-          </a:p>
-          <a:p>
-            <a:r>
-              <a:rPr lang="en-US" altLang="ko-KR" dirty="0"/>
-              <a:t>GPU: NVIDIA GeForce </a:t>
-            </a:r>
-            <a:r>
-              <a:rPr lang="ko-KR" altLang="en-US" dirty="0"/>
-              <a:t>계열 </a:t>
-            </a:r>
-            <a:r>
-              <a:rPr lang="en-US" altLang="ko-KR" dirty="0"/>
-              <a:t>(</a:t>
-            </a:r>
-            <a:r>
-              <a:rPr lang="ko-KR" altLang="en-US" dirty="0"/>
-              <a:t>예</a:t>
-            </a:r>
-            <a:r>
-              <a:rPr lang="en-US" altLang="ko-KR" dirty="0"/>
-              <a:t>: RTX 5060 Laptop GPU, 8GB VRAM)</a:t>
-            </a:r>
-          </a:p>
-          <a:p>
-            <a:r>
-              <a:rPr lang="ko-KR" altLang="en-US" dirty="0"/>
-              <a:t>드라이버</a:t>
-            </a:r>
-            <a:r>
-              <a:rPr lang="en-US" altLang="ko-KR" dirty="0"/>
-              <a:t>: </a:t>
-            </a:r>
-            <a:r>
-              <a:rPr lang="ko-KR" altLang="en-US" dirty="0"/>
-              <a:t>최신 </a:t>
-            </a:r>
-            <a:r>
-              <a:rPr lang="en-US" altLang="ko-KR" dirty="0"/>
-              <a:t>NVIDIA </a:t>
-            </a:r>
-            <a:r>
-              <a:rPr lang="ko-KR" altLang="en-US" dirty="0"/>
-              <a:t>그래픽 드라이버</a:t>
-            </a:r>
-          </a:p>
-          <a:p>
-            <a:r>
-              <a:rPr lang="ko-KR" altLang="en-US" dirty="0"/>
-              <a:t>필수 소프트웨어</a:t>
-            </a:r>
-          </a:p>
-          <a:p>
-            <a:pPr lvl="1"/>
-            <a:r>
-              <a:rPr lang="en-US" altLang="ko-KR" u="sng" dirty="0">
-                <a:hlinkClick r:id="rId2"/>
-              </a:rPr>
-              <a:t>Anaconda</a:t>
-            </a:r>
-            <a:r>
-              <a:rPr lang="en-US" altLang="ko-KR" dirty="0"/>
-              <a:t> </a:t>
-            </a:r>
-            <a:r>
-              <a:rPr lang="ko-KR" altLang="en-US" dirty="0"/>
-              <a:t>또는 </a:t>
-            </a:r>
-            <a:r>
-              <a:rPr lang="en-US" altLang="ko-KR" u="sng" dirty="0" err="1">
-                <a:hlinkClick r:id="rId3"/>
-              </a:rPr>
-              <a:t>Miniconda</a:t>
-            </a:r>
-            <a:endParaRPr lang="en-US" altLang="ko-KR" dirty="0"/>
-          </a:p>
-          <a:p>
-            <a:pPr lvl="1"/>
-            <a:r>
-              <a:rPr lang="en-US" altLang="ko-KR" u="sng" dirty="0">
-                <a:hlinkClick r:id="rId4"/>
-              </a:rPr>
-              <a:t>Visual Studio Code</a:t>
-            </a:r>
-            <a:endParaRPr lang="en-US" altLang="ko-KR" dirty="0"/>
-          </a:p>
-        </p:txBody>
-      </p:sp>
-    </p:spTree>
-    <p:extLst>
-      <p:ext uri="{BB962C8B-B14F-4D97-AF65-F5344CB8AC3E}">
-        <p14:creationId xmlns:p14="http://schemas.microsoft.com/office/powerpoint/2010/main" val="3744930771"/>
-      </p:ext>
-    </p:extLst>
-  </p:cSld>
-  <p:clrMapOvr>
-    <a:masterClrMapping/>
-  </p:clrMapOvr>
-  <p:timing>
-    <p:tnLst>
-      <p:par>
-        <p:cTn id="1" dur="indefinite" restart="never" nodeType="tmRoot"/>
-      </p:par>
-    </p:tnLst>
-  </p:timing>
-</p:sld>
-</file>
-
-<file path=ppt/slides/slide3.xml><?xml version="1.0" encoding="utf-8"?>
-<p:sld xmlns:a="http://schemas.openxmlformats.org/drawingml/2006/main" xmlns:r="http://schemas.openxmlformats.org/officeDocument/2006/relationships" xmlns:p="http://schemas.openxmlformats.org/presentationml/2006/main">
-  <p:cSld>
-    <p:spTree>
-      <p:nvGrpSpPr>
-        <p:cNvPr id="1" name=""/>
-        <p:cNvGrpSpPr/>
-        <p:nvPr/>
-      </p:nvGrpSpPr>
-      <p:grpSpPr>
-        <a:xfrm>
-          <a:off x="0" y="0"/>
-          <a:ext cx="0" cy="0"/>
-          <a:chOff x="0" y="0"/>
-          <a:chExt cx="0" cy="0"/>
-        </a:xfrm>
-      </p:grpSpPr>
-      <p:sp>
-        <p:nvSpPr>
-          <p:cNvPr id="2" name="제목 1"/>
-          <p:cNvSpPr>
-            <a:spLocks noGrp="1"/>
-          </p:cNvSpPr>
-          <p:nvPr>
-            <p:ph type="title"/>
-          </p:nvPr>
-        </p:nvSpPr>
-        <p:spPr>
-          <a:xfrm>
-            <a:off x="838200" y="365126"/>
-            <a:ext cx="10515600" cy="833360"/>
-          </a:xfrm>
-        </p:spPr>
-        <p:txBody>
-          <a:bodyPr>
-            <a:normAutofit/>
-          </a:bodyPr>
-          <a:lstStyle/>
-          <a:p>
-            <a:r>
-              <a:rPr lang="en-US" altLang="ko-KR" sz="3300" dirty="0" smtClean="0"/>
-              <a:t>2. </a:t>
             </a:r>
             <a:r>
               <a:rPr lang="ko-KR" altLang="en-US" sz="3300" dirty="0" smtClean="0"/>
@@ -7546,7 +9219,7 @@
 </p:sld>
 </file>
 
-<file path=ppt/slides/slide4.xml><?xml version="1.0" encoding="utf-8"?>
+<file path=ppt/slides/slide9.xml><?xml version="1.0" encoding="utf-8"?>
 <p:sld xmlns:a="http://schemas.openxmlformats.org/drawingml/2006/main" xmlns:r="http://schemas.openxmlformats.org/officeDocument/2006/relationships" xmlns:p="http://schemas.openxmlformats.org/presentationml/2006/main">
   <p:cSld>
     <p:spTree>
@@ -7586,8 +9259,12 @@
           <a:lstStyle/>
           <a:p>
             <a:r>
+              <a:rPr lang="en-US" altLang="ko-KR" sz="3300" dirty="0"/>
+              <a:t>3</a:t>
+            </a:r>
+            <a:r>
               <a:rPr lang="en-US" altLang="ko-KR" sz="3300" dirty="0" smtClean="0"/>
-              <a:t>2. </a:t>
+              <a:t>. </a:t>
             </a:r>
             <a:r>
               <a:rPr lang="ko-KR" altLang="en-US" sz="3300" dirty="0" smtClean="0"/>
@@ -7676,1671 +9353,6 @@
   <p:clrMapOvr>
     <a:masterClrMapping/>
   </p:clrMapOvr>
-</p:sld>
-</file>
-
-<file path=ppt/slides/slide5.xml><?xml version="1.0" encoding="utf-8"?>
-<p:sld xmlns:a="http://schemas.openxmlformats.org/drawingml/2006/main" xmlns:r="http://schemas.openxmlformats.org/officeDocument/2006/relationships" xmlns:p="http://schemas.openxmlformats.org/presentationml/2006/main">
-  <p:cSld>
-    <p:spTree>
-      <p:nvGrpSpPr>
-        <p:cNvPr id="1" name=""/>
-        <p:cNvGrpSpPr/>
-        <p:nvPr/>
-      </p:nvGrpSpPr>
-      <p:grpSpPr>
-        <a:xfrm>
-          <a:off x="0" y="0"/>
-          <a:ext cx="0" cy="0"/>
-          <a:chOff x="0" y="0"/>
-          <a:chExt cx="0" cy="0"/>
-        </a:xfrm>
-      </p:grpSpPr>
-      <p:sp>
-        <p:nvSpPr>
-          <p:cNvPr id="2" name="제목 1"/>
-          <p:cNvSpPr>
-            <a:spLocks noGrp="1"/>
-          </p:cNvSpPr>
-          <p:nvPr>
-            <p:ph type="title"/>
-          </p:nvPr>
-        </p:nvSpPr>
-        <p:spPr>
-          <a:xfrm>
-            <a:off x="838200" y="365126"/>
-            <a:ext cx="10515600" cy="833360"/>
-          </a:xfrm>
-        </p:spPr>
-        <p:txBody>
-          <a:bodyPr>
-            <a:normAutofit/>
-          </a:bodyPr>
-          <a:lstStyle/>
-          <a:p>
-            <a:r>
-              <a:rPr lang="en-US" altLang="ko-KR" sz="3300" dirty="0" smtClean="0"/>
-              <a:t>2. </a:t>
-            </a:r>
-            <a:r>
-              <a:rPr lang="ko-KR" altLang="en-US" sz="3300" dirty="0" smtClean="0"/>
-              <a:t>가상환경 생성하기</a:t>
-            </a:r>
-            <a:endParaRPr lang="ko-KR" altLang="en-US" sz="3300" dirty="0"/>
-          </a:p>
-        </p:txBody>
-      </p:sp>
-      <p:sp>
-        <p:nvSpPr>
-          <p:cNvPr id="3" name="내용 개체 틀 2"/>
-          <p:cNvSpPr>
-            <a:spLocks noGrp="1"/>
-          </p:cNvSpPr>
-          <p:nvPr>
-            <p:ph idx="1"/>
-          </p:nvPr>
-        </p:nvSpPr>
-        <p:spPr>
-          <a:xfrm>
-            <a:off x="7643673" y="2396971"/>
-            <a:ext cx="4110362" cy="3071674"/>
-          </a:xfrm>
-        </p:spPr>
-        <p:txBody>
-          <a:bodyPr>
-            <a:normAutofit/>
-          </a:bodyPr>
-          <a:lstStyle/>
-          <a:p>
-            <a:pPr marL="0" indent="0">
-              <a:buNone/>
-            </a:pPr>
-            <a:r>
-              <a:rPr lang="en-US" altLang="ko-KR" sz="1500" dirty="0" err="1" smtClean="0"/>
-              <a:t>conda</a:t>
-            </a:r>
-            <a:r>
-              <a:rPr lang="en-US" altLang="ko-KR" sz="1500" dirty="0" smtClean="0"/>
-              <a:t> activate </a:t>
-            </a:r>
-            <a:r>
-              <a:rPr lang="en-US" altLang="ko-KR" sz="1500" dirty="0" err="1" smtClean="0"/>
-              <a:t>gpu_env</a:t>
-            </a:r>
-            <a:endParaRPr lang="ko-KR" altLang="en-US" sz="1500" dirty="0"/>
-          </a:p>
-        </p:txBody>
-      </p:sp>
-      <p:pic>
-        <p:nvPicPr>
-          <p:cNvPr id="4" name="그림 3"/>
-          <p:cNvPicPr>
-            <a:picLocks noChangeAspect="1"/>
-          </p:cNvPicPr>
-          <p:nvPr/>
-        </p:nvPicPr>
-        <p:blipFill>
-          <a:blip r:embed="rId2"/>
-          <a:stretch>
-            <a:fillRect/>
-          </a:stretch>
-        </p:blipFill>
-        <p:spPr>
-          <a:xfrm>
-            <a:off x="341049" y="1569677"/>
-            <a:ext cx="6459245" cy="4260546"/>
-          </a:xfrm>
-          <a:prstGeom prst="rect">
-            <a:avLst/>
-          </a:prstGeom>
-        </p:spPr>
-      </p:pic>
-    </p:spTree>
-    <p:extLst>
-      <p:ext uri="{BB962C8B-B14F-4D97-AF65-F5344CB8AC3E}">
-        <p14:creationId xmlns:p14="http://schemas.microsoft.com/office/powerpoint/2010/main" val="2533029690"/>
-      </p:ext>
-    </p:extLst>
-  </p:cSld>
-  <p:clrMapOvr>
-    <a:masterClrMapping/>
-  </p:clrMapOvr>
-</p:sld>
-</file>
-
-<file path=ppt/slides/slide6.xml><?xml version="1.0" encoding="utf-8"?>
-<p:sld xmlns:a="http://schemas.openxmlformats.org/drawingml/2006/main" xmlns:r="http://schemas.openxmlformats.org/officeDocument/2006/relationships" xmlns:p="http://schemas.openxmlformats.org/presentationml/2006/main">
-  <p:cSld>
-    <p:spTree>
-      <p:nvGrpSpPr>
-        <p:cNvPr id="1" name=""/>
-        <p:cNvGrpSpPr/>
-        <p:nvPr/>
-      </p:nvGrpSpPr>
-      <p:grpSpPr>
-        <a:xfrm>
-          <a:off x="0" y="0"/>
-          <a:ext cx="0" cy="0"/>
-          <a:chOff x="0" y="0"/>
-          <a:chExt cx="0" cy="0"/>
-        </a:xfrm>
-      </p:grpSpPr>
-      <p:sp>
-        <p:nvSpPr>
-          <p:cNvPr id="2" name="제목 1"/>
-          <p:cNvSpPr>
-            <a:spLocks noGrp="1"/>
-          </p:cNvSpPr>
-          <p:nvPr>
-            <p:ph type="title"/>
-          </p:nvPr>
-        </p:nvSpPr>
-        <p:spPr>
-          <a:xfrm>
-            <a:off x="838200" y="365126"/>
-            <a:ext cx="10515600" cy="833360"/>
-          </a:xfrm>
-        </p:spPr>
-        <p:txBody>
-          <a:bodyPr>
-            <a:normAutofit/>
-          </a:bodyPr>
-          <a:lstStyle/>
-          <a:p>
-            <a:r>
-              <a:rPr lang="en-US" altLang="ko-KR" sz="3300" dirty="0"/>
-              <a:t>3</a:t>
-            </a:r>
-            <a:r>
-              <a:rPr lang="en-US" altLang="ko-KR" sz="3300" dirty="0" smtClean="0"/>
-              <a:t>. </a:t>
-            </a:r>
-            <a:r>
-              <a:rPr lang="ko-KR" altLang="en-US" sz="3300" dirty="0" smtClean="0"/>
-              <a:t>실습을 위한 주피터 노트북 커널 만들기</a:t>
-            </a:r>
-            <a:endParaRPr lang="ko-KR" altLang="en-US" sz="3300" dirty="0"/>
-          </a:p>
-        </p:txBody>
-      </p:sp>
-      <p:sp>
-        <p:nvSpPr>
-          <p:cNvPr id="3" name="내용 개체 틀 2"/>
-          <p:cNvSpPr>
-            <a:spLocks noGrp="1"/>
-          </p:cNvSpPr>
-          <p:nvPr>
-            <p:ph idx="1"/>
-          </p:nvPr>
-        </p:nvSpPr>
-        <p:spPr>
-          <a:xfrm>
-            <a:off x="8309498" y="1740024"/>
-            <a:ext cx="4110362" cy="3071674"/>
-          </a:xfrm>
-        </p:spPr>
-        <p:txBody>
-          <a:bodyPr>
-            <a:normAutofit/>
-          </a:bodyPr>
-          <a:lstStyle/>
-          <a:p>
-            <a:pPr marL="0" indent="0">
-              <a:buNone/>
-            </a:pPr>
-            <a:r>
-              <a:rPr lang="en-US" altLang="ko-KR" sz="1500" dirty="0" smtClean="0"/>
-              <a:t>pip install </a:t>
-            </a:r>
-            <a:r>
-              <a:rPr lang="en-US" altLang="ko-KR" sz="1500" dirty="0" err="1" smtClean="0"/>
-              <a:t>jupyter</a:t>
-            </a:r>
-            <a:r>
-              <a:rPr lang="en-US" altLang="ko-KR" sz="1500" dirty="0" smtClean="0"/>
-              <a:t> </a:t>
-            </a:r>
-            <a:r>
-              <a:rPr lang="en-US" altLang="ko-KR" sz="1500" dirty="0" err="1" smtClean="0"/>
-              <a:t>ipykernel</a:t>
-            </a:r>
-            <a:endParaRPr lang="en-US" altLang="ko-KR" sz="1500" dirty="0" smtClean="0"/>
-          </a:p>
-          <a:p>
-            <a:pPr marL="0" indent="0">
-              <a:buNone/>
-            </a:pPr>
-            <a:endParaRPr lang="en-US" altLang="ko-KR" sz="1500" dirty="0"/>
-          </a:p>
-          <a:p>
-            <a:pPr marL="0" indent="0">
-              <a:buNone/>
-            </a:pPr>
-            <a:endParaRPr lang="en-US" altLang="ko-KR" sz="1500" dirty="0" smtClean="0"/>
-          </a:p>
-          <a:p>
-            <a:pPr marL="0" indent="0">
-              <a:buNone/>
-            </a:pPr>
-            <a:r>
-              <a:rPr lang="en-US" altLang="ko-KR" sz="1500" dirty="0" smtClean="0"/>
-              <a:t>Python –m </a:t>
-            </a:r>
-            <a:r>
-              <a:rPr lang="en-US" altLang="ko-KR" sz="1500" dirty="0" err="1" smtClean="0"/>
-              <a:t>ipykernel</a:t>
-            </a:r>
-            <a:r>
-              <a:rPr lang="en-US" altLang="ko-KR" sz="1500" dirty="0" smtClean="0"/>
-              <a:t> install –user –name </a:t>
-            </a:r>
-            <a:r>
-              <a:rPr lang="en-US" altLang="ko-KR" sz="1500" dirty="0" err="1" smtClean="0"/>
-              <a:t>gpu_env</a:t>
-            </a:r>
-            <a:r>
-              <a:rPr lang="en-US" altLang="ko-KR" sz="1500" dirty="0" smtClean="0"/>
-              <a:t> –display-name “</a:t>
-            </a:r>
-            <a:r>
-              <a:rPr lang="en-US" altLang="ko-KR" sz="1500" dirty="0" err="1" smtClean="0"/>
-              <a:t>gpu_env</a:t>
-            </a:r>
-            <a:r>
-              <a:rPr lang="en-US" altLang="ko-KR" sz="1500" dirty="0" smtClean="0"/>
-              <a:t> test”</a:t>
-            </a:r>
-          </a:p>
-          <a:p>
-            <a:pPr marL="0" indent="0">
-              <a:buNone/>
-            </a:pPr>
-            <a:endParaRPr lang="en-US" altLang="ko-KR" sz="1500" dirty="0"/>
-          </a:p>
-          <a:p>
-            <a:pPr marL="0" indent="0">
-              <a:buNone/>
-            </a:pPr>
-            <a:endParaRPr lang="ko-KR" altLang="en-US" sz="1500" dirty="0"/>
-          </a:p>
-        </p:txBody>
-      </p:sp>
-      <p:pic>
-        <p:nvPicPr>
-          <p:cNvPr id="5" name="그림 4"/>
-          <p:cNvPicPr>
-            <a:picLocks noChangeAspect="1"/>
-          </p:cNvPicPr>
-          <p:nvPr/>
-        </p:nvPicPr>
-        <p:blipFill>
-          <a:blip r:embed="rId2"/>
-          <a:stretch>
-            <a:fillRect/>
-          </a:stretch>
-        </p:blipFill>
-        <p:spPr>
-          <a:xfrm>
-            <a:off x="256336" y="1326542"/>
-            <a:ext cx="7826418" cy="2606266"/>
-          </a:xfrm>
-          <a:prstGeom prst="rect">
-            <a:avLst/>
-          </a:prstGeom>
-        </p:spPr>
-      </p:pic>
-      <p:pic>
-        <p:nvPicPr>
-          <p:cNvPr id="7" name="그림 6"/>
-          <p:cNvPicPr>
-            <a:picLocks noChangeAspect="1"/>
-          </p:cNvPicPr>
-          <p:nvPr/>
-        </p:nvPicPr>
-        <p:blipFill>
-          <a:blip r:embed="rId3"/>
-          <a:stretch>
-            <a:fillRect/>
-          </a:stretch>
-        </p:blipFill>
-        <p:spPr>
-          <a:xfrm>
-            <a:off x="395864" y="4594509"/>
-            <a:ext cx="11240474" cy="434378"/>
-          </a:xfrm>
-          <a:prstGeom prst="rect">
-            <a:avLst/>
-          </a:prstGeom>
-        </p:spPr>
-      </p:pic>
-      <p:sp>
-        <p:nvSpPr>
-          <p:cNvPr id="8" name="내용 개체 틀 2"/>
-          <p:cNvSpPr txBox="1">
-            <a:spLocks/>
-          </p:cNvSpPr>
-          <p:nvPr/>
-        </p:nvSpPr>
-        <p:spPr>
-          <a:xfrm>
-            <a:off x="3027285" y="4599263"/>
-            <a:ext cx="9000814" cy="3071674"/>
-          </a:xfrm>
-          <a:prstGeom prst="rect">
-            <a:avLst/>
-          </a:prstGeom>
-        </p:spPr>
-        <p:txBody>
-          <a:bodyPr vert="horz" lIns="91440" tIns="45720" rIns="91440" bIns="45720" rtlCol="0">
-            <a:normAutofit/>
-          </a:bodyPr>
-          <a:lstStyle>
-            <a:lvl1pPr marL="228600" indent="-228600" algn="l" defTabSz="914400" rtl="0" eaLnBrk="1" latinLnBrk="1" hangingPunct="1">
-              <a:lnSpc>
-                <a:spcPct val="90000"/>
-              </a:lnSpc>
-              <a:spcBef>
-                <a:spcPts val="1000"/>
-              </a:spcBef>
-              <a:buFont typeface="Arial" panose="020B0604020202020204" pitchFamily="34" charset="0"/>
-              <a:buChar char="•"/>
-              <a:defRPr sz="2800" kern="1200">
-                <a:solidFill>
-                  <a:schemeClr val="tx1"/>
-                </a:solidFill>
-                <a:latin typeface="+mn-lt"/>
-                <a:ea typeface="+mn-ea"/>
-                <a:cs typeface="+mn-cs"/>
-              </a:defRPr>
-            </a:lvl1pPr>
-            <a:lvl2pPr marL="685800" indent="-228600" algn="l" defTabSz="914400" rtl="0" eaLnBrk="1" latinLnBrk="1" hangingPunct="1">
-              <a:lnSpc>
-                <a:spcPct val="90000"/>
-              </a:lnSpc>
-              <a:spcBef>
-                <a:spcPts val="500"/>
-              </a:spcBef>
-              <a:buFont typeface="Arial" panose="020B0604020202020204" pitchFamily="34" charset="0"/>
-              <a:buChar char="•"/>
-              <a:defRPr sz="2400" kern="1200">
-                <a:solidFill>
-                  <a:schemeClr val="tx1"/>
-                </a:solidFill>
-                <a:latin typeface="+mn-lt"/>
-                <a:ea typeface="+mn-ea"/>
-                <a:cs typeface="+mn-cs"/>
-              </a:defRPr>
-            </a:lvl2pPr>
-            <a:lvl3pPr marL="1143000" indent="-228600" algn="l" defTabSz="914400" rtl="0" eaLnBrk="1" latinLnBrk="1" hangingPunct="1">
-              <a:lnSpc>
-                <a:spcPct val="90000"/>
-              </a:lnSpc>
-              <a:spcBef>
-                <a:spcPts val="500"/>
-              </a:spcBef>
-              <a:buFont typeface="Arial" panose="020B0604020202020204" pitchFamily="34" charset="0"/>
-              <a:buChar char="•"/>
-              <a:defRPr sz="2000" kern="1200">
-                <a:solidFill>
-                  <a:schemeClr val="tx1"/>
-                </a:solidFill>
-                <a:latin typeface="+mn-lt"/>
-                <a:ea typeface="+mn-ea"/>
-                <a:cs typeface="+mn-cs"/>
-              </a:defRPr>
-            </a:lvl3pPr>
-            <a:lvl4pPr marL="1600200" indent="-228600" algn="l" defTabSz="914400" rtl="0" eaLnBrk="1" latinLnBrk="1" hangingPunct="1">
-              <a:lnSpc>
-                <a:spcPct val="90000"/>
-              </a:lnSpc>
-              <a:spcBef>
-                <a:spcPts val="500"/>
-              </a:spcBef>
-              <a:buFont typeface="Arial" panose="020B0604020202020204" pitchFamily="34" charset="0"/>
-              <a:buChar char="•"/>
-              <a:defRPr sz="1800" kern="1200">
-                <a:solidFill>
-                  <a:schemeClr val="tx1"/>
-                </a:solidFill>
-                <a:latin typeface="+mn-lt"/>
-                <a:ea typeface="+mn-ea"/>
-                <a:cs typeface="+mn-cs"/>
-              </a:defRPr>
-            </a:lvl4pPr>
-            <a:lvl5pPr marL="2057400" indent="-228600" algn="l" defTabSz="914400" rtl="0" eaLnBrk="1" latinLnBrk="1" hangingPunct="1">
-              <a:lnSpc>
-                <a:spcPct val="90000"/>
-              </a:lnSpc>
-              <a:spcBef>
-                <a:spcPts val="500"/>
-              </a:spcBef>
-              <a:buFont typeface="Arial" panose="020B0604020202020204" pitchFamily="34" charset="0"/>
-              <a:buChar char="•"/>
-              <a:defRPr sz="1800" kern="1200">
-                <a:solidFill>
-                  <a:schemeClr val="tx1"/>
-                </a:solidFill>
-                <a:latin typeface="+mn-lt"/>
-                <a:ea typeface="+mn-ea"/>
-                <a:cs typeface="+mn-cs"/>
-              </a:defRPr>
-            </a:lvl5pPr>
-            <a:lvl6pPr marL="2514600" indent="-228600" algn="l" defTabSz="914400" rtl="0" eaLnBrk="1" latinLnBrk="1" hangingPunct="1">
-              <a:lnSpc>
-                <a:spcPct val="90000"/>
-              </a:lnSpc>
-              <a:spcBef>
-                <a:spcPts val="500"/>
-              </a:spcBef>
-              <a:buFont typeface="Arial" panose="020B0604020202020204" pitchFamily="34" charset="0"/>
-              <a:buChar char="•"/>
-              <a:defRPr sz="1800" kern="1200">
-                <a:solidFill>
-                  <a:schemeClr val="tx1"/>
-                </a:solidFill>
-                <a:latin typeface="+mn-lt"/>
-                <a:ea typeface="+mn-ea"/>
-                <a:cs typeface="+mn-cs"/>
-              </a:defRPr>
-            </a:lvl6pPr>
-            <a:lvl7pPr marL="2971800" indent="-228600" algn="l" defTabSz="914400" rtl="0" eaLnBrk="1" latinLnBrk="1" hangingPunct="1">
-              <a:lnSpc>
-                <a:spcPct val="90000"/>
-              </a:lnSpc>
-              <a:spcBef>
-                <a:spcPts val="500"/>
-              </a:spcBef>
-              <a:buFont typeface="Arial" panose="020B0604020202020204" pitchFamily="34" charset="0"/>
-              <a:buChar char="•"/>
-              <a:defRPr sz="1800" kern="1200">
-                <a:solidFill>
-                  <a:schemeClr val="tx1"/>
-                </a:solidFill>
-                <a:latin typeface="+mn-lt"/>
-                <a:ea typeface="+mn-ea"/>
-                <a:cs typeface="+mn-cs"/>
-              </a:defRPr>
-            </a:lvl7pPr>
-            <a:lvl8pPr marL="3429000" indent="-228600" algn="l" defTabSz="914400" rtl="0" eaLnBrk="1" latinLnBrk="1" hangingPunct="1">
-              <a:lnSpc>
-                <a:spcPct val="90000"/>
-              </a:lnSpc>
-              <a:spcBef>
-                <a:spcPts val="500"/>
-              </a:spcBef>
-              <a:buFont typeface="Arial" panose="020B0604020202020204" pitchFamily="34" charset="0"/>
-              <a:buChar char="•"/>
-              <a:defRPr sz="1800" kern="1200">
-                <a:solidFill>
-                  <a:schemeClr val="tx1"/>
-                </a:solidFill>
-                <a:latin typeface="+mn-lt"/>
-                <a:ea typeface="+mn-ea"/>
-                <a:cs typeface="+mn-cs"/>
-              </a:defRPr>
-            </a:lvl8pPr>
-            <a:lvl9pPr marL="3886200" indent="-228600" algn="l" defTabSz="914400" rtl="0" eaLnBrk="1" latinLnBrk="1" hangingPunct="1">
-              <a:lnSpc>
-                <a:spcPct val="90000"/>
-              </a:lnSpc>
-              <a:spcBef>
-                <a:spcPts val="500"/>
-              </a:spcBef>
-              <a:buFont typeface="Arial" panose="020B0604020202020204" pitchFamily="34" charset="0"/>
-              <a:buChar char="•"/>
-              <a:defRPr sz="1800" kern="1200">
-                <a:solidFill>
-                  <a:schemeClr val="tx1"/>
-                </a:solidFill>
-                <a:latin typeface="+mn-lt"/>
-                <a:ea typeface="+mn-ea"/>
-                <a:cs typeface="+mn-cs"/>
-              </a:defRPr>
-            </a:lvl9pPr>
-          </a:lstStyle>
-          <a:p>
-            <a:pPr marL="0" indent="0">
-              <a:buFont typeface="Arial" panose="020B0604020202020204" pitchFamily="34" charset="0"/>
-              <a:buNone/>
-            </a:pPr>
-            <a:endParaRPr lang="en-US" altLang="ko-KR" sz="1500" dirty="0" smtClean="0"/>
-          </a:p>
-          <a:p>
-            <a:pPr marL="0" indent="0">
-              <a:buFont typeface="Arial" panose="020B0604020202020204" pitchFamily="34" charset="0"/>
-              <a:buNone/>
-            </a:pPr>
-            <a:endParaRPr lang="en-US" altLang="ko-KR" sz="1500" dirty="0"/>
-          </a:p>
-          <a:p>
-            <a:pPr marL="0" indent="0">
-              <a:buFont typeface="Arial" panose="020B0604020202020204" pitchFamily="34" charset="0"/>
-              <a:buNone/>
-            </a:pPr>
-            <a:endParaRPr lang="en-US" altLang="ko-KR" sz="1500" dirty="0" smtClean="0"/>
-          </a:p>
-          <a:p>
-            <a:pPr marL="0" indent="0">
-              <a:buFont typeface="Arial" panose="020B0604020202020204" pitchFamily="34" charset="0"/>
-              <a:buNone/>
-            </a:pPr>
-            <a:r>
-              <a:rPr lang="en-US" altLang="ko-KR" sz="1500" dirty="0" smtClean="0"/>
-              <a:t>Python –m </a:t>
-            </a:r>
-            <a:r>
-              <a:rPr lang="en-US" altLang="ko-KR" sz="1500" dirty="0" err="1" smtClean="0"/>
-              <a:t>ipykernel</a:t>
-            </a:r>
-            <a:r>
-              <a:rPr lang="en-US" altLang="ko-KR" sz="1500" dirty="0" smtClean="0"/>
-              <a:t> install –user –name </a:t>
-            </a:r>
-            <a:r>
-              <a:rPr lang="en-US" altLang="ko-KR" sz="1500" dirty="0" err="1" smtClean="0"/>
-              <a:t>gpu_env</a:t>
-            </a:r>
-            <a:r>
-              <a:rPr lang="en-US" altLang="ko-KR" sz="1500" dirty="0" smtClean="0"/>
-              <a:t> –display-name “</a:t>
-            </a:r>
-            <a:r>
-              <a:rPr lang="en-US" altLang="ko-KR" sz="1500" dirty="0" err="1" smtClean="0"/>
-              <a:t>gpu_env</a:t>
-            </a:r>
-            <a:r>
-              <a:rPr lang="en-US" altLang="ko-KR" sz="1500" dirty="0" smtClean="0"/>
-              <a:t> test”</a:t>
-            </a:r>
-          </a:p>
-          <a:p>
-            <a:pPr marL="0" indent="0">
-              <a:buFont typeface="Arial" panose="020B0604020202020204" pitchFamily="34" charset="0"/>
-              <a:buNone/>
-            </a:pPr>
-            <a:endParaRPr lang="en-US" altLang="ko-KR" sz="1500" dirty="0" smtClean="0"/>
-          </a:p>
-          <a:p>
-            <a:pPr marL="0" indent="0">
-              <a:buFont typeface="Arial" panose="020B0604020202020204" pitchFamily="34" charset="0"/>
-              <a:buNone/>
-            </a:pPr>
-            <a:endParaRPr lang="ko-KR" altLang="en-US" sz="1500" dirty="0"/>
-          </a:p>
-        </p:txBody>
-      </p:sp>
-    </p:spTree>
-    <p:extLst>
-      <p:ext uri="{BB962C8B-B14F-4D97-AF65-F5344CB8AC3E}">
-        <p14:creationId xmlns:p14="http://schemas.microsoft.com/office/powerpoint/2010/main" val="1883544765"/>
-      </p:ext>
-    </p:extLst>
-  </p:cSld>
-  <p:clrMapOvr>
-    <a:masterClrMapping/>
-  </p:clrMapOvr>
-</p:sld>
-</file>
-
-<file path=ppt/slides/slide7.xml><?xml version="1.0" encoding="utf-8"?>
-<p:sld xmlns:a="http://schemas.openxmlformats.org/drawingml/2006/main" xmlns:r="http://schemas.openxmlformats.org/officeDocument/2006/relationships" xmlns:p="http://schemas.openxmlformats.org/presentationml/2006/main">
-  <p:cSld>
-    <p:spTree>
-      <p:nvGrpSpPr>
-        <p:cNvPr id="1" name=""/>
-        <p:cNvGrpSpPr/>
-        <p:nvPr/>
-      </p:nvGrpSpPr>
-      <p:grpSpPr>
-        <a:xfrm>
-          <a:off x="0" y="0"/>
-          <a:ext cx="0" cy="0"/>
-          <a:chOff x="0" y="0"/>
-          <a:chExt cx="0" cy="0"/>
-        </a:xfrm>
-      </p:grpSpPr>
-      <p:sp>
-        <p:nvSpPr>
-          <p:cNvPr id="2" name="제목 1"/>
-          <p:cNvSpPr>
-            <a:spLocks noGrp="1"/>
-          </p:cNvSpPr>
-          <p:nvPr>
-            <p:ph type="title"/>
-          </p:nvPr>
-        </p:nvSpPr>
-        <p:spPr>
-          <a:xfrm>
-            <a:off x="838200" y="365126"/>
-            <a:ext cx="10515600" cy="833360"/>
-          </a:xfrm>
-        </p:spPr>
-        <p:txBody>
-          <a:bodyPr>
-            <a:normAutofit/>
-          </a:bodyPr>
-          <a:lstStyle/>
-          <a:p>
-            <a:r>
-              <a:rPr lang="en-US" altLang="ko-KR" sz="3300" dirty="0" smtClean="0"/>
-              <a:t>4-1. </a:t>
-            </a:r>
-            <a:r>
-              <a:rPr lang="en-US" altLang="ko-KR" sz="3300" dirty="0" err="1" smtClean="0"/>
-              <a:t>PyTorch</a:t>
-            </a:r>
-            <a:r>
-              <a:rPr lang="en-US" altLang="ko-KR" sz="3300" dirty="0" smtClean="0"/>
-              <a:t> + CUDA 12.4 </a:t>
-            </a:r>
-            <a:r>
-              <a:rPr lang="ko-KR" altLang="en-US" sz="3300" dirty="0" smtClean="0"/>
-              <a:t>설치</a:t>
-            </a:r>
-            <a:endParaRPr lang="ko-KR" altLang="en-US" sz="3300" dirty="0"/>
-          </a:p>
-        </p:txBody>
-      </p:sp>
-      <p:sp>
-        <p:nvSpPr>
-          <p:cNvPr id="3" name="내용 개체 틀 2"/>
-          <p:cNvSpPr>
-            <a:spLocks noGrp="1"/>
-          </p:cNvSpPr>
-          <p:nvPr>
-            <p:ph idx="1"/>
-          </p:nvPr>
-        </p:nvSpPr>
-        <p:spPr>
-          <a:xfrm>
-            <a:off x="1393054" y="5060273"/>
-            <a:ext cx="9729926" cy="443883"/>
-          </a:xfrm>
-        </p:spPr>
-        <p:txBody>
-          <a:bodyPr>
-            <a:normAutofit/>
-          </a:bodyPr>
-          <a:lstStyle/>
-          <a:p>
-            <a:pPr marL="0" indent="0">
-              <a:buNone/>
-            </a:pPr>
-            <a:r>
-              <a:rPr lang="en-US" altLang="ko-KR" sz="1500" dirty="0" smtClean="0"/>
-              <a:t>pip install torch </a:t>
-            </a:r>
-            <a:r>
-              <a:rPr lang="en-US" altLang="ko-KR" sz="1500" dirty="0" err="1" smtClean="0"/>
-              <a:t>torchvision</a:t>
-            </a:r>
-            <a:r>
-              <a:rPr lang="en-US" altLang="ko-KR" sz="1500" dirty="0" smtClean="0"/>
-              <a:t> </a:t>
-            </a:r>
-            <a:r>
-              <a:rPr lang="en-US" altLang="ko-KR" sz="1500" dirty="0" err="1" smtClean="0"/>
-              <a:t>torchaudio</a:t>
-            </a:r>
-            <a:r>
-              <a:rPr lang="en-US" altLang="ko-KR" sz="1500" dirty="0" smtClean="0"/>
-              <a:t> --index-</a:t>
-            </a:r>
-            <a:r>
-              <a:rPr lang="en-US" altLang="ko-KR" sz="1500" dirty="0" err="1" smtClean="0"/>
-              <a:t>url</a:t>
-            </a:r>
-            <a:r>
-              <a:rPr lang="en-US" altLang="ko-KR" sz="1500" dirty="0" smtClean="0"/>
-              <a:t> https://download.pytorch.org/whl/cu124</a:t>
-            </a:r>
-            <a:endParaRPr lang="en-US" altLang="ko-KR" sz="1500" dirty="0"/>
-          </a:p>
-          <a:p>
-            <a:pPr marL="0" indent="0">
-              <a:buNone/>
-            </a:pPr>
-            <a:endParaRPr lang="ko-KR" altLang="en-US" sz="1500" dirty="0"/>
-          </a:p>
-        </p:txBody>
-      </p:sp>
-      <p:pic>
-        <p:nvPicPr>
-          <p:cNvPr id="6" name="그림 5"/>
-          <p:cNvPicPr>
-            <a:picLocks noChangeAspect="1"/>
-          </p:cNvPicPr>
-          <p:nvPr/>
-        </p:nvPicPr>
-        <p:blipFill>
-          <a:blip r:embed="rId2"/>
-          <a:stretch>
-            <a:fillRect/>
-          </a:stretch>
-        </p:blipFill>
-        <p:spPr>
-          <a:xfrm>
-            <a:off x="419100" y="1898417"/>
-            <a:ext cx="11353800" cy="2461924"/>
-          </a:xfrm>
-          <a:prstGeom prst="rect">
-            <a:avLst/>
-          </a:prstGeom>
-        </p:spPr>
-      </p:pic>
-    </p:spTree>
-    <p:extLst>
-      <p:ext uri="{BB962C8B-B14F-4D97-AF65-F5344CB8AC3E}">
-        <p14:creationId xmlns:p14="http://schemas.microsoft.com/office/powerpoint/2010/main" val="3494120534"/>
-      </p:ext>
-    </p:extLst>
-  </p:cSld>
-  <p:clrMapOvr>
-    <a:masterClrMapping/>
-  </p:clrMapOvr>
-  <p:timing>
-    <p:tnLst>
-      <p:par>
-        <p:cTn id="1" dur="indefinite" restart="never" nodeType="tmRoot"/>
-      </p:par>
-    </p:tnLst>
-  </p:timing>
-</p:sld>
-</file>
-
-<file path=ppt/slides/slide8.xml><?xml version="1.0" encoding="utf-8"?>
-<p:sld xmlns:a="http://schemas.openxmlformats.org/drawingml/2006/main" xmlns:r="http://schemas.openxmlformats.org/officeDocument/2006/relationships" xmlns:p="http://schemas.openxmlformats.org/presentationml/2006/main">
-  <p:cSld>
-    <p:spTree>
-      <p:nvGrpSpPr>
-        <p:cNvPr id="1" name=""/>
-        <p:cNvGrpSpPr/>
-        <p:nvPr/>
-      </p:nvGrpSpPr>
-      <p:grpSpPr>
-        <a:xfrm>
-          <a:off x="0" y="0"/>
-          <a:ext cx="0" cy="0"/>
-          <a:chOff x="0" y="0"/>
-          <a:chExt cx="0" cy="0"/>
-        </a:xfrm>
-      </p:grpSpPr>
-      <p:sp>
-        <p:nvSpPr>
-          <p:cNvPr id="2" name="제목 1"/>
-          <p:cNvSpPr>
-            <a:spLocks noGrp="1"/>
-          </p:cNvSpPr>
-          <p:nvPr>
-            <p:ph type="title"/>
-          </p:nvPr>
-        </p:nvSpPr>
-        <p:spPr>
-          <a:xfrm>
-            <a:off x="838200" y="365126"/>
-            <a:ext cx="10515600" cy="833360"/>
-          </a:xfrm>
-        </p:spPr>
-        <p:txBody>
-          <a:bodyPr>
-            <a:normAutofit/>
-          </a:bodyPr>
-          <a:lstStyle/>
-          <a:p>
-            <a:r>
-              <a:rPr lang="en-US" altLang="ko-KR" sz="3300" dirty="0" smtClean="0"/>
-              <a:t>4-2. CUDA 11.2 +</a:t>
-            </a:r>
-            <a:r>
-              <a:rPr lang="en-US" altLang="ko-KR" sz="3300" dirty="0" err="1" smtClean="0"/>
-              <a:t>cuDNN</a:t>
-            </a:r>
-            <a:r>
-              <a:rPr lang="en-US" altLang="ko-KR" sz="3300" dirty="0" smtClean="0"/>
-              <a:t> 8.1 </a:t>
-            </a:r>
-            <a:r>
-              <a:rPr lang="ko-KR" altLang="en-US" sz="3300" dirty="0" smtClean="0"/>
-              <a:t>설치</a:t>
-            </a:r>
-            <a:r>
-              <a:rPr lang="en-US" altLang="ko-KR" sz="3300" dirty="0" smtClean="0"/>
-              <a:t>(</a:t>
-            </a:r>
-            <a:r>
-              <a:rPr lang="en-US" altLang="ko-KR" sz="3300" dirty="0" err="1" smtClean="0"/>
-              <a:t>conda</a:t>
-            </a:r>
-            <a:r>
-              <a:rPr lang="en-US" altLang="ko-KR" sz="3300" dirty="0" smtClean="0"/>
-              <a:t>)</a:t>
-            </a:r>
-            <a:endParaRPr lang="ko-KR" altLang="en-US" sz="3300" dirty="0"/>
-          </a:p>
-        </p:txBody>
-      </p:sp>
-      <p:sp>
-        <p:nvSpPr>
-          <p:cNvPr id="3" name="내용 개체 틀 2"/>
-          <p:cNvSpPr>
-            <a:spLocks noGrp="1"/>
-          </p:cNvSpPr>
-          <p:nvPr>
-            <p:ph idx="1"/>
-          </p:nvPr>
-        </p:nvSpPr>
-        <p:spPr>
-          <a:xfrm>
-            <a:off x="1103917" y="3959439"/>
-            <a:ext cx="9729926" cy="443883"/>
-          </a:xfrm>
-        </p:spPr>
-        <p:txBody>
-          <a:bodyPr>
-            <a:normAutofit/>
-          </a:bodyPr>
-          <a:lstStyle/>
-          <a:p>
-            <a:pPr marL="0" indent="0">
-              <a:buNone/>
-            </a:pPr>
-            <a:r>
-              <a:rPr lang="en-US" altLang="ko-KR" sz="1800" dirty="0" err="1"/>
-              <a:t>conda</a:t>
-            </a:r>
-            <a:r>
-              <a:rPr lang="en-US" altLang="ko-KR" sz="1800" dirty="0"/>
-              <a:t> install -c </a:t>
-            </a:r>
-            <a:r>
-              <a:rPr lang="en-US" altLang="ko-KR" sz="1800" dirty="0" err="1"/>
-              <a:t>conda</a:t>
-            </a:r>
-            <a:r>
-              <a:rPr lang="en-US" altLang="ko-KR" sz="1800" dirty="0"/>
-              <a:t>-forge </a:t>
-            </a:r>
-            <a:r>
-              <a:rPr lang="en-US" altLang="ko-KR" sz="1800" dirty="0" err="1"/>
-              <a:t>cudatoolkit</a:t>
-            </a:r>
-            <a:r>
-              <a:rPr lang="en-US" altLang="ko-KR" sz="1800" dirty="0"/>
-              <a:t>=11.2 </a:t>
-            </a:r>
-            <a:r>
-              <a:rPr lang="en-US" altLang="ko-KR" sz="1800" dirty="0" err="1"/>
-              <a:t>cudnn</a:t>
-            </a:r>
-            <a:r>
-              <a:rPr lang="en-US" altLang="ko-KR" sz="1800" dirty="0"/>
-              <a:t>=8.1.0 -y</a:t>
-            </a:r>
-            <a:endParaRPr lang="ko-KR" altLang="en-US" sz="1800" dirty="0"/>
-          </a:p>
-        </p:txBody>
-      </p:sp>
-      <p:pic>
-        <p:nvPicPr>
-          <p:cNvPr id="4" name="그림 3"/>
-          <p:cNvPicPr>
-            <a:picLocks noChangeAspect="1"/>
-          </p:cNvPicPr>
-          <p:nvPr/>
-        </p:nvPicPr>
-        <p:blipFill>
-          <a:blip r:embed="rId2"/>
-          <a:stretch>
-            <a:fillRect/>
-          </a:stretch>
-        </p:blipFill>
-        <p:spPr>
-          <a:xfrm>
-            <a:off x="1103917" y="1375232"/>
-            <a:ext cx="9007621" cy="2385267"/>
-          </a:xfrm>
-          <a:prstGeom prst="rect">
-            <a:avLst/>
-          </a:prstGeom>
-        </p:spPr>
-      </p:pic>
-      <p:pic>
-        <p:nvPicPr>
-          <p:cNvPr id="5" name="그림 4"/>
-          <p:cNvPicPr>
-            <a:picLocks noChangeAspect="1"/>
-          </p:cNvPicPr>
-          <p:nvPr/>
-        </p:nvPicPr>
-        <p:blipFill>
-          <a:blip r:embed="rId3"/>
-          <a:stretch>
-            <a:fillRect/>
-          </a:stretch>
-        </p:blipFill>
-        <p:spPr>
-          <a:xfrm>
-            <a:off x="1017813" y="4386216"/>
-            <a:ext cx="7102455" cy="2133785"/>
-          </a:xfrm>
-          <a:prstGeom prst="rect">
-            <a:avLst/>
-          </a:prstGeom>
-        </p:spPr>
-      </p:pic>
-      <p:sp>
-        <p:nvSpPr>
-          <p:cNvPr id="7" name="내용 개체 틀 2"/>
-          <p:cNvSpPr txBox="1">
-            <a:spLocks/>
-          </p:cNvSpPr>
-          <p:nvPr/>
-        </p:nvSpPr>
-        <p:spPr>
-          <a:xfrm>
-            <a:off x="8247354" y="4386216"/>
-            <a:ext cx="3608899" cy="2307547"/>
-          </a:xfrm>
-          <a:prstGeom prst="rect">
-            <a:avLst/>
-          </a:prstGeom>
-        </p:spPr>
-        <p:txBody>
-          <a:bodyPr vert="horz" lIns="91440" tIns="45720" rIns="91440" bIns="45720" rtlCol="0">
-            <a:normAutofit/>
-          </a:bodyPr>
-          <a:lstStyle>
-            <a:lvl1pPr marL="228600" indent="-228600" algn="l" defTabSz="914400" rtl="0" eaLnBrk="1" latinLnBrk="1" hangingPunct="1">
-              <a:lnSpc>
-                <a:spcPct val="90000"/>
-              </a:lnSpc>
-              <a:spcBef>
-                <a:spcPts val="1000"/>
-              </a:spcBef>
-              <a:buFont typeface="Arial" panose="020B0604020202020204" pitchFamily="34" charset="0"/>
-              <a:buChar char="•"/>
-              <a:defRPr sz="2800" kern="1200">
-                <a:solidFill>
-                  <a:schemeClr val="tx1"/>
-                </a:solidFill>
-                <a:latin typeface="+mn-lt"/>
-                <a:ea typeface="+mn-ea"/>
-                <a:cs typeface="+mn-cs"/>
-              </a:defRPr>
-            </a:lvl1pPr>
-            <a:lvl2pPr marL="685800" indent="-228600" algn="l" defTabSz="914400" rtl="0" eaLnBrk="1" latinLnBrk="1" hangingPunct="1">
-              <a:lnSpc>
-                <a:spcPct val="90000"/>
-              </a:lnSpc>
-              <a:spcBef>
-                <a:spcPts val="500"/>
-              </a:spcBef>
-              <a:buFont typeface="Arial" panose="020B0604020202020204" pitchFamily="34" charset="0"/>
-              <a:buChar char="•"/>
-              <a:defRPr sz="2400" kern="1200">
-                <a:solidFill>
-                  <a:schemeClr val="tx1"/>
-                </a:solidFill>
-                <a:latin typeface="+mn-lt"/>
-                <a:ea typeface="+mn-ea"/>
-                <a:cs typeface="+mn-cs"/>
-              </a:defRPr>
-            </a:lvl2pPr>
-            <a:lvl3pPr marL="1143000" indent="-228600" algn="l" defTabSz="914400" rtl="0" eaLnBrk="1" latinLnBrk="1" hangingPunct="1">
-              <a:lnSpc>
-                <a:spcPct val="90000"/>
-              </a:lnSpc>
-              <a:spcBef>
-                <a:spcPts val="500"/>
-              </a:spcBef>
-              <a:buFont typeface="Arial" panose="020B0604020202020204" pitchFamily="34" charset="0"/>
-              <a:buChar char="•"/>
-              <a:defRPr sz="2000" kern="1200">
-                <a:solidFill>
-                  <a:schemeClr val="tx1"/>
-                </a:solidFill>
-                <a:latin typeface="+mn-lt"/>
-                <a:ea typeface="+mn-ea"/>
-                <a:cs typeface="+mn-cs"/>
-              </a:defRPr>
-            </a:lvl3pPr>
-            <a:lvl4pPr marL="1600200" indent="-228600" algn="l" defTabSz="914400" rtl="0" eaLnBrk="1" latinLnBrk="1" hangingPunct="1">
-              <a:lnSpc>
-                <a:spcPct val="90000"/>
-              </a:lnSpc>
-              <a:spcBef>
-                <a:spcPts val="500"/>
-              </a:spcBef>
-              <a:buFont typeface="Arial" panose="020B0604020202020204" pitchFamily="34" charset="0"/>
-              <a:buChar char="•"/>
-              <a:defRPr sz="1800" kern="1200">
-                <a:solidFill>
-                  <a:schemeClr val="tx1"/>
-                </a:solidFill>
-                <a:latin typeface="+mn-lt"/>
-                <a:ea typeface="+mn-ea"/>
-                <a:cs typeface="+mn-cs"/>
-              </a:defRPr>
-            </a:lvl4pPr>
-            <a:lvl5pPr marL="2057400" indent="-228600" algn="l" defTabSz="914400" rtl="0" eaLnBrk="1" latinLnBrk="1" hangingPunct="1">
-              <a:lnSpc>
-                <a:spcPct val="90000"/>
-              </a:lnSpc>
-              <a:spcBef>
-                <a:spcPts val="500"/>
-              </a:spcBef>
-              <a:buFont typeface="Arial" panose="020B0604020202020204" pitchFamily="34" charset="0"/>
-              <a:buChar char="•"/>
-              <a:defRPr sz="1800" kern="1200">
-                <a:solidFill>
-                  <a:schemeClr val="tx1"/>
-                </a:solidFill>
-                <a:latin typeface="+mn-lt"/>
-                <a:ea typeface="+mn-ea"/>
-                <a:cs typeface="+mn-cs"/>
-              </a:defRPr>
-            </a:lvl5pPr>
-            <a:lvl6pPr marL="2514600" indent="-228600" algn="l" defTabSz="914400" rtl="0" eaLnBrk="1" latinLnBrk="1" hangingPunct="1">
-              <a:lnSpc>
-                <a:spcPct val="90000"/>
-              </a:lnSpc>
-              <a:spcBef>
-                <a:spcPts val="500"/>
-              </a:spcBef>
-              <a:buFont typeface="Arial" panose="020B0604020202020204" pitchFamily="34" charset="0"/>
-              <a:buChar char="•"/>
-              <a:defRPr sz="1800" kern="1200">
-                <a:solidFill>
-                  <a:schemeClr val="tx1"/>
-                </a:solidFill>
-                <a:latin typeface="+mn-lt"/>
-                <a:ea typeface="+mn-ea"/>
-                <a:cs typeface="+mn-cs"/>
-              </a:defRPr>
-            </a:lvl6pPr>
-            <a:lvl7pPr marL="2971800" indent="-228600" algn="l" defTabSz="914400" rtl="0" eaLnBrk="1" latinLnBrk="1" hangingPunct="1">
-              <a:lnSpc>
-                <a:spcPct val="90000"/>
-              </a:lnSpc>
-              <a:spcBef>
-                <a:spcPts val="500"/>
-              </a:spcBef>
-              <a:buFont typeface="Arial" panose="020B0604020202020204" pitchFamily="34" charset="0"/>
-              <a:buChar char="•"/>
-              <a:defRPr sz="1800" kern="1200">
-                <a:solidFill>
-                  <a:schemeClr val="tx1"/>
-                </a:solidFill>
-                <a:latin typeface="+mn-lt"/>
-                <a:ea typeface="+mn-ea"/>
-                <a:cs typeface="+mn-cs"/>
-              </a:defRPr>
-            </a:lvl7pPr>
-            <a:lvl8pPr marL="3429000" indent="-228600" algn="l" defTabSz="914400" rtl="0" eaLnBrk="1" latinLnBrk="1" hangingPunct="1">
-              <a:lnSpc>
-                <a:spcPct val="90000"/>
-              </a:lnSpc>
-              <a:spcBef>
-                <a:spcPts val="500"/>
-              </a:spcBef>
-              <a:buFont typeface="Arial" panose="020B0604020202020204" pitchFamily="34" charset="0"/>
-              <a:buChar char="•"/>
-              <a:defRPr sz="1800" kern="1200">
-                <a:solidFill>
-                  <a:schemeClr val="tx1"/>
-                </a:solidFill>
-                <a:latin typeface="+mn-lt"/>
-                <a:ea typeface="+mn-ea"/>
-                <a:cs typeface="+mn-cs"/>
-              </a:defRPr>
-            </a:lvl8pPr>
-            <a:lvl9pPr marL="3886200" indent="-228600" algn="l" defTabSz="914400" rtl="0" eaLnBrk="1" latinLnBrk="1" hangingPunct="1">
-              <a:lnSpc>
-                <a:spcPct val="90000"/>
-              </a:lnSpc>
-              <a:spcBef>
-                <a:spcPts val="500"/>
-              </a:spcBef>
-              <a:buFont typeface="Arial" panose="020B0604020202020204" pitchFamily="34" charset="0"/>
-              <a:buChar char="•"/>
-              <a:defRPr sz="1800" kern="1200">
-                <a:solidFill>
-                  <a:schemeClr val="tx1"/>
-                </a:solidFill>
-                <a:latin typeface="+mn-lt"/>
-                <a:ea typeface="+mn-ea"/>
-                <a:cs typeface="+mn-cs"/>
-              </a:defRPr>
-            </a:lvl9pPr>
-          </a:lstStyle>
-          <a:p>
-            <a:pPr marL="0" indent="0">
-              <a:buFont typeface="Arial" panose="020B0604020202020204" pitchFamily="34" charset="0"/>
-              <a:buNone/>
-            </a:pPr>
-            <a:r>
-              <a:rPr lang="en-US" altLang="ko-KR" sz="1800" dirty="0" smtClean="0"/>
-              <a:t>(</a:t>
-            </a:r>
-            <a:r>
-              <a:rPr lang="ko-KR" altLang="en-US" sz="1800" dirty="0" smtClean="0"/>
-              <a:t>선택</a:t>
-            </a:r>
-            <a:r>
-              <a:rPr lang="en-US" altLang="ko-KR" sz="1800" dirty="0" smtClean="0"/>
-              <a:t>)</a:t>
-            </a:r>
-            <a:r>
-              <a:rPr lang="ko-KR" altLang="en-US" sz="1800" dirty="0" smtClean="0"/>
-              <a:t>잘 다운 받았는지 확인</a:t>
-            </a:r>
-            <a:r>
-              <a:rPr lang="en-US" altLang="ko-KR" sz="1800" dirty="0" smtClean="0"/>
-              <a:t>!</a:t>
-            </a:r>
-            <a:br>
-              <a:rPr lang="en-US" altLang="ko-KR" sz="1800" dirty="0" smtClean="0"/>
-            </a:br>
-            <a:r>
-              <a:rPr lang="en-US" altLang="ko-KR" sz="1800" dirty="0" err="1" smtClean="0"/>
-              <a:t>conda</a:t>
-            </a:r>
-            <a:r>
-              <a:rPr lang="en-US" altLang="ko-KR" sz="1800" dirty="0" smtClean="0"/>
-              <a:t> list </a:t>
-            </a:r>
-            <a:r>
-              <a:rPr lang="en-US" altLang="ko-KR" sz="1800" dirty="0" err="1" smtClean="0"/>
-              <a:t>cudatoolkit</a:t>
-            </a:r>
-            <a:endParaRPr lang="en-US" altLang="ko-KR" sz="1800" dirty="0" smtClean="0"/>
-          </a:p>
-          <a:p>
-            <a:pPr marL="0" indent="0">
-              <a:buFont typeface="Arial" panose="020B0604020202020204" pitchFamily="34" charset="0"/>
-              <a:buNone/>
-            </a:pPr>
-            <a:endParaRPr lang="en-US" altLang="ko-KR" sz="1800" dirty="0"/>
-          </a:p>
-          <a:p>
-            <a:pPr marL="0" indent="0">
-              <a:buFont typeface="Arial" panose="020B0604020202020204" pitchFamily="34" charset="0"/>
-              <a:buNone/>
-            </a:pPr>
-            <a:r>
-              <a:rPr lang="en-US" altLang="ko-KR" sz="1800" dirty="0" err="1"/>
-              <a:t>c</a:t>
-            </a:r>
-            <a:r>
-              <a:rPr lang="en-US" altLang="ko-KR" sz="1800" dirty="0" err="1" smtClean="0"/>
-              <a:t>onda</a:t>
-            </a:r>
-            <a:r>
-              <a:rPr lang="en-US" altLang="ko-KR" sz="1800" dirty="0" smtClean="0"/>
-              <a:t> list </a:t>
-            </a:r>
-            <a:r>
-              <a:rPr lang="en-US" altLang="ko-KR" sz="1800" dirty="0" err="1" smtClean="0"/>
-              <a:t>cudnn</a:t>
-            </a:r>
-            <a:endParaRPr lang="ko-KR" altLang="en-US" sz="1800" dirty="0"/>
-          </a:p>
-        </p:txBody>
-      </p:sp>
-    </p:spTree>
-    <p:extLst>
-      <p:ext uri="{BB962C8B-B14F-4D97-AF65-F5344CB8AC3E}">
-        <p14:creationId xmlns:p14="http://schemas.microsoft.com/office/powerpoint/2010/main" val="1261460660"/>
-      </p:ext>
-    </p:extLst>
-  </p:cSld>
-  <p:clrMapOvr>
-    <a:masterClrMapping/>
-  </p:clrMapOvr>
-  <p:timing>
-    <p:tnLst>
-      <p:par>
-        <p:cTn id="1" dur="indefinite" restart="never" nodeType="tmRoot"/>
-      </p:par>
-    </p:tnLst>
-  </p:timing>
-</p:sld>
-</file>
-
-<file path=ppt/slides/slide9.xml><?xml version="1.0" encoding="utf-8"?>
-<p:sld xmlns:a="http://schemas.openxmlformats.org/drawingml/2006/main" xmlns:r="http://schemas.openxmlformats.org/officeDocument/2006/relationships" xmlns:p="http://schemas.openxmlformats.org/presentationml/2006/main">
-  <p:cSld>
-    <p:spTree>
-      <p:nvGrpSpPr>
-        <p:cNvPr id="1" name=""/>
-        <p:cNvGrpSpPr/>
-        <p:nvPr/>
-      </p:nvGrpSpPr>
-      <p:grpSpPr>
-        <a:xfrm>
-          <a:off x="0" y="0"/>
-          <a:ext cx="0" cy="0"/>
-          <a:chOff x="0" y="0"/>
-          <a:chExt cx="0" cy="0"/>
-        </a:xfrm>
-      </p:grpSpPr>
-      <p:sp>
-        <p:nvSpPr>
-          <p:cNvPr id="2" name="제목 1"/>
-          <p:cNvSpPr>
-            <a:spLocks noGrp="1"/>
-          </p:cNvSpPr>
-          <p:nvPr>
-            <p:ph type="title"/>
-          </p:nvPr>
-        </p:nvSpPr>
-        <p:spPr>
-          <a:xfrm>
-            <a:off x="838200" y="365126"/>
-            <a:ext cx="10515600" cy="833360"/>
-          </a:xfrm>
-        </p:spPr>
-        <p:txBody>
-          <a:bodyPr>
-            <a:normAutofit fontScale="90000"/>
-          </a:bodyPr>
-          <a:lstStyle/>
-          <a:p>
-            <a:r>
-              <a:rPr lang="en-US" altLang="ko-KR" sz="3300" dirty="0"/>
-              <a:t>5</a:t>
-            </a:r>
-            <a:r>
-              <a:rPr lang="en-US" altLang="ko-KR" sz="3300" dirty="0" smtClean="0"/>
-              <a:t>. </a:t>
-            </a:r>
-            <a:r>
-              <a:rPr lang="en-US" altLang="ko-KR" sz="3300" dirty="0" err="1" smtClean="0"/>
-              <a:t>Git</a:t>
-            </a:r>
-            <a:r>
-              <a:rPr lang="en-US" altLang="ko-KR" sz="3300" dirty="0" smtClean="0"/>
-              <a:t> </a:t>
-            </a:r>
-            <a:r>
-              <a:rPr lang="ko-KR" altLang="en-US" sz="3300" dirty="0" err="1" smtClean="0"/>
-              <a:t>레포지토리</a:t>
-            </a:r>
-            <a:r>
-              <a:rPr lang="ko-KR" altLang="en-US" sz="3300" dirty="0" smtClean="0"/>
-              <a:t> 다운로드하기 </a:t>
-            </a:r>
-            <a:r>
-              <a:rPr lang="en-US" altLang="ko-KR" sz="3300" dirty="0" smtClean="0"/>
-              <a:t/>
-            </a:r>
-            <a:br>
-              <a:rPr lang="en-US" altLang="ko-KR" sz="3300" dirty="0" smtClean="0"/>
-            </a:br>
-            <a:r>
-              <a:rPr lang="en-US" altLang="ko-KR" sz="3300" dirty="0" smtClean="0"/>
-              <a:t>– </a:t>
-            </a:r>
-            <a:r>
-              <a:rPr lang="ko-KR" altLang="en-US" sz="3300" dirty="0" smtClean="0"/>
-              <a:t>노트북에 </a:t>
-            </a:r>
-            <a:r>
-              <a:rPr lang="en-US" altLang="ko-KR" sz="3300" dirty="0" err="1" smtClean="0"/>
-              <a:t>git</a:t>
-            </a:r>
-            <a:r>
-              <a:rPr lang="ko-KR" altLang="en-US" sz="3300" dirty="0" smtClean="0"/>
-              <a:t>이 안 깔려있는 사람</a:t>
-            </a:r>
-            <a:r>
-              <a:rPr lang="en-US" altLang="ko-KR" sz="3300" dirty="0" smtClean="0"/>
-              <a:t>!</a:t>
-            </a:r>
-            <a:endParaRPr lang="ko-KR" altLang="en-US" sz="3300" dirty="0"/>
-          </a:p>
-        </p:txBody>
-      </p:sp>
-      <p:sp>
-        <p:nvSpPr>
-          <p:cNvPr id="8" name="직사각형 7"/>
-          <p:cNvSpPr/>
-          <p:nvPr/>
-        </p:nvSpPr>
-        <p:spPr>
-          <a:xfrm>
-            <a:off x="3544243" y="1255281"/>
-            <a:ext cx="4594528" cy="369332"/>
-          </a:xfrm>
-          <a:prstGeom prst="rect">
-            <a:avLst/>
-          </a:prstGeom>
-        </p:spPr>
-        <p:txBody>
-          <a:bodyPr wrap="none">
-            <a:spAutoFit/>
-          </a:bodyPr>
-          <a:lstStyle/>
-          <a:p>
-            <a:r>
-              <a:rPr lang="ko-KR" altLang="en-US" dirty="0" smtClean="0"/>
-              <a:t>https://github.com/sano820/windows-gpu</a:t>
-            </a:r>
-            <a:endParaRPr lang="ko-KR" altLang="en-US" dirty="0"/>
-          </a:p>
-        </p:txBody>
-      </p:sp>
-      <p:pic>
-        <p:nvPicPr>
-          <p:cNvPr id="10" name="그림 9"/>
-          <p:cNvPicPr>
-            <a:picLocks noChangeAspect="1"/>
-          </p:cNvPicPr>
-          <p:nvPr/>
-        </p:nvPicPr>
-        <p:blipFill>
-          <a:blip r:embed="rId2"/>
-          <a:stretch>
-            <a:fillRect/>
-          </a:stretch>
-        </p:blipFill>
-        <p:spPr>
-          <a:xfrm>
-            <a:off x="648810" y="1802167"/>
-            <a:ext cx="5447190" cy="4679260"/>
-          </a:xfrm>
-          <a:prstGeom prst="rect">
-            <a:avLst/>
-          </a:prstGeom>
-        </p:spPr>
-      </p:pic>
-      <p:sp>
-        <p:nvSpPr>
-          <p:cNvPr id="11" name="내용 개체 틀 2"/>
-          <p:cNvSpPr txBox="1">
-            <a:spLocks/>
-          </p:cNvSpPr>
-          <p:nvPr/>
-        </p:nvSpPr>
-        <p:spPr>
-          <a:xfrm>
-            <a:off x="7016320" y="2588944"/>
-            <a:ext cx="4870880" cy="3105705"/>
-          </a:xfrm>
-          <a:prstGeom prst="rect">
-            <a:avLst/>
-          </a:prstGeom>
-        </p:spPr>
-        <p:txBody>
-          <a:bodyPr vert="horz" lIns="91440" tIns="45720" rIns="91440" bIns="45720" rtlCol="0">
-            <a:normAutofit/>
-          </a:bodyPr>
-          <a:lstStyle>
-            <a:lvl1pPr marL="228600" indent="-228600" algn="l" defTabSz="914400" rtl="0" eaLnBrk="1" latinLnBrk="1" hangingPunct="1">
-              <a:lnSpc>
-                <a:spcPct val="90000"/>
-              </a:lnSpc>
-              <a:spcBef>
-                <a:spcPts val="1000"/>
-              </a:spcBef>
-              <a:buFont typeface="Arial" panose="020B0604020202020204" pitchFamily="34" charset="0"/>
-              <a:buChar char="•"/>
-              <a:defRPr sz="2800" kern="1200">
-                <a:solidFill>
-                  <a:schemeClr val="tx1"/>
-                </a:solidFill>
-                <a:latin typeface="+mn-lt"/>
-                <a:ea typeface="+mn-ea"/>
-                <a:cs typeface="+mn-cs"/>
-              </a:defRPr>
-            </a:lvl1pPr>
-            <a:lvl2pPr marL="685800" indent="-228600" algn="l" defTabSz="914400" rtl="0" eaLnBrk="1" latinLnBrk="1" hangingPunct="1">
-              <a:lnSpc>
-                <a:spcPct val="90000"/>
-              </a:lnSpc>
-              <a:spcBef>
-                <a:spcPts val="500"/>
-              </a:spcBef>
-              <a:buFont typeface="Arial" panose="020B0604020202020204" pitchFamily="34" charset="0"/>
-              <a:buChar char="•"/>
-              <a:defRPr sz="2400" kern="1200">
-                <a:solidFill>
-                  <a:schemeClr val="tx1"/>
-                </a:solidFill>
-                <a:latin typeface="+mn-lt"/>
-                <a:ea typeface="+mn-ea"/>
-                <a:cs typeface="+mn-cs"/>
-              </a:defRPr>
-            </a:lvl2pPr>
-            <a:lvl3pPr marL="1143000" indent="-228600" algn="l" defTabSz="914400" rtl="0" eaLnBrk="1" latinLnBrk="1" hangingPunct="1">
-              <a:lnSpc>
-                <a:spcPct val="90000"/>
-              </a:lnSpc>
-              <a:spcBef>
-                <a:spcPts val="500"/>
-              </a:spcBef>
-              <a:buFont typeface="Arial" panose="020B0604020202020204" pitchFamily="34" charset="0"/>
-              <a:buChar char="•"/>
-              <a:defRPr sz="2000" kern="1200">
-                <a:solidFill>
-                  <a:schemeClr val="tx1"/>
-                </a:solidFill>
-                <a:latin typeface="+mn-lt"/>
-                <a:ea typeface="+mn-ea"/>
-                <a:cs typeface="+mn-cs"/>
-              </a:defRPr>
-            </a:lvl3pPr>
-            <a:lvl4pPr marL="1600200" indent="-228600" algn="l" defTabSz="914400" rtl="0" eaLnBrk="1" latinLnBrk="1" hangingPunct="1">
-              <a:lnSpc>
-                <a:spcPct val="90000"/>
-              </a:lnSpc>
-              <a:spcBef>
-                <a:spcPts val="500"/>
-              </a:spcBef>
-              <a:buFont typeface="Arial" panose="020B0604020202020204" pitchFamily="34" charset="0"/>
-              <a:buChar char="•"/>
-              <a:defRPr sz="1800" kern="1200">
-                <a:solidFill>
-                  <a:schemeClr val="tx1"/>
-                </a:solidFill>
-                <a:latin typeface="+mn-lt"/>
-                <a:ea typeface="+mn-ea"/>
-                <a:cs typeface="+mn-cs"/>
-              </a:defRPr>
-            </a:lvl4pPr>
-            <a:lvl5pPr marL="2057400" indent="-228600" algn="l" defTabSz="914400" rtl="0" eaLnBrk="1" latinLnBrk="1" hangingPunct="1">
-              <a:lnSpc>
-                <a:spcPct val="90000"/>
-              </a:lnSpc>
-              <a:spcBef>
-                <a:spcPts val="500"/>
-              </a:spcBef>
-              <a:buFont typeface="Arial" panose="020B0604020202020204" pitchFamily="34" charset="0"/>
-              <a:buChar char="•"/>
-              <a:defRPr sz="1800" kern="1200">
-                <a:solidFill>
-                  <a:schemeClr val="tx1"/>
-                </a:solidFill>
-                <a:latin typeface="+mn-lt"/>
-                <a:ea typeface="+mn-ea"/>
-                <a:cs typeface="+mn-cs"/>
-              </a:defRPr>
-            </a:lvl5pPr>
-            <a:lvl6pPr marL="2514600" indent="-228600" algn="l" defTabSz="914400" rtl="0" eaLnBrk="1" latinLnBrk="1" hangingPunct="1">
-              <a:lnSpc>
-                <a:spcPct val="90000"/>
-              </a:lnSpc>
-              <a:spcBef>
-                <a:spcPts val="500"/>
-              </a:spcBef>
-              <a:buFont typeface="Arial" panose="020B0604020202020204" pitchFamily="34" charset="0"/>
-              <a:buChar char="•"/>
-              <a:defRPr sz="1800" kern="1200">
-                <a:solidFill>
-                  <a:schemeClr val="tx1"/>
-                </a:solidFill>
-                <a:latin typeface="+mn-lt"/>
-                <a:ea typeface="+mn-ea"/>
-                <a:cs typeface="+mn-cs"/>
-              </a:defRPr>
-            </a:lvl6pPr>
-            <a:lvl7pPr marL="2971800" indent="-228600" algn="l" defTabSz="914400" rtl="0" eaLnBrk="1" latinLnBrk="1" hangingPunct="1">
-              <a:lnSpc>
-                <a:spcPct val="90000"/>
-              </a:lnSpc>
-              <a:spcBef>
-                <a:spcPts val="500"/>
-              </a:spcBef>
-              <a:buFont typeface="Arial" panose="020B0604020202020204" pitchFamily="34" charset="0"/>
-              <a:buChar char="•"/>
-              <a:defRPr sz="1800" kern="1200">
-                <a:solidFill>
-                  <a:schemeClr val="tx1"/>
-                </a:solidFill>
-                <a:latin typeface="+mn-lt"/>
-                <a:ea typeface="+mn-ea"/>
-                <a:cs typeface="+mn-cs"/>
-              </a:defRPr>
-            </a:lvl7pPr>
-            <a:lvl8pPr marL="3429000" indent="-228600" algn="l" defTabSz="914400" rtl="0" eaLnBrk="1" latinLnBrk="1" hangingPunct="1">
-              <a:lnSpc>
-                <a:spcPct val="90000"/>
-              </a:lnSpc>
-              <a:spcBef>
-                <a:spcPts val="500"/>
-              </a:spcBef>
-              <a:buFont typeface="Arial" panose="020B0604020202020204" pitchFamily="34" charset="0"/>
-              <a:buChar char="•"/>
-              <a:defRPr sz="1800" kern="1200">
-                <a:solidFill>
-                  <a:schemeClr val="tx1"/>
-                </a:solidFill>
-                <a:latin typeface="+mn-lt"/>
-                <a:ea typeface="+mn-ea"/>
-                <a:cs typeface="+mn-cs"/>
-              </a:defRPr>
-            </a:lvl8pPr>
-            <a:lvl9pPr marL="3886200" indent="-228600" algn="l" defTabSz="914400" rtl="0" eaLnBrk="1" latinLnBrk="1" hangingPunct="1">
-              <a:lnSpc>
-                <a:spcPct val="90000"/>
-              </a:lnSpc>
-              <a:spcBef>
-                <a:spcPts val="500"/>
-              </a:spcBef>
-              <a:buFont typeface="Arial" panose="020B0604020202020204" pitchFamily="34" charset="0"/>
-              <a:buChar char="•"/>
-              <a:defRPr sz="1800" kern="1200">
-                <a:solidFill>
-                  <a:schemeClr val="tx1"/>
-                </a:solidFill>
-                <a:latin typeface="+mn-lt"/>
-                <a:ea typeface="+mn-ea"/>
-                <a:cs typeface="+mn-cs"/>
-              </a:defRPr>
-            </a:lvl9pPr>
-          </a:lstStyle>
-          <a:p>
-            <a:pPr marL="0" indent="0">
-              <a:buFont typeface="Arial" panose="020B0604020202020204" pitchFamily="34" charset="0"/>
-              <a:buNone/>
-            </a:pPr>
-            <a:r>
-              <a:rPr lang="en-US" altLang="ko-KR" sz="2200" dirty="0" smtClean="0"/>
-              <a:t>Download ZIP </a:t>
-            </a:r>
-            <a:r>
-              <a:rPr lang="ko-KR" altLang="en-US" sz="2200" dirty="0" smtClean="0"/>
-              <a:t>누르기</a:t>
-            </a:r>
-            <a:r>
-              <a:rPr lang="en-US" altLang="ko-KR" sz="2200" dirty="0" smtClean="0"/>
-              <a:t>!</a:t>
-            </a:r>
-          </a:p>
-          <a:p>
-            <a:pPr marL="0" indent="0">
-              <a:buFont typeface="Arial" panose="020B0604020202020204" pitchFamily="34" charset="0"/>
-              <a:buNone/>
-            </a:pPr>
-            <a:r>
-              <a:rPr lang="en-US" altLang="ko-KR" sz="2200" dirty="0" smtClean="0"/>
-              <a:t>-&gt; </a:t>
-            </a:r>
-            <a:r>
-              <a:rPr lang="ko-KR" altLang="en-US" sz="2200" dirty="0" err="1" smtClean="0"/>
-              <a:t>다운로드된</a:t>
-            </a:r>
-            <a:r>
-              <a:rPr lang="ko-KR" altLang="en-US" sz="2200" dirty="0" smtClean="0"/>
-              <a:t> 파일을 내가 원하는 </a:t>
-            </a:r>
-            <a:endParaRPr lang="en-US" altLang="ko-KR" sz="2200" dirty="0" smtClean="0"/>
-          </a:p>
-          <a:p>
-            <a:pPr marL="0" indent="0">
-              <a:buFont typeface="Arial" panose="020B0604020202020204" pitchFamily="34" charset="0"/>
-              <a:buNone/>
-            </a:pPr>
-            <a:r>
-              <a:rPr lang="ko-KR" altLang="en-US" sz="2200" dirty="0" smtClean="0"/>
-              <a:t>위치에서 압축 풀기</a:t>
-            </a:r>
-            <a:r>
-              <a:rPr lang="en-US" altLang="ko-KR" sz="2200" dirty="0" smtClean="0"/>
-              <a:t>!</a:t>
-            </a:r>
-          </a:p>
-          <a:p>
-            <a:pPr marL="0" indent="0">
-              <a:buFont typeface="Arial" panose="020B0604020202020204" pitchFamily="34" charset="0"/>
-              <a:buNone/>
-            </a:pPr>
-            <a:r>
-              <a:rPr lang="en-US" altLang="ko-KR" sz="2200" dirty="0" smtClean="0"/>
-              <a:t>-&gt; </a:t>
-            </a:r>
-            <a:r>
-              <a:rPr lang="ko-KR" altLang="en-US" sz="2200" dirty="0" smtClean="0"/>
-              <a:t>파일 위치 기억</a:t>
-            </a:r>
-            <a:r>
-              <a:rPr lang="en-US" altLang="ko-KR" sz="2200" dirty="0" smtClean="0"/>
-              <a:t>!</a:t>
-            </a:r>
-          </a:p>
-          <a:p>
-            <a:pPr marL="0" indent="0">
-              <a:buFont typeface="Arial" panose="020B0604020202020204" pitchFamily="34" charset="0"/>
-              <a:buNone/>
-            </a:pPr>
-            <a:endParaRPr lang="en-US" altLang="ko-KR" sz="1500" dirty="0" smtClean="0"/>
-          </a:p>
-          <a:p>
-            <a:pPr marL="0" indent="0">
-              <a:buFont typeface="Arial" panose="020B0604020202020204" pitchFamily="34" charset="0"/>
-              <a:buNone/>
-            </a:pPr>
-            <a:endParaRPr lang="ko-KR" altLang="en-US" sz="1500" dirty="0"/>
-          </a:p>
-        </p:txBody>
-      </p:sp>
-    </p:spTree>
-    <p:extLst>
-      <p:ext uri="{BB962C8B-B14F-4D97-AF65-F5344CB8AC3E}">
-        <p14:creationId xmlns:p14="http://schemas.microsoft.com/office/powerpoint/2010/main" val="700058546"/>
-      </p:ext>
-    </p:extLst>
-  </p:cSld>
-  <p:clrMapOvr>
-    <a:masterClrMapping/>
-  </p:clrMapOvr>
-  <p:timing>
-    <p:tnLst>
-      <p:par>
-        <p:cTn id="1" dur="indefinite" restart="never" nodeType="tmRoot"/>
-      </p:par>
-    </p:tnLst>
-  </p:timing>
 </p:sld>
 </file>
 
